--- a/Patterns & Best Practices For Moving From RDBMS to Azure Storage.pptx
+++ b/Patterns & Best Practices For Moving From RDBMS to Azure Storage.pptx
@@ -13,7 +13,26 @@
     <p:sldId id="261" r:id="rId7"/>
     <p:sldId id="262" r:id="rId8"/>
     <p:sldId id="263" r:id="rId9"/>
-    <p:sldId id="264" r:id="rId10"/>
+    <p:sldId id="266" r:id="rId10"/>
+    <p:sldId id="267" r:id="rId11"/>
+    <p:sldId id="264" r:id="rId12"/>
+    <p:sldId id="265" r:id="rId13"/>
+    <p:sldId id="270" r:id="rId14"/>
+    <p:sldId id="268" r:id="rId15"/>
+    <p:sldId id="269" r:id="rId16"/>
+    <p:sldId id="271" r:id="rId17"/>
+    <p:sldId id="272" r:id="rId18"/>
+    <p:sldId id="273" r:id="rId19"/>
+    <p:sldId id="274" r:id="rId20"/>
+    <p:sldId id="275" r:id="rId21"/>
+    <p:sldId id="276" r:id="rId22"/>
+    <p:sldId id="277" r:id="rId23"/>
+    <p:sldId id="278" r:id="rId24"/>
+    <p:sldId id="279" r:id="rId25"/>
+    <p:sldId id="280" r:id="rId26"/>
+    <p:sldId id="281" r:id="rId27"/>
+    <p:sldId id="282" r:id="rId28"/>
+    <p:sldId id="283" r:id="rId29"/>
   </p:sldIdLst>
   <p:sldSz cx="12192000" cy="6858000"/>
   <p:notesSz cx="6858000" cy="9144000"/>
@@ -112,6 +131,11 @@
       </a:defRPr>
     </a:lvl9pPr>
   </p:defaultTextStyle>
+  <p:extLst>
+    <p:ext uri="{EFAFB233-063F-42B5-8137-9DF3F51BA10A}">
+      <p15:sldGuideLst xmlns:p15="http://schemas.microsoft.com/office/powerpoint/2012/main"/>
+    </p:ext>
+  </p:extLst>
 </p:presentation>
 </file>
 
@@ -3057,6 +3081,2159 @@
 </p:sld>
 </file>
 
+<file path=ppt/slides/slide10.xml><?xml version="1.0" encoding="utf-8"?>
+<p:sld xmlns:a="http://schemas.openxmlformats.org/drawingml/2006/main" xmlns:r="http://schemas.openxmlformats.org/officeDocument/2006/relationships" xmlns:p="http://schemas.openxmlformats.org/presentationml/2006/main">
+  <p:cSld>
+    <p:spTree>
+      <p:nvGrpSpPr>
+        <p:cNvPr id="1" name=""/>
+        <p:cNvGrpSpPr/>
+        <p:nvPr/>
+      </p:nvGrpSpPr>
+      <p:grpSpPr>
+        <a:xfrm>
+          <a:off x="0" y="0"/>
+          <a:ext cx="0" cy="0"/>
+          <a:chOff x="0" y="0"/>
+          <a:chExt cx="0" cy="0"/>
+        </a:xfrm>
+      </p:grpSpPr>
+      <p:sp>
+        <p:nvSpPr>
+          <p:cNvPr id="2" name="Title 1"/>
+          <p:cNvSpPr>
+            <a:spLocks noGrp="1"/>
+          </p:cNvSpPr>
+          <p:nvPr>
+            <p:ph type="title"/>
+          </p:nvPr>
+        </p:nvSpPr>
+        <p:spPr/>
+        <p:txBody>
+          <a:bodyPr/>
+          <a:lstStyle/>
+          <a:p>
+            <a:r>
+              <a:rPr lang="en-US" dirty="0" smtClean="0"/>
+              <a:t>SQL Data types</a:t>
+            </a:r>
+            <a:endParaRPr lang="en-US" dirty="0"/>
+          </a:p>
+        </p:txBody>
+      </p:sp>
+      <p:sp>
+        <p:nvSpPr>
+          <p:cNvPr id="3" name="Content Placeholder 2"/>
+          <p:cNvSpPr>
+            <a:spLocks noGrp="1"/>
+          </p:cNvSpPr>
+          <p:nvPr>
+            <p:ph idx="1"/>
+          </p:nvPr>
+        </p:nvSpPr>
+        <p:spPr>
+          <a:xfrm>
+            <a:off x="838200" y="1825625"/>
+            <a:ext cx="2397369" cy="4351338"/>
+          </a:xfrm>
+        </p:spPr>
+        <p:txBody>
+          <a:bodyPr>
+            <a:normAutofit fontScale="77500" lnSpcReduction="20000"/>
+          </a:bodyPr>
+          <a:lstStyle/>
+          <a:p>
+            <a:pPr marL="0" indent="0">
+              <a:buNone/>
+            </a:pPr>
+            <a:r>
+              <a:rPr lang="en-US" dirty="0" err="1" smtClean="0"/>
+              <a:t>Numerics</a:t>
+            </a:r>
+            <a:endParaRPr lang="en-US" dirty="0"/>
+          </a:p>
+          <a:p>
+            <a:pPr marL="285750" indent="-285750"/>
+            <a:r>
+              <a:rPr lang="en-US" dirty="0" err="1"/>
+              <a:t>BigInt</a:t>
+            </a:r>
+            <a:endParaRPr lang="en-US" dirty="0"/>
+          </a:p>
+          <a:p>
+            <a:pPr marL="285750" indent="-285750"/>
+            <a:r>
+              <a:rPr lang="en-US" dirty="0" err="1"/>
+              <a:t>Int</a:t>
+            </a:r>
+            <a:endParaRPr lang="en-US" dirty="0"/>
+          </a:p>
+          <a:p>
+            <a:pPr marL="285750" indent="-285750"/>
+            <a:r>
+              <a:rPr lang="en-US" dirty="0" err="1"/>
+              <a:t>SmallInt</a:t>
+            </a:r>
+            <a:endParaRPr lang="en-US" dirty="0"/>
+          </a:p>
+          <a:p>
+            <a:pPr marL="285750" indent="-285750"/>
+            <a:r>
+              <a:rPr lang="en-US" dirty="0" err="1"/>
+              <a:t>TinyInt</a:t>
+            </a:r>
+            <a:endParaRPr lang="en-US" dirty="0"/>
+          </a:p>
+          <a:p>
+            <a:pPr marL="285750" indent="-285750"/>
+            <a:r>
+              <a:rPr lang="en-US" dirty="0"/>
+              <a:t>Bit</a:t>
+            </a:r>
+          </a:p>
+          <a:p>
+            <a:pPr marL="285750" indent="-285750"/>
+            <a:r>
+              <a:rPr lang="en-US" dirty="0"/>
+              <a:t>Money</a:t>
+            </a:r>
+          </a:p>
+          <a:p>
+            <a:pPr marL="285750" indent="-285750"/>
+            <a:r>
+              <a:rPr lang="en-US" dirty="0" err="1"/>
+              <a:t>SmallMoney</a:t>
+            </a:r>
+            <a:endParaRPr lang="en-US" dirty="0"/>
+          </a:p>
+          <a:p>
+            <a:pPr marL="285750" indent="-285750"/>
+            <a:r>
+              <a:rPr lang="en-US" dirty="0"/>
+              <a:t>Numeric</a:t>
+            </a:r>
+          </a:p>
+          <a:p>
+            <a:pPr marL="285750" indent="-285750"/>
+            <a:r>
+              <a:rPr lang="en-US" dirty="0"/>
+              <a:t>Float</a:t>
+            </a:r>
+          </a:p>
+          <a:p>
+            <a:pPr marL="285750" indent="-285750"/>
+            <a:r>
+              <a:rPr lang="en-US" dirty="0" smtClean="0"/>
+              <a:t>Decimal</a:t>
+            </a:r>
+          </a:p>
+          <a:p>
+            <a:pPr marL="285750" indent="-285750"/>
+            <a:r>
+              <a:rPr lang="en-US" dirty="0" smtClean="0"/>
+              <a:t>Real</a:t>
+            </a:r>
+            <a:endParaRPr lang="en-US" dirty="0"/>
+          </a:p>
+          <a:p>
+            <a:endParaRPr lang="en-US" dirty="0"/>
+          </a:p>
+        </p:txBody>
+      </p:sp>
+      <p:sp>
+        <p:nvSpPr>
+          <p:cNvPr id="4" name="TextBox 3"/>
+          <p:cNvSpPr txBox="1"/>
+          <p:nvPr/>
+        </p:nvSpPr>
+        <p:spPr>
+          <a:xfrm>
+            <a:off x="3357064" y="1690688"/>
+            <a:ext cx="2333958" cy="2585323"/>
+          </a:xfrm>
+          <a:prstGeom prst="rect">
+            <a:avLst/>
+          </a:prstGeom>
+          <a:noFill/>
+        </p:spPr>
+        <p:txBody>
+          <a:bodyPr wrap="square" rtlCol="0">
+            <a:spAutoFit/>
+          </a:bodyPr>
+          <a:lstStyle/>
+          <a:p>
+            <a:r>
+              <a:rPr lang="en-US" dirty="0" smtClean="0"/>
+              <a:t>Date &amp; Time</a:t>
+            </a:r>
+          </a:p>
+          <a:p>
+            <a:pPr marL="285750" indent="-285750">
+              <a:buFont typeface="Arial" panose="020B0604020202020204" pitchFamily="34" charset="0"/>
+              <a:buChar char="•"/>
+            </a:pPr>
+            <a:r>
+              <a:rPr lang="en-US" dirty="0" smtClean="0"/>
+              <a:t>Date</a:t>
+            </a:r>
+          </a:p>
+          <a:p>
+            <a:pPr marL="285750" indent="-285750">
+              <a:buFont typeface="Arial" panose="020B0604020202020204" pitchFamily="34" charset="0"/>
+              <a:buChar char="•"/>
+            </a:pPr>
+            <a:r>
+              <a:rPr lang="en-US" dirty="0" err="1" smtClean="0"/>
+              <a:t>DateTime</a:t>
+            </a:r>
+            <a:endParaRPr lang="en-US" dirty="0" smtClean="0"/>
+          </a:p>
+          <a:p>
+            <a:pPr marL="285750" indent="-285750">
+              <a:buFont typeface="Arial" panose="020B0604020202020204" pitchFamily="34" charset="0"/>
+              <a:buChar char="•"/>
+            </a:pPr>
+            <a:r>
+              <a:rPr lang="en-US" dirty="0" smtClean="0"/>
+              <a:t>DateTime2</a:t>
+            </a:r>
+          </a:p>
+          <a:p>
+            <a:pPr marL="285750" indent="-285750">
+              <a:buFont typeface="Arial" panose="020B0604020202020204" pitchFamily="34" charset="0"/>
+              <a:buChar char="•"/>
+            </a:pPr>
+            <a:r>
+              <a:rPr lang="en-US" dirty="0" err="1" smtClean="0"/>
+              <a:t>DateTimeOffset</a:t>
+            </a:r>
+            <a:endParaRPr lang="en-US" dirty="0" smtClean="0"/>
+          </a:p>
+          <a:p>
+            <a:pPr marL="285750" indent="-285750">
+              <a:buFont typeface="Arial" panose="020B0604020202020204" pitchFamily="34" charset="0"/>
+              <a:buChar char="•"/>
+            </a:pPr>
+            <a:r>
+              <a:rPr lang="en-US" dirty="0" err="1" smtClean="0"/>
+              <a:t>SmallDateTime</a:t>
+            </a:r>
+            <a:endParaRPr lang="en-US" dirty="0" smtClean="0"/>
+          </a:p>
+          <a:p>
+            <a:pPr marL="285750" indent="-285750">
+              <a:buFont typeface="Arial" panose="020B0604020202020204" pitchFamily="34" charset="0"/>
+              <a:buChar char="•"/>
+            </a:pPr>
+            <a:r>
+              <a:rPr lang="en-US" dirty="0" smtClean="0"/>
+              <a:t>Time</a:t>
+            </a:r>
+          </a:p>
+          <a:p>
+            <a:pPr marL="285750" indent="-285750">
+              <a:buFont typeface="Arial" panose="020B0604020202020204" pitchFamily="34" charset="0"/>
+              <a:buChar char="•"/>
+            </a:pPr>
+            <a:endParaRPr lang="en-US" dirty="0" smtClean="0"/>
+          </a:p>
+          <a:p>
+            <a:endParaRPr lang="en-US" dirty="0"/>
+          </a:p>
+        </p:txBody>
+      </p:sp>
+      <p:sp>
+        <p:nvSpPr>
+          <p:cNvPr id="5" name="TextBox 4"/>
+          <p:cNvSpPr txBox="1"/>
+          <p:nvPr/>
+        </p:nvSpPr>
+        <p:spPr>
+          <a:xfrm>
+            <a:off x="3536106" y="4181941"/>
+            <a:ext cx="3504135" cy="2031325"/>
+          </a:xfrm>
+          <a:prstGeom prst="rect">
+            <a:avLst/>
+          </a:prstGeom>
+          <a:noFill/>
+        </p:spPr>
+        <p:txBody>
+          <a:bodyPr wrap="square" rtlCol="0">
+            <a:spAutoFit/>
+          </a:bodyPr>
+          <a:lstStyle/>
+          <a:p>
+            <a:r>
+              <a:rPr lang="en-US" dirty="0" smtClean="0"/>
+              <a:t>Character Strings</a:t>
+            </a:r>
+          </a:p>
+          <a:p>
+            <a:pPr marL="285750" indent="-285750">
+              <a:buFont typeface="Arial" panose="020B0604020202020204" pitchFamily="34" charset="0"/>
+              <a:buChar char="•"/>
+            </a:pPr>
+            <a:r>
+              <a:rPr lang="en-US" dirty="0" smtClean="0"/>
+              <a:t>Char</a:t>
+            </a:r>
+          </a:p>
+          <a:p>
+            <a:pPr marL="285750" indent="-285750">
+              <a:buFont typeface="Arial" panose="020B0604020202020204" pitchFamily="34" charset="0"/>
+              <a:buChar char="•"/>
+            </a:pPr>
+            <a:r>
+              <a:rPr lang="en-US" dirty="0" smtClean="0"/>
+              <a:t>Text</a:t>
+            </a:r>
+          </a:p>
+          <a:p>
+            <a:pPr marL="285750" indent="-285750">
+              <a:buFont typeface="Arial" panose="020B0604020202020204" pitchFamily="34" charset="0"/>
+              <a:buChar char="•"/>
+            </a:pPr>
+            <a:r>
+              <a:rPr lang="en-US" dirty="0" err="1" smtClean="0"/>
+              <a:t>Varchar</a:t>
+            </a:r>
+            <a:endParaRPr lang="en-US" dirty="0" smtClean="0"/>
+          </a:p>
+          <a:p>
+            <a:pPr marL="285750" indent="-285750">
+              <a:buFont typeface="Arial" panose="020B0604020202020204" pitchFamily="34" charset="0"/>
+              <a:buChar char="•"/>
+            </a:pPr>
+            <a:r>
+              <a:rPr lang="en-US" dirty="0" err="1" smtClean="0"/>
+              <a:t>Nchar</a:t>
+            </a:r>
+            <a:endParaRPr lang="en-US" dirty="0" smtClean="0"/>
+          </a:p>
+          <a:p>
+            <a:pPr marL="285750" indent="-285750">
+              <a:buFont typeface="Arial" panose="020B0604020202020204" pitchFamily="34" charset="0"/>
+              <a:buChar char="•"/>
+            </a:pPr>
+            <a:r>
+              <a:rPr lang="en-US" dirty="0" err="1" smtClean="0"/>
+              <a:t>Ntext</a:t>
+            </a:r>
+            <a:endParaRPr lang="en-US" dirty="0" smtClean="0"/>
+          </a:p>
+          <a:p>
+            <a:pPr marL="285750" indent="-285750">
+              <a:buFont typeface="Arial" panose="020B0604020202020204" pitchFamily="34" charset="0"/>
+              <a:buChar char="•"/>
+            </a:pPr>
+            <a:r>
+              <a:rPr lang="en-US" dirty="0" err="1" smtClean="0"/>
+              <a:t>NVarChar</a:t>
+            </a:r>
+            <a:endParaRPr lang="en-US" dirty="0" smtClean="0"/>
+          </a:p>
+        </p:txBody>
+      </p:sp>
+      <p:sp>
+        <p:nvSpPr>
+          <p:cNvPr id="6" name="TextBox 5"/>
+          <p:cNvSpPr txBox="1"/>
+          <p:nvPr/>
+        </p:nvSpPr>
+        <p:spPr>
+          <a:xfrm>
+            <a:off x="5754433" y="1644521"/>
+            <a:ext cx="1758461" cy="1200329"/>
+          </a:xfrm>
+          <a:prstGeom prst="rect">
+            <a:avLst/>
+          </a:prstGeom>
+          <a:noFill/>
+        </p:spPr>
+        <p:txBody>
+          <a:bodyPr wrap="square" rtlCol="0">
+            <a:spAutoFit/>
+          </a:bodyPr>
+          <a:lstStyle/>
+          <a:p>
+            <a:r>
+              <a:rPr lang="en-US" dirty="0" smtClean="0"/>
+              <a:t>Binary Strings</a:t>
+            </a:r>
+          </a:p>
+          <a:p>
+            <a:pPr marL="285750" indent="-285750">
+              <a:buFont typeface="Arial" panose="020B0604020202020204" pitchFamily="34" charset="0"/>
+              <a:buChar char="•"/>
+            </a:pPr>
+            <a:r>
+              <a:rPr lang="en-US" dirty="0" smtClean="0"/>
+              <a:t>Binary</a:t>
+            </a:r>
+          </a:p>
+          <a:p>
+            <a:pPr marL="285750" indent="-285750">
+              <a:buFont typeface="Arial" panose="020B0604020202020204" pitchFamily="34" charset="0"/>
+              <a:buChar char="•"/>
+            </a:pPr>
+            <a:r>
+              <a:rPr lang="en-US" dirty="0" smtClean="0"/>
+              <a:t>Image</a:t>
+            </a:r>
+          </a:p>
+          <a:p>
+            <a:pPr marL="285750" indent="-285750">
+              <a:buFont typeface="Arial" panose="020B0604020202020204" pitchFamily="34" charset="0"/>
+              <a:buChar char="•"/>
+            </a:pPr>
+            <a:r>
+              <a:rPr lang="en-US" dirty="0" err="1" smtClean="0"/>
+              <a:t>VarBinary</a:t>
+            </a:r>
+            <a:endParaRPr lang="en-US" dirty="0"/>
+          </a:p>
+        </p:txBody>
+      </p:sp>
+    </p:spTree>
+    <p:extLst>
+      <p:ext uri="{BB962C8B-B14F-4D97-AF65-F5344CB8AC3E}">
+        <p14:creationId xmlns:p14="http://schemas.microsoft.com/office/powerpoint/2010/main" val="1557970239"/>
+      </p:ext>
+    </p:extLst>
+  </p:cSld>
+  <p:clrMapOvr>
+    <a:masterClrMapping/>
+  </p:clrMapOvr>
+</p:sld>
+</file>
+
+<file path=ppt/slides/slide11.xml><?xml version="1.0" encoding="utf-8"?>
+<p:sld xmlns:a="http://schemas.openxmlformats.org/drawingml/2006/main" xmlns:r="http://schemas.openxmlformats.org/officeDocument/2006/relationships" xmlns:p="http://schemas.openxmlformats.org/presentationml/2006/main">
+  <p:cSld>
+    <p:spTree>
+      <p:nvGrpSpPr>
+        <p:cNvPr id="1" name=""/>
+        <p:cNvGrpSpPr/>
+        <p:nvPr/>
+      </p:nvGrpSpPr>
+      <p:grpSpPr>
+        <a:xfrm>
+          <a:off x="0" y="0"/>
+          <a:ext cx="0" cy="0"/>
+          <a:chOff x="0" y="0"/>
+          <a:chExt cx="0" cy="0"/>
+        </a:xfrm>
+      </p:grpSpPr>
+      <p:sp>
+        <p:nvSpPr>
+          <p:cNvPr id="2" name="Title 1"/>
+          <p:cNvSpPr>
+            <a:spLocks noGrp="1"/>
+          </p:cNvSpPr>
+          <p:nvPr>
+            <p:ph type="title"/>
+          </p:nvPr>
+        </p:nvSpPr>
+        <p:spPr/>
+        <p:txBody>
+          <a:bodyPr/>
+          <a:lstStyle/>
+          <a:p>
+            <a:r>
+              <a:rPr lang="en-US" dirty="0" smtClean="0"/>
+              <a:t>Table Partitions – Why do I care?</a:t>
+            </a:r>
+            <a:endParaRPr lang="en-US" dirty="0"/>
+          </a:p>
+        </p:txBody>
+      </p:sp>
+      <p:sp>
+        <p:nvSpPr>
+          <p:cNvPr id="3" name="Content Placeholder 2"/>
+          <p:cNvSpPr>
+            <a:spLocks noGrp="1"/>
+          </p:cNvSpPr>
+          <p:nvPr>
+            <p:ph idx="1"/>
+          </p:nvPr>
+        </p:nvSpPr>
+        <p:spPr/>
+        <p:txBody>
+          <a:bodyPr/>
+          <a:lstStyle/>
+          <a:p>
+            <a:r>
+              <a:rPr lang="en-US" dirty="0" smtClean="0"/>
+              <a:t>Table Partitions – set of entities with the same partition key value</a:t>
+            </a:r>
+          </a:p>
+          <a:p>
+            <a:r>
+              <a:rPr lang="en-US" dirty="0" smtClean="0"/>
+              <a:t>Single Partition Server handles all requests to a single partition</a:t>
+            </a:r>
+          </a:p>
+          <a:p>
+            <a:r>
+              <a:rPr lang="en-US" dirty="0" smtClean="0"/>
+              <a:t>Entity Group Transaction – Provide Limited form of ACID in a single Partition </a:t>
+            </a:r>
+          </a:p>
+          <a:p>
+            <a:pPr marL="0" indent="0">
+              <a:buNone/>
+            </a:pPr>
+            <a:endParaRPr lang="en-US" dirty="0"/>
+          </a:p>
+          <a:p>
+            <a:r>
+              <a:rPr lang="en-US" dirty="0" smtClean="0"/>
+              <a:t>Partition Size: Too Big, Too Small, Just Right ( Scale </a:t>
+            </a:r>
+            <a:r>
+              <a:rPr lang="en-US" dirty="0" err="1" smtClean="0"/>
+              <a:t>vs</a:t>
+            </a:r>
+            <a:r>
+              <a:rPr lang="en-US" dirty="0" smtClean="0"/>
+              <a:t> Consistency )</a:t>
+            </a:r>
+          </a:p>
+        </p:txBody>
+      </p:sp>
+    </p:spTree>
+    <p:extLst>
+      <p:ext uri="{BB962C8B-B14F-4D97-AF65-F5344CB8AC3E}">
+        <p14:creationId xmlns:p14="http://schemas.microsoft.com/office/powerpoint/2010/main" val="558695033"/>
+      </p:ext>
+    </p:extLst>
+  </p:cSld>
+  <p:clrMapOvr>
+    <a:masterClrMapping/>
+  </p:clrMapOvr>
+</p:sld>
+</file>
+
+<file path=ppt/slides/slide12.xml><?xml version="1.0" encoding="utf-8"?>
+<p:sld xmlns:a="http://schemas.openxmlformats.org/drawingml/2006/main" xmlns:r="http://schemas.openxmlformats.org/officeDocument/2006/relationships" xmlns:p="http://schemas.openxmlformats.org/presentationml/2006/main">
+  <p:cSld>
+    <p:spTree>
+      <p:nvGrpSpPr>
+        <p:cNvPr id="1" name=""/>
+        <p:cNvGrpSpPr/>
+        <p:nvPr/>
+      </p:nvGrpSpPr>
+      <p:grpSpPr>
+        <a:xfrm>
+          <a:off x="0" y="0"/>
+          <a:ext cx="0" cy="0"/>
+          <a:chOff x="0" y="0"/>
+          <a:chExt cx="0" cy="0"/>
+        </a:xfrm>
+      </p:grpSpPr>
+      <p:sp>
+        <p:nvSpPr>
+          <p:cNvPr id="2" name="Title 1"/>
+          <p:cNvSpPr>
+            <a:spLocks noGrp="1"/>
+          </p:cNvSpPr>
+          <p:nvPr>
+            <p:ph type="title"/>
+          </p:nvPr>
+        </p:nvSpPr>
+        <p:spPr/>
+        <p:txBody>
+          <a:bodyPr/>
+          <a:lstStyle/>
+          <a:p>
+            <a:r>
+              <a:rPr lang="en-US" dirty="0" smtClean="0"/>
+              <a:t>Simple Stats Example </a:t>
+            </a:r>
+            <a:endParaRPr lang="en-US" dirty="0"/>
+          </a:p>
+        </p:txBody>
+      </p:sp>
+      <p:sp>
+        <p:nvSpPr>
+          <p:cNvPr id="3" name="Content Placeholder 2"/>
+          <p:cNvSpPr>
+            <a:spLocks noGrp="1"/>
+          </p:cNvSpPr>
+          <p:nvPr>
+            <p:ph idx="1"/>
+          </p:nvPr>
+        </p:nvSpPr>
+        <p:spPr/>
+        <p:txBody>
+          <a:bodyPr/>
+          <a:lstStyle/>
+          <a:p>
+            <a:r>
+              <a:rPr lang="en-US" dirty="0" smtClean="0"/>
+              <a:t>Players interact with your game potentially from multiple devices</a:t>
+            </a:r>
+          </a:p>
+          <a:p>
+            <a:r>
+              <a:rPr lang="en-US" dirty="0" smtClean="0"/>
+              <a:t>Players have a unique Identity</a:t>
+            </a:r>
+          </a:p>
+          <a:p>
+            <a:r>
+              <a:rPr lang="en-US" dirty="0" smtClean="0"/>
+              <a:t>Want to keep statistic totals for players in your game</a:t>
+            </a:r>
+          </a:p>
+          <a:p>
+            <a:r>
+              <a:rPr lang="en-US" dirty="0" smtClean="0"/>
+              <a:t>Also want players to be able to see stats for individual games.</a:t>
+            </a:r>
+          </a:p>
+          <a:p>
+            <a:r>
+              <a:rPr lang="en-US" dirty="0" smtClean="0"/>
+              <a:t>Statistics are uploaded at game end</a:t>
+            </a:r>
+            <a:endParaRPr lang="en-US" dirty="0"/>
+          </a:p>
+        </p:txBody>
+      </p:sp>
+    </p:spTree>
+    <p:extLst>
+      <p:ext uri="{BB962C8B-B14F-4D97-AF65-F5344CB8AC3E}">
+        <p14:creationId xmlns:p14="http://schemas.microsoft.com/office/powerpoint/2010/main" val="3028999884"/>
+      </p:ext>
+    </p:extLst>
+  </p:cSld>
+  <p:clrMapOvr>
+    <a:masterClrMapping/>
+  </p:clrMapOvr>
+</p:sld>
+</file>
+
+<file path=ppt/slides/slide13.xml><?xml version="1.0" encoding="utf-8"?>
+<p:sld xmlns:a="http://schemas.openxmlformats.org/drawingml/2006/main" xmlns:r="http://schemas.openxmlformats.org/officeDocument/2006/relationships" xmlns:p="http://schemas.openxmlformats.org/presentationml/2006/main">
+  <p:cSld>
+    <p:spTree>
+      <p:nvGrpSpPr>
+        <p:cNvPr id="1" name=""/>
+        <p:cNvGrpSpPr/>
+        <p:nvPr/>
+      </p:nvGrpSpPr>
+      <p:grpSpPr>
+        <a:xfrm>
+          <a:off x="0" y="0"/>
+          <a:ext cx="0" cy="0"/>
+          <a:chOff x="0" y="0"/>
+          <a:chExt cx="0" cy="0"/>
+        </a:xfrm>
+      </p:grpSpPr>
+      <p:sp>
+        <p:nvSpPr>
+          <p:cNvPr id="2" name="Title 1"/>
+          <p:cNvSpPr>
+            <a:spLocks noGrp="1"/>
+          </p:cNvSpPr>
+          <p:nvPr>
+            <p:ph type="title"/>
+          </p:nvPr>
+        </p:nvSpPr>
+        <p:spPr>
+          <a:xfrm>
+            <a:off x="256309" y="154110"/>
+            <a:ext cx="10515600" cy="1325563"/>
+          </a:xfrm>
+        </p:spPr>
+        <p:txBody>
+          <a:bodyPr/>
+          <a:lstStyle/>
+          <a:p>
+            <a:r>
+              <a:rPr lang="en-US" dirty="0" smtClean="0"/>
+              <a:t>Simple Stats - Stats Data </a:t>
+            </a:r>
+            <a:endParaRPr lang="en-US" dirty="0"/>
+          </a:p>
+        </p:txBody>
+      </p:sp>
+      <p:sp>
+        <p:nvSpPr>
+          <p:cNvPr id="3" name="Content Placeholder 2"/>
+          <p:cNvSpPr>
+            <a:spLocks noGrp="1"/>
+          </p:cNvSpPr>
+          <p:nvPr>
+            <p:ph idx="1"/>
+          </p:nvPr>
+        </p:nvSpPr>
+        <p:spPr>
+          <a:xfrm>
+            <a:off x="838199" y="1825625"/>
+            <a:ext cx="6758355" cy="4351338"/>
+          </a:xfrm>
+        </p:spPr>
+        <p:txBody>
+          <a:bodyPr>
+            <a:noAutofit/>
+          </a:bodyPr>
+          <a:lstStyle/>
+          <a:p>
+            <a:pPr marL="0" indent="0">
+              <a:buNone/>
+            </a:pPr>
+            <a:r>
+              <a:rPr lang="en-US" sz="1800" dirty="0"/>
+              <a:t> [</a:t>
+            </a:r>
+            <a:r>
+              <a:rPr lang="en-US" sz="1800" dirty="0" err="1"/>
+              <a:t>DataContract</a:t>
+            </a:r>
+            <a:r>
+              <a:rPr lang="en-US" sz="1800" dirty="0"/>
+              <a:t>]</a:t>
+            </a:r>
+          </a:p>
+          <a:p>
+            <a:pPr marL="0" indent="0">
+              <a:buNone/>
+            </a:pPr>
+            <a:r>
+              <a:rPr lang="en-US" sz="1800" dirty="0"/>
+              <a:t>    public class </a:t>
+            </a:r>
+            <a:r>
+              <a:rPr lang="en-US" sz="1800" dirty="0" err="1"/>
+              <a:t>GameData</a:t>
+            </a:r>
+            <a:endParaRPr lang="en-US" sz="1800" dirty="0"/>
+          </a:p>
+          <a:p>
+            <a:pPr marL="0" indent="0">
+              <a:buNone/>
+            </a:pPr>
+            <a:r>
+              <a:rPr lang="en-US" sz="1800" dirty="0"/>
+              <a:t>    {</a:t>
+            </a:r>
+          </a:p>
+          <a:p>
+            <a:pPr marL="0" indent="0">
+              <a:buNone/>
+            </a:pPr>
+            <a:r>
+              <a:rPr lang="en-US" sz="1800" dirty="0"/>
+              <a:t>        [</a:t>
+            </a:r>
+            <a:r>
+              <a:rPr lang="en-US" sz="1800" dirty="0" err="1"/>
+              <a:t>DataMember</a:t>
+            </a:r>
+            <a:r>
+              <a:rPr lang="en-US" sz="1800" dirty="0"/>
+              <a:t>]</a:t>
+            </a:r>
+          </a:p>
+          <a:p>
+            <a:pPr marL="0" indent="0">
+              <a:buNone/>
+            </a:pPr>
+            <a:r>
+              <a:rPr lang="en-US" sz="1800" dirty="0"/>
+              <a:t>        public </a:t>
+            </a:r>
+            <a:r>
+              <a:rPr lang="en-US" sz="1800" dirty="0" err="1"/>
+              <a:t>Guid</a:t>
+            </a:r>
+            <a:r>
+              <a:rPr lang="en-US" sz="1800" dirty="0"/>
+              <a:t> </a:t>
+            </a:r>
+            <a:r>
+              <a:rPr lang="en-US" sz="1800" dirty="0" err="1"/>
+              <a:t>GameId</a:t>
+            </a:r>
+            <a:r>
+              <a:rPr lang="en-US" sz="1800" dirty="0"/>
+              <a:t> { get; set; </a:t>
+            </a:r>
+            <a:r>
+              <a:rPr lang="en-US" sz="1800" dirty="0" smtClean="0"/>
+              <a:t>}</a:t>
+            </a:r>
+            <a:endParaRPr lang="en-US" sz="1800" dirty="0"/>
+          </a:p>
+          <a:p>
+            <a:pPr marL="0" indent="0">
+              <a:buNone/>
+            </a:pPr>
+            <a:r>
+              <a:rPr lang="en-US" sz="1800" dirty="0"/>
+              <a:t>        [</a:t>
+            </a:r>
+            <a:r>
+              <a:rPr lang="en-US" sz="1800" dirty="0" err="1"/>
+              <a:t>DataMember</a:t>
+            </a:r>
+            <a:r>
+              <a:rPr lang="en-US" sz="1800" dirty="0"/>
+              <a:t>]</a:t>
+            </a:r>
+          </a:p>
+          <a:p>
+            <a:pPr marL="0" indent="0">
+              <a:buNone/>
+            </a:pPr>
+            <a:r>
+              <a:rPr lang="en-US" sz="1800" dirty="0"/>
+              <a:t>        public Int32 </a:t>
+            </a:r>
+            <a:r>
+              <a:rPr lang="en-US" sz="1800" dirty="0" err="1"/>
+              <a:t>GameDurationSeconds</a:t>
+            </a:r>
+            <a:r>
+              <a:rPr lang="en-US" sz="1800" dirty="0"/>
+              <a:t> { get; set; </a:t>
+            </a:r>
+            <a:r>
+              <a:rPr lang="en-US" sz="1800" dirty="0" smtClean="0"/>
+              <a:t>}</a:t>
+            </a:r>
+            <a:endParaRPr lang="en-US" sz="1800" dirty="0"/>
+          </a:p>
+          <a:p>
+            <a:pPr marL="0" indent="0">
+              <a:buNone/>
+            </a:pPr>
+            <a:r>
+              <a:rPr lang="en-US" sz="1800" dirty="0"/>
+              <a:t>        [</a:t>
+            </a:r>
+            <a:r>
+              <a:rPr lang="en-US" sz="1800" dirty="0" err="1"/>
+              <a:t>DataMember</a:t>
+            </a:r>
+            <a:r>
+              <a:rPr lang="en-US" sz="1800" dirty="0"/>
+              <a:t>]</a:t>
+            </a:r>
+          </a:p>
+          <a:p>
+            <a:pPr marL="0" indent="0">
+              <a:buNone/>
+            </a:pPr>
+            <a:r>
+              <a:rPr lang="en-US" sz="1800" dirty="0"/>
+              <a:t>        public Dictionary&lt;Int64, </a:t>
+            </a:r>
+            <a:r>
+              <a:rPr lang="en-US" sz="1800" dirty="0" err="1"/>
+              <a:t>PlayerGameData</a:t>
+            </a:r>
+            <a:r>
+              <a:rPr lang="en-US" sz="1800" dirty="0"/>
+              <a:t>&gt; </a:t>
+            </a:r>
+            <a:r>
+              <a:rPr lang="en-US" sz="1800" dirty="0" err="1"/>
+              <a:t>PlayerData</a:t>
+            </a:r>
+            <a:r>
+              <a:rPr lang="en-US" sz="1800" dirty="0"/>
+              <a:t> { get; set; }</a:t>
+            </a:r>
+          </a:p>
+          <a:p>
+            <a:pPr marL="0" indent="0">
+              <a:buNone/>
+            </a:pPr>
+            <a:r>
+              <a:rPr lang="en-US" sz="1800" dirty="0"/>
+              <a:t>    }</a:t>
+            </a:r>
+            <a:endParaRPr lang="en-US" sz="1800" dirty="0"/>
+          </a:p>
+        </p:txBody>
+      </p:sp>
+      <p:sp>
+        <p:nvSpPr>
+          <p:cNvPr id="4" name="TextBox 3"/>
+          <p:cNvSpPr txBox="1"/>
+          <p:nvPr/>
+        </p:nvSpPr>
+        <p:spPr>
+          <a:xfrm>
+            <a:off x="7513426" y="1614609"/>
+            <a:ext cx="3486275" cy="4247317"/>
+          </a:xfrm>
+          <a:prstGeom prst="rect">
+            <a:avLst/>
+          </a:prstGeom>
+          <a:noFill/>
+        </p:spPr>
+        <p:txBody>
+          <a:bodyPr wrap="none" rtlCol="0">
+            <a:spAutoFit/>
+          </a:bodyPr>
+          <a:lstStyle/>
+          <a:p>
+            <a:r>
+              <a:rPr lang="en-US" dirty="0"/>
+              <a:t> [</a:t>
+            </a:r>
+            <a:r>
+              <a:rPr lang="en-US" dirty="0" err="1"/>
+              <a:t>DataContract</a:t>
+            </a:r>
+            <a:r>
+              <a:rPr lang="en-US" dirty="0"/>
+              <a:t>]</a:t>
+            </a:r>
+          </a:p>
+          <a:p>
+            <a:r>
+              <a:rPr lang="en-US" dirty="0"/>
+              <a:t>    public class </a:t>
+            </a:r>
+            <a:r>
+              <a:rPr lang="en-US" dirty="0" err="1"/>
+              <a:t>PlayerGameData</a:t>
+            </a:r>
+            <a:endParaRPr lang="en-US" dirty="0"/>
+          </a:p>
+          <a:p>
+            <a:r>
+              <a:rPr lang="en-US" dirty="0"/>
+              <a:t>    {</a:t>
+            </a:r>
+          </a:p>
+          <a:p>
+            <a:r>
+              <a:rPr lang="en-US" dirty="0"/>
+              <a:t>        [</a:t>
+            </a:r>
+            <a:r>
+              <a:rPr lang="en-US" dirty="0" err="1"/>
+              <a:t>DataMember</a:t>
+            </a:r>
+            <a:r>
+              <a:rPr lang="en-US" dirty="0"/>
+              <a:t>]</a:t>
+            </a:r>
+          </a:p>
+          <a:p>
+            <a:r>
+              <a:rPr lang="en-US" dirty="0"/>
+              <a:t>        public </a:t>
+            </a:r>
+            <a:r>
+              <a:rPr lang="en-US" dirty="0" err="1"/>
+              <a:t>bool</a:t>
+            </a:r>
+            <a:r>
+              <a:rPr lang="en-US" dirty="0"/>
+              <a:t> Win { get; set; }</a:t>
+            </a:r>
+          </a:p>
+          <a:p>
+            <a:endParaRPr lang="en-US" dirty="0"/>
+          </a:p>
+          <a:p>
+            <a:r>
+              <a:rPr lang="en-US" dirty="0"/>
+              <a:t>        [</a:t>
+            </a:r>
+            <a:r>
+              <a:rPr lang="en-US" dirty="0" err="1"/>
+              <a:t>DataMember</a:t>
+            </a:r>
+            <a:r>
+              <a:rPr lang="en-US" dirty="0"/>
+              <a:t>]</a:t>
+            </a:r>
+          </a:p>
+          <a:p>
+            <a:r>
+              <a:rPr lang="en-US" dirty="0"/>
+              <a:t>        public Int32 Points { get; set; }</a:t>
+            </a:r>
+          </a:p>
+          <a:p>
+            <a:endParaRPr lang="en-US" dirty="0"/>
+          </a:p>
+          <a:p>
+            <a:r>
+              <a:rPr lang="en-US" dirty="0"/>
+              <a:t>        [</a:t>
+            </a:r>
+            <a:r>
+              <a:rPr lang="en-US" dirty="0" err="1"/>
+              <a:t>DataMember</a:t>
+            </a:r>
+            <a:r>
+              <a:rPr lang="en-US" dirty="0"/>
+              <a:t>]</a:t>
+            </a:r>
+          </a:p>
+          <a:p>
+            <a:r>
+              <a:rPr lang="en-US" dirty="0"/>
+              <a:t>        public Int32 Kills { get; set; }</a:t>
+            </a:r>
+          </a:p>
+          <a:p>
+            <a:endParaRPr lang="en-US" dirty="0"/>
+          </a:p>
+          <a:p>
+            <a:r>
+              <a:rPr lang="en-US" dirty="0"/>
+              <a:t>        [</a:t>
+            </a:r>
+            <a:r>
+              <a:rPr lang="en-US" dirty="0" err="1"/>
+              <a:t>DataMember</a:t>
+            </a:r>
+            <a:r>
+              <a:rPr lang="en-US" dirty="0"/>
+              <a:t>]</a:t>
+            </a:r>
+          </a:p>
+          <a:p>
+            <a:r>
+              <a:rPr lang="en-US" dirty="0"/>
+              <a:t>        public Int32 Deaths { get; set; }</a:t>
+            </a:r>
+          </a:p>
+          <a:p>
+            <a:r>
+              <a:rPr lang="en-US" dirty="0"/>
+              <a:t>    }</a:t>
+            </a:r>
+            <a:endParaRPr lang="en-US" dirty="0"/>
+          </a:p>
+        </p:txBody>
+      </p:sp>
+    </p:spTree>
+    <p:extLst>
+      <p:ext uri="{BB962C8B-B14F-4D97-AF65-F5344CB8AC3E}">
+        <p14:creationId xmlns:p14="http://schemas.microsoft.com/office/powerpoint/2010/main" val="279159175"/>
+      </p:ext>
+    </p:extLst>
+  </p:cSld>
+  <p:clrMapOvr>
+    <a:masterClrMapping/>
+  </p:clrMapOvr>
+</p:sld>
+</file>
+
+<file path=ppt/slides/slide14.xml><?xml version="1.0" encoding="utf-8"?>
+<p:sld xmlns:a="http://schemas.openxmlformats.org/drawingml/2006/main" xmlns:r="http://schemas.openxmlformats.org/officeDocument/2006/relationships" xmlns:p="http://schemas.openxmlformats.org/presentationml/2006/main">
+  <p:cSld>
+    <p:spTree>
+      <p:nvGrpSpPr>
+        <p:cNvPr id="1" name=""/>
+        <p:cNvGrpSpPr/>
+        <p:nvPr/>
+      </p:nvGrpSpPr>
+      <p:grpSpPr>
+        <a:xfrm>
+          <a:off x="0" y="0"/>
+          <a:ext cx="0" cy="0"/>
+          <a:chOff x="0" y="0"/>
+          <a:chExt cx="0" cy="0"/>
+        </a:xfrm>
+      </p:grpSpPr>
+      <p:sp>
+        <p:nvSpPr>
+          <p:cNvPr id="2" name="Title 1"/>
+          <p:cNvSpPr>
+            <a:spLocks noGrp="1"/>
+          </p:cNvSpPr>
+          <p:nvPr>
+            <p:ph type="title"/>
+          </p:nvPr>
+        </p:nvSpPr>
+        <p:spPr/>
+        <p:txBody>
+          <a:bodyPr/>
+          <a:lstStyle/>
+          <a:p>
+            <a:r>
+              <a:rPr lang="en-US" dirty="0" smtClean="0"/>
+              <a:t>Simple Stats Example</a:t>
+            </a:r>
+            <a:endParaRPr lang="en-US" dirty="0"/>
+          </a:p>
+        </p:txBody>
+      </p:sp>
+      <p:sp>
+        <p:nvSpPr>
+          <p:cNvPr id="3" name="Content Placeholder 2"/>
+          <p:cNvSpPr>
+            <a:spLocks noGrp="1"/>
+          </p:cNvSpPr>
+          <p:nvPr>
+            <p:ph idx="1"/>
+          </p:nvPr>
+        </p:nvSpPr>
+        <p:spPr>
+          <a:xfrm>
+            <a:off x="838200" y="3468988"/>
+            <a:ext cx="5863137" cy="2855080"/>
+          </a:xfrm>
+        </p:spPr>
+        <p:txBody>
+          <a:bodyPr>
+            <a:normAutofit fontScale="85000" lnSpcReduction="20000"/>
+          </a:bodyPr>
+          <a:lstStyle/>
+          <a:p>
+            <a:pPr marL="0" indent="0">
+              <a:buNone/>
+            </a:pPr>
+            <a:r>
+              <a:rPr lang="en-US" dirty="0"/>
+              <a:t>CREATE </a:t>
+            </a:r>
+            <a:r>
+              <a:rPr lang="en-US" dirty="0" smtClean="0"/>
+              <a:t>TABLE [</a:t>
+            </a:r>
+            <a:r>
+              <a:rPr lang="en-US" dirty="0" err="1" smtClean="0"/>
+              <a:t>simple_stats</a:t>
+            </a:r>
+            <a:r>
+              <a:rPr lang="en-US" dirty="0"/>
+              <a:t>].[</a:t>
+            </a:r>
+            <a:r>
+              <a:rPr lang="en-US" dirty="0" err="1"/>
+              <a:t>dbo</a:t>
+            </a:r>
+            <a:r>
+              <a:rPr lang="en-US" dirty="0"/>
+              <a:t>].[</a:t>
+            </a:r>
+            <a:r>
+              <a:rPr lang="en-US" dirty="0" err="1"/>
+              <a:t>PlayerTable</a:t>
+            </a:r>
+            <a:r>
+              <a:rPr lang="en-US" dirty="0" smtClean="0"/>
+              <a:t>]</a:t>
+            </a:r>
+          </a:p>
+          <a:p>
+            <a:pPr marL="0" indent="0">
+              <a:buNone/>
+            </a:pPr>
+            <a:r>
+              <a:rPr lang="en-US" dirty="0" smtClean="0"/>
+              <a:t>(</a:t>
+            </a:r>
+            <a:endParaRPr lang="en-US" dirty="0"/>
+          </a:p>
+          <a:p>
+            <a:pPr marL="457200" lvl="1" indent="0">
+              <a:buNone/>
+            </a:pPr>
+            <a:r>
+              <a:rPr lang="en-US" dirty="0"/>
+              <a:t>[</a:t>
+            </a:r>
+            <a:r>
+              <a:rPr lang="en-US" dirty="0" err="1"/>
+              <a:t>player_id</a:t>
+            </a:r>
+            <a:r>
+              <a:rPr lang="en-US" dirty="0"/>
+              <a:t>] [</a:t>
+            </a:r>
+            <a:r>
+              <a:rPr lang="en-US" dirty="0" err="1"/>
+              <a:t>bigint</a:t>
+            </a:r>
+            <a:r>
+              <a:rPr lang="en-US" dirty="0"/>
+              <a:t>] NOT NULL,</a:t>
+            </a:r>
+          </a:p>
+          <a:p>
+            <a:pPr marL="457200" lvl="1" indent="0">
+              <a:buNone/>
+            </a:pPr>
+            <a:r>
+              <a:rPr lang="en-US" dirty="0"/>
+              <a:t>[</a:t>
+            </a:r>
+            <a:r>
+              <a:rPr lang="en-US" dirty="0" err="1"/>
+              <a:t>player_name</a:t>
+            </a:r>
+            <a:r>
+              <a:rPr lang="en-US" dirty="0"/>
+              <a:t>] [</a:t>
+            </a:r>
+            <a:r>
+              <a:rPr lang="en-US" dirty="0" err="1"/>
+              <a:t>varchar</a:t>
+            </a:r>
+            <a:r>
+              <a:rPr lang="en-US" dirty="0"/>
+              <a:t>](50) NOT NULL,</a:t>
+            </a:r>
+          </a:p>
+          <a:p>
+            <a:pPr marL="457200" lvl="1" indent="0">
+              <a:buNone/>
+            </a:pPr>
+            <a:r>
+              <a:rPr lang="en-US" dirty="0"/>
+              <a:t>[</a:t>
+            </a:r>
+            <a:r>
+              <a:rPr lang="en-US" dirty="0" err="1"/>
+              <a:t>player_pic</a:t>
+            </a:r>
+            <a:r>
+              <a:rPr lang="en-US" dirty="0"/>
+              <a:t>] [image] </a:t>
+            </a:r>
+            <a:r>
+              <a:rPr lang="en-US" dirty="0" smtClean="0"/>
+              <a:t>NULL</a:t>
+            </a:r>
+            <a:endParaRPr lang="en-US" dirty="0"/>
+          </a:p>
+          <a:p>
+            <a:pPr marL="0" indent="0">
+              <a:buNone/>
+            </a:pPr>
+            <a:r>
+              <a:rPr lang="en-US" dirty="0"/>
+              <a:t> </a:t>
+            </a:r>
+            <a:r>
+              <a:rPr lang="en-US" dirty="0" smtClean="0"/>
+              <a:t>       PRIMARY </a:t>
+            </a:r>
+            <a:r>
+              <a:rPr lang="en-US" dirty="0"/>
+              <a:t>KEY (</a:t>
+            </a:r>
+            <a:r>
+              <a:rPr lang="en-US" dirty="0" err="1"/>
+              <a:t>player_id</a:t>
+            </a:r>
+            <a:r>
+              <a:rPr lang="en-US" dirty="0" smtClean="0"/>
+              <a:t>)</a:t>
+            </a:r>
+          </a:p>
+          <a:p>
+            <a:pPr marL="0" indent="0">
+              <a:buNone/>
+            </a:pPr>
+            <a:r>
+              <a:rPr lang="en-US" dirty="0" smtClean="0"/>
+              <a:t>)</a:t>
+            </a:r>
+          </a:p>
+          <a:p>
+            <a:pPr marL="0" indent="0">
+              <a:buNone/>
+            </a:pPr>
+            <a:endParaRPr lang="en-US" dirty="0"/>
+          </a:p>
+        </p:txBody>
+      </p:sp>
+    </p:spTree>
+    <p:extLst>
+      <p:ext uri="{BB962C8B-B14F-4D97-AF65-F5344CB8AC3E}">
+        <p14:creationId xmlns:p14="http://schemas.microsoft.com/office/powerpoint/2010/main" val="726395745"/>
+      </p:ext>
+    </p:extLst>
+  </p:cSld>
+  <p:clrMapOvr>
+    <a:masterClrMapping/>
+  </p:clrMapOvr>
+</p:sld>
+</file>
+
+<file path=ppt/slides/slide15.xml><?xml version="1.0" encoding="utf-8"?>
+<p:sld xmlns:a="http://schemas.openxmlformats.org/drawingml/2006/main" xmlns:r="http://schemas.openxmlformats.org/officeDocument/2006/relationships" xmlns:p="http://schemas.openxmlformats.org/presentationml/2006/main">
+  <p:cSld>
+    <p:spTree>
+      <p:nvGrpSpPr>
+        <p:cNvPr id="1" name=""/>
+        <p:cNvGrpSpPr/>
+        <p:nvPr/>
+      </p:nvGrpSpPr>
+      <p:grpSpPr>
+        <a:xfrm>
+          <a:off x="0" y="0"/>
+          <a:ext cx="0" cy="0"/>
+          <a:chOff x="0" y="0"/>
+          <a:chExt cx="0" cy="0"/>
+        </a:xfrm>
+      </p:grpSpPr>
+      <p:sp>
+        <p:nvSpPr>
+          <p:cNvPr id="2" name="Title 1"/>
+          <p:cNvSpPr>
+            <a:spLocks noGrp="1"/>
+          </p:cNvSpPr>
+          <p:nvPr>
+            <p:ph type="title"/>
+          </p:nvPr>
+        </p:nvSpPr>
+        <p:spPr/>
+        <p:txBody>
+          <a:bodyPr/>
+          <a:lstStyle/>
+          <a:p>
+            <a:r>
+              <a:rPr lang="en-US" dirty="0" smtClean="0"/>
+              <a:t>Moving to Azure Storage</a:t>
+            </a:r>
+            <a:endParaRPr lang="en-US" dirty="0"/>
+          </a:p>
+        </p:txBody>
+      </p:sp>
+      <p:sp>
+        <p:nvSpPr>
+          <p:cNvPr id="3" name="Content Placeholder 2"/>
+          <p:cNvSpPr>
+            <a:spLocks noGrp="1"/>
+          </p:cNvSpPr>
+          <p:nvPr>
+            <p:ph idx="1"/>
+          </p:nvPr>
+        </p:nvSpPr>
+        <p:spPr/>
+        <p:txBody>
+          <a:bodyPr/>
+          <a:lstStyle/>
+          <a:p>
+            <a:r>
+              <a:rPr lang="en-US" dirty="0" smtClean="0"/>
+              <a:t>Choose a Partition Key</a:t>
+            </a:r>
+          </a:p>
+          <a:p>
+            <a:pPr lvl="1"/>
+            <a:r>
+              <a:rPr lang="en-US" dirty="0" smtClean="0"/>
+              <a:t>Games or Player</a:t>
+            </a:r>
+          </a:p>
+          <a:p>
+            <a:r>
+              <a:rPr lang="en-US" dirty="0" smtClean="0"/>
+              <a:t>What Transactions do we want</a:t>
+            </a:r>
+          </a:p>
+          <a:p>
+            <a:pPr lvl="1"/>
+            <a:r>
+              <a:rPr lang="en-US" dirty="0" smtClean="0"/>
+              <a:t>On game end, update player totals &amp; ensure game data is written</a:t>
+            </a:r>
+          </a:p>
+          <a:p>
+            <a:r>
+              <a:rPr lang="en-US" dirty="0" smtClean="0"/>
+              <a:t>Queries </a:t>
+            </a:r>
+          </a:p>
+          <a:p>
+            <a:pPr lvl="1"/>
+            <a:r>
+              <a:rPr lang="en-US" dirty="0" smtClean="0"/>
+              <a:t>Show Player Statistics</a:t>
+            </a:r>
+          </a:p>
+          <a:p>
+            <a:pPr lvl="1"/>
+            <a:r>
+              <a:rPr lang="en-US" dirty="0" smtClean="0"/>
+              <a:t>Show me all the games I’ve played</a:t>
+            </a:r>
+          </a:p>
+          <a:p>
+            <a:pPr lvl="1"/>
+            <a:r>
+              <a:rPr lang="en-US" dirty="0" smtClean="0"/>
+              <a:t>Show me statistics for a single game.   </a:t>
+            </a:r>
+          </a:p>
+        </p:txBody>
+      </p:sp>
+    </p:spTree>
+    <p:extLst>
+      <p:ext uri="{BB962C8B-B14F-4D97-AF65-F5344CB8AC3E}">
+        <p14:creationId xmlns:p14="http://schemas.microsoft.com/office/powerpoint/2010/main" val="1203378000"/>
+      </p:ext>
+    </p:extLst>
+  </p:cSld>
+  <p:clrMapOvr>
+    <a:masterClrMapping/>
+  </p:clrMapOvr>
+</p:sld>
+</file>
+
+<file path=ppt/slides/slide16.xml><?xml version="1.0" encoding="utf-8"?>
+<p:sld xmlns:a="http://schemas.openxmlformats.org/drawingml/2006/main" xmlns:r="http://schemas.openxmlformats.org/officeDocument/2006/relationships" xmlns:p="http://schemas.openxmlformats.org/presentationml/2006/main">
+  <p:cSld>
+    <p:spTree>
+      <p:nvGrpSpPr>
+        <p:cNvPr id="1" name=""/>
+        <p:cNvGrpSpPr/>
+        <p:nvPr/>
+      </p:nvGrpSpPr>
+      <p:grpSpPr>
+        <a:xfrm>
+          <a:off x="0" y="0"/>
+          <a:ext cx="0" cy="0"/>
+          <a:chOff x="0" y="0"/>
+          <a:chExt cx="0" cy="0"/>
+        </a:xfrm>
+      </p:grpSpPr>
+      <p:sp>
+        <p:nvSpPr>
+          <p:cNvPr id="2" name="Title 1"/>
+          <p:cNvSpPr>
+            <a:spLocks noGrp="1"/>
+          </p:cNvSpPr>
+          <p:nvPr>
+            <p:ph type="title"/>
+          </p:nvPr>
+        </p:nvSpPr>
+        <p:spPr/>
+        <p:txBody>
+          <a:bodyPr/>
+          <a:lstStyle/>
+          <a:p>
+            <a:r>
+              <a:rPr lang="en-US" dirty="0" smtClean="0"/>
+              <a:t>Choosing a Partition Key</a:t>
+            </a:r>
+            <a:endParaRPr lang="en-US" dirty="0"/>
+          </a:p>
+        </p:txBody>
+      </p:sp>
+      <p:sp>
+        <p:nvSpPr>
+          <p:cNvPr id="3" name="Content Placeholder 2"/>
+          <p:cNvSpPr>
+            <a:spLocks noGrp="1"/>
+          </p:cNvSpPr>
+          <p:nvPr>
+            <p:ph idx="1"/>
+          </p:nvPr>
+        </p:nvSpPr>
+        <p:spPr/>
+        <p:txBody>
+          <a:bodyPr/>
+          <a:lstStyle/>
+          <a:p>
+            <a:pPr marL="0" indent="0">
+              <a:buNone/>
+            </a:pPr>
+            <a:r>
+              <a:rPr lang="en-US" dirty="0" smtClean="0"/>
+              <a:t>Player Id as Partition Key</a:t>
+            </a:r>
+          </a:p>
+          <a:p>
+            <a:pPr lvl="1"/>
+            <a:r>
+              <a:rPr lang="en-US" dirty="0" smtClean="0"/>
+              <a:t>All player data will be in the same partition</a:t>
+            </a:r>
+          </a:p>
+          <a:p>
+            <a:pPr lvl="1"/>
+            <a:r>
+              <a:rPr lang="en-US" dirty="0" smtClean="0"/>
+              <a:t>Batch Reads &amp; Writes of Player data</a:t>
+            </a:r>
+          </a:p>
+          <a:p>
+            <a:pPr marL="0" indent="0">
+              <a:buNone/>
+            </a:pPr>
+            <a:r>
+              <a:rPr lang="en-US" dirty="0" smtClean="0"/>
+              <a:t>Player Id is random enough for node splitting </a:t>
+            </a:r>
+          </a:p>
+          <a:p>
+            <a:pPr marL="0" indent="0">
+              <a:buNone/>
+            </a:pPr>
+            <a:endParaRPr lang="en-US" dirty="0"/>
+          </a:p>
+          <a:p>
+            <a:pPr marL="0" indent="0">
+              <a:buNone/>
+            </a:pPr>
+            <a:r>
+              <a:rPr lang="en-US" dirty="0" smtClean="0"/>
+              <a:t>Table = “Players”</a:t>
+            </a:r>
+          </a:p>
+          <a:p>
+            <a:pPr marL="0" indent="0">
+              <a:buNone/>
+            </a:pPr>
+            <a:r>
+              <a:rPr lang="en-US" dirty="0" err="1" smtClean="0"/>
+              <a:t>PartitionKey</a:t>
+            </a:r>
+            <a:r>
+              <a:rPr lang="en-US" dirty="0" smtClean="0"/>
+              <a:t> = “</a:t>
+            </a:r>
+            <a:r>
+              <a:rPr lang="en-US" dirty="0" err="1" smtClean="0"/>
+              <a:t>PlayerId</a:t>
+            </a:r>
+            <a:r>
+              <a:rPr lang="en-US" dirty="0" smtClean="0"/>
+              <a:t>” </a:t>
+            </a:r>
+          </a:p>
+          <a:p>
+            <a:pPr marL="0" indent="0">
+              <a:buNone/>
+            </a:pPr>
+            <a:endParaRPr lang="en-US" dirty="0" smtClean="0"/>
+          </a:p>
+        </p:txBody>
+      </p:sp>
+    </p:spTree>
+    <p:extLst>
+      <p:ext uri="{BB962C8B-B14F-4D97-AF65-F5344CB8AC3E}">
+        <p14:creationId xmlns:p14="http://schemas.microsoft.com/office/powerpoint/2010/main" val="1755687874"/>
+      </p:ext>
+    </p:extLst>
+  </p:cSld>
+  <p:clrMapOvr>
+    <a:masterClrMapping/>
+  </p:clrMapOvr>
+</p:sld>
+</file>
+
+<file path=ppt/slides/slide17.xml><?xml version="1.0" encoding="utf-8"?>
+<p:sld xmlns:a="http://schemas.openxmlformats.org/drawingml/2006/main" xmlns:r="http://schemas.openxmlformats.org/officeDocument/2006/relationships" xmlns:p="http://schemas.openxmlformats.org/presentationml/2006/main">
+  <p:cSld>
+    <p:spTree>
+      <p:nvGrpSpPr>
+        <p:cNvPr id="1" name=""/>
+        <p:cNvGrpSpPr/>
+        <p:nvPr/>
+      </p:nvGrpSpPr>
+      <p:grpSpPr>
+        <a:xfrm>
+          <a:off x="0" y="0"/>
+          <a:ext cx="0" cy="0"/>
+          <a:chOff x="0" y="0"/>
+          <a:chExt cx="0" cy="0"/>
+        </a:xfrm>
+      </p:grpSpPr>
+      <p:sp>
+        <p:nvSpPr>
+          <p:cNvPr id="2" name="Title 1"/>
+          <p:cNvSpPr>
+            <a:spLocks noGrp="1"/>
+          </p:cNvSpPr>
+          <p:nvPr>
+            <p:ph type="title"/>
+          </p:nvPr>
+        </p:nvSpPr>
+        <p:spPr/>
+        <p:txBody>
+          <a:bodyPr/>
+          <a:lstStyle/>
+          <a:p>
+            <a:r>
+              <a:rPr lang="en-US" dirty="0" smtClean="0"/>
+              <a:t>Creating Table </a:t>
+            </a:r>
+            <a:endParaRPr lang="en-US" dirty="0"/>
+          </a:p>
+        </p:txBody>
+      </p:sp>
+      <p:sp>
+        <p:nvSpPr>
+          <p:cNvPr id="3" name="Content Placeholder 2"/>
+          <p:cNvSpPr>
+            <a:spLocks noGrp="1"/>
+          </p:cNvSpPr>
+          <p:nvPr>
+            <p:ph idx="1"/>
+          </p:nvPr>
+        </p:nvSpPr>
+        <p:spPr/>
+        <p:txBody>
+          <a:bodyPr>
+            <a:normAutofit/>
+          </a:bodyPr>
+          <a:lstStyle/>
+          <a:p>
+            <a:pPr marL="0" indent="0">
+              <a:buNone/>
+            </a:pPr>
+            <a:r>
+              <a:rPr lang="en-US" dirty="0"/>
+              <a:t> // Retrieve the storage account from the connection string.</a:t>
+            </a:r>
+          </a:p>
+          <a:p>
+            <a:pPr marL="0" indent="0">
+              <a:buNone/>
+            </a:pPr>
+            <a:r>
+              <a:rPr lang="en-US" dirty="0"/>
+              <a:t> </a:t>
+            </a:r>
+            <a:r>
+              <a:rPr lang="en-US" dirty="0" err="1" smtClean="0"/>
+              <a:t>StorageAccount</a:t>
+            </a:r>
+            <a:r>
+              <a:rPr lang="en-US" dirty="0" smtClean="0"/>
+              <a:t> </a:t>
+            </a:r>
+            <a:r>
+              <a:rPr lang="en-US" dirty="0"/>
+              <a:t>= </a:t>
+            </a:r>
+            <a:r>
+              <a:rPr lang="en-US" dirty="0" err="1"/>
+              <a:t>CloudStorageAccount.Parse</a:t>
+            </a:r>
+            <a:r>
+              <a:rPr lang="en-US" dirty="0"/>
+              <a:t>(</a:t>
+            </a:r>
+            <a:r>
+              <a:rPr lang="en-US" dirty="0" err="1"/>
+              <a:t>StorageAccountString</a:t>
+            </a:r>
+            <a:r>
+              <a:rPr lang="en-US" dirty="0"/>
+              <a:t>);</a:t>
+            </a:r>
+          </a:p>
+          <a:p>
+            <a:pPr marL="0" indent="0">
+              <a:buNone/>
+            </a:pPr>
+            <a:endParaRPr lang="en-US" dirty="0"/>
+          </a:p>
+          <a:p>
+            <a:pPr marL="0" indent="0">
+              <a:buNone/>
+            </a:pPr>
+            <a:r>
+              <a:rPr lang="en-US" dirty="0" smtClean="0"/>
+              <a:t>// </a:t>
+            </a:r>
+            <a:r>
+              <a:rPr lang="en-US" dirty="0"/>
+              <a:t>Create the table client.</a:t>
+            </a:r>
+          </a:p>
+          <a:p>
+            <a:pPr marL="0" indent="0">
+              <a:buNone/>
+            </a:pPr>
+            <a:r>
+              <a:rPr lang="en-US" dirty="0" err="1" smtClean="0"/>
+              <a:t>TableClient</a:t>
+            </a:r>
+            <a:r>
+              <a:rPr lang="en-US" dirty="0" smtClean="0"/>
+              <a:t> </a:t>
+            </a:r>
+            <a:r>
+              <a:rPr lang="en-US" dirty="0"/>
+              <a:t>= </a:t>
+            </a:r>
+            <a:r>
+              <a:rPr lang="en-US" dirty="0" err="1"/>
+              <a:t>StorageAccount.CreateCloudTableClient</a:t>
+            </a:r>
+            <a:r>
+              <a:rPr lang="en-US" dirty="0"/>
+              <a:t>();</a:t>
+            </a:r>
+          </a:p>
+          <a:p>
+            <a:pPr marL="0" indent="0">
+              <a:buNone/>
+            </a:pPr>
+            <a:endParaRPr lang="en-US" dirty="0"/>
+          </a:p>
+          <a:p>
+            <a:pPr marL="0" indent="0">
+              <a:buNone/>
+            </a:pPr>
+            <a:r>
+              <a:rPr lang="en-US" dirty="0" smtClean="0"/>
+              <a:t>// </a:t>
+            </a:r>
+            <a:r>
+              <a:rPr lang="en-US" dirty="0"/>
+              <a:t>Create the table if it doesn't exist.</a:t>
+            </a:r>
+          </a:p>
+          <a:p>
+            <a:pPr marL="0" indent="0">
+              <a:buNone/>
+            </a:pPr>
+            <a:r>
+              <a:rPr lang="en-US" dirty="0" err="1" smtClean="0"/>
+              <a:t>PlayersTable</a:t>
+            </a:r>
+            <a:r>
+              <a:rPr lang="en-US" dirty="0" smtClean="0"/>
+              <a:t> </a:t>
+            </a:r>
+            <a:r>
+              <a:rPr lang="en-US" dirty="0"/>
+              <a:t>= </a:t>
+            </a:r>
+            <a:r>
+              <a:rPr lang="en-US" dirty="0" err="1"/>
+              <a:t>TableClient.GetTableReference</a:t>
+            </a:r>
+            <a:r>
+              <a:rPr lang="en-US" dirty="0"/>
+              <a:t>("Players");</a:t>
+            </a:r>
+            <a:endParaRPr lang="en-US" dirty="0"/>
+          </a:p>
+        </p:txBody>
+      </p:sp>
+    </p:spTree>
+    <p:extLst>
+      <p:ext uri="{BB962C8B-B14F-4D97-AF65-F5344CB8AC3E}">
+        <p14:creationId xmlns:p14="http://schemas.microsoft.com/office/powerpoint/2010/main" val="2704933261"/>
+      </p:ext>
+    </p:extLst>
+  </p:cSld>
+  <p:clrMapOvr>
+    <a:masterClrMapping/>
+  </p:clrMapOvr>
+</p:sld>
+</file>
+
+<file path=ppt/slides/slide18.xml><?xml version="1.0" encoding="utf-8"?>
+<p:sld xmlns:a="http://schemas.openxmlformats.org/drawingml/2006/main" xmlns:r="http://schemas.openxmlformats.org/officeDocument/2006/relationships" xmlns:p="http://schemas.openxmlformats.org/presentationml/2006/main">
+  <p:cSld>
+    <p:spTree>
+      <p:nvGrpSpPr>
+        <p:cNvPr id="1" name=""/>
+        <p:cNvGrpSpPr/>
+        <p:nvPr/>
+      </p:nvGrpSpPr>
+      <p:grpSpPr>
+        <a:xfrm>
+          <a:off x="0" y="0"/>
+          <a:ext cx="0" cy="0"/>
+          <a:chOff x="0" y="0"/>
+          <a:chExt cx="0" cy="0"/>
+        </a:xfrm>
+      </p:grpSpPr>
+      <p:sp>
+        <p:nvSpPr>
+          <p:cNvPr id="2" name="Title 1"/>
+          <p:cNvSpPr>
+            <a:spLocks noGrp="1"/>
+          </p:cNvSpPr>
+          <p:nvPr>
+            <p:ph type="title"/>
+          </p:nvPr>
+        </p:nvSpPr>
+        <p:spPr/>
+        <p:txBody>
+          <a:bodyPr/>
+          <a:lstStyle/>
+          <a:p>
+            <a:r>
+              <a:rPr lang="en-US" dirty="0" smtClean="0"/>
+              <a:t>Entities</a:t>
+            </a:r>
+            <a:endParaRPr lang="en-US" dirty="0"/>
+          </a:p>
+        </p:txBody>
+      </p:sp>
+      <p:sp>
+        <p:nvSpPr>
+          <p:cNvPr id="3" name="Content Placeholder 2"/>
+          <p:cNvSpPr>
+            <a:spLocks noGrp="1"/>
+          </p:cNvSpPr>
+          <p:nvPr>
+            <p:ph idx="1"/>
+          </p:nvPr>
+        </p:nvSpPr>
+        <p:spPr/>
+        <p:txBody>
+          <a:bodyPr/>
+          <a:lstStyle/>
+          <a:p>
+            <a:r>
+              <a:rPr lang="en-US" dirty="0" smtClean="0"/>
+              <a:t>We need Entities to Store Player Data (player specific &amp; stats totals)</a:t>
+            </a:r>
+          </a:p>
+          <a:p>
+            <a:r>
+              <a:rPr lang="en-US" dirty="0" smtClean="0"/>
+              <a:t>We need Entities to Store Game Statistics </a:t>
+            </a:r>
+          </a:p>
+          <a:p>
+            <a:endParaRPr lang="en-US" dirty="0"/>
+          </a:p>
+          <a:p>
+            <a:endParaRPr lang="en-US" dirty="0"/>
+          </a:p>
+        </p:txBody>
+      </p:sp>
+    </p:spTree>
+    <p:extLst>
+      <p:ext uri="{BB962C8B-B14F-4D97-AF65-F5344CB8AC3E}">
+        <p14:creationId xmlns:p14="http://schemas.microsoft.com/office/powerpoint/2010/main" val="2695636226"/>
+      </p:ext>
+    </p:extLst>
+  </p:cSld>
+  <p:clrMapOvr>
+    <a:masterClrMapping/>
+  </p:clrMapOvr>
+</p:sld>
+</file>
+
+<file path=ppt/slides/slide19.xml><?xml version="1.0" encoding="utf-8"?>
+<p:sld xmlns:a="http://schemas.openxmlformats.org/drawingml/2006/main" xmlns:r="http://schemas.openxmlformats.org/officeDocument/2006/relationships" xmlns:p="http://schemas.openxmlformats.org/presentationml/2006/main">
+  <p:cSld>
+    <p:spTree>
+      <p:nvGrpSpPr>
+        <p:cNvPr id="1" name=""/>
+        <p:cNvGrpSpPr/>
+        <p:nvPr/>
+      </p:nvGrpSpPr>
+      <p:grpSpPr>
+        <a:xfrm>
+          <a:off x="0" y="0"/>
+          <a:ext cx="0" cy="0"/>
+          <a:chOff x="0" y="0"/>
+          <a:chExt cx="0" cy="0"/>
+        </a:xfrm>
+      </p:grpSpPr>
+      <p:sp>
+        <p:nvSpPr>
+          <p:cNvPr id="2" name="Title 1"/>
+          <p:cNvSpPr>
+            <a:spLocks noGrp="1"/>
+          </p:cNvSpPr>
+          <p:nvPr>
+            <p:ph type="title"/>
+          </p:nvPr>
+        </p:nvSpPr>
+        <p:spPr/>
+        <p:txBody>
+          <a:bodyPr/>
+          <a:lstStyle/>
+          <a:p>
+            <a:r>
+              <a:rPr lang="en-US" dirty="0" smtClean="0"/>
+              <a:t>Player Entity</a:t>
+            </a:r>
+            <a:endParaRPr lang="en-US" dirty="0"/>
+          </a:p>
+        </p:txBody>
+      </p:sp>
+      <p:sp>
+        <p:nvSpPr>
+          <p:cNvPr id="3" name="Content Placeholder 2"/>
+          <p:cNvSpPr>
+            <a:spLocks noGrp="1"/>
+          </p:cNvSpPr>
+          <p:nvPr>
+            <p:ph idx="1"/>
+          </p:nvPr>
+        </p:nvSpPr>
+        <p:spPr>
+          <a:xfrm>
+            <a:off x="838200" y="1387586"/>
+            <a:ext cx="5262063" cy="4789377"/>
+          </a:xfrm>
+        </p:spPr>
+        <p:txBody>
+          <a:bodyPr>
+            <a:noAutofit/>
+          </a:bodyPr>
+          <a:lstStyle/>
+          <a:p>
+            <a:pPr marL="0" indent="0">
+              <a:buNone/>
+            </a:pPr>
+            <a:r>
+              <a:rPr lang="en-US" sz="2000" dirty="0"/>
+              <a:t> public class </a:t>
+            </a:r>
+            <a:r>
+              <a:rPr lang="en-US" sz="2000" dirty="0" err="1"/>
+              <a:t>PlayerEntity</a:t>
+            </a:r>
+            <a:r>
+              <a:rPr lang="en-US" sz="2000" dirty="0"/>
+              <a:t> : </a:t>
+            </a:r>
+            <a:r>
+              <a:rPr lang="en-US" sz="2000" dirty="0" err="1"/>
+              <a:t>TableEntity</a:t>
+            </a:r>
+            <a:endParaRPr lang="en-US" sz="2000" dirty="0"/>
+          </a:p>
+          <a:p>
+            <a:pPr marL="0" indent="0">
+              <a:buNone/>
+            </a:pPr>
+            <a:r>
+              <a:rPr lang="en-US" sz="2000" dirty="0"/>
+              <a:t>    </a:t>
+            </a:r>
+            <a:r>
+              <a:rPr lang="en-US" sz="2000" dirty="0" smtClean="0"/>
+              <a:t>{</a:t>
+            </a:r>
+            <a:endParaRPr lang="en-US" sz="2000" dirty="0"/>
+          </a:p>
+          <a:p>
+            <a:pPr marL="0" indent="0">
+              <a:buNone/>
+            </a:pPr>
+            <a:r>
+              <a:rPr lang="en-US" sz="2000" dirty="0"/>
+              <a:t>        public string Name { get; set; }</a:t>
+            </a:r>
+          </a:p>
+          <a:p>
+            <a:pPr marL="0" indent="0">
+              <a:buNone/>
+            </a:pPr>
+            <a:r>
+              <a:rPr lang="en-US" sz="2000" dirty="0"/>
+              <a:t>        public string Picture { get; set; }</a:t>
+            </a:r>
+          </a:p>
+          <a:p>
+            <a:pPr marL="0" indent="0">
+              <a:buNone/>
+            </a:pPr>
+            <a:endParaRPr lang="en-US" sz="2000" dirty="0"/>
+          </a:p>
+          <a:p>
+            <a:pPr marL="0" indent="0">
+              <a:buNone/>
+            </a:pPr>
+            <a:r>
+              <a:rPr lang="en-US" sz="2000" dirty="0"/>
+              <a:t>        public Int64 </a:t>
+            </a:r>
+            <a:r>
+              <a:rPr lang="en-US" sz="2000" dirty="0" err="1"/>
+              <a:t>TotalPoints</a:t>
+            </a:r>
+            <a:r>
+              <a:rPr lang="en-US" sz="2000" dirty="0"/>
+              <a:t> { get; set; }</a:t>
+            </a:r>
+          </a:p>
+          <a:p>
+            <a:pPr marL="0" indent="0">
+              <a:buNone/>
+            </a:pPr>
+            <a:r>
+              <a:rPr lang="en-US" sz="2000" dirty="0"/>
+              <a:t>        public Int32 </a:t>
+            </a:r>
+            <a:r>
+              <a:rPr lang="en-US" sz="2000" dirty="0" err="1"/>
+              <a:t>TotalGames</a:t>
+            </a:r>
+            <a:r>
+              <a:rPr lang="en-US" sz="2000" dirty="0"/>
+              <a:t> { get; set; }</a:t>
+            </a:r>
+          </a:p>
+          <a:p>
+            <a:pPr marL="0" indent="0">
+              <a:buNone/>
+            </a:pPr>
+            <a:r>
+              <a:rPr lang="en-US" sz="2000" dirty="0"/>
+              <a:t>        public Int32 </a:t>
+            </a:r>
+            <a:r>
+              <a:rPr lang="en-US" sz="2000" dirty="0" err="1"/>
+              <a:t>TotalWins</a:t>
+            </a:r>
+            <a:r>
+              <a:rPr lang="en-US" sz="2000" dirty="0"/>
+              <a:t> { get; set; }</a:t>
+            </a:r>
+          </a:p>
+          <a:p>
+            <a:pPr marL="0" indent="0">
+              <a:buNone/>
+            </a:pPr>
+            <a:r>
+              <a:rPr lang="en-US" sz="2000" dirty="0"/>
+              <a:t>        public Int32 </a:t>
+            </a:r>
+            <a:r>
+              <a:rPr lang="en-US" sz="2000" dirty="0" err="1"/>
+              <a:t>TotalKills</a:t>
+            </a:r>
+            <a:r>
+              <a:rPr lang="en-US" sz="2000" dirty="0"/>
+              <a:t> { get; set; }</a:t>
+            </a:r>
+          </a:p>
+          <a:p>
+            <a:pPr marL="0" indent="0">
+              <a:buNone/>
+            </a:pPr>
+            <a:r>
+              <a:rPr lang="en-US" sz="2000" dirty="0"/>
+              <a:t>        public Int32 </a:t>
+            </a:r>
+            <a:r>
+              <a:rPr lang="en-US" sz="2000" dirty="0" err="1"/>
+              <a:t>TotalDeaths</a:t>
+            </a:r>
+            <a:r>
+              <a:rPr lang="en-US" sz="2000" dirty="0"/>
+              <a:t> { get; set; }</a:t>
+            </a:r>
+          </a:p>
+          <a:p>
+            <a:pPr marL="0" indent="0">
+              <a:buNone/>
+            </a:pPr>
+            <a:r>
+              <a:rPr lang="en-US" sz="2000" dirty="0"/>
+              <a:t>        public Int64 </a:t>
+            </a:r>
+            <a:r>
+              <a:rPr lang="en-US" sz="2000" dirty="0" err="1"/>
+              <a:t>TotalSecondsPlayed</a:t>
+            </a:r>
+            <a:r>
+              <a:rPr lang="en-US" sz="2000" dirty="0"/>
+              <a:t> { get; set; </a:t>
+            </a:r>
+            <a:r>
+              <a:rPr lang="en-US" sz="2000" dirty="0" smtClean="0"/>
+              <a:t>}</a:t>
+            </a:r>
+          </a:p>
+          <a:p>
+            <a:pPr marL="0" indent="0">
+              <a:buNone/>
+            </a:pPr>
+            <a:r>
+              <a:rPr lang="en-US" sz="2000" dirty="0"/>
+              <a:t>}</a:t>
+            </a:r>
+          </a:p>
+        </p:txBody>
+      </p:sp>
+      <p:sp>
+        <p:nvSpPr>
+          <p:cNvPr id="4" name="TextBox 3"/>
+          <p:cNvSpPr txBox="1"/>
+          <p:nvPr/>
+        </p:nvSpPr>
+        <p:spPr>
+          <a:xfrm>
+            <a:off x="6714126" y="1611390"/>
+            <a:ext cx="5000425" cy="923330"/>
+          </a:xfrm>
+          <a:prstGeom prst="rect">
+            <a:avLst/>
+          </a:prstGeom>
+          <a:noFill/>
+        </p:spPr>
+        <p:txBody>
+          <a:bodyPr wrap="square" rtlCol="0">
+            <a:spAutoFit/>
+          </a:bodyPr>
+          <a:lstStyle/>
+          <a:p>
+            <a:r>
+              <a:rPr lang="en-US" dirty="0" smtClean="0"/>
+              <a:t>Table = “Players”</a:t>
+            </a:r>
+          </a:p>
+          <a:p>
+            <a:r>
+              <a:rPr lang="en-US" dirty="0" err="1" smtClean="0"/>
+              <a:t>PartitionKey</a:t>
+            </a:r>
+            <a:r>
+              <a:rPr lang="en-US" dirty="0" smtClean="0"/>
+              <a:t> = {</a:t>
+            </a:r>
+            <a:r>
+              <a:rPr lang="en-US" dirty="0" err="1" smtClean="0"/>
+              <a:t>PlayerId</a:t>
+            </a:r>
+            <a:r>
+              <a:rPr lang="en-US" dirty="0" smtClean="0"/>
+              <a:t>}</a:t>
+            </a:r>
+          </a:p>
+          <a:p>
+            <a:r>
+              <a:rPr lang="en-US" dirty="0" err="1" smtClean="0"/>
+              <a:t>RowKey</a:t>
+            </a:r>
+            <a:r>
+              <a:rPr lang="en-US" dirty="0" smtClean="0"/>
+              <a:t> = “Players”</a:t>
+            </a:r>
+            <a:endParaRPr lang="en-US" dirty="0"/>
+          </a:p>
+        </p:txBody>
+      </p:sp>
+    </p:spTree>
+    <p:extLst>
+      <p:ext uri="{BB962C8B-B14F-4D97-AF65-F5344CB8AC3E}">
+        <p14:creationId xmlns:p14="http://schemas.microsoft.com/office/powerpoint/2010/main" val="612979330"/>
+      </p:ext>
+    </p:extLst>
+  </p:cSld>
+  <p:clrMapOvr>
+    <a:masterClrMapping/>
+  </p:clrMapOvr>
+</p:sld>
+</file>
+
 <file path=ppt/slides/slide2.xml><?xml version="1.0" encoding="utf-8"?>
 <p:sld xmlns:a="http://schemas.openxmlformats.org/drawingml/2006/main" xmlns:r="http://schemas.openxmlformats.org/officeDocument/2006/relationships" xmlns:p="http://schemas.openxmlformats.org/presentationml/2006/main">
   <p:cSld>
@@ -3170,6 +5347,1488 @@
     <p:extLst>
       <p:ext uri="{BB962C8B-B14F-4D97-AF65-F5344CB8AC3E}">
         <p14:creationId xmlns:p14="http://schemas.microsoft.com/office/powerpoint/2010/main" val="3905244092"/>
+      </p:ext>
+    </p:extLst>
+  </p:cSld>
+  <p:clrMapOvr>
+    <a:masterClrMapping/>
+  </p:clrMapOvr>
+</p:sld>
+</file>
+
+<file path=ppt/slides/slide20.xml><?xml version="1.0" encoding="utf-8"?>
+<p:sld xmlns:a="http://schemas.openxmlformats.org/drawingml/2006/main" xmlns:r="http://schemas.openxmlformats.org/officeDocument/2006/relationships" xmlns:p="http://schemas.openxmlformats.org/presentationml/2006/main">
+  <p:cSld>
+    <p:spTree>
+      <p:nvGrpSpPr>
+        <p:cNvPr id="1" name=""/>
+        <p:cNvGrpSpPr/>
+        <p:nvPr/>
+      </p:nvGrpSpPr>
+      <p:grpSpPr>
+        <a:xfrm>
+          <a:off x="0" y="0"/>
+          <a:ext cx="0" cy="0"/>
+          <a:chOff x="0" y="0"/>
+          <a:chExt cx="0" cy="0"/>
+        </a:xfrm>
+      </p:grpSpPr>
+      <p:sp>
+        <p:nvSpPr>
+          <p:cNvPr id="2" name="Title 1"/>
+          <p:cNvSpPr>
+            <a:spLocks noGrp="1"/>
+          </p:cNvSpPr>
+          <p:nvPr>
+            <p:ph type="title"/>
+          </p:nvPr>
+        </p:nvSpPr>
+        <p:spPr/>
+        <p:txBody>
+          <a:bodyPr/>
+          <a:lstStyle/>
+          <a:p>
+            <a:r>
+              <a:rPr lang="en-US" dirty="0" err="1" smtClean="0"/>
+              <a:t>PlayerGameEntity</a:t>
+            </a:r>
+            <a:endParaRPr lang="en-US" dirty="0"/>
+          </a:p>
+        </p:txBody>
+      </p:sp>
+      <p:sp>
+        <p:nvSpPr>
+          <p:cNvPr id="3" name="Content Placeholder 2"/>
+          <p:cNvSpPr>
+            <a:spLocks noGrp="1"/>
+          </p:cNvSpPr>
+          <p:nvPr>
+            <p:ph idx="1"/>
+          </p:nvPr>
+        </p:nvSpPr>
+        <p:spPr>
+          <a:xfrm>
+            <a:off x="838200" y="1918322"/>
+            <a:ext cx="4776088" cy="3632022"/>
+          </a:xfrm>
+        </p:spPr>
+        <p:txBody>
+          <a:bodyPr>
+            <a:normAutofit/>
+          </a:bodyPr>
+          <a:lstStyle/>
+          <a:p>
+            <a:pPr marL="0" indent="0">
+              <a:buNone/>
+            </a:pPr>
+            <a:r>
+              <a:rPr lang="en-US" sz="2000" dirty="0"/>
+              <a:t> public class </a:t>
+            </a:r>
+            <a:r>
+              <a:rPr lang="en-US" sz="2000" dirty="0" err="1"/>
+              <a:t>PlayerGameEntity</a:t>
+            </a:r>
+            <a:r>
+              <a:rPr lang="en-US" sz="2000" dirty="0"/>
+              <a:t> : </a:t>
+            </a:r>
+            <a:r>
+              <a:rPr lang="en-US" sz="2000" dirty="0" err="1"/>
+              <a:t>TableEntity</a:t>
+            </a:r>
+            <a:r>
+              <a:rPr lang="en-US" sz="2000" dirty="0"/>
+              <a:t> </a:t>
+            </a:r>
+          </a:p>
+          <a:p>
+            <a:pPr marL="0" indent="0">
+              <a:buNone/>
+            </a:pPr>
+            <a:r>
+              <a:rPr lang="en-US" sz="2000" dirty="0"/>
+              <a:t>    </a:t>
+            </a:r>
+            <a:r>
+              <a:rPr lang="en-US" sz="2000" dirty="0" smtClean="0"/>
+              <a:t>{</a:t>
+            </a:r>
+            <a:endParaRPr lang="en-US" sz="2000" dirty="0"/>
+          </a:p>
+          <a:p>
+            <a:pPr marL="0" indent="0">
+              <a:buNone/>
+            </a:pPr>
+            <a:r>
+              <a:rPr lang="en-US" sz="2000" dirty="0"/>
+              <a:t>        public Int64 Points { get; set; }</a:t>
+            </a:r>
+          </a:p>
+          <a:p>
+            <a:pPr marL="0" indent="0">
+              <a:buNone/>
+            </a:pPr>
+            <a:r>
+              <a:rPr lang="en-US" sz="2000" dirty="0"/>
+              <a:t>        public </a:t>
+            </a:r>
+            <a:r>
+              <a:rPr lang="en-US" sz="2000" dirty="0" err="1"/>
+              <a:t>bool</a:t>
+            </a:r>
+            <a:r>
+              <a:rPr lang="en-US" sz="2000" dirty="0"/>
+              <a:t> Win { get; set; }</a:t>
+            </a:r>
+          </a:p>
+          <a:p>
+            <a:pPr marL="0" indent="0">
+              <a:buNone/>
+            </a:pPr>
+            <a:r>
+              <a:rPr lang="en-US" sz="2000" dirty="0"/>
+              <a:t>        public Int32 Kills { get; set; }</a:t>
+            </a:r>
+          </a:p>
+          <a:p>
+            <a:pPr marL="0" indent="0">
+              <a:buNone/>
+            </a:pPr>
+            <a:r>
+              <a:rPr lang="en-US" sz="2000" dirty="0"/>
+              <a:t>        public Int32 Deaths { get; set; }</a:t>
+            </a:r>
+          </a:p>
+          <a:p>
+            <a:pPr marL="0" indent="0">
+              <a:buNone/>
+            </a:pPr>
+            <a:r>
+              <a:rPr lang="en-US" sz="2000" dirty="0"/>
+              <a:t>        public Int64 </a:t>
+            </a:r>
+            <a:r>
+              <a:rPr lang="en-US" sz="2000" dirty="0" err="1"/>
+              <a:t>GameDuration</a:t>
+            </a:r>
+            <a:r>
+              <a:rPr lang="en-US" sz="2000" dirty="0"/>
+              <a:t> { get; set; }  </a:t>
+            </a:r>
+          </a:p>
+          <a:p>
+            <a:pPr marL="0" indent="0">
+              <a:buNone/>
+            </a:pPr>
+            <a:r>
+              <a:rPr lang="en-US" sz="2000" dirty="0"/>
+              <a:t>    }</a:t>
+            </a:r>
+            <a:endParaRPr lang="en-US" sz="2000" dirty="0"/>
+          </a:p>
+        </p:txBody>
+      </p:sp>
+      <p:sp>
+        <p:nvSpPr>
+          <p:cNvPr id="4" name="TextBox 3"/>
+          <p:cNvSpPr txBox="1"/>
+          <p:nvPr/>
+        </p:nvSpPr>
+        <p:spPr>
+          <a:xfrm>
+            <a:off x="6835620" y="1918322"/>
+            <a:ext cx="5000425" cy="923330"/>
+          </a:xfrm>
+          <a:prstGeom prst="rect">
+            <a:avLst/>
+          </a:prstGeom>
+          <a:noFill/>
+        </p:spPr>
+        <p:txBody>
+          <a:bodyPr wrap="square" rtlCol="0">
+            <a:spAutoFit/>
+          </a:bodyPr>
+          <a:lstStyle/>
+          <a:p>
+            <a:r>
+              <a:rPr lang="en-US" dirty="0" smtClean="0"/>
+              <a:t>Table = “Players”</a:t>
+            </a:r>
+          </a:p>
+          <a:p>
+            <a:r>
+              <a:rPr lang="en-US" dirty="0" err="1" smtClean="0"/>
+              <a:t>PartitionKey</a:t>
+            </a:r>
+            <a:r>
+              <a:rPr lang="en-US" dirty="0" smtClean="0"/>
+              <a:t> = {</a:t>
+            </a:r>
+            <a:r>
+              <a:rPr lang="en-US" dirty="0" err="1" smtClean="0"/>
+              <a:t>PlayerId</a:t>
+            </a:r>
+            <a:r>
+              <a:rPr lang="en-US" dirty="0" smtClean="0"/>
+              <a:t>}</a:t>
+            </a:r>
+          </a:p>
+          <a:p>
+            <a:r>
+              <a:rPr lang="en-US" dirty="0" err="1" smtClean="0"/>
+              <a:t>RowKey</a:t>
+            </a:r>
+            <a:r>
+              <a:rPr lang="en-US" dirty="0" smtClean="0"/>
+              <a:t> = “Game_{</a:t>
+            </a:r>
+            <a:r>
+              <a:rPr lang="en-US" dirty="0" err="1" smtClean="0"/>
+              <a:t>GameID</a:t>
+            </a:r>
+            <a:r>
+              <a:rPr lang="en-US" dirty="0" smtClean="0"/>
+              <a:t>}”</a:t>
+            </a:r>
+            <a:endParaRPr lang="en-US" dirty="0"/>
+          </a:p>
+        </p:txBody>
+      </p:sp>
+    </p:spTree>
+    <p:extLst>
+      <p:ext uri="{BB962C8B-B14F-4D97-AF65-F5344CB8AC3E}">
+        <p14:creationId xmlns:p14="http://schemas.microsoft.com/office/powerpoint/2010/main" val="1913123010"/>
+      </p:ext>
+    </p:extLst>
+  </p:cSld>
+  <p:clrMapOvr>
+    <a:masterClrMapping/>
+  </p:clrMapOvr>
+</p:sld>
+</file>
+
+<file path=ppt/slides/slide21.xml><?xml version="1.0" encoding="utf-8"?>
+<p:sld xmlns:a="http://schemas.openxmlformats.org/drawingml/2006/main" xmlns:r="http://schemas.openxmlformats.org/officeDocument/2006/relationships" xmlns:p="http://schemas.openxmlformats.org/presentationml/2006/main">
+  <p:cSld>
+    <p:spTree>
+      <p:nvGrpSpPr>
+        <p:cNvPr id="1" name=""/>
+        <p:cNvGrpSpPr/>
+        <p:nvPr/>
+      </p:nvGrpSpPr>
+      <p:grpSpPr>
+        <a:xfrm>
+          <a:off x="0" y="0"/>
+          <a:ext cx="0" cy="0"/>
+          <a:chOff x="0" y="0"/>
+          <a:chExt cx="0" cy="0"/>
+        </a:xfrm>
+      </p:grpSpPr>
+      <p:sp>
+        <p:nvSpPr>
+          <p:cNvPr id="2" name="Title 1"/>
+          <p:cNvSpPr>
+            <a:spLocks noGrp="1"/>
+          </p:cNvSpPr>
+          <p:nvPr>
+            <p:ph type="title"/>
+          </p:nvPr>
+        </p:nvSpPr>
+        <p:spPr/>
+        <p:txBody>
+          <a:bodyPr/>
+          <a:lstStyle/>
+          <a:p>
+            <a:r>
+              <a:rPr lang="en-US" smtClean="0"/>
+              <a:t>Immutability</a:t>
+            </a:r>
+            <a:endParaRPr lang="en-US" dirty="0"/>
+          </a:p>
+        </p:txBody>
+      </p:sp>
+      <p:sp>
+        <p:nvSpPr>
+          <p:cNvPr id="3" name="Content Placeholder 2"/>
+          <p:cNvSpPr>
+            <a:spLocks noGrp="1"/>
+          </p:cNvSpPr>
+          <p:nvPr>
+            <p:ph idx="1"/>
+          </p:nvPr>
+        </p:nvSpPr>
+        <p:spPr/>
+        <p:txBody>
+          <a:bodyPr/>
+          <a:lstStyle/>
+          <a:p>
+            <a:r>
+              <a:rPr lang="en-US" dirty="0" smtClean="0"/>
+              <a:t>Code Break</a:t>
+            </a:r>
+          </a:p>
+          <a:p>
+            <a:r>
+              <a:rPr lang="en-US" dirty="0" smtClean="0"/>
+              <a:t>Databases CRUD (Create, Read, Update, Delete)</a:t>
+            </a:r>
+          </a:p>
+          <a:p>
+            <a:r>
+              <a:rPr lang="en-US" dirty="0" smtClean="0"/>
+              <a:t>Immutable Data No: Update &amp; Delete</a:t>
+            </a:r>
+          </a:p>
+          <a:p>
+            <a:endParaRPr lang="en-US" dirty="0" smtClean="0"/>
+          </a:p>
+          <a:p>
+            <a:r>
+              <a:rPr lang="en-US" dirty="0" smtClean="0"/>
+              <a:t>Why?</a:t>
+            </a:r>
+          </a:p>
+          <a:p>
+            <a:pPr lvl="1"/>
+            <a:r>
+              <a:rPr lang="en-US" dirty="0" smtClean="0"/>
+              <a:t>Code has bugs</a:t>
+            </a:r>
+          </a:p>
+          <a:p>
+            <a:pPr lvl="1"/>
+            <a:r>
+              <a:rPr lang="en-US" dirty="0" smtClean="0"/>
+              <a:t>People make mistakes</a:t>
+            </a:r>
+          </a:p>
+          <a:p>
+            <a:pPr lvl="1"/>
+            <a:r>
+              <a:rPr lang="en-US" dirty="0" smtClean="0"/>
+              <a:t>Having an Immutable Data Source means can always replay events </a:t>
+            </a:r>
+          </a:p>
+          <a:p>
+            <a:pPr lvl="1"/>
+            <a:r>
+              <a:rPr lang="en-US" dirty="0" smtClean="0"/>
+              <a:t>Also gives you audit logging. (How did we get to the state we are in)</a:t>
+            </a:r>
+          </a:p>
+          <a:p>
+            <a:endParaRPr lang="en-US" dirty="0"/>
+          </a:p>
+        </p:txBody>
+      </p:sp>
+    </p:spTree>
+    <p:extLst>
+      <p:ext uri="{BB962C8B-B14F-4D97-AF65-F5344CB8AC3E}">
+        <p14:creationId xmlns:p14="http://schemas.microsoft.com/office/powerpoint/2010/main" val="3257081856"/>
+      </p:ext>
+    </p:extLst>
+  </p:cSld>
+  <p:clrMapOvr>
+    <a:masterClrMapping/>
+  </p:clrMapOvr>
+</p:sld>
+</file>
+
+<file path=ppt/slides/slide22.xml><?xml version="1.0" encoding="utf-8"?>
+<p:sld xmlns:a="http://schemas.openxmlformats.org/drawingml/2006/main" xmlns:r="http://schemas.openxmlformats.org/officeDocument/2006/relationships" xmlns:p="http://schemas.openxmlformats.org/presentationml/2006/main">
+  <p:cSld>
+    <p:spTree>
+      <p:nvGrpSpPr>
+        <p:cNvPr id="1" name=""/>
+        <p:cNvGrpSpPr/>
+        <p:nvPr/>
+      </p:nvGrpSpPr>
+      <p:grpSpPr>
+        <a:xfrm>
+          <a:off x="0" y="0"/>
+          <a:ext cx="0" cy="0"/>
+          <a:chOff x="0" y="0"/>
+          <a:chExt cx="0" cy="0"/>
+        </a:xfrm>
+      </p:grpSpPr>
+      <p:sp>
+        <p:nvSpPr>
+          <p:cNvPr id="2" name="Title 1"/>
+          <p:cNvSpPr>
+            <a:spLocks noGrp="1"/>
+          </p:cNvSpPr>
+          <p:nvPr>
+            <p:ph type="title"/>
+          </p:nvPr>
+        </p:nvSpPr>
+        <p:spPr/>
+        <p:txBody>
+          <a:bodyPr/>
+          <a:lstStyle/>
+          <a:p>
+            <a:r>
+              <a:rPr lang="en-US" dirty="0" smtClean="0"/>
+              <a:t>Immutability</a:t>
+            </a:r>
+            <a:endParaRPr lang="en-US" dirty="0"/>
+          </a:p>
+        </p:txBody>
+      </p:sp>
+      <p:sp>
+        <p:nvSpPr>
+          <p:cNvPr id="3" name="Content Placeholder 2"/>
+          <p:cNvSpPr>
+            <a:spLocks noGrp="1"/>
+          </p:cNvSpPr>
+          <p:nvPr>
+            <p:ph idx="1"/>
+          </p:nvPr>
+        </p:nvSpPr>
+        <p:spPr/>
+        <p:txBody>
+          <a:bodyPr/>
+          <a:lstStyle/>
+          <a:p>
+            <a:r>
+              <a:rPr lang="en-US" dirty="0" smtClean="0"/>
+              <a:t>Purely Immutable data stores aren’t practical </a:t>
+            </a:r>
+          </a:p>
+          <a:p>
+            <a:r>
+              <a:rPr lang="en-US" dirty="0" smtClean="0"/>
+              <a:t>Immutable Data Rows &amp; View Rows</a:t>
+            </a:r>
+          </a:p>
+          <a:p>
+            <a:endParaRPr lang="en-US" dirty="0"/>
+          </a:p>
+          <a:p>
+            <a:r>
+              <a:rPr lang="en-US" dirty="0" smtClean="0"/>
+              <a:t>View Rows</a:t>
+            </a:r>
+          </a:p>
+          <a:p>
+            <a:pPr lvl="1"/>
+            <a:r>
+              <a:rPr lang="en-US" dirty="0" smtClean="0"/>
+              <a:t>Can be updated &amp; deleted</a:t>
+            </a:r>
+          </a:p>
+          <a:p>
+            <a:pPr lvl="1"/>
+            <a:r>
+              <a:rPr lang="en-US" dirty="0" smtClean="0"/>
+              <a:t>Can always be reconstructed from the Immutable data rows</a:t>
+            </a:r>
+          </a:p>
+          <a:p>
+            <a:endParaRPr lang="en-US" dirty="0" smtClean="0"/>
+          </a:p>
+          <a:p>
+            <a:pPr marL="0" indent="0">
+              <a:buNone/>
+            </a:pPr>
+            <a:endParaRPr lang="en-US" dirty="0"/>
+          </a:p>
+        </p:txBody>
+      </p:sp>
+    </p:spTree>
+    <p:extLst>
+      <p:ext uri="{BB962C8B-B14F-4D97-AF65-F5344CB8AC3E}">
+        <p14:creationId xmlns:p14="http://schemas.microsoft.com/office/powerpoint/2010/main" val="2930620304"/>
+      </p:ext>
+    </p:extLst>
+  </p:cSld>
+  <p:clrMapOvr>
+    <a:masterClrMapping/>
+  </p:clrMapOvr>
+</p:sld>
+</file>
+
+<file path=ppt/slides/slide23.xml><?xml version="1.0" encoding="utf-8"?>
+<p:sld xmlns:a="http://schemas.openxmlformats.org/drawingml/2006/main" xmlns:r="http://schemas.openxmlformats.org/officeDocument/2006/relationships" xmlns:p="http://schemas.openxmlformats.org/presentationml/2006/main">
+  <p:cSld>
+    <p:spTree>
+      <p:nvGrpSpPr>
+        <p:cNvPr id="1" name=""/>
+        <p:cNvGrpSpPr/>
+        <p:nvPr/>
+      </p:nvGrpSpPr>
+      <p:grpSpPr>
+        <a:xfrm>
+          <a:off x="0" y="0"/>
+          <a:ext cx="0" cy="0"/>
+          <a:chOff x="0" y="0"/>
+          <a:chExt cx="0" cy="0"/>
+        </a:xfrm>
+      </p:grpSpPr>
+      <p:sp>
+        <p:nvSpPr>
+          <p:cNvPr id="2" name="Title 1"/>
+          <p:cNvSpPr>
+            <a:spLocks noGrp="1"/>
+          </p:cNvSpPr>
+          <p:nvPr>
+            <p:ph type="title"/>
+          </p:nvPr>
+        </p:nvSpPr>
+        <p:spPr/>
+        <p:txBody>
+          <a:bodyPr/>
+          <a:lstStyle/>
+          <a:p>
+            <a:r>
+              <a:rPr lang="en-US" dirty="0" smtClean="0"/>
+              <a:t>Immutability Benefits</a:t>
+            </a:r>
+            <a:endParaRPr lang="en-US" dirty="0"/>
+          </a:p>
+        </p:txBody>
+      </p:sp>
+      <p:sp>
+        <p:nvSpPr>
+          <p:cNvPr id="3" name="Content Placeholder 2"/>
+          <p:cNvSpPr>
+            <a:spLocks noGrp="1"/>
+          </p:cNvSpPr>
+          <p:nvPr>
+            <p:ph idx="1"/>
+          </p:nvPr>
+        </p:nvSpPr>
+        <p:spPr/>
+        <p:txBody>
+          <a:bodyPr/>
+          <a:lstStyle/>
+          <a:p>
+            <a:r>
+              <a:rPr lang="en-US" dirty="0" smtClean="0"/>
+              <a:t>Idempotent Batch Writes (insert data row &amp; update view row in same batch)</a:t>
+            </a:r>
+          </a:p>
+          <a:p>
+            <a:r>
+              <a:rPr lang="en-US" dirty="0" smtClean="0"/>
+              <a:t>Flexibility to add new views later </a:t>
+            </a:r>
+          </a:p>
+          <a:p>
+            <a:r>
+              <a:rPr lang="en-US" dirty="0" smtClean="0"/>
+              <a:t>Audit Log (helpful for debug or community management)</a:t>
+            </a:r>
+          </a:p>
+          <a:p>
+            <a:pPr marL="0" indent="0">
+              <a:buNone/>
+            </a:pPr>
+            <a:endParaRPr lang="en-US" dirty="0" smtClean="0"/>
+          </a:p>
+          <a:p>
+            <a:endParaRPr lang="en-US" dirty="0"/>
+          </a:p>
+        </p:txBody>
+      </p:sp>
+    </p:spTree>
+    <p:extLst>
+      <p:ext uri="{BB962C8B-B14F-4D97-AF65-F5344CB8AC3E}">
+        <p14:creationId xmlns:p14="http://schemas.microsoft.com/office/powerpoint/2010/main" val="4289292108"/>
+      </p:ext>
+    </p:extLst>
+  </p:cSld>
+  <p:clrMapOvr>
+    <a:masterClrMapping/>
+  </p:clrMapOvr>
+</p:sld>
+</file>
+
+<file path=ppt/slides/slide24.xml><?xml version="1.0" encoding="utf-8"?>
+<p:sld xmlns:a="http://schemas.openxmlformats.org/drawingml/2006/main" xmlns:r="http://schemas.openxmlformats.org/officeDocument/2006/relationships" xmlns:p="http://schemas.openxmlformats.org/presentationml/2006/main">
+  <p:cSld>
+    <p:spTree>
+      <p:nvGrpSpPr>
+        <p:cNvPr id="1" name=""/>
+        <p:cNvGrpSpPr/>
+        <p:nvPr/>
+      </p:nvGrpSpPr>
+      <p:grpSpPr>
+        <a:xfrm>
+          <a:off x="0" y="0"/>
+          <a:ext cx="0" cy="0"/>
+          <a:chOff x="0" y="0"/>
+          <a:chExt cx="0" cy="0"/>
+        </a:xfrm>
+      </p:grpSpPr>
+      <p:sp>
+        <p:nvSpPr>
+          <p:cNvPr id="2" name="Title 1"/>
+          <p:cNvSpPr>
+            <a:spLocks noGrp="1"/>
+          </p:cNvSpPr>
+          <p:nvPr>
+            <p:ph type="title"/>
+          </p:nvPr>
+        </p:nvSpPr>
+        <p:spPr>
+          <a:xfrm>
+            <a:off x="716706" y="294786"/>
+            <a:ext cx="10515600" cy="1325563"/>
+          </a:xfrm>
+        </p:spPr>
+        <p:txBody>
+          <a:bodyPr/>
+          <a:lstStyle/>
+          <a:p>
+            <a:r>
+              <a:rPr lang="en-US" dirty="0" err="1" smtClean="0"/>
+              <a:t>SimpleStats</a:t>
+            </a:r>
+            <a:r>
+              <a:rPr lang="en-US" dirty="0" smtClean="0"/>
+              <a:t>: Process Stats</a:t>
+            </a:r>
+            <a:endParaRPr lang="en-US" dirty="0"/>
+          </a:p>
+        </p:txBody>
+      </p:sp>
+      <p:sp>
+        <p:nvSpPr>
+          <p:cNvPr id="3" name="Content Placeholder 2"/>
+          <p:cNvSpPr>
+            <a:spLocks noGrp="1"/>
+          </p:cNvSpPr>
+          <p:nvPr>
+            <p:ph idx="1"/>
+          </p:nvPr>
+        </p:nvSpPr>
+        <p:spPr>
+          <a:xfrm>
+            <a:off x="838200" y="1825625"/>
+            <a:ext cx="4091887" cy="4351338"/>
+          </a:xfrm>
+        </p:spPr>
+        <p:txBody>
+          <a:bodyPr>
+            <a:normAutofit fontScale="55000" lnSpcReduction="20000"/>
+          </a:bodyPr>
+          <a:lstStyle/>
+          <a:p>
+            <a:pPr marL="0" indent="0">
+              <a:buNone/>
+            </a:pPr>
+            <a:r>
+              <a:rPr lang="en-US" dirty="0"/>
+              <a:t>// Create the batch operation.</a:t>
+            </a:r>
+          </a:p>
+          <a:p>
+            <a:pPr marL="0" indent="0">
+              <a:buNone/>
+            </a:pPr>
+            <a:r>
+              <a:rPr lang="en-US" dirty="0" err="1" smtClean="0"/>
+              <a:t>var</a:t>
+            </a:r>
+            <a:r>
+              <a:rPr lang="en-US" dirty="0" smtClean="0"/>
+              <a:t> </a:t>
+            </a:r>
+            <a:r>
+              <a:rPr lang="en-US" dirty="0" err="1"/>
+              <a:t>batchOperation</a:t>
+            </a:r>
+            <a:r>
+              <a:rPr lang="en-US" dirty="0"/>
+              <a:t> = new </a:t>
+            </a:r>
+            <a:r>
+              <a:rPr lang="en-US" dirty="0" err="1"/>
+              <a:t>TableBatchOperation</a:t>
+            </a:r>
+            <a:r>
+              <a:rPr lang="en-US" dirty="0"/>
+              <a:t>();</a:t>
+            </a:r>
+          </a:p>
+          <a:p>
+            <a:pPr marL="0" indent="0">
+              <a:buNone/>
+            </a:pPr>
+            <a:r>
+              <a:rPr lang="en-US" dirty="0" err="1" smtClean="0"/>
+              <a:t>var</a:t>
+            </a:r>
+            <a:r>
+              <a:rPr lang="en-US" dirty="0" smtClean="0"/>
+              <a:t> </a:t>
+            </a:r>
+            <a:r>
+              <a:rPr lang="en-US" dirty="0"/>
+              <a:t>player = </a:t>
+            </a:r>
+            <a:r>
+              <a:rPr lang="en-US" dirty="0" err="1"/>
+              <a:t>PlayerEntity.GetPlayerEntity</a:t>
+            </a:r>
+            <a:r>
+              <a:rPr lang="en-US" dirty="0"/>
+              <a:t>(</a:t>
+            </a:r>
+            <a:r>
+              <a:rPr lang="en-US" dirty="0" err="1"/>
+              <a:t>playerId</a:t>
+            </a:r>
+            <a:r>
+              <a:rPr lang="en-US" dirty="0"/>
+              <a:t>);</a:t>
+            </a:r>
+          </a:p>
+          <a:p>
+            <a:pPr marL="0" indent="0">
+              <a:buNone/>
+            </a:pPr>
+            <a:r>
+              <a:rPr lang="en-US" dirty="0" err="1" smtClean="0"/>
+              <a:t>batchOperation.InsertOrReplace</a:t>
+            </a:r>
+            <a:r>
+              <a:rPr lang="en-US" dirty="0" smtClean="0"/>
+              <a:t>(player);</a:t>
+            </a:r>
+          </a:p>
+          <a:p>
+            <a:pPr marL="0" indent="0">
+              <a:buNone/>
+            </a:pPr>
+            <a:endParaRPr lang="en-US" dirty="0"/>
+          </a:p>
+          <a:p>
+            <a:pPr marL="0" indent="0">
+              <a:buNone/>
+            </a:pPr>
+            <a:r>
+              <a:rPr lang="en-US" dirty="0" smtClean="0"/>
+              <a:t>//</a:t>
+            </a:r>
+            <a:r>
+              <a:rPr lang="en-US" dirty="0"/>
+              <a:t>Update Player Entity with Game </a:t>
+            </a:r>
+            <a:r>
+              <a:rPr lang="en-US" dirty="0" smtClean="0"/>
+              <a:t>Data</a:t>
+            </a:r>
+          </a:p>
+          <a:p>
+            <a:pPr marL="0" indent="0">
+              <a:buNone/>
+            </a:pPr>
+            <a:r>
+              <a:rPr lang="en-US" dirty="0" err="1" smtClean="0"/>
+              <a:t>player.TotalDeaths</a:t>
+            </a:r>
+            <a:r>
+              <a:rPr lang="en-US" dirty="0" smtClean="0"/>
+              <a:t> += </a:t>
+            </a:r>
+            <a:r>
+              <a:rPr lang="en-US" dirty="0" err="1" smtClean="0"/>
+              <a:t>gameData.Deaths</a:t>
+            </a:r>
+            <a:r>
+              <a:rPr lang="en-US" dirty="0" smtClean="0"/>
+              <a:t>;</a:t>
+            </a:r>
+          </a:p>
+          <a:p>
+            <a:pPr marL="0" indent="0">
+              <a:buNone/>
+            </a:pPr>
+            <a:r>
+              <a:rPr lang="en-US" dirty="0" err="1" smtClean="0"/>
+              <a:t>player.TotalKills</a:t>
+            </a:r>
+            <a:r>
+              <a:rPr lang="en-US" dirty="0" smtClean="0"/>
+              <a:t> </a:t>
+            </a:r>
+            <a:r>
+              <a:rPr lang="en-US" dirty="0"/>
+              <a:t>+= </a:t>
+            </a:r>
+            <a:r>
+              <a:rPr lang="en-US" dirty="0" err="1"/>
+              <a:t>gameData.Kills</a:t>
+            </a:r>
+            <a:r>
+              <a:rPr lang="en-US" dirty="0"/>
+              <a:t>;</a:t>
+            </a:r>
+          </a:p>
+          <a:p>
+            <a:pPr marL="0" indent="0">
+              <a:buNone/>
+            </a:pPr>
+            <a:r>
+              <a:rPr lang="en-US" dirty="0" err="1" smtClean="0"/>
+              <a:t>player.TotalPoints</a:t>
+            </a:r>
+            <a:r>
+              <a:rPr lang="en-US" dirty="0" smtClean="0"/>
+              <a:t> </a:t>
+            </a:r>
+            <a:r>
+              <a:rPr lang="en-US" dirty="0"/>
+              <a:t>+= </a:t>
+            </a:r>
+            <a:r>
+              <a:rPr lang="en-US" dirty="0" err="1"/>
+              <a:t>gameData.Points</a:t>
+            </a:r>
+            <a:r>
+              <a:rPr lang="en-US" dirty="0"/>
+              <a:t>;</a:t>
+            </a:r>
+          </a:p>
+          <a:p>
+            <a:pPr marL="0" indent="0">
+              <a:buNone/>
+            </a:pPr>
+            <a:r>
+              <a:rPr lang="en-US" dirty="0" err="1" smtClean="0"/>
+              <a:t>player.TotalWins</a:t>
+            </a:r>
+            <a:r>
+              <a:rPr lang="en-US" dirty="0" smtClean="0"/>
+              <a:t> </a:t>
+            </a:r>
+            <a:r>
+              <a:rPr lang="en-US" dirty="0"/>
+              <a:t>+= </a:t>
+            </a:r>
+            <a:r>
+              <a:rPr lang="en-US" dirty="0" err="1"/>
+              <a:t>gameData.Win</a:t>
+            </a:r>
+            <a:r>
+              <a:rPr lang="en-US" dirty="0"/>
+              <a:t> ? 1 : 0;</a:t>
+            </a:r>
+          </a:p>
+          <a:p>
+            <a:pPr marL="0" indent="0">
+              <a:buNone/>
+            </a:pPr>
+            <a:r>
+              <a:rPr lang="en-US" dirty="0" err="1" smtClean="0"/>
+              <a:t>player.TotalGames</a:t>
+            </a:r>
+            <a:r>
+              <a:rPr lang="en-US" dirty="0" smtClean="0"/>
+              <a:t> </a:t>
+            </a:r>
+            <a:r>
+              <a:rPr lang="en-US" dirty="0"/>
+              <a:t>+= 1;</a:t>
+            </a:r>
+          </a:p>
+          <a:p>
+            <a:pPr marL="0" indent="0">
+              <a:buNone/>
+            </a:pPr>
+            <a:r>
+              <a:rPr lang="en-US" dirty="0" err="1" smtClean="0"/>
+              <a:t>player.TotalSecondsPlayed</a:t>
+            </a:r>
+            <a:r>
+              <a:rPr lang="en-US" dirty="0" smtClean="0"/>
+              <a:t> </a:t>
+            </a:r>
+            <a:r>
+              <a:rPr lang="en-US" dirty="0"/>
+              <a:t>+= </a:t>
+            </a:r>
+            <a:r>
+              <a:rPr lang="en-US" dirty="0" err="1"/>
+              <a:t>gameSeconds</a:t>
+            </a:r>
+            <a:r>
+              <a:rPr lang="en-US" dirty="0"/>
+              <a:t>;</a:t>
+            </a:r>
+          </a:p>
+          <a:p>
+            <a:pPr marL="0" indent="0">
+              <a:buNone/>
+            </a:pPr>
+            <a:endParaRPr lang="en-US" dirty="0"/>
+          </a:p>
+        </p:txBody>
+      </p:sp>
+      <p:sp>
+        <p:nvSpPr>
+          <p:cNvPr id="4" name="TextBox 3"/>
+          <p:cNvSpPr txBox="1"/>
+          <p:nvPr/>
+        </p:nvSpPr>
+        <p:spPr>
+          <a:xfrm>
+            <a:off x="5774149" y="1684948"/>
+            <a:ext cx="6308614" cy="3816429"/>
+          </a:xfrm>
+          <a:prstGeom prst="rect">
+            <a:avLst/>
+          </a:prstGeom>
+          <a:noFill/>
+        </p:spPr>
+        <p:txBody>
+          <a:bodyPr wrap="square" rtlCol="0">
+            <a:spAutoFit/>
+          </a:bodyPr>
+          <a:lstStyle/>
+          <a:p>
+            <a:r>
+              <a:rPr lang="en-US" sz="1500" dirty="0"/>
+              <a:t> //Create </a:t>
+            </a:r>
+            <a:r>
+              <a:rPr lang="en-US" sz="1500" dirty="0" err="1"/>
+              <a:t>PlayerGame</a:t>
+            </a:r>
+            <a:r>
+              <a:rPr lang="en-US" sz="1500" dirty="0"/>
+              <a:t> Row</a:t>
+            </a:r>
+          </a:p>
+          <a:p>
+            <a:r>
+              <a:rPr lang="en-US" sz="1500" dirty="0" err="1"/>
+              <a:t>v</a:t>
+            </a:r>
+            <a:r>
+              <a:rPr lang="en-US" sz="1500" dirty="0" err="1" smtClean="0"/>
+              <a:t>ar</a:t>
+            </a:r>
+            <a:r>
+              <a:rPr lang="en-US" sz="1500" dirty="0" smtClean="0"/>
+              <a:t> </a:t>
+            </a:r>
+            <a:r>
+              <a:rPr lang="en-US" sz="1500" dirty="0" err="1" smtClean="0"/>
+              <a:t>playerGame</a:t>
+            </a:r>
+            <a:r>
+              <a:rPr lang="en-US" sz="1500" dirty="0" smtClean="0"/>
+              <a:t> </a:t>
+            </a:r>
+            <a:r>
+              <a:rPr lang="en-US" sz="1500" dirty="0"/>
+              <a:t>= new </a:t>
+            </a:r>
+            <a:r>
+              <a:rPr lang="en-US" sz="1500" dirty="0" err="1"/>
+              <a:t>PlayerGameEntity</a:t>
+            </a:r>
+            <a:r>
+              <a:rPr lang="en-US" sz="1500" dirty="0"/>
+              <a:t>(</a:t>
+            </a:r>
+            <a:r>
+              <a:rPr lang="en-US" sz="1500" dirty="0" err="1"/>
+              <a:t>playerId</a:t>
+            </a:r>
+            <a:r>
+              <a:rPr lang="en-US" sz="1500" dirty="0"/>
+              <a:t>, </a:t>
+            </a:r>
+            <a:r>
+              <a:rPr lang="en-US" sz="1500" dirty="0" err="1"/>
+              <a:t>gameId</a:t>
+            </a:r>
+            <a:r>
+              <a:rPr lang="en-US" sz="1500" dirty="0"/>
+              <a:t>)</a:t>
+            </a:r>
+          </a:p>
+          <a:p>
+            <a:r>
+              <a:rPr lang="en-US" sz="1500" dirty="0" smtClean="0"/>
+              <a:t>{</a:t>
+            </a:r>
+            <a:endParaRPr lang="en-US" sz="1500" dirty="0"/>
+          </a:p>
+          <a:p>
+            <a:r>
+              <a:rPr lang="en-US" sz="1500" dirty="0" smtClean="0"/>
+              <a:t>	Points </a:t>
+            </a:r>
+            <a:r>
+              <a:rPr lang="en-US" sz="1500" dirty="0"/>
+              <a:t>= </a:t>
+            </a:r>
+            <a:r>
+              <a:rPr lang="en-US" sz="1500" dirty="0" err="1"/>
+              <a:t>gameData.Points</a:t>
+            </a:r>
+            <a:r>
+              <a:rPr lang="en-US" sz="1500" dirty="0"/>
+              <a:t>,</a:t>
+            </a:r>
+          </a:p>
+          <a:p>
+            <a:r>
+              <a:rPr lang="en-US" sz="1500" dirty="0"/>
+              <a:t>           </a:t>
+            </a:r>
+            <a:r>
+              <a:rPr lang="en-US" sz="1500" dirty="0" smtClean="0"/>
+              <a:t>Win </a:t>
+            </a:r>
+            <a:r>
+              <a:rPr lang="en-US" sz="1500" dirty="0"/>
+              <a:t>= </a:t>
+            </a:r>
+            <a:r>
+              <a:rPr lang="en-US" sz="1500" dirty="0" err="1"/>
+              <a:t>gameData.Win</a:t>
+            </a:r>
+            <a:r>
+              <a:rPr lang="en-US" sz="1500" dirty="0"/>
+              <a:t>,</a:t>
+            </a:r>
+          </a:p>
+          <a:p>
+            <a:r>
+              <a:rPr lang="en-US" sz="1500" dirty="0"/>
+              <a:t>           </a:t>
+            </a:r>
+            <a:r>
+              <a:rPr lang="en-US" sz="1500" dirty="0" smtClean="0"/>
+              <a:t>Kills </a:t>
+            </a:r>
+            <a:r>
+              <a:rPr lang="en-US" sz="1500" dirty="0"/>
+              <a:t>= </a:t>
+            </a:r>
+            <a:r>
+              <a:rPr lang="en-US" sz="1500" dirty="0" err="1"/>
+              <a:t>gameData.Kills</a:t>
+            </a:r>
+            <a:r>
+              <a:rPr lang="en-US" sz="1500" dirty="0"/>
+              <a:t>,</a:t>
+            </a:r>
+          </a:p>
+          <a:p>
+            <a:r>
+              <a:rPr lang="en-US" sz="1500" dirty="0"/>
+              <a:t>           </a:t>
+            </a:r>
+            <a:r>
+              <a:rPr lang="en-US" sz="1500" dirty="0" smtClean="0"/>
+              <a:t>Deaths </a:t>
+            </a:r>
+            <a:r>
+              <a:rPr lang="en-US" sz="1500" dirty="0"/>
+              <a:t>= </a:t>
+            </a:r>
+            <a:r>
+              <a:rPr lang="en-US" sz="1500" dirty="0" err="1"/>
+              <a:t>gameData.Deaths</a:t>
+            </a:r>
+            <a:r>
+              <a:rPr lang="en-US" sz="1500" dirty="0"/>
+              <a:t>,</a:t>
+            </a:r>
+          </a:p>
+          <a:p>
+            <a:r>
+              <a:rPr lang="en-US" sz="1500" dirty="0"/>
+              <a:t>           </a:t>
+            </a:r>
+            <a:r>
+              <a:rPr lang="en-US" sz="1500" dirty="0" err="1" smtClean="0"/>
+              <a:t>GameDuration</a:t>
+            </a:r>
+            <a:r>
+              <a:rPr lang="en-US" sz="1500" dirty="0" smtClean="0"/>
+              <a:t> </a:t>
+            </a:r>
+            <a:r>
+              <a:rPr lang="en-US" sz="1500" dirty="0"/>
+              <a:t>= </a:t>
+            </a:r>
+            <a:r>
+              <a:rPr lang="en-US" sz="1500" dirty="0" err="1"/>
+              <a:t>gameSeconds</a:t>
+            </a:r>
+            <a:endParaRPr lang="en-US" sz="1500" dirty="0"/>
+          </a:p>
+          <a:p>
+            <a:r>
+              <a:rPr lang="en-US" sz="1500" dirty="0" smtClean="0"/>
+              <a:t>};</a:t>
+            </a:r>
+            <a:endParaRPr lang="en-US" sz="1500" dirty="0"/>
+          </a:p>
+          <a:p>
+            <a:endParaRPr lang="en-US" sz="1500" dirty="0" smtClean="0"/>
+          </a:p>
+          <a:p>
+            <a:r>
+              <a:rPr lang="en-US" sz="1500" dirty="0" err="1" smtClean="0"/>
+              <a:t>batchOperation.Insert</a:t>
+            </a:r>
+            <a:r>
+              <a:rPr lang="en-US" sz="1500" dirty="0" smtClean="0"/>
+              <a:t>(</a:t>
+            </a:r>
+            <a:r>
+              <a:rPr lang="en-US" sz="1500" dirty="0" err="1" smtClean="0"/>
+              <a:t>playerGame</a:t>
+            </a:r>
+            <a:r>
+              <a:rPr lang="en-US" sz="1500" dirty="0" smtClean="0"/>
+              <a:t>);</a:t>
+            </a:r>
+          </a:p>
+          <a:p>
+            <a:endParaRPr lang="en-US" sz="1500" dirty="0"/>
+          </a:p>
+          <a:p>
+            <a:endParaRPr lang="en-US" sz="1600" dirty="0" smtClean="0"/>
+          </a:p>
+          <a:p>
+            <a:r>
+              <a:rPr lang="en-US" sz="1500" dirty="0" err="1" smtClean="0"/>
+              <a:t>PlayersTable.ExecuteBatch</a:t>
+            </a:r>
+            <a:r>
+              <a:rPr lang="en-US" sz="1500" dirty="0" smtClean="0"/>
+              <a:t>(</a:t>
+            </a:r>
+            <a:r>
+              <a:rPr lang="en-US" sz="1500" dirty="0" err="1" smtClean="0"/>
+              <a:t>batchOperation</a:t>
+            </a:r>
+            <a:r>
+              <a:rPr lang="en-US" sz="1500" dirty="0"/>
+              <a:t>);</a:t>
+            </a:r>
+            <a:endParaRPr lang="en-US" sz="1500" dirty="0" smtClean="0"/>
+          </a:p>
+          <a:p>
+            <a:endParaRPr lang="en-US" sz="1500" dirty="0"/>
+          </a:p>
+          <a:p>
+            <a:endParaRPr lang="en-US" sz="1500" dirty="0"/>
+          </a:p>
+        </p:txBody>
+      </p:sp>
+    </p:spTree>
+    <p:extLst>
+      <p:ext uri="{BB962C8B-B14F-4D97-AF65-F5344CB8AC3E}">
+        <p14:creationId xmlns:p14="http://schemas.microsoft.com/office/powerpoint/2010/main" val="3786481421"/>
+      </p:ext>
+    </p:extLst>
+  </p:cSld>
+  <p:clrMapOvr>
+    <a:masterClrMapping/>
+  </p:clrMapOvr>
+</p:sld>
+</file>
+
+<file path=ppt/slides/slide25.xml><?xml version="1.0" encoding="utf-8"?>
+<p:sld xmlns:a="http://schemas.openxmlformats.org/drawingml/2006/main" xmlns:r="http://schemas.openxmlformats.org/officeDocument/2006/relationships" xmlns:p="http://schemas.openxmlformats.org/presentationml/2006/main">
+  <p:cSld>
+    <p:spTree>
+      <p:nvGrpSpPr>
+        <p:cNvPr id="1" name=""/>
+        <p:cNvGrpSpPr/>
+        <p:nvPr/>
+      </p:nvGrpSpPr>
+      <p:grpSpPr>
+        <a:xfrm>
+          <a:off x="0" y="0"/>
+          <a:ext cx="0" cy="0"/>
+          <a:chOff x="0" y="0"/>
+          <a:chExt cx="0" cy="0"/>
+        </a:xfrm>
+      </p:grpSpPr>
+      <p:sp>
+        <p:nvSpPr>
+          <p:cNvPr id="2" name="Title 1"/>
+          <p:cNvSpPr>
+            <a:spLocks noGrp="1"/>
+          </p:cNvSpPr>
+          <p:nvPr>
+            <p:ph type="title"/>
+          </p:nvPr>
+        </p:nvSpPr>
+        <p:spPr/>
+        <p:txBody>
+          <a:bodyPr/>
+          <a:lstStyle/>
+          <a:p>
+            <a:r>
+              <a:rPr lang="en-US" dirty="0" smtClean="0"/>
+              <a:t>Show What Partition Would Look Like</a:t>
+            </a:r>
+            <a:endParaRPr lang="en-US" dirty="0"/>
+          </a:p>
+        </p:txBody>
+      </p:sp>
+      <p:sp>
+        <p:nvSpPr>
+          <p:cNvPr id="3" name="Content Placeholder 2"/>
+          <p:cNvSpPr>
+            <a:spLocks noGrp="1"/>
+          </p:cNvSpPr>
+          <p:nvPr>
+            <p:ph idx="1"/>
+          </p:nvPr>
+        </p:nvSpPr>
+        <p:spPr/>
+        <p:txBody>
+          <a:bodyPr/>
+          <a:lstStyle/>
+          <a:p>
+            <a:endParaRPr lang="en-US"/>
+          </a:p>
+        </p:txBody>
+      </p:sp>
+    </p:spTree>
+    <p:extLst>
+      <p:ext uri="{BB962C8B-B14F-4D97-AF65-F5344CB8AC3E}">
+        <p14:creationId xmlns:p14="http://schemas.microsoft.com/office/powerpoint/2010/main" val="3582414993"/>
+      </p:ext>
+    </p:extLst>
+  </p:cSld>
+  <p:clrMapOvr>
+    <a:masterClrMapping/>
+  </p:clrMapOvr>
+</p:sld>
+</file>
+
+<file path=ppt/slides/slide26.xml><?xml version="1.0" encoding="utf-8"?>
+<p:sld xmlns:a="http://schemas.openxmlformats.org/drawingml/2006/main" xmlns:r="http://schemas.openxmlformats.org/officeDocument/2006/relationships" xmlns:p="http://schemas.openxmlformats.org/presentationml/2006/main">
+  <p:cSld>
+    <p:spTree>
+      <p:nvGrpSpPr>
+        <p:cNvPr id="1" name=""/>
+        <p:cNvGrpSpPr/>
+        <p:nvPr/>
+      </p:nvGrpSpPr>
+      <p:grpSpPr>
+        <a:xfrm>
+          <a:off x="0" y="0"/>
+          <a:ext cx="0" cy="0"/>
+          <a:chOff x="0" y="0"/>
+          <a:chExt cx="0" cy="0"/>
+        </a:xfrm>
+      </p:grpSpPr>
+      <p:sp>
+        <p:nvSpPr>
+          <p:cNvPr id="2" name="Title 1"/>
+          <p:cNvSpPr>
+            <a:spLocks noGrp="1"/>
+          </p:cNvSpPr>
+          <p:nvPr>
+            <p:ph type="title"/>
+          </p:nvPr>
+        </p:nvSpPr>
+        <p:spPr/>
+        <p:txBody>
+          <a:bodyPr/>
+          <a:lstStyle/>
+          <a:p>
+            <a:r>
+              <a:rPr lang="en-US" dirty="0" smtClean="0"/>
+              <a:t>What About Distributed Transactions</a:t>
+            </a:r>
+            <a:endParaRPr lang="en-US" dirty="0"/>
+          </a:p>
+        </p:txBody>
+      </p:sp>
+      <p:sp>
+        <p:nvSpPr>
+          <p:cNvPr id="3" name="Content Placeholder 2"/>
+          <p:cNvSpPr>
+            <a:spLocks noGrp="1"/>
+          </p:cNvSpPr>
+          <p:nvPr>
+            <p:ph idx="1"/>
+          </p:nvPr>
+        </p:nvSpPr>
+        <p:spPr/>
+        <p:txBody>
+          <a:bodyPr/>
+          <a:lstStyle/>
+          <a:p>
+            <a:r>
+              <a:rPr lang="en-US" dirty="0" smtClean="0"/>
+              <a:t>I want all the players in a single game to have their stats updated.  </a:t>
+            </a:r>
+            <a:endParaRPr lang="en-US" dirty="0"/>
+          </a:p>
+        </p:txBody>
+      </p:sp>
+    </p:spTree>
+    <p:extLst>
+      <p:ext uri="{BB962C8B-B14F-4D97-AF65-F5344CB8AC3E}">
+        <p14:creationId xmlns:p14="http://schemas.microsoft.com/office/powerpoint/2010/main" val="2190527640"/>
+      </p:ext>
+    </p:extLst>
+  </p:cSld>
+  <p:clrMapOvr>
+    <a:masterClrMapping/>
+  </p:clrMapOvr>
+</p:sld>
+</file>
+
+<file path=ppt/slides/slide27.xml><?xml version="1.0" encoding="utf-8"?>
+<p:sld xmlns:a="http://schemas.openxmlformats.org/drawingml/2006/main" xmlns:r="http://schemas.openxmlformats.org/officeDocument/2006/relationships" xmlns:p="http://schemas.openxmlformats.org/presentationml/2006/main">
+  <p:cSld>
+    <p:spTree>
+      <p:nvGrpSpPr>
+        <p:cNvPr id="1" name=""/>
+        <p:cNvGrpSpPr/>
+        <p:nvPr/>
+      </p:nvGrpSpPr>
+      <p:grpSpPr>
+        <a:xfrm>
+          <a:off x="0" y="0"/>
+          <a:ext cx="0" cy="0"/>
+          <a:chOff x="0" y="0"/>
+          <a:chExt cx="0" cy="0"/>
+        </a:xfrm>
+      </p:grpSpPr>
+      <p:sp>
+        <p:nvSpPr>
+          <p:cNvPr id="2" name="Title 1"/>
+          <p:cNvSpPr>
+            <a:spLocks noGrp="1"/>
+          </p:cNvSpPr>
+          <p:nvPr>
+            <p:ph type="title"/>
+          </p:nvPr>
+        </p:nvSpPr>
+        <p:spPr/>
+        <p:txBody>
+          <a:bodyPr/>
+          <a:lstStyle/>
+          <a:p>
+            <a:r>
+              <a:rPr lang="en-US" dirty="0" smtClean="0"/>
+              <a:t>Google Spanner</a:t>
+            </a:r>
+            <a:endParaRPr lang="en-US" dirty="0"/>
+          </a:p>
+        </p:txBody>
+      </p:sp>
+      <p:sp>
+        <p:nvSpPr>
+          <p:cNvPr id="3" name="Content Placeholder 2"/>
+          <p:cNvSpPr>
+            <a:spLocks noGrp="1"/>
+          </p:cNvSpPr>
+          <p:nvPr>
+            <p:ph idx="1"/>
+          </p:nvPr>
+        </p:nvSpPr>
+        <p:spPr/>
+        <p:txBody>
+          <a:bodyPr/>
+          <a:lstStyle/>
+          <a:p>
+            <a:r>
+              <a:rPr lang="en-US" dirty="0" smtClean="0"/>
+              <a:t>Really Freaking Hard.  </a:t>
+            </a:r>
+          </a:p>
+          <a:p>
+            <a:endParaRPr lang="en-US" dirty="0"/>
+          </a:p>
+        </p:txBody>
+      </p:sp>
+    </p:spTree>
+    <p:extLst>
+      <p:ext uri="{BB962C8B-B14F-4D97-AF65-F5344CB8AC3E}">
+        <p14:creationId xmlns:p14="http://schemas.microsoft.com/office/powerpoint/2010/main" val="3726790128"/>
+      </p:ext>
+    </p:extLst>
+  </p:cSld>
+  <p:clrMapOvr>
+    <a:masterClrMapping/>
+  </p:clrMapOvr>
+</p:sld>
+</file>
+
+<file path=ppt/slides/slide28.xml><?xml version="1.0" encoding="utf-8"?>
+<p:sld xmlns:a="http://schemas.openxmlformats.org/drawingml/2006/main" xmlns:r="http://schemas.openxmlformats.org/officeDocument/2006/relationships" xmlns:p="http://schemas.openxmlformats.org/presentationml/2006/main">
+  <p:cSld>
+    <p:spTree>
+      <p:nvGrpSpPr>
+        <p:cNvPr id="1" name=""/>
+        <p:cNvGrpSpPr/>
+        <p:nvPr/>
+      </p:nvGrpSpPr>
+      <p:grpSpPr>
+        <a:xfrm>
+          <a:off x="0" y="0"/>
+          <a:ext cx="0" cy="0"/>
+          <a:chOff x="0" y="0"/>
+          <a:chExt cx="0" cy="0"/>
+        </a:xfrm>
+      </p:grpSpPr>
+      <p:sp>
+        <p:nvSpPr>
+          <p:cNvPr id="2" name="Title 1"/>
+          <p:cNvSpPr>
+            <a:spLocks noGrp="1"/>
+          </p:cNvSpPr>
+          <p:nvPr>
+            <p:ph type="title"/>
+          </p:nvPr>
+        </p:nvSpPr>
+        <p:spPr/>
+        <p:txBody>
+          <a:bodyPr/>
+          <a:lstStyle/>
+          <a:p>
+            <a:r>
+              <a:rPr lang="en-US" dirty="0" smtClean="0"/>
+              <a:t>Saga Pattern</a:t>
+            </a:r>
+            <a:endParaRPr lang="en-US" dirty="0"/>
+          </a:p>
+        </p:txBody>
+      </p:sp>
+      <p:sp>
+        <p:nvSpPr>
+          <p:cNvPr id="3" name="Content Placeholder 2"/>
+          <p:cNvSpPr>
+            <a:spLocks noGrp="1"/>
+          </p:cNvSpPr>
+          <p:nvPr>
+            <p:ph idx="1"/>
+          </p:nvPr>
+        </p:nvSpPr>
+        <p:spPr/>
+        <p:txBody>
+          <a:bodyPr/>
+          <a:lstStyle/>
+          <a:p>
+            <a:endParaRPr lang="en-US"/>
+          </a:p>
+        </p:txBody>
+      </p:sp>
+    </p:spTree>
+    <p:extLst>
+      <p:ext uri="{BB962C8B-B14F-4D97-AF65-F5344CB8AC3E}">
+        <p14:creationId xmlns:p14="http://schemas.microsoft.com/office/powerpoint/2010/main" val="1307511953"/>
       </p:ext>
     </p:extLst>
   </p:cSld>
@@ -3834,7 +7493,7 @@
           <a:p>
             <a:r>
               <a:rPr lang="en-US" dirty="0" smtClean="0"/>
-              <a:t>Table Partitions – Why do I care?</a:t>
+              <a:t>Properties – Data Types</a:t>
             </a:r>
             <a:endParaRPr lang="en-US" dirty="0"/>
           </a:p>
@@ -3850,54 +7509,250 @@
             <p:ph idx="1"/>
           </p:nvPr>
         </p:nvSpPr>
-        <p:spPr/>
-        <p:txBody>
-          <a:bodyPr/>
-          <a:lstStyle/>
-          <a:p>
-            <a:r>
-              <a:rPr lang="en-US" dirty="0" smtClean="0"/>
-              <a:t>Table Partitions – set of entities with the same partition key value</a:t>
-            </a:r>
-          </a:p>
-          <a:p>
-            <a:r>
-              <a:rPr lang="en-US" dirty="0" smtClean="0"/>
-              <a:t>Single Partition Server handles all requests to a single partition</a:t>
-            </a:r>
-          </a:p>
-          <a:p>
-            <a:r>
-              <a:rPr lang="en-US" dirty="0" smtClean="0"/>
-              <a:t>Entity Group Transaction – Provide Limited form of ACID in a single Partition</a:t>
-            </a:r>
-          </a:p>
-          <a:p>
-            <a:pPr marL="0" indent="0">
-              <a:buNone/>
-            </a:pPr>
-            <a:endParaRPr lang="en-US" dirty="0"/>
-          </a:p>
-          <a:p>
-            <a:r>
-              <a:rPr lang="en-US" dirty="0" smtClean="0"/>
-              <a:t>Partition Size: Too Big, Too Small, Just Right ( Scale </a:t>
-            </a:r>
+        <p:spPr>
+          <a:xfrm>
+            <a:off x="838200" y="1825625"/>
+            <a:ext cx="5671305" cy="4351338"/>
+          </a:xfrm>
+        </p:spPr>
+        <p:txBody>
+          <a:bodyPr>
+            <a:normAutofit fontScale="92500" lnSpcReduction="20000"/>
+          </a:bodyPr>
+          <a:lstStyle/>
+          <a:p>
+            <a:r>
+              <a:rPr lang="en-US" dirty="0" smtClean="0"/>
+              <a:t>Name, Value Pair </a:t>
+            </a:r>
+          </a:p>
+          <a:p>
+            <a:r>
+              <a:rPr lang="en-US" dirty="0" smtClean="0"/>
+              <a:t>Name is the row of a column.</a:t>
+            </a:r>
+          </a:p>
+          <a:p>
+            <a:endParaRPr lang="en-US" dirty="0"/>
+          </a:p>
+          <a:p>
+            <a:r>
+              <a:rPr lang="en-US" dirty="0" smtClean="0"/>
+              <a:t>Data Types </a:t>
+            </a:r>
+          </a:p>
+          <a:p>
+            <a:pPr lvl="1"/>
+            <a:r>
+              <a:rPr lang="en-US" dirty="0" smtClean="0"/>
+              <a:t>Byte[] – Up to 64 KB</a:t>
+            </a:r>
+          </a:p>
+          <a:p>
+            <a:pPr lvl="1"/>
             <a:r>
               <a:rPr lang="en-US" dirty="0" err="1" smtClean="0"/>
-              <a:t>vs</a:t>
-            </a:r>
-            <a:r>
-              <a:rPr lang="en-US" dirty="0" smtClean="0"/>
-              <a:t> Consistency )</a:t>
-            </a:r>
+              <a:t>Bool</a:t>
+            </a:r>
+            <a:endParaRPr lang="en-US" dirty="0" smtClean="0"/>
+          </a:p>
+          <a:p>
+            <a:pPr lvl="1"/>
+            <a:r>
+              <a:rPr lang="en-US" dirty="0" err="1" smtClean="0"/>
+              <a:t>DateTime</a:t>
+            </a:r>
+            <a:endParaRPr lang="en-US" dirty="0" smtClean="0"/>
+          </a:p>
+          <a:p>
+            <a:pPr lvl="1"/>
+            <a:r>
+              <a:rPr lang="en-US" dirty="0" smtClean="0"/>
+              <a:t>Double</a:t>
+            </a:r>
+          </a:p>
+          <a:p>
+            <a:pPr lvl="1"/>
+            <a:r>
+              <a:rPr lang="en-US" dirty="0" err="1" smtClean="0"/>
+              <a:t>Guid</a:t>
+            </a:r>
+            <a:endParaRPr lang="en-US" dirty="0" smtClean="0"/>
+          </a:p>
+          <a:p>
+            <a:pPr lvl="1"/>
+            <a:r>
+              <a:rPr lang="en-US" dirty="0" smtClean="0"/>
+              <a:t>Int32</a:t>
+            </a:r>
+          </a:p>
+          <a:p>
+            <a:pPr lvl="1"/>
+            <a:r>
+              <a:rPr lang="en-US" dirty="0" smtClean="0"/>
+              <a:t>Int64</a:t>
+            </a:r>
+          </a:p>
+          <a:p>
+            <a:pPr lvl="1"/>
+            <a:r>
+              <a:rPr lang="en-US" dirty="0" smtClean="0"/>
+              <a:t>String – UTF 16 encoded value up to 64 KB  </a:t>
+            </a:r>
+          </a:p>
+          <a:p>
+            <a:endParaRPr lang="en-US" dirty="0"/>
+          </a:p>
+        </p:txBody>
+      </p:sp>
+      <p:sp>
+        <p:nvSpPr>
+          <p:cNvPr id="6" name="TextBox 5"/>
+          <p:cNvSpPr txBox="1"/>
+          <p:nvPr/>
+        </p:nvSpPr>
+        <p:spPr>
+          <a:xfrm>
+            <a:off x="6694943" y="1969477"/>
+            <a:ext cx="5064369" cy="3693319"/>
+          </a:xfrm>
+          <a:prstGeom prst="rect">
+            <a:avLst/>
+          </a:prstGeom>
+          <a:noFill/>
+        </p:spPr>
+        <p:txBody>
+          <a:bodyPr wrap="square" rtlCol="0">
+            <a:spAutoFit/>
+          </a:bodyPr>
+          <a:lstStyle/>
+          <a:p>
+            <a:r>
+              <a:rPr lang="en-US" dirty="0" smtClean="0"/>
+              <a:t>SQL Data Types</a:t>
+            </a:r>
+          </a:p>
+          <a:p>
+            <a:pPr marL="285750" indent="-285750">
+              <a:buFont typeface="Arial" panose="020B0604020202020204" pitchFamily="34" charset="0"/>
+              <a:buChar char="•"/>
+            </a:pPr>
+            <a:r>
+              <a:rPr lang="en-US" dirty="0" err="1" smtClean="0"/>
+              <a:t>BigInt</a:t>
+            </a:r>
+            <a:endParaRPr lang="en-US" dirty="0" smtClean="0"/>
+          </a:p>
+          <a:p>
+            <a:pPr marL="285750" indent="-285750">
+              <a:buFont typeface="Arial" panose="020B0604020202020204" pitchFamily="34" charset="0"/>
+              <a:buChar char="•"/>
+            </a:pPr>
+            <a:r>
+              <a:rPr lang="en-US" dirty="0" err="1" smtClean="0"/>
+              <a:t>Int</a:t>
+            </a:r>
+            <a:endParaRPr lang="en-US" dirty="0" smtClean="0"/>
+          </a:p>
+          <a:p>
+            <a:pPr marL="285750" indent="-285750">
+              <a:buFont typeface="Arial" panose="020B0604020202020204" pitchFamily="34" charset="0"/>
+              <a:buChar char="•"/>
+            </a:pPr>
+            <a:r>
+              <a:rPr lang="en-US" dirty="0" err="1" smtClean="0"/>
+              <a:t>SmallInt</a:t>
+            </a:r>
+            <a:endParaRPr lang="en-US" dirty="0" smtClean="0"/>
+          </a:p>
+          <a:p>
+            <a:pPr marL="285750" indent="-285750">
+              <a:buFont typeface="Arial" panose="020B0604020202020204" pitchFamily="34" charset="0"/>
+              <a:buChar char="•"/>
+            </a:pPr>
+            <a:r>
+              <a:rPr lang="en-US" dirty="0" err="1" smtClean="0"/>
+              <a:t>TinyInt</a:t>
+            </a:r>
+            <a:endParaRPr lang="en-US" dirty="0" smtClean="0"/>
+          </a:p>
+          <a:p>
+            <a:pPr marL="285750" indent="-285750">
+              <a:buFont typeface="Arial" panose="020B0604020202020204" pitchFamily="34" charset="0"/>
+              <a:buChar char="•"/>
+            </a:pPr>
+            <a:r>
+              <a:rPr lang="en-US" dirty="0" smtClean="0"/>
+              <a:t>Bit</a:t>
+            </a:r>
+          </a:p>
+          <a:p>
+            <a:pPr marL="285750" indent="-285750">
+              <a:buFont typeface="Arial" panose="020B0604020202020204" pitchFamily="34" charset="0"/>
+              <a:buChar char="•"/>
+            </a:pPr>
+            <a:r>
+              <a:rPr lang="en-US" dirty="0" smtClean="0"/>
+              <a:t>Money</a:t>
+            </a:r>
+          </a:p>
+          <a:p>
+            <a:pPr marL="285750" indent="-285750">
+              <a:buFont typeface="Arial" panose="020B0604020202020204" pitchFamily="34" charset="0"/>
+              <a:buChar char="•"/>
+            </a:pPr>
+            <a:r>
+              <a:rPr lang="en-US" dirty="0" err="1" smtClean="0"/>
+              <a:t>SmallMoney</a:t>
+            </a:r>
+            <a:endParaRPr lang="en-US" dirty="0" smtClean="0"/>
+          </a:p>
+          <a:p>
+            <a:pPr marL="285750" indent="-285750">
+              <a:buFont typeface="Arial" panose="020B0604020202020204" pitchFamily="34" charset="0"/>
+              <a:buChar char="•"/>
+            </a:pPr>
+            <a:r>
+              <a:rPr lang="en-US" dirty="0" smtClean="0"/>
+              <a:t>Numeric</a:t>
+            </a:r>
+          </a:p>
+          <a:p>
+            <a:pPr marL="285750" indent="-285750">
+              <a:buFont typeface="Arial" panose="020B0604020202020204" pitchFamily="34" charset="0"/>
+              <a:buChar char="•"/>
+            </a:pPr>
+            <a:r>
+              <a:rPr lang="en-US" dirty="0" smtClean="0"/>
+              <a:t>Float</a:t>
+            </a:r>
+          </a:p>
+          <a:p>
+            <a:pPr marL="285750" indent="-285750">
+              <a:buFont typeface="Arial" panose="020B0604020202020204" pitchFamily="34" charset="0"/>
+              <a:buChar char="•"/>
+            </a:pPr>
+            <a:r>
+              <a:rPr lang="en-US" dirty="0" smtClean="0"/>
+              <a:t>Decimal</a:t>
+            </a:r>
+          </a:p>
+          <a:p>
+            <a:pPr marL="285750" indent="-285750">
+              <a:buFont typeface="Arial" panose="020B0604020202020204" pitchFamily="34" charset="0"/>
+              <a:buChar char="•"/>
+            </a:pPr>
+            <a:endParaRPr lang="en-US" dirty="0" smtClean="0"/>
+          </a:p>
+          <a:p>
+            <a:endParaRPr lang="en-US" dirty="0"/>
           </a:p>
         </p:txBody>
       </p:sp>
     </p:spTree>
     <p:extLst>
       <p:ext uri="{BB962C8B-B14F-4D97-AF65-F5344CB8AC3E}">
-        <p14:creationId xmlns:p14="http://schemas.microsoft.com/office/powerpoint/2010/main" val="558695033"/>
+        <p14:creationId xmlns:p14="http://schemas.microsoft.com/office/powerpoint/2010/main" val="3186164249"/>
       </p:ext>
     </p:extLst>
   </p:cSld>

--- a/Patterns & Best Practices For Moving From RDBMS to Azure Storage.pptx
+++ b/Patterns & Best Practices For Moving From RDBMS to Azure Storage.pptx
@@ -1782,7 +1782,7 @@
           <a:p>
             <a:fld id="{8549D1D3-D56C-4795-97E3-2197DA1CD096}" type="slidenum">
               <a:rPr lang="en-US" smtClean="0"/>
-              <a:t>31</a:t>
+              <a:t>30</a:t>
             </a:fld>
             <a:endParaRPr lang="en-US"/>
           </a:p>
@@ -1791,7 +1791,7 @@
     </p:spTree>
     <p:extLst>
       <p:ext uri="{BB962C8B-B14F-4D97-AF65-F5344CB8AC3E}">
-        <p14:creationId xmlns:p14="http://schemas.microsoft.com/office/powerpoint/2010/main" val="2170290404"/>
+        <p14:creationId xmlns:p14="http://schemas.microsoft.com/office/powerpoint/2010/main" val="2158395772"/>
       </p:ext>
     </p:extLst>
   </p:cSld>
@@ -1884,6 +1884,266 @@
     <p:extLst>
       <p:ext uri="{BB962C8B-B14F-4D97-AF65-F5344CB8AC3E}">
         <p14:creationId xmlns:p14="http://schemas.microsoft.com/office/powerpoint/2010/main" val="1457985184"/>
+      </p:ext>
+    </p:extLst>
+  </p:cSld>
+  <p:clrMapOvr>
+    <a:masterClrMapping/>
+  </p:clrMapOvr>
+</p:notes>
+</file>
+
+<file path=ppt/notesSlides/notesSlide20.xml><?xml version="1.0" encoding="utf-8"?>
+<p:notes xmlns:a="http://schemas.openxmlformats.org/drawingml/2006/main" xmlns:r="http://schemas.openxmlformats.org/officeDocument/2006/relationships" xmlns:p="http://schemas.openxmlformats.org/presentationml/2006/main">
+  <p:cSld>
+    <p:spTree>
+      <p:nvGrpSpPr>
+        <p:cNvPr id="1" name=""/>
+        <p:cNvGrpSpPr/>
+        <p:nvPr/>
+      </p:nvGrpSpPr>
+      <p:grpSpPr>
+        <a:xfrm>
+          <a:off x="0" y="0"/>
+          <a:ext cx="0" cy="0"/>
+          <a:chOff x="0" y="0"/>
+          <a:chExt cx="0" cy="0"/>
+        </a:xfrm>
+      </p:grpSpPr>
+      <p:sp>
+        <p:nvSpPr>
+          <p:cNvPr id="2" name="Slide Image Placeholder 1"/>
+          <p:cNvSpPr>
+            <a:spLocks noGrp="1" noRot="1" noChangeAspect="1"/>
+          </p:cNvSpPr>
+          <p:nvPr>
+            <p:ph type="sldImg"/>
+          </p:nvPr>
+        </p:nvSpPr>
+        <p:spPr/>
+      </p:sp>
+      <p:sp>
+        <p:nvSpPr>
+          <p:cNvPr id="3" name="Notes Placeholder 2"/>
+          <p:cNvSpPr>
+            <a:spLocks noGrp="1"/>
+          </p:cNvSpPr>
+          <p:nvPr>
+            <p:ph type="body" idx="1"/>
+          </p:nvPr>
+        </p:nvSpPr>
+        <p:spPr/>
+        <p:txBody>
+          <a:bodyPr/>
+          <a:lstStyle/>
+          <a:p>
+            <a:endParaRPr lang="en-US" dirty="0"/>
+          </a:p>
+        </p:txBody>
+      </p:sp>
+      <p:sp>
+        <p:nvSpPr>
+          <p:cNvPr id="4" name="Slide Number Placeholder 3"/>
+          <p:cNvSpPr>
+            <a:spLocks noGrp="1"/>
+          </p:cNvSpPr>
+          <p:nvPr>
+            <p:ph type="sldNum" sz="quarter" idx="10"/>
+          </p:nvPr>
+        </p:nvSpPr>
+        <p:spPr/>
+        <p:txBody>
+          <a:bodyPr/>
+          <a:lstStyle/>
+          <a:p>
+            <a:fld id="{8549D1D3-D56C-4795-97E3-2197DA1CD096}" type="slidenum">
+              <a:rPr lang="en-US" smtClean="0"/>
+              <a:t>31</a:t>
+            </a:fld>
+            <a:endParaRPr lang="en-US"/>
+          </a:p>
+        </p:txBody>
+      </p:sp>
+    </p:spTree>
+    <p:extLst>
+      <p:ext uri="{BB962C8B-B14F-4D97-AF65-F5344CB8AC3E}">
+        <p14:creationId xmlns:p14="http://schemas.microsoft.com/office/powerpoint/2010/main" val="2170290404"/>
+      </p:ext>
+    </p:extLst>
+  </p:cSld>
+  <p:clrMapOvr>
+    <a:masterClrMapping/>
+  </p:clrMapOvr>
+</p:notes>
+</file>
+
+<file path=ppt/notesSlides/notesSlide21.xml><?xml version="1.0" encoding="utf-8"?>
+<p:notes xmlns:a="http://schemas.openxmlformats.org/drawingml/2006/main" xmlns:r="http://schemas.openxmlformats.org/officeDocument/2006/relationships" xmlns:p="http://schemas.openxmlformats.org/presentationml/2006/main">
+  <p:cSld>
+    <p:spTree>
+      <p:nvGrpSpPr>
+        <p:cNvPr id="1" name=""/>
+        <p:cNvGrpSpPr/>
+        <p:nvPr/>
+      </p:nvGrpSpPr>
+      <p:grpSpPr>
+        <a:xfrm>
+          <a:off x="0" y="0"/>
+          <a:ext cx="0" cy="0"/>
+          <a:chOff x="0" y="0"/>
+          <a:chExt cx="0" cy="0"/>
+        </a:xfrm>
+      </p:grpSpPr>
+      <p:sp>
+        <p:nvSpPr>
+          <p:cNvPr id="2" name="Slide Image Placeholder 1"/>
+          <p:cNvSpPr>
+            <a:spLocks noGrp="1" noRot="1" noChangeAspect="1"/>
+          </p:cNvSpPr>
+          <p:nvPr>
+            <p:ph type="sldImg"/>
+          </p:nvPr>
+        </p:nvSpPr>
+        <p:spPr/>
+      </p:sp>
+      <p:sp>
+        <p:nvSpPr>
+          <p:cNvPr id="3" name="Notes Placeholder 2"/>
+          <p:cNvSpPr>
+            <a:spLocks noGrp="1"/>
+          </p:cNvSpPr>
+          <p:nvPr>
+            <p:ph type="body" idx="1"/>
+          </p:nvPr>
+        </p:nvSpPr>
+        <p:spPr/>
+        <p:txBody>
+          <a:bodyPr/>
+          <a:lstStyle/>
+          <a:p>
+            <a:r>
+              <a:rPr lang="en-US" dirty="0" smtClean="0"/>
+              <a:t>What about</a:t>
+            </a:r>
+            <a:r>
+              <a:rPr lang="en-US" baseline="0" dirty="0" smtClean="0"/>
+              <a:t> multiplayer games.  I need to ensure all the stats write for all the players.  But I can only get transactions in one Partition. </a:t>
+            </a:r>
+            <a:endParaRPr lang="en-US" dirty="0"/>
+          </a:p>
+        </p:txBody>
+      </p:sp>
+      <p:sp>
+        <p:nvSpPr>
+          <p:cNvPr id="4" name="Slide Number Placeholder 3"/>
+          <p:cNvSpPr>
+            <a:spLocks noGrp="1"/>
+          </p:cNvSpPr>
+          <p:nvPr>
+            <p:ph type="sldNum" sz="quarter" idx="10"/>
+          </p:nvPr>
+        </p:nvSpPr>
+        <p:spPr/>
+        <p:txBody>
+          <a:bodyPr/>
+          <a:lstStyle/>
+          <a:p>
+            <a:fld id="{8549D1D3-D56C-4795-97E3-2197DA1CD096}" type="slidenum">
+              <a:rPr lang="en-US" smtClean="0"/>
+              <a:t>33</a:t>
+            </a:fld>
+            <a:endParaRPr lang="en-US"/>
+          </a:p>
+        </p:txBody>
+      </p:sp>
+    </p:spTree>
+    <p:extLst>
+      <p:ext uri="{BB962C8B-B14F-4D97-AF65-F5344CB8AC3E}">
+        <p14:creationId xmlns:p14="http://schemas.microsoft.com/office/powerpoint/2010/main" val="2925268385"/>
+      </p:ext>
+    </p:extLst>
+  </p:cSld>
+  <p:clrMapOvr>
+    <a:masterClrMapping/>
+  </p:clrMapOvr>
+</p:notes>
+</file>
+
+<file path=ppt/notesSlides/notesSlide22.xml><?xml version="1.0" encoding="utf-8"?>
+<p:notes xmlns:a="http://schemas.openxmlformats.org/drawingml/2006/main" xmlns:r="http://schemas.openxmlformats.org/officeDocument/2006/relationships" xmlns:p="http://schemas.openxmlformats.org/presentationml/2006/main">
+  <p:cSld>
+    <p:spTree>
+      <p:nvGrpSpPr>
+        <p:cNvPr id="1" name=""/>
+        <p:cNvGrpSpPr/>
+        <p:nvPr/>
+      </p:nvGrpSpPr>
+      <p:grpSpPr>
+        <a:xfrm>
+          <a:off x="0" y="0"/>
+          <a:ext cx="0" cy="0"/>
+          <a:chOff x="0" y="0"/>
+          <a:chExt cx="0" cy="0"/>
+        </a:xfrm>
+      </p:grpSpPr>
+      <p:sp>
+        <p:nvSpPr>
+          <p:cNvPr id="2" name="Slide Image Placeholder 1"/>
+          <p:cNvSpPr>
+            <a:spLocks noGrp="1" noRot="1" noChangeAspect="1"/>
+          </p:cNvSpPr>
+          <p:nvPr>
+            <p:ph type="sldImg"/>
+          </p:nvPr>
+        </p:nvSpPr>
+        <p:spPr/>
+      </p:sp>
+      <p:sp>
+        <p:nvSpPr>
+          <p:cNvPr id="3" name="Notes Placeholder 2"/>
+          <p:cNvSpPr>
+            <a:spLocks noGrp="1"/>
+          </p:cNvSpPr>
+          <p:nvPr>
+            <p:ph type="body" idx="1"/>
+          </p:nvPr>
+        </p:nvSpPr>
+        <p:spPr/>
+        <p:txBody>
+          <a:bodyPr/>
+          <a:lstStyle/>
+          <a:p>
+            <a:endParaRPr lang="en-US" dirty="0"/>
+          </a:p>
+        </p:txBody>
+      </p:sp>
+      <p:sp>
+        <p:nvSpPr>
+          <p:cNvPr id="4" name="Slide Number Placeholder 3"/>
+          <p:cNvSpPr>
+            <a:spLocks noGrp="1"/>
+          </p:cNvSpPr>
+          <p:nvPr>
+            <p:ph type="sldNum" sz="quarter" idx="10"/>
+          </p:nvPr>
+        </p:nvSpPr>
+        <p:spPr/>
+        <p:txBody>
+          <a:bodyPr/>
+          <a:lstStyle/>
+          <a:p>
+            <a:fld id="{8549D1D3-D56C-4795-97E3-2197DA1CD096}" type="slidenum">
+              <a:rPr lang="en-US" smtClean="0"/>
+              <a:t>34</a:t>
+            </a:fld>
+            <a:endParaRPr lang="en-US"/>
+          </a:p>
+        </p:txBody>
+      </p:sp>
+    </p:spTree>
+    <p:extLst>
+      <p:ext uri="{BB962C8B-B14F-4D97-AF65-F5344CB8AC3E}">
+        <p14:creationId xmlns:p14="http://schemas.microsoft.com/office/powerpoint/2010/main" val="3758749871"/>
       </p:ext>
     </p:extLst>
   </p:cSld>
@@ -6198,7 +6458,7 @@
           <a:lstStyle/>
           <a:p>
             <a:r>
-              <a:rPr lang="en-US" sz="6000" dirty="0" smtClean="0">
+              <a:rPr lang="en-US" sz="6000" b="1" dirty="0" smtClean="0">
                 <a:solidFill>
                   <a:schemeClr val="accent2">
                     <a:lumMod val="20000"/>
@@ -6208,7 +6468,7 @@
               </a:rPr>
               <a:t>Table Partitions</a:t>
             </a:r>
-            <a:endParaRPr lang="en-US" sz="6000" dirty="0">
+            <a:endParaRPr lang="en-US" sz="6000" b="1" dirty="0">
               <a:solidFill>
                 <a:schemeClr val="accent2">
                   <a:lumMod val="20000"/>
@@ -6491,7 +6751,7 @@
           <a:lstStyle/>
           <a:p>
             <a:r>
-              <a:rPr lang="en-US" sz="6000" dirty="0" smtClean="0">
+              <a:rPr lang="en-US" sz="6000" b="1" dirty="0" smtClean="0">
                 <a:solidFill>
                   <a:schemeClr val="accent2">
                     <a:lumMod val="20000"/>
@@ -6501,7 +6761,7 @@
               </a:rPr>
               <a:t>Table Partitions</a:t>
             </a:r>
-            <a:endParaRPr lang="en-US" sz="6000" dirty="0">
+            <a:endParaRPr lang="en-US" sz="6000" b="1" dirty="0">
               <a:solidFill>
                 <a:schemeClr val="accent2">
                   <a:lumMod val="20000"/>
@@ -7991,7 +8251,7 @@
           <a:lstStyle/>
           <a:p>
             <a:r>
-              <a:rPr lang="en-US" sz="7200" dirty="0" smtClean="0">
+              <a:rPr lang="en-US" sz="7200" b="1" dirty="0" smtClean="0">
                 <a:solidFill>
                   <a:schemeClr val="accent2">
                     <a:lumMod val="20000"/>
@@ -8001,7 +8261,7 @@
               </a:rPr>
               <a:t>Moral of the Story:</a:t>
             </a:r>
-            <a:endParaRPr lang="en-US" sz="7200" dirty="0">
+            <a:endParaRPr lang="en-US" sz="7200" b="1" dirty="0">
               <a:solidFill>
                 <a:schemeClr val="accent2">
                   <a:lumMod val="20000"/>
@@ -8096,49 +8356,30 @@
           <a:chExt cx="0" cy="0"/>
         </a:xfrm>
       </p:grpSpPr>
-      <p:sp>
-        <p:nvSpPr>
-          <p:cNvPr id="4" name="Rectangle 3"/>
-          <p:cNvSpPr/>
+      <p:pic>
+        <p:nvPicPr>
+          <p:cNvPr id="7" name="Picture 6"/>
+          <p:cNvPicPr>
+            <a:picLocks noChangeAspect="1"/>
+          </p:cNvPicPr>
           <p:nvPr/>
-        </p:nvSpPr>
+        </p:nvPicPr>
+        <p:blipFill>
+          <a:blip r:embed="rId3"/>
+          <a:stretch>
+            <a:fillRect/>
+          </a:stretch>
+        </p:blipFill>
         <p:spPr>
           <a:xfrm>
-            <a:off x="0" y="0"/>
-            <a:ext cx="11302253" cy="6858000"/>
+            <a:off x="0" y="-22485"/>
+            <a:ext cx="12192000" cy="7620000"/>
           </a:xfrm>
           <a:prstGeom prst="rect">
             <a:avLst/>
           </a:prstGeom>
-          <a:solidFill>
-            <a:schemeClr val="bg1"/>
-          </a:solidFill>
         </p:spPr>
-        <p:style>
-          <a:lnRef idx="2">
-            <a:schemeClr val="accent1">
-              <a:shade val="50000"/>
-            </a:schemeClr>
-          </a:lnRef>
-          <a:fillRef idx="1">
-            <a:schemeClr val="accent1"/>
-          </a:fillRef>
-          <a:effectRef idx="0">
-            <a:schemeClr val="accent1"/>
-          </a:effectRef>
-          <a:fontRef idx="minor">
-            <a:schemeClr val="lt1"/>
-          </a:fontRef>
-        </p:style>
-        <p:txBody>
-          <a:bodyPr rtlCol="0" anchor="ctr"/>
-          <a:lstStyle/>
-          <a:p>
-            <a:pPr algn="ctr"/>
-            <a:endParaRPr lang="en-US"/>
-          </a:p>
-        </p:txBody>
-      </p:sp>
+      </p:pic>
       <p:sp>
         <p:nvSpPr>
           <p:cNvPr id="2" name="Title 1"/>
@@ -8151,7 +8392,7 @@
         </p:nvSpPr>
         <p:spPr>
           <a:xfrm>
-            <a:off x="91978" y="56477"/>
+            <a:off x="1658450" y="3211906"/>
             <a:ext cx="9692640" cy="1325562"/>
           </a:xfrm>
         </p:spPr>
@@ -8162,43 +8403,18 @@
           <a:lstStyle/>
           <a:p>
             <a:r>
-              <a:rPr lang="en-US" sz="6600" dirty="0" smtClean="0">
+              <a:rPr lang="en-US" sz="6600" b="1" dirty="0" smtClean="0">
                 <a:solidFill>
-                  <a:schemeClr val="tx1">
-                    <a:lumMod val="75000"/>
-                    <a:lumOff val="25000"/>
-                  </a:schemeClr>
+                  <a:schemeClr val="bg1"/>
                 </a:solidFill>
               </a:rPr>
               <a:t>Simple Stats Example </a:t>
             </a:r>
-            <a:endParaRPr lang="en-US" sz="6600" dirty="0">
+            <a:endParaRPr lang="en-US" sz="6600" b="1" dirty="0">
               <a:solidFill>
-                <a:schemeClr val="tx1">
-                  <a:lumMod val="75000"/>
-                  <a:lumOff val="25000"/>
-                </a:schemeClr>
+                <a:schemeClr val="bg1"/>
               </a:solidFill>
             </a:endParaRPr>
-          </a:p>
-        </p:txBody>
-      </p:sp>
-      <p:sp>
-        <p:nvSpPr>
-          <p:cNvPr id="6" name="Content Placeholder 5"/>
-          <p:cNvSpPr>
-            <a:spLocks noGrp="1"/>
-          </p:cNvSpPr>
-          <p:nvPr>
-            <p:ph idx="1"/>
-          </p:nvPr>
-        </p:nvSpPr>
-        <p:spPr/>
-        <p:txBody>
-          <a:bodyPr/>
-          <a:lstStyle/>
-          <a:p>
-            <a:endParaRPr lang="en-US" dirty="0"/>
           </a:p>
         </p:txBody>
       </p:sp>
@@ -8257,26 +8473,24 @@
         </p:spPr>
         <p:txBody>
           <a:bodyPr>
-            <a:normAutofit/>
+            <a:normAutofit fontScale="90000"/>
           </a:bodyPr>
           <a:lstStyle/>
           <a:p>
             <a:r>
-              <a:rPr lang="en-US" sz="6600" dirty="0" smtClean="0">
+              <a:rPr lang="en-US" sz="6600" b="1" dirty="0" smtClean="0">
                 <a:solidFill>
-                  <a:schemeClr val="tx1">
+                  <a:schemeClr val="accent1">
                     <a:lumMod val="75000"/>
-                    <a:lumOff val="25000"/>
                   </a:schemeClr>
                 </a:solidFill>
               </a:rPr>
               <a:t>Simple Stats - Stats Data </a:t>
             </a:r>
-            <a:endParaRPr lang="en-US" sz="6600" dirty="0">
+            <a:endParaRPr lang="en-US" sz="6600" b="1" dirty="0">
               <a:solidFill>
-                <a:schemeClr val="tx1">
+                <a:schemeClr val="accent1">
                   <a:lumMod val="75000"/>
-                  <a:lumOff val="25000"/>
                 </a:schemeClr>
               </a:solidFill>
             </a:endParaRPr>
@@ -8391,21 +8605,19 @@
           <a:lstStyle/>
           <a:p>
             <a:r>
-              <a:rPr lang="en-US" sz="6600" dirty="0" smtClean="0">
+              <a:rPr lang="en-US" sz="6600" b="1" dirty="0" smtClean="0">
                 <a:solidFill>
-                  <a:schemeClr val="tx1">
+                  <a:schemeClr val="accent1">
                     <a:lumMod val="75000"/>
-                    <a:lumOff val="25000"/>
                   </a:schemeClr>
                 </a:solidFill>
               </a:rPr>
               <a:t>Simple Stats: SQL</a:t>
             </a:r>
-            <a:endParaRPr lang="en-US" sz="6600" dirty="0">
+            <a:endParaRPr lang="en-US" sz="6600" b="1" dirty="0">
               <a:solidFill>
-                <a:schemeClr val="tx1">
+                <a:schemeClr val="accent1">
                   <a:lumMod val="75000"/>
-                  <a:lumOff val="25000"/>
                 </a:schemeClr>
               </a:solidFill>
             </a:endParaRPr>
@@ -8496,17 +8708,15 @@
           <a:lstStyle/>
           <a:p>
             <a:r>
-              <a:rPr lang="en-US" sz="6600" dirty="0">
+              <a:rPr lang="en-US" sz="6600" b="1" dirty="0">
                 <a:solidFill>
-                  <a:schemeClr val="tx1">
+                  <a:schemeClr val="accent1">
                     <a:lumMod val="75000"/>
-                    <a:lumOff val="25000"/>
                   </a:schemeClr>
                 </a:solidFill>
               </a:rPr>
               <a:t>Simple Stats: SQL</a:t>
             </a:r>
-            <a:endParaRPr lang="en-US" sz="6600" dirty="0"/>
           </a:p>
         </p:txBody>
       </p:sp>
@@ -10073,10 +10283,22 @@
           <a:lstStyle/>
           <a:p>
             <a:r>
-              <a:rPr lang="en-US" sz="6600" dirty="0" smtClean="0"/>
+              <a:rPr lang="en-US" sz="6600" b="1" dirty="0" smtClean="0">
+                <a:solidFill>
+                  <a:schemeClr val="accent1">
+                    <a:lumMod val="75000"/>
+                  </a:schemeClr>
+                </a:solidFill>
+              </a:rPr>
               <a:t>Simple Stats: SQL</a:t>
             </a:r>
-            <a:endParaRPr lang="en-US" sz="6600" dirty="0"/>
+            <a:endParaRPr lang="en-US" sz="6600" b="1" dirty="0">
+              <a:solidFill>
+                <a:schemeClr val="accent1">
+                  <a:lumMod val="75000"/>
+                </a:schemeClr>
+              </a:solidFill>
+            </a:endParaRPr>
           </a:p>
         </p:txBody>
       </p:sp>
@@ -10164,21 +10386,19 @@
           <a:lstStyle/>
           <a:p>
             <a:r>
-              <a:rPr lang="en-US" sz="5400" dirty="0" smtClean="0">
+              <a:rPr lang="en-US" sz="5200" b="1" dirty="0" smtClean="0">
                 <a:solidFill>
-                  <a:schemeClr val="tx1">
+                  <a:schemeClr val="accent1">
                     <a:lumMod val="75000"/>
-                    <a:lumOff val="25000"/>
                   </a:schemeClr>
                 </a:solidFill>
               </a:rPr>
               <a:t>Simple Stats: Azure Storage</a:t>
             </a:r>
-            <a:endParaRPr lang="en-US" sz="5400" dirty="0">
+            <a:endParaRPr lang="en-US" sz="5200" b="1" dirty="0">
               <a:solidFill>
-                <a:schemeClr val="tx1">
+                <a:schemeClr val="accent1">
                   <a:lumMod val="75000"/>
-                  <a:lumOff val="25000"/>
                 </a:schemeClr>
               </a:solidFill>
             </a:endParaRPr>
@@ -10430,6 +10650,156 @@
           </a:p>
         </p:txBody>
       </p:sp>
+      <p:grpSp>
+        <p:nvGrpSpPr>
+          <p:cNvPr id="12" name="Group 11"/>
+          <p:cNvGrpSpPr/>
+          <p:nvPr/>
+        </p:nvGrpSpPr>
+        <p:grpSpPr>
+          <a:xfrm>
+            <a:off x="10400753" y="-755593"/>
+            <a:ext cx="869352" cy="7613593"/>
+            <a:chOff x="10400753" y="-755593"/>
+            <a:chExt cx="869352" cy="7613593"/>
+          </a:xfrm>
+        </p:grpSpPr>
+        <p:pic>
+          <p:nvPicPr>
+            <p:cNvPr id="6" name="Picture 5"/>
+            <p:cNvPicPr>
+              <a:picLocks noChangeAspect="1"/>
+            </p:cNvPicPr>
+            <p:nvPr/>
+          </p:nvPicPr>
+          <p:blipFill>
+            <a:blip r:embed="rId3"/>
+            <a:stretch>
+              <a:fillRect/>
+            </a:stretch>
+          </p:blipFill>
+          <p:spPr>
+            <a:xfrm>
+              <a:off x="10400754" y="5346814"/>
+              <a:ext cx="869351" cy="1511186"/>
+            </a:xfrm>
+            <a:prstGeom prst="rect">
+              <a:avLst/>
+            </a:prstGeom>
+          </p:spPr>
+        </p:pic>
+        <p:grpSp>
+          <p:nvGrpSpPr>
+            <p:cNvPr id="11" name="Group 10"/>
+            <p:cNvGrpSpPr/>
+            <p:nvPr/>
+          </p:nvGrpSpPr>
+          <p:grpSpPr>
+            <a:xfrm>
+              <a:off x="10400753" y="-755593"/>
+              <a:ext cx="869352" cy="6102407"/>
+              <a:chOff x="10400753" y="-755593"/>
+              <a:chExt cx="869352" cy="6102407"/>
+            </a:xfrm>
+          </p:grpSpPr>
+          <p:pic>
+            <p:nvPicPr>
+              <p:cNvPr id="7" name="Picture 6"/>
+              <p:cNvPicPr>
+                <a:picLocks noChangeAspect="1"/>
+              </p:cNvPicPr>
+              <p:nvPr/>
+            </p:nvPicPr>
+            <p:blipFill>
+              <a:blip r:embed="rId3"/>
+              <a:stretch>
+                <a:fillRect/>
+              </a:stretch>
+            </p:blipFill>
+            <p:spPr>
+              <a:xfrm>
+                <a:off x="10400754" y="3835628"/>
+                <a:ext cx="869351" cy="1511186"/>
+              </a:xfrm>
+              <a:prstGeom prst="rect">
+                <a:avLst/>
+              </a:prstGeom>
+            </p:spPr>
+          </p:pic>
+          <p:pic>
+            <p:nvPicPr>
+              <p:cNvPr id="8" name="Picture 7"/>
+              <p:cNvPicPr>
+                <a:picLocks noChangeAspect="1"/>
+              </p:cNvPicPr>
+              <p:nvPr/>
+            </p:nvPicPr>
+            <p:blipFill>
+              <a:blip r:embed="rId3"/>
+              <a:stretch>
+                <a:fillRect/>
+              </a:stretch>
+            </p:blipFill>
+            <p:spPr>
+              <a:xfrm>
+                <a:off x="10400753" y="2324442"/>
+                <a:ext cx="869351" cy="1511186"/>
+              </a:xfrm>
+              <a:prstGeom prst="rect">
+                <a:avLst/>
+              </a:prstGeom>
+            </p:spPr>
+          </p:pic>
+          <p:pic>
+            <p:nvPicPr>
+              <p:cNvPr id="9" name="Picture 8"/>
+              <p:cNvPicPr>
+                <a:picLocks noChangeAspect="1"/>
+              </p:cNvPicPr>
+              <p:nvPr/>
+            </p:nvPicPr>
+            <p:blipFill>
+              <a:blip r:embed="rId3"/>
+              <a:stretch>
+                <a:fillRect/>
+              </a:stretch>
+            </p:blipFill>
+            <p:spPr>
+              <a:xfrm>
+                <a:off x="10400753" y="792769"/>
+                <a:ext cx="869351" cy="1511186"/>
+              </a:xfrm>
+              <a:prstGeom prst="rect">
+                <a:avLst/>
+              </a:prstGeom>
+            </p:spPr>
+          </p:pic>
+          <p:pic>
+            <p:nvPicPr>
+              <p:cNvPr id="10" name="Picture 9"/>
+              <p:cNvPicPr>
+                <a:picLocks noChangeAspect="1"/>
+              </p:cNvPicPr>
+              <p:nvPr/>
+            </p:nvPicPr>
+            <p:blipFill>
+              <a:blip r:embed="rId3"/>
+              <a:stretch>
+                <a:fillRect/>
+              </a:stretch>
+            </p:blipFill>
+            <p:spPr>
+              <a:xfrm>
+                <a:off x="10400753" y="-755593"/>
+                <a:ext cx="869351" cy="1511186"/>
+              </a:xfrm>
+              <a:prstGeom prst="rect">
+                <a:avLst/>
+              </a:prstGeom>
+            </p:spPr>
+          </p:pic>
+        </p:grpSp>
+      </p:grpSp>
     </p:spTree>
     <p:extLst>
       <p:ext uri="{BB962C8B-B14F-4D97-AF65-F5344CB8AC3E}">
@@ -10484,14 +10854,28 @@
           </a:xfrm>
         </p:spPr>
         <p:txBody>
-          <a:bodyPr/>
+          <a:bodyPr>
+            <a:normAutofit/>
+          </a:bodyPr>
           <a:lstStyle/>
           <a:p>
             <a:r>
-              <a:rPr lang="en-US" dirty="0" smtClean="0"/>
-              <a:t>Simple Stats: Creating Table </a:t>
-            </a:r>
-            <a:endParaRPr lang="en-US" dirty="0"/>
+              <a:rPr lang="en-US" sz="4800" b="1" dirty="0" smtClean="0">
+                <a:solidFill>
+                  <a:schemeClr val="accent1">
+                    <a:lumMod val="75000"/>
+                  </a:schemeClr>
+                </a:solidFill>
+              </a:rPr>
+              <a:t>Simple Stats: Creating a Table </a:t>
+            </a:r>
+            <a:endParaRPr lang="en-US" sz="4800" b="1" dirty="0">
+              <a:solidFill>
+                <a:schemeClr val="accent1">
+                  <a:lumMod val="75000"/>
+                </a:schemeClr>
+              </a:solidFill>
+            </a:endParaRPr>
           </a:p>
         </p:txBody>
       </p:sp>
@@ -10511,7 +10895,7 @@
         </p:blipFill>
         <p:spPr>
           <a:xfrm>
-            <a:off x="728974" y="2386403"/>
+            <a:off x="105424" y="2386403"/>
             <a:ext cx="10239375" cy="2609850"/>
           </a:xfrm>
           <a:prstGeom prst="rect">
@@ -10519,6 +10903,156 @@
           </a:prstGeom>
         </p:spPr>
       </p:pic>
+      <p:grpSp>
+        <p:nvGrpSpPr>
+          <p:cNvPr id="8" name="Group 7"/>
+          <p:cNvGrpSpPr/>
+          <p:nvPr/>
+        </p:nvGrpSpPr>
+        <p:grpSpPr>
+          <a:xfrm>
+            <a:off x="10344799" y="-755593"/>
+            <a:ext cx="869352" cy="7613593"/>
+            <a:chOff x="10400753" y="-755593"/>
+            <a:chExt cx="869352" cy="7613593"/>
+          </a:xfrm>
+        </p:grpSpPr>
+        <p:pic>
+          <p:nvPicPr>
+            <p:cNvPr id="9" name="Picture 8"/>
+            <p:cNvPicPr>
+              <a:picLocks noChangeAspect="1"/>
+            </p:cNvPicPr>
+            <p:nvPr/>
+          </p:nvPicPr>
+          <p:blipFill>
+            <a:blip r:embed="rId4"/>
+            <a:stretch>
+              <a:fillRect/>
+            </a:stretch>
+          </p:blipFill>
+          <p:spPr>
+            <a:xfrm>
+              <a:off x="10400754" y="5346814"/>
+              <a:ext cx="869351" cy="1511186"/>
+            </a:xfrm>
+            <a:prstGeom prst="rect">
+              <a:avLst/>
+            </a:prstGeom>
+          </p:spPr>
+        </p:pic>
+        <p:grpSp>
+          <p:nvGrpSpPr>
+            <p:cNvPr id="10" name="Group 9"/>
+            <p:cNvGrpSpPr/>
+            <p:nvPr/>
+          </p:nvGrpSpPr>
+          <p:grpSpPr>
+            <a:xfrm>
+              <a:off x="10400753" y="-755593"/>
+              <a:ext cx="869352" cy="6102407"/>
+              <a:chOff x="10400753" y="-755593"/>
+              <a:chExt cx="869352" cy="6102407"/>
+            </a:xfrm>
+          </p:grpSpPr>
+          <p:pic>
+            <p:nvPicPr>
+              <p:cNvPr id="11" name="Picture 10"/>
+              <p:cNvPicPr>
+                <a:picLocks noChangeAspect="1"/>
+              </p:cNvPicPr>
+              <p:nvPr/>
+            </p:nvPicPr>
+            <p:blipFill>
+              <a:blip r:embed="rId4"/>
+              <a:stretch>
+                <a:fillRect/>
+              </a:stretch>
+            </p:blipFill>
+            <p:spPr>
+              <a:xfrm>
+                <a:off x="10400754" y="3835628"/>
+                <a:ext cx="869351" cy="1511186"/>
+              </a:xfrm>
+              <a:prstGeom prst="rect">
+                <a:avLst/>
+              </a:prstGeom>
+            </p:spPr>
+          </p:pic>
+          <p:pic>
+            <p:nvPicPr>
+              <p:cNvPr id="12" name="Picture 11"/>
+              <p:cNvPicPr>
+                <a:picLocks noChangeAspect="1"/>
+              </p:cNvPicPr>
+              <p:nvPr/>
+            </p:nvPicPr>
+            <p:blipFill>
+              <a:blip r:embed="rId4"/>
+              <a:stretch>
+                <a:fillRect/>
+              </a:stretch>
+            </p:blipFill>
+            <p:spPr>
+              <a:xfrm>
+                <a:off x="10400753" y="2324442"/>
+                <a:ext cx="869351" cy="1511186"/>
+              </a:xfrm>
+              <a:prstGeom prst="rect">
+                <a:avLst/>
+              </a:prstGeom>
+            </p:spPr>
+          </p:pic>
+          <p:pic>
+            <p:nvPicPr>
+              <p:cNvPr id="13" name="Picture 12"/>
+              <p:cNvPicPr>
+                <a:picLocks noChangeAspect="1"/>
+              </p:cNvPicPr>
+              <p:nvPr/>
+            </p:nvPicPr>
+            <p:blipFill>
+              <a:blip r:embed="rId4"/>
+              <a:stretch>
+                <a:fillRect/>
+              </a:stretch>
+            </p:blipFill>
+            <p:spPr>
+              <a:xfrm>
+                <a:off x="10400753" y="792769"/>
+                <a:ext cx="869351" cy="1511186"/>
+              </a:xfrm>
+              <a:prstGeom prst="rect">
+                <a:avLst/>
+              </a:prstGeom>
+            </p:spPr>
+          </p:pic>
+          <p:pic>
+            <p:nvPicPr>
+              <p:cNvPr id="14" name="Picture 13"/>
+              <p:cNvPicPr>
+                <a:picLocks noChangeAspect="1"/>
+              </p:cNvPicPr>
+              <p:nvPr/>
+            </p:nvPicPr>
+            <p:blipFill>
+              <a:blip r:embed="rId4"/>
+              <a:stretch>
+                <a:fillRect/>
+              </a:stretch>
+            </p:blipFill>
+            <p:spPr>
+              <a:xfrm>
+                <a:off x="10400753" y="-755593"/>
+                <a:ext cx="869351" cy="1511186"/>
+              </a:xfrm>
+              <a:prstGeom prst="rect">
+                <a:avLst/>
+              </a:prstGeom>
+            </p:spPr>
+          </p:pic>
+        </p:grpSp>
+      </p:grpSp>
     </p:spTree>
     <p:extLst>
       <p:ext uri="{BB962C8B-B14F-4D97-AF65-F5344CB8AC3E}">
@@ -10577,21 +11111,19 @@
           <a:lstStyle/>
           <a:p>
             <a:r>
-              <a:rPr lang="en-US" dirty="0" smtClean="0">
+              <a:rPr lang="en-US" b="1" dirty="0" smtClean="0">
                 <a:solidFill>
-                  <a:schemeClr val="tx1">
-                    <a:lumMod val="85000"/>
-                    <a:lumOff val="15000"/>
+                  <a:schemeClr val="accent1">
+                    <a:lumMod val="75000"/>
                   </a:schemeClr>
                 </a:solidFill>
               </a:rPr>
               <a:t>Simple Stats: Player Entity</a:t>
             </a:r>
-            <a:endParaRPr lang="en-US" dirty="0">
+            <a:endParaRPr lang="en-US" b="1" dirty="0">
               <a:solidFill>
-                <a:schemeClr val="tx1">
-                  <a:lumMod val="85000"/>
-                  <a:lumOff val="15000"/>
+                <a:schemeClr val="accent1">
+                  <a:lumMod val="75000"/>
                 </a:schemeClr>
               </a:solidFill>
             </a:endParaRPr>
@@ -10648,6 +11180,156 @@
           </a:prstGeom>
         </p:spPr>
       </p:pic>
+      <p:grpSp>
+        <p:nvGrpSpPr>
+          <p:cNvPr id="9" name="Group 8"/>
+          <p:cNvGrpSpPr/>
+          <p:nvPr/>
+        </p:nvGrpSpPr>
+        <p:grpSpPr>
+          <a:xfrm>
+            <a:off x="10389044" y="-755593"/>
+            <a:ext cx="869352" cy="7613593"/>
+            <a:chOff x="10400753" y="-755593"/>
+            <a:chExt cx="869352" cy="7613593"/>
+          </a:xfrm>
+        </p:grpSpPr>
+        <p:pic>
+          <p:nvPicPr>
+            <p:cNvPr id="10" name="Picture 9"/>
+            <p:cNvPicPr>
+              <a:picLocks noChangeAspect="1"/>
+            </p:cNvPicPr>
+            <p:nvPr/>
+          </p:nvPicPr>
+          <p:blipFill>
+            <a:blip r:embed="rId4"/>
+            <a:stretch>
+              <a:fillRect/>
+            </a:stretch>
+          </p:blipFill>
+          <p:spPr>
+            <a:xfrm>
+              <a:off x="10400754" y="5346814"/>
+              <a:ext cx="869351" cy="1511186"/>
+            </a:xfrm>
+            <a:prstGeom prst="rect">
+              <a:avLst/>
+            </a:prstGeom>
+          </p:spPr>
+        </p:pic>
+        <p:grpSp>
+          <p:nvGrpSpPr>
+            <p:cNvPr id="11" name="Group 10"/>
+            <p:cNvGrpSpPr/>
+            <p:nvPr/>
+          </p:nvGrpSpPr>
+          <p:grpSpPr>
+            <a:xfrm>
+              <a:off x="10400753" y="-755593"/>
+              <a:ext cx="869352" cy="6102407"/>
+              <a:chOff x="10400753" y="-755593"/>
+              <a:chExt cx="869352" cy="6102407"/>
+            </a:xfrm>
+          </p:grpSpPr>
+          <p:pic>
+            <p:nvPicPr>
+              <p:cNvPr id="12" name="Picture 11"/>
+              <p:cNvPicPr>
+                <a:picLocks noChangeAspect="1"/>
+              </p:cNvPicPr>
+              <p:nvPr/>
+            </p:nvPicPr>
+            <p:blipFill>
+              <a:blip r:embed="rId4"/>
+              <a:stretch>
+                <a:fillRect/>
+              </a:stretch>
+            </p:blipFill>
+            <p:spPr>
+              <a:xfrm>
+                <a:off x="10400754" y="3835628"/>
+                <a:ext cx="869351" cy="1511186"/>
+              </a:xfrm>
+              <a:prstGeom prst="rect">
+                <a:avLst/>
+              </a:prstGeom>
+            </p:spPr>
+          </p:pic>
+          <p:pic>
+            <p:nvPicPr>
+              <p:cNvPr id="13" name="Picture 12"/>
+              <p:cNvPicPr>
+                <a:picLocks noChangeAspect="1"/>
+              </p:cNvPicPr>
+              <p:nvPr/>
+            </p:nvPicPr>
+            <p:blipFill>
+              <a:blip r:embed="rId4"/>
+              <a:stretch>
+                <a:fillRect/>
+              </a:stretch>
+            </p:blipFill>
+            <p:spPr>
+              <a:xfrm>
+                <a:off x="10400753" y="2324442"/>
+                <a:ext cx="869351" cy="1511186"/>
+              </a:xfrm>
+              <a:prstGeom prst="rect">
+                <a:avLst/>
+              </a:prstGeom>
+            </p:spPr>
+          </p:pic>
+          <p:pic>
+            <p:nvPicPr>
+              <p:cNvPr id="14" name="Picture 13"/>
+              <p:cNvPicPr>
+                <a:picLocks noChangeAspect="1"/>
+              </p:cNvPicPr>
+              <p:nvPr/>
+            </p:nvPicPr>
+            <p:blipFill>
+              <a:blip r:embed="rId4"/>
+              <a:stretch>
+                <a:fillRect/>
+              </a:stretch>
+            </p:blipFill>
+            <p:spPr>
+              <a:xfrm>
+                <a:off x="10400753" y="792769"/>
+                <a:ext cx="869351" cy="1511186"/>
+              </a:xfrm>
+              <a:prstGeom prst="rect">
+                <a:avLst/>
+              </a:prstGeom>
+            </p:spPr>
+          </p:pic>
+          <p:pic>
+            <p:nvPicPr>
+              <p:cNvPr id="15" name="Picture 14"/>
+              <p:cNvPicPr>
+                <a:picLocks noChangeAspect="1"/>
+              </p:cNvPicPr>
+              <p:nvPr/>
+            </p:nvPicPr>
+            <p:blipFill>
+              <a:blip r:embed="rId4"/>
+              <a:stretch>
+                <a:fillRect/>
+              </a:stretch>
+            </p:blipFill>
+            <p:spPr>
+              <a:xfrm>
+                <a:off x="10400753" y="-755593"/>
+                <a:ext cx="869351" cy="1511186"/>
+              </a:xfrm>
+              <a:prstGeom prst="rect">
+                <a:avLst/>
+              </a:prstGeom>
+            </p:spPr>
+          </p:pic>
+        </p:grpSp>
+      </p:grpSp>
     </p:spTree>
     <p:extLst>
       <p:ext uri="{BB962C8B-B14F-4D97-AF65-F5344CB8AC3E}">
@@ -10702,18 +11384,38 @@
           </a:xfrm>
         </p:spPr>
         <p:txBody>
-          <a:bodyPr/>
+          <a:bodyPr>
+            <a:normAutofit fontScale="90000"/>
+          </a:bodyPr>
           <a:lstStyle/>
           <a:p>
             <a:r>
-              <a:rPr lang="en-US" dirty="0" smtClean="0"/>
+              <a:rPr lang="en-US" sz="4800" b="1" dirty="0" smtClean="0">
+                <a:solidFill>
+                  <a:schemeClr val="accent1">
+                    <a:lumMod val="75000"/>
+                  </a:schemeClr>
+                </a:solidFill>
+              </a:rPr>
               <a:t>Simple Stats: </a:t>
             </a:r>
             <a:r>
-              <a:rPr lang="en-US" dirty="0" err="1" smtClean="0"/>
+              <a:rPr lang="en-US" sz="4800" b="1" dirty="0" err="1" smtClean="0">
+                <a:solidFill>
+                  <a:schemeClr val="accent1">
+                    <a:lumMod val="75000"/>
+                  </a:schemeClr>
+                </a:solidFill>
+              </a:rPr>
               <a:t>PlayerGameEntity</a:t>
             </a:r>
-            <a:endParaRPr lang="en-US" dirty="0"/>
+            <a:endParaRPr lang="en-US" sz="4800" b="1" dirty="0">
+              <a:solidFill>
+                <a:schemeClr val="accent1">
+                  <a:lumMod val="75000"/>
+                </a:schemeClr>
+              </a:solidFill>
+            </a:endParaRPr>
           </a:p>
         </p:txBody>
       </p:sp>
@@ -10733,7 +11435,7 @@
         </p:blipFill>
         <p:spPr>
           <a:xfrm>
-            <a:off x="149044" y="1361529"/>
+            <a:off x="78531" y="1338477"/>
             <a:ext cx="10543526" cy="4994302"/>
           </a:xfrm>
           <a:prstGeom prst="rect">
@@ -10741,6 +11443,156 @@
           </a:prstGeom>
         </p:spPr>
       </p:pic>
+      <p:grpSp>
+        <p:nvGrpSpPr>
+          <p:cNvPr id="7" name="Group 6"/>
+          <p:cNvGrpSpPr/>
+          <p:nvPr/>
+        </p:nvGrpSpPr>
+        <p:grpSpPr>
+          <a:xfrm>
+            <a:off x="10381670" y="-755593"/>
+            <a:ext cx="869352" cy="7613593"/>
+            <a:chOff x="10400753" y="-755593"/>
+            <a:chExt cx="869352" cy="7613593"/>
+          </a:xfrm>
+        </p:grpSpPr>
+        <p:pic>
+          <p:nvPicPr>
+            <p:cNvPr id="8" name="Picture 7"/>
+            <p:cNvPicPr>
+              <a:picLocks noChangeAspect="1"/>
+            </p:cNvPicPr>
+            <p:nvPr/>
+          </p:nvPicPr>
+          <p:blipFill>
+            <a:blip r:embed="rId4"/>
+            <a:stretch>
+              <a:fillRect/>
+            </a:stretch>
+          </p:blipFill>
+          <p:spPr>
+            <a:xfrm>
+              <a:off x="10400754" y="5346814"/>
+              <a:ext cx="869351" cy="1511186"/>
+            </a:xfrm>
+            <a:prstGeom prst="rect">
+              <a:avLst/>
+            </a:prstGeom>
+          </p:spPr>
+        </p:pic>
+        <p:grpSp>
+          <p:nvGrpSpPr>
+            <p:cNvPr id="9" name="Group 8"/>
+            <p:cNvGrpSpPr/>
+            <p:nvPr/>
+          </p:nvGrpSpPr>
+          <p:grpSpPr>
+            <a:xfrm>
+              <a:off x="10400753" y="-755593"/>
+              <a:ext cx="869352" cy="6102407"/>
+              <a:chOff x="10400753" y="-755593"/>
+              <a:chExt cx="869352" cy="6102407"/>
+            </a:xfrm>
+          </p:grpSpPr>
+          <p:pic>
+            <p:nvPicPr>
+              <p:cNvPr id="10" name="Picture 9"/>
+              <p:cNvPicPr>
+                <a:picLocks noChangeAspect="1"/>
+              </p:cNvPicPr>
+              <p:nvPr/>
+            </p:nvPicPr>
+            <p:blipFill>
+              <a:blip r:embed="rId4"/>
+              <a:stretch>
+                <a:fillRect/>
+              </a:stretch>
+            </p:blipFill>
+            <p:spPr>
+              <a:xfrm>
+                <a:off x="10400754" y="3835628"/>
+                <a:ext cx="869351" cy="1511186"/>
+              </a:xfrm>
+              <a:prstGeom prst="rect">
+                <a:avLst/>
+              </a:prstGeom>
+            </p:spPr>
+          </p:pic>
+          <p:pic>
+            <p:nvPicPr>
+              <p:cNvPr id="11" name="Picture 10"/>
+              <p:cNvPicPr>
+                <a:picLocks noChangeAspect="1"/>
+              </p:cNvPicPr>
+              <p:nvPr/>
+            </p:nvPicPr>
+            <p:blipFill>
+              <a:blip r:embed="rId4"/>
+              <a:stretch>
+                <a:fillRect/>
+              </a:stretch>
+            </p:blipFill>
+            <p:spPr>
+              <a:xfrm>
+                <a:off x="10400753" y="2324442"/>
+                <a:ext cx="869351" cy="1511186"/>
+              </a:xfrm>
+              <a:prstGeom prst="rect">
+                <a:avLst/>
+              </a:prstGeom>
+            </p:spPr>
+          </p:pic>
+          <p:pic>
+            <p:nvPicPr>
+              <p:cNvPr id="12" name="Picture 11"/>
+              <p:cNvPicPr>
+                <a:picLocks noChangeAspect="1"/>
+              </p:cNvPicPr>
+              <p:nvPr/>
+            </p:nvPicPr>
+            <p:blipFill>
+              <a:blip r:embed="rId4"/>
+              <a:stretch>
+                <a:fillRect/>
+              </a:stretch>
+            </p:blipFill>
+            <p:spPr>
+              <a:xfrm>
+                <a:off x="10400753" y="792769"/>
+                <a:ext cx="869351" cy="1511186"/>
+              </a:xfrm>
+              <a:prstGeom prst="rect">
+                <a:avLst/>
+              </a:prstGeom>
+            </p:spPr>
+          </p:pic>
+          <p:pic>
+            <p:nvPicPr>
+              <p:cNvPr id="13" name="Picture 12"/>
+              <p:cNvPicPr>
+                <a:picLocks noChangeAspect="1"/>
+              </p:cNvPicPr>
+              <p:nvPr/>
+            </p:nvPicPr>
+            <p:blipFill>
+              <a:blip r:embed="rId4"/>
+              <a:stretch>
+                <a:fillRect/>
+              </a:stretch>
+            </p:blipFill>
+            <p:spPr>
+              <a:xfrm>
+                <a:off x="10400753" y="-755593"/>
+                <a:ext cx="869351" cy="1511186"/>
+              </a:xfrm>
+              <a:prstGeom prst="rect">
+                <a:avLst/>
+              </a:prstGeom>
+            </p:spPr>
+          </p:pic>
+        </p:grpSp>
+      </p:grpSp>
     </p:spTree>
     <p:extLst>
       <p:ext uri="{BB962C8B-B14F-4D97-AF65-F5344CB8AC3E}">
@@ -10844,14 +11696,14 @@
           <a:lstStyle/>
           <a:p>
             <a:r>
-              <a:rPr lang="en-US" sz="6000" dirty="0" smtClean="0">
+              <a:rPr lang="en-US" sz="6000" b="1" dirty="0" smtClean="0">
                 <a:solidFill>
                   <a:schemeClr val="bg1"/>
                 </a:solidFill>
               </a:rPr>
               <a:t>Code Break</a:t>
             </a:r>
-            <a:endParaRPr lang="en-US" sz="6000" dirty="0">
+            <a:endParaRPr lang="en-US" sz="6000" b="1" dirty="0">
               <a:solidFill>
                 <a:schemeClr val="bg1"/>
               </a:solidFill>
@@ -11079,14 +11931,14 @@
           </a:lstStyle>
           <a:p>
             <a:r>
-              <a:rPr lang="en-US" sz="6000" smtClean="0">
+              <a:rPr lang="en-US" sz="6000" b="1" dirty="0" smtClean="0">
                 <a:solidFill>
                   <a:schemeClr val="bg1"/>
                 </a:solidFill>
               </a:rPr>
-              <a:t>Code Break: Immutability</a:t>
-            </a:r>
-            <a:endParaRPr lang="en-US" sz="6000" dirty="0">
+              <a:t>Code Break</a:t>
+            </a:r>
+            <a:endParaRPr lang="en-US" sz="6000" b="1" dirty="0">
               <a:solidFill>
                 <a:schemeClr val="bg1"/>
               </a:solidFill>
@@ -11273,14 +12125,14 @@
           <a:lstStyle/>
           <a:p>
             <a:r>
-              <a:rPr lang="en-US" sz="6000" dirty="0" smtClean="0">
+              <a:rPr lang="en-US" sz="6000" b="1" dirty="0" smtClean="0">
                 <a:solidFill>
                   <a:schemeClr val="bg1"/>
                 </a:solidFill>
               </a:rPr>
               <a:t>Data Immutability</a:t>
             </a:r>
-            <a:endParaRPr lang="en-US" sz="6000" dirty="0">
+            <a:endParaRPr lang="en-US" sz="6000" b="1" dirty="0">
               <a:solidFill>
                 <a:schemeClr val="bg1"/>
               </a:solidFill>
@@ -11740,14 +12592,14 @@
           </a:lstStyle>
           <a:p>
             <a:r>
-              <a:rPr lang="en-US" sz="6000" dirty="0" smtClean="0">
+              <a:rPr lang="en-US" sz="6000" b="1" dirty="0" smtClean="0">
                 <a:solidFill>
                   <a:schemeClr val="bg1"/>
                 </a:solidFill>
               </a:rPr>
               <a:t>Data Immutability</a:t>
             </a:r>
-            <a:endParaRPr lang="en-US" sz="6000" dirty="0">
+            <a:endParaRPr lang="en-US" sz="6000" b="1" dirty="0">
               <a:solidFill>
                 <a:schemeClr val="bg1"/>
               </a:solidFill>
@@ -11837,7 +12689,7 @@
       </p:sp>
       <p:pic>
         <p:nvPicPr>
-          <p:cNvPr id="10" name="Picture 9"/>
+          <p:cNvPr id="11" name="Picture 10"/>
           <p:cNvPicPr>
             <a:picLocks noChangeAspect="1"/>
           </p:cNvPicPr>
@@ -11851,20 +12703,22 @@
         </p:blipFill>
         <p:spPr>
           <a:xfrm>
-            <a:off x="164592" y="2351416"/>
-            <a:ext cx="5870290" cy="2575529"/>
+            <a:off x="361092" y="2207343"/>
+            <a:ext cx="5895975" cy="2590800"/>
           </a:xfrm>
           <a:prstGeom prst="rect">
             <a:avLst/>
           </a:prstGeom>
           <a:solidFill>
-            <a:schemeClr val="accent2"/>
+            <a:srgbClr val="C00000"/>
           </a:solidFill>
-          <a:ln>
-            <a:solidFill>
-              <a:schemeClr val="accent2"/>
-            </a:solidFill>
-          </a:ln>
+          <a:scene3d>
+            <a:camera prst="orthographicFront"/>
+            <a:lightRig rig="threePt" dir="t"/>
+          </a:scene3d>
+          <a:sp3d>
+            <a:bevelT/>
+          </a:sp3d>
         </p:spPr>
       </p:pic>
     </p:spTree>
@@ -11965,19 +12819,19 @@
         </p:spPr>
         <p:txBody>
           <a:bodyPr>
-            <a:normAutofit fontScale="90000"/>
+            <a:normAutofit/>
           </a:bodyPr>
           <a:lstStyle/>
           <a:p>
             <a:r>
-              <a:rPr lang="en-US" sz="6000" dirty="0" smtClean="0">
+              <a:rPr lang="en-US" sz="5200" b="1" dirty="0" smtClean="0">
                 <a:solidFill>
                   <a:schemeClr val="bg1"/>
                 </a:solidFill>
               </a:rPr>
               <a:t>Immutability in the Real World</a:t>
             </a:r>
-            <a:endParaRPr lang="en-US" sz="6000" dirty="0"/>
+            <a:endParaRPr lang="en-US" sz="5200" b="1" dirty="0"/>
           </a:p>
         </p:txBody>
       </p:sp>
@@ -11993,17 +12847,39 @@
         </p:nvSpPr>
         <p:spPr>
           <a:xfrm>
-            <a:off x="1524200" y="2218544"/>
-            <a:ext cx="8595360" cy="4047345"/>
+            <a:off x="2512200" y="2097339"/>
+            <a:ext cx="6175948" cy="4047345"/>
           </a:xfrm>
         </p:spPr>
         <p:txBody>
           <a:bodyPr/>
           <a:lstStyle/>
           <a:p>
-            <a:pPr marL="0" indent="0">
+            <a:pPr marL="0" indent="0" algn="ctr">
               <a:buNone/>
             </a:pPr>
+            <a:r>
+              <a:rPr lang="en-US" sz="3200" dirty="0">
+                <a:solidFill>
+                  <a:schemeClr val="accent1">
+                    <a:lumMod val="50000"/>
+                  </a:schemeClr>
+                </a:solidFill>
+                <a:latin typeface="Cooper Black" panose="0208090404030B020404" pitchFamily="18" charset="0"/>
+              </a:rPr>
+              <a:t>“Event” </a:t>
+            </a:r>
+            <a:r>
+              <a:rPr lang="en-US" sz="3200" dirty="0" smtClean="0">
+                <a:solidFill>
+                  <a:schemeClr val="accent1">
+                    <a:lumMod val="50000"/>
+                  </a:schemeClr>
+                </a:solidFill>
+                <a:latin typeface="Cooper Black" panose="0208090404030B020404" pitchFamily="18" charset="0"/>
+              </a:rPr>
+              <a:t>Entities: </a:t>
+            </a:r>
             <a:r>
               <a:rPr lang="en-US" sz="3200" dirty="0" smtClean="0">
                 <a:solidFill>
@@ -12013,7 +12889,7 @@
                 </a:solidFill>
                 <a:latin typeface="Cooper Black" panose="0208090404030B020404" pitchFamily="18" charset="0"/>
               </a:rPr>
-              <a:t>Make Source of Truth </a:t>
+              <a:t>Source of Truth is </a:t>
             </a:r>
             <a:r>
               <a:rPr lang="en-US" sz="3200" dirty="0" smtClean="0">
@@ -12026,7 +12902,7 @@
             </a:r>
           </a:p>
           <a:p>
-            <a:pPr marL="0" indent="0">
+            <a:pPr marL="0" indent="0" algn="ctr">
               <a:buNone/>
             </a:pPr>
             <a:endParaRPr lang="en-US" sz="3200" dirty="0" smtClean="0">
@@ -12037,7 +12913,7 @@
             </a:endParaRPr>
           </a:p>
           <a:p>
-            <a:pPr marL="0" indent="0">
+            <a:pPr marL="0" indent="0" algn="ctr">
               <a:buNone/>
             </a:pPr>
             <a:r>
@@ -12049,7 +12925,7 @@
                 </a:solidFill>
                 <a:latin typeface="Cooper Black" panose="0208090404030B020404" pitchFamily="18" charset="0"/>
               </a:rPr>
-              <a:t>Also Store Aggregate “View” Rows – Aggregates Use all of CRUD</a:t>
+              <a:t>Aggregate “View” Entities: use all of CRUD.  </a:t>
             </a:r>
           </a:p>
         </p:txBody>
@@ -12291,19 +13167,19 @@
         </p:spPr>
         <p:txBody>
           <a:bodyPr>
-            <a:normAutofit/>
+            <a:normAutofit fontScale="90000"/>
           </a:bodyPr>
           <a:lstStyle/>
           <a:p>
             <a:r>
-              <a:rPr lang="en-US" sz="6000" dirty="0" smtClean="0">
+              <a:rPr lang="en-US" sz="6000" b="1" dirty="0" smtClean="0">
                 <a:solidFill>
                   <a:schemeClr val="bg1"/>
                 </a:solidFill>
               </a:rPr>
               <a:t>More Immutability Benefits</a:t>
             </a:r>
-            <a:endParaRPr lang="en-US" sz="6000" dirty="0">
+            <a:endParaRPr lang="en-US" sz="6000" b="1" dirty="0">
               <a:solidFill>
                 <a:schemeClr val="bg1"/>
               </a:solidFill>
@@ -12332,7 +13208,7 @@
           <a:lstStyle/>
           <a:p>
             <a:r>
-              <a:rPr lang="en-US" sz="4000" dirty="0" smtClean="0">
+              <a:rPr lang="en-US" sz="4000" b="1" dirty="0" smtClean="0">
                 <a:solidFill>
                   <a:schemeClr val="tx2">
                     <a:lumMod val="75000"/>
@@ -12344,7 +13220,7 @@
           </a:p>
           <a:p>
             <a:r>
-              <a:rPr lang="en-US" sz="4000" dirty="0" smtClean="0">
+              <a:rPr lang="en-US" sz="4000" b="1" dirty="0" smtClean="0">
                 <a:solidFill>
                   <a:schemeClr val="tx2">
                     <a:lumMod val="75000"/>
@@ -12356,7 +13232,7 @@
           </a:p>
           <a:p>
             <a:r>
-              <a:rPr lang="en-US" sz="4000" dirty="0" smtClean="0">
+              <a:rPr lang="en-US" sz="4000" b="1" dirty="0" smtClean="0">
                 <a:solidFill>
                   <a:schemeClr val="tx2">
                     <a:lumMod val="75000"/>
@@ -12429,10 +13305,22 @@
           <a:lstStyle/>
           <a:p>
             <a:r>
-              <a:rPr lang="en-US" dirty="0" smtClean="0"/>
+              <a:rPr lang="en-US" b="1" dirty="0" smtClean="0">
+                <a:solidFill>
+                  <a:schemeClr val="accent1">
+                    <a:lumMod val="75000"/>
+                  </a:schemeClr>
+                </a:solidFill>
+              </a:rPr>
               <a:t>Simple Stats: Process Stats</a:t>
             </a:r>
-            <a:endParaRPr lang="en-US" dirty="0"/>
+            <a:endParaRPr lang="en-US" b="1" dirty="0">
+              <a:solidFill>
+                <a:schemeClr val="accent1">
+                  <a:lumMod val="75000"/>
+                </a:schemeClr>
+              </a:solidFill>
+            </a:endParaRPr>
           </a:p>
         </p:txBody>
       </p:sp>
@@ -12460,6 +13348,156 @@
           </a:prstGeom>
         </p:spPr>
       </p:pic>
+      <p:grpSp>
+        <p:nvGrpSpPr>
+          <p:cNvPr id="7" name="Group 6"/>
+          <p:cNvGrpSpPr/>
+          <p:nvPr/>
+        </p:nvGrpSpPr>
+        <p:grpSpPr>
+          <a:xfrm>
+            <a:off x="10344799" y="-755593"/>
+            <a:ext cx="869352" cy="7613593"/>
+            <a:chOff x="10400753" y="-755593"/>
+            <a:chExt cx="869352" cy="7613593"/>
+          </a:xfrm>
+        </p:grpSpPr>
+        <p:pic>
+          <p:nvPicPr>
+            <p:cNvPr id="8" name="Picture 7"/>
+            <p:cNvPicPr>
+              <a:picLocks noChangeAspect="1"/>
+            </p:cNvPicPr>
+            <p:nvPr/>
+          </p:nvPicPr>
+          <p:blipFill>
+            <a:blip r:embed="rId4"/>
+            <a:stretch>
+              <a:fillRect/>
+            </a:stretch>
+          </p:blipFill>
+          <p:spPr>
+            <a:xfrm>
+              <a:off x="10400754" y="5346814"/>
+              <a:ext cx="869351" cy="1511186"/>
+            </a:xfrm>
+            <a:prstGeom prst="rect">
+              <a:avLst/>
+            </a:prstGeom>
+          </p:spPr>
+        </p:pic>
+        <p:grpSp>
+          <p:nvGrpSpPr>
+            <p:cNvPr id="9" name="Group 8"/>
+            <p:cNvGrpSpPr/>
+            <p:nvPr/>
+          </p:nvGrpSpPr>
+          <p:grpSpPr>
+            <a:xfrm>
+              <a:off x="10400753" y="-755593"/>
+              <a:ext cx="869352" cy="6102407"/>
+              <a:chOff x="10400753" y="-755593"/>
+              <a:chExt cx="869352" cy="6102407"/>
+            </a:xfrm>
+          </p:grpSpPr>
+          <p:pic>
+            <p:nvPicPr>
+              <p:cNvPr id="10" name="Picture 9"/>
+              <p:cNvPicPr>
+                <a:picLocks noChangeAspect="1"/>
+              </p:cNvPicPr>
+              <p:nvPr/>
+            </p:nvPicPr>
+            <p:blipFill>
+              <a:blip r:embed="rId4"/>
+              <a:stretch>
+                <a:fillRect/>
+              </a:stretch>
+            </p:blipFill>
+            <p:spPr>
+              <a:xfrm>
+                <a:off x="10400754" y="3835628"/>
+                <a:ext cx="869351" cy="1511186"/>
+              </a:xfrm>
+              <a:prstGeom prst="rect">
+                <a:avLst/>
+              </a:prstGeom>
+            </p:spPr>
+          </p:pic>
+          <p:pic>
+            <p:nvPicPr>
+              <p:cNvPr id="11" name="Picture 10"/>
+              <p:cNvPicPr>
+                <a:picLocks noChangeAspect="1"/>
+              </p:cNvPicPr>
+              <p:nvPr/>
+            </p:nvPicPr>
+            <p:blipFill>
+              <a:blip r:embed="rId4"/>
+              <a:stretch>
+                <a:fillRect/>
+              </a:stretch>
+            </p:blipFill>
+            <p:spPr>
+              <a:xfrm>
+                <a:off x="10400753" y="2324442"/>
+                <a:ext cx="869351" cy="1511186"/>
+              </a:xfrm>
+              <a:prstGeom prst="rect">
+                <a:avLst/>
+              </a:prstGeom>
+            </p:spPr>
+          </p:pic>
+          <p:pic>
+            <p:nvPicPr>
+              <p:cNvPr id="12" name="Picture 11"/>
+              <p:cNvPicPr>
+                <a:picLocks noChangeAspect="1"/>
+              </p:cNvPicPr>
+              <p:nvPr/>
+            </p:nvPicPr>
+            <p:blipFill>
+              <a:blip r:embed="rId4"/>
+              <a:stretch>
+                <a:fillRect/>
+              </a:stretch>
+            </p:blipFill>
+            <p:spPr>
+              <a:xfrm>
+                <a:off x="10400753" y="792769"/>
+                <a:ext cx="869351" cy="1511186"/>
+              </a:xfrm>
+              <a:prstGeom prst="rect">
+                <a:avLst/>
+              </a:prstGeom>
+            </p:spPr>
+          </p:pic>
+          <p:pic>
+            <p:nvPicPr>
+              <p:cNvPr id="13" name="Picture 12"/>
+              <p:cNvPicPr>
+                <a:picLocks noChangeAspect="1"/>
+              </p:cNvPicPr>
+              <p:nvPr/>
+            </p:nvPicPr>
+            <p:blipFill>
+              <a:blip r:embed="rId4"/>
+              <a:stretch>
+                <a:fillRect/>
+              </a:stretch>
+            </p:blipFill>
+            <p:spPr>
+              <a:xfrm>
+                <a:off x="10400753" y="-755593"/>
+                <a:ext cx="869351" cy="1511186"/>
+              </a:xfrm>
+              <a:prstGeom prst="rect">
+                <a:avLst/>
+              </a:prstGeom>
+            </p:spPr>
+          </p:pic>
+        </p:grpSp>
+      </p:grpSp>
     </p:spTree>
     <p:extLst>
       <p:ext uri="{BB962C8B-B14F-4D97-AF65-F5344CB8AC3E}">
@@ -12515,10 +13553,22 @@
           <a:lstStyle/>
           <a:p>
             <a:r>
-              <a:rPr lang="en-US" dirty="0" smtClean="0"/>
+              <a:rPr lang="en-US" b="1" dirty="0" smtClean="0">
+                <a:solidFill>
+                  <a:schemeClr val="accent1">
+                    <a:lumMod val="75000"/>
+                  </a:schemeClr>
+                </a:solidFill>
+              </a:rPr>
               <a:t>Show What Partition Would Look Like</a:t>
             </a:r>
-            <a:endParaRPr lang="en-US" dirty="0"/>
+            <a:endParaRPr lang="en-US" b="1" dirty="0">
+              <a:solidFill>
+                <a:schemeClr val="accent1">
+                  <a:lumMod val="75000"/>
+                </a:schemeClr>
+              </a:solidFill>
+            </a:endParaRPr>
           </a:p>
         </p:txBody>
       </p:sp>
@@ -12580,6 +13630,52 @@
       </p:grpSpPr>
       <p:sp>
         <p:nvSpPr>
+          <p:cNvPr id="6" name="Rectangle 5"/>
+          <p:cNvSpPr/>
+          <p:nvPr/>
+        </p:nvSpPr>
+        <p:spPr>
+          <a:xfrm>
+            <a:off x="0" y="0"/>
+            <a:ext cx="11302253" cy="6858000"/>
+          </a:xfrm>
+          <a:prstGeom prst="rect">
+            <a:avLst/>
+          </a:prstGeom>
+          <a:solidFill>
+            <a:schemeClr val="tx1">
+              <a:lumMod val="75000"/>
+              <a:lumOff val="25000"/>
+            </a:schemeClr>
+          </a:solidFill>
+        </p:spPr>
+        <p:style>
+          <a:lnRef idx="2">
+            <a:schemeClr val="accent1">
+              <a:shade val="50000"/>
+            </a:schemeClr>
+          </a:lnRef>
+          <a:fillRef idx="1">
+            <a:schemeClr val="accent1"/>
+          </a:fillRef>
+          <a:effectRef idx="0">
+            <a:schemeClr val="accent1"/>
+          </a:effectRef>
+          <a:fontRef idx="minor">
+            <a:schemeClr val="lt1"/>
+          </a:fontRef>
+        </p:style>
+        <p:txBody>
+          <a:bodyPr rtlCol="0" anchor="ctr"/>
+          <a:lstStyle/>
+          <a:p>
+            <a:pPr algn="ctr"/>
+            <a:endParaRPr lang="en-US"/>
+          </a:p>
+        </p:txBody>
+      </p:sp>
+      <p:sp>
+        <p:nvSpPr>
           <p:cNvPr id="2" name="Title 1"/>
           <p:cNvSpPr>
             <a:spLocks noGrp="1"/>
@@ -12588,44 +13684,58 @@
             <p:ph type="title"/>
           </p:nvPr>
         </p:nvSpPr>
-        <p:spPr/>
+        <p:spPr>
+          <a:xfrm>
+            <a:off x="404735" y="118422"/>
+            <a:ext cx="10564768" cy="983355"/>
+          </a:xfrm>
+        </p:spPr>
         <p:txBody>
           <a:bodyPr>
-            <a:normAutofit/>
+            <a:normAutofit fontScale="90000"/>
           </a:bodyPr>
           <a:lstStyle/>
           <a:p>
             <a:r>
-              <a:rPr lang="en-US" dirty="0" smtClean="0"/>
-              <a:t>What About Distributed Transactions</a:t>
-            </a:r>
-            <a:endParaRPr lang="en-US" dirty="0"/>
-          </a:p>
-        </p:txBody>
-      </p:sp>
-      <p:sp>
-        <p:nvSpPr>
-          <p:cNvPr id="3" name="Content Placeholder 2"/>
-          <p:cNvSpPr>
-            <a:spLocks noGrp="1"/>
-          </p:cNvSpPr>
-          <p:nvPr>
-            <p:ph idx="1"/>
-          </p:nvPr>
-        </p:nvSpPr>
-        <p:spPr/>
-        <p:txBody>
-          <a:bodyPr/>
-          <a:lstStyle/>
-          <a:p>
-            <a:r>
-              <a:rPr lang="en-US" dirty="0" smtClean="0"/>
-              <a:t>I want all the players in a single game to have their stats updated.  </a:t>
-            </a:r>
-            <a:endParaRPr lang="en-US" dirty="0"/>
-          </a:p>
-        </p:txBody>
-      </p:sp>
+              <a:rPr lang="en-US" b="1" dirty="0" smtClean="0">
+                <a:solidFill>
+                  <a:schemeClr val="bg1"/>
+                </a:solidFill>
+              </a:rPr>
+              <a:t>What About Distributed Transactions?</a:t>
+            </a:r>
+            <a:endParaRPr lang="en-US" b="1" dirty="0">
+              <a:solidFill>
+                <a:schemeClr val="bg1"/>
+              </a:solidFill>
+            </a:endParaRPr>
+          </a:p>
+        </p:txBody>
+      </p:sp>
+      <p:pic>
+        <p:nvPicPr>
+          <p:cNvPr id="5" name="Picture 4"/>
+          <p:cNvPicPr>
+            <a:picLocks noChangeAspect="1"/>
+          </p:cNvPicPr>
+          <p:nvPr/>
+        </p:nvPicPr>
+        <p:blipFill>
+          <a:blip r:embed="rId3"/>
+          <a:stretch>
+            <a:fillRect/>
+          </a:stretch>
+        </p:blipFill>
+        <p:spPr>
+          <a:xfrm>
+            <a:off x="2368833" y="2002826"/>
+            <a:ext cx="5950708" cy="4463031"/>
+          </a:xfrm>
+          <a:prstGeom prst="rect">
+            <a:avLst/>
+          </a:prstGeom>
+        </p:spPr>
+      </p:pic>
     </p:spTree>
     <p:extLst>
       <p:ext uri="{BB962C8B-B14F-4D97-AF65-F5344CB8AC3E}">
@@ -12665,6 +13775,52 @@
       </p:grpSpPr>
       <p:sp>
         <p:nvSpPr>
+          <p:cNvPr id="5" name="Rectangle 4"/>
+          <p:cNvSpPr/>
+          <p:nvPr/>
+        </p:nvSpPr>
+        <p:spPr>
+          <a:xfrm>
+            <a:off x="0" y="0"/>
+            <a:ext cx="11302253" cy="6858000"/>
+          </a:xfrm>
+          <a:prstGeom prst="rect">
+            <a:avLst/>
+          </a:prstGeom>
+          <a:solidFill>
+            <a:schemeClr val="tx1">
+              <a:lumMod val="75000"/>
+              <a:lumOff val="25000"/>
+            </a:schemeClr>
+          </a:solidFill>
+        </p:spPr>
+        <p:style>
+          <a:lnRef idx="2">
+            <a:schemeClr val="accent1">
+              <a:shade val="50000"/>
+            </a:schemeClr>
+          </a:lnRef>
+          <a:fillRef idx="1">
+            <a:schemeClr val="accent1"/>
+          </a:fillRef>
+          <a:effectRef idx="0">
+            <a:schemeClr val="accent1"/>
+          </a:effectRef>
+          <a:fontRef idx="minor">
+            <a:schemeClr val="lt1"/>
+          </a:fontRef>
+        </p:style>
+        <p:txBody>
+          <a:bodyPr rtlCol="0" anchor="ctr"/>
+          <a:lstStyle/>
+          <a:p>
+            <a:pPr algn="ctr"/>
+            <a:endParaRPr lang="en-US"/>
+          </a:p>
+        </p:txBody>
+      </p:sp>
+      <p:sp>
+        <p:nvSpPr>
           <p:cNvPr id="2" name="Title 1"/>
           <p:cNvSpPr>
             <a:spLocks noGrp="1"/>
@@ -12673,16 +13829,31 @@
             <p:ph type="title"/>
           </p:nvPr>
         </p:nvSpPr>
-        <p:spPr/>
-        <p:txBody>
-          <a:bodyPr/>
+        <p:spPr>
+          <a:xfrm>
+            <a:off x="220056" y="230848"/>
+            <a:ext cx="9692640" cy="1325562"/>
+          </a:xfrm>
+        </p:spPr>
+        <p:txBody>
+          <a:bodyPr>
+            <a:normAutofit/>
+          </a:bodyPr>
           <a:lstStyle/>
           <a:p>
             <a:r>
-              <a:rPr lang="en-US" dirty="0" smtClean="0"/>
+              <a:rPr lang="en-US" sz="5400" b="1" dirty="0" smtClean="0">
+                <a:solidFill>
+                  <a:schemeClr val="bg1"/>
+                </a:solidFill>
+              </a:rPr>
               <a:t>Google Spanner</a:t>
             </a:r>
-            <a:endParaRPr lang="en-US" dirty="0"/>
+            <a:endParaRPr lang="en-US" sz="5400" b="1" dirty="0">
+              <a:solidFill>
+                <a:schemeClr val="bg1"/>
+              </a:solidFill>
+            </a:endParaRPr>
           </a:p>
         </p:txBody>
       </p:sp>
@@ -12696,18 +13867,131 @@
             <p:ph idx="1"/>
           </p:nvPr>
         </p:nvSpPr>
-        <p:spPr/>
-        <p:txBody>
-          <a:bodyPr/>
+        <p:spPr>
+          <a:xfrm>
+            <a:off x="1449249" y="2098623"/>
+            <a:ext cx="8595360" cy="3200400"/>
+          </a:xfrm>
+        </p:spPr>
+        <p:txBody>
+          <a:bodyPr>
+            <a:noAutofit/>
+          </a:bodyPr>
           <a:lstStyle/>
           <a:p>
-            <a:r>
-              <a:rPr lang="en-US" dirty="0" smtClean="0"/>
-              <a:t>Really Freaking Hard.  </a:t>
-            </a:r>
-          </a:p>
-          <a:p>
-            <a:endParaRPr lang="en-US" dirty="0"/>
+            <a:pPr marL="0" indent="0">
+              <a:buNone/>
+            </a:pPr>
+            <a:r>
+              <a:rPr lang="en-US" sz="3200" dirty="0" smtClean="0">
+                <a:solidFill>
+                  <a:schemeClr val="bg1"/>
+                </a:solidFill>
+                <a:latin typeface="Cooper Black" panose="0208090404030B020404" pitchFamily="18" charset="0"/>
+              </a:rPr>
+              <a:t>“Spanner </a:t>
+            </a:r>
+            <a:r>
+              <a:rPr lang="en-US" sz="3200" dirty="0">
+                <a:solidFill>
+                  <a:schemeClr val="bg1"/>
+                </a:solidFill>
+                <a:latin typeface="Cooper Black" panose="0208090404030B020404" pitchFamily="18" charset="0"/>
+              </a:rPr>
+              <a:t>is Google’s scalable, multi-version, </a:t>
+            </a:r>
+            <a:r>
+              <a:rPr lang="en-US" sz="3200" dirty="0" smtClean="0">
+                <a:solidFill>
+                  <a:schemeClr val="accent2"/>
+                </a:solidFill>
+                <a:latin typeface="Cooper Black" panose="0208090404030B020404" pitchFamily="18" charset="0"/>
+              </a:rPr>
+              <a:t>globally distributed</a:t>
+            </a:r>
+            <a:r>
+              <a:rPr lang="en-US" sz="3200" dirty="0">
+                <a:solidFill>
+                  <a:schemeClr val="bg1"/>
+                </a:solidFill>
+                <a:latin typeface="Cooper Black" panose="0208090404030B020404" pitchFamily="18" charset="0"/>
+              </a:rPr>
+              <a:t>, and synchronously-replicated </a:t>
+            </a:r>
+            <a:r>
+              <a:rPr lang="en-US" sz="3200" dirty="0">
+                <a:solidFill>
+                  <a:schemeClr val="accent2"/>
+                </a:solidFill>
+                <a:latin typeface="Cooper Black" panose="0208090404030B020404" pitchFamily="18" charset="0"/>
+              </a:rPr>
+              <a:t>database</a:t>
+            </a:r>
+            <a:r>
+              <a:rPr lang="en-US" sz="3200" dirty="0">
+                <a:solidFill>
+                  <a:schemeClr val="bg1"/>
+                </a:solidFill>
+                <a:latin typeface="Cooper Black" panose="0208090404030B020404" pitchFamily="18" charset="0"/>
+              </a:rPr>
+              <a:t>. It </a:t>
+            </a:r>
+            <a:r>
+              <a:rPr lang="en-US" sz="3200" dirty="0" smtClean="0">
+                <a:solidFill>
+                  <a:schemeClr val="bg1"/>
+                </a:solidFill>
+                <a:latin typeface="Cooper Black" panose="0208090404030B020404" pitchFamily="18" charset="0"/>
+              </a:rPr>
+              <a:t>is the first system </a:t>
+            </a:r>
+            <a:r>
+              <a:rPr lang="en-US" sz="3200" dirty="0">
+                <a:solidFill>
+                  <a:schemeClr val="bg1"/>
+                </a:solidFill>
+                <a:latin typeface="Cooper Black" panose="0208090404030B020404" pitchFamily="18" charset="0"/>
+              </a:rPr>
+              <a:t>to distribute data at global scale and support externally-consistent </a:t>
+            </a:r>
+            <a:r>
+              <a:rPr lang="en-US" sz="3200" dirty="0">
+                <a:solidFill>
+                  <a:schemeClr val="accent2"/>
+                </a:solidFill>
+                <a:latin typeface="Cooper Black" panose="0208090404030B020404" pitchFamily="18" charset="0"/>
+              </a:rPr>
+              <a:t>distributed transactions</a:t>
+            </a:r>
+            <a:r>
+              <a:rPr lang="en-US" sz="3200" dirty="0" smtClean="0">
+                <a:solidFill>
+                  <a:schemeClr val="bg1"/>
+                </a:solidFill>
+                <a:latin typeface="Cooper Black" panose="0208090404030B020404" pitchFamily="18" charset="0"/>
+              </a:rPr>
+              <a:t>.”</a:t>
+            </a:r>
+          </a:p>
+          <a:p>
+            <a:pPr marL="0" indent="0">
+              <a:buNone/>
+            </a:pPr>
+            <a:r>
+              <a:rPr lang="en-US" sz="3200" dirty="0" smtClean="0">
+                <a:solidFill>
+                  <a:schemeClr val="bg1"/>
+                </a:solidFill>
+                <a:latin typeface="Cooper Black" panose="0208090404030B020404" pitchFamily="18" charset="0"/>
+              </a:rPr>
+              <a:t>~James C. Corbett et al</a:t>
+            </a:r>
+            <a:endParaRPr lang="en-US" sz="3200" dirty="0">
+              <a:solidFill>
+                <a:schemeClr val="bg1"/>
+              </a:solidFill>
+              <a:latin typeface="Cooper Black" panose="0208090404030B020404" pitchFamily="18" charset="0"/>
+            </a:endParaRPr>
           </a:p>
         </p:txBody>
       </p:sp>
@@ -13293,14 +14577,14 @@
           <a:lstStyle/>
           <a:p>
             <a:r>
-              <a:rPr lang="en-US" sz="8000" dirty="0" smtClean="0">
+              <a:rPr lang="en-US" sz="8000" b="1" dirty="0" smtClean="0">
                 <a:solidFill>
                   <a:schemeClr val="accent2"/>
                 </a:solidFill>
               </a:rPr>
               <a:t>Azure Storage</a:t>
             </a:r>
-            <a:endParaRPr lang="en-US" sz="8000" dirty="0">
+            <a:endParaRPr lang="en-US" sz="8000" b="1" dirty="0">
               <a:solidFill>
                 <a:schemeClr val="accent2"/>
               </a:solidFill>
@@ -13472,7 +14756,7 @@
         </p:nvSpPr>
         <p:spPr>
           <a:xfrm>
-            <a:off x="0" y="0"/>
+            <a:off x="-15868" y="0"/>
             <a:ext cx="11302253" cy="6858000"/>
           </a:xfrm>
           <a:prstGeom prst="rect">
@@ -13528,7 +14812,7 @@
           <a:lstStyle/>
           <a:p>
             <a:r>
-              <a:rPr lang="en-US" sz="8000" dirty="0" smtClean="0">
+              <a:rPr lang="en-US" sz="8000" b="1" dirty="0" smtClean="0">
                 <a:solidFill>
                   <a:schemeClr val="accent2"/>
                 </a:solidFill>
@@ -13536,7 +14820,7 @@
               <a:t>Azure</a:t>
             </a:r>
             <a:r>
-              <a:rPr lang="en-US" dirty="0" smtClean="0">
+              <a:rPr lang="en-US" b="1" dirty="0" smtClean="0">
                 <a:solidFill>
                   <a:schemeClr val="accent2"/>
                 </a:solidFill>
@@ -13544,14 +14828,14 @@
               <a:t> </a:t>
             </a:r>
             <a:r>
-              <a:rPr lang="en-US" sz="8000" dirty="0" smtClean="0">
+              <a:rPr lang="en-US" sz="8000" b="1" dirty="0" smtClean="0">
                 <a:solidFill>
                   <a:schemeClr val="accent2"/>
                 </a:solidFill>
               </a:rPr>
               <a:t>Table</a:t>
             </a:r>
-            <a:endParaRPr lang="en-US" sz="8000" dirty="0">
+            <a:endParaRPr lang="en-US" sz="8000" b="1" dirty="0">
               <a:solidFill>
                 <a:schemeClr val="accent2"/>
               </a:solidFill>
@@ -13762,12 +15046,12 @@
         </p:spPr>
         <p:txBody>
           <a:bodyPr>
-            <a:normAutofit/>
+            <a:normAutofit fontScale="90000"/>
           </a:bodyPr>
           <a:lstStyle/>
           <a:p>
             <a:r>
-              <a:rPr lang="en-US" sz="7200" dirty="0" smtClean="0">
+              <a:rPr lang="en-US" sz="7200" b="1" dirty="0" smtClean="0">
                 <a:solidFill>
                   <a:schemeClr val="accent2"/>
                 </a:solidFill>
@@ -13775,14 +15059,14 @@
               <a:t>Azure Table </a:t>
             </a:r>
             <a:r>
-              <a:rPr lang="en-US" sz="7200" dirty="0" smtClean="0">
+              <a:rPr lang="en-US" sz="7200" b="1" dirty="0" smtClean="0">
                 <a:solidFill>
                   <a:schemeClr val="accent2"/>
                 </a:solidFill>
               </a:rPr>
               <a:t>Structure</a:t>
             </a:r>
-            <a:endParaRPr lang="en-US" sz="7200" dirty="0">
+            <a:endParaRPr lang="en-US" sz="7200" b="1" dirty="0">
               <a:solidFill>
                 <a:schemeClr val="accent2"/>
               </a:solidFill>
@@ -14024,7 +15308,7 @@
           <a:lstStyle/>
           <a:p>
             <a:r>
-              <a:rPr lang="en-US" sz="8000" dirty="0" smtClean="0">
+              <a:rPr lang="en-US" sz="8000" b="1" dirty="0" smtClean="0">
                 <a:solidFill>
                   <a:schemeClr val="accent2"/>
                 </a:solidFill>
@@ -14312,19 +15596,19 @@
         </p:spPr>
         <p:txBody>
           <a:bodyPr>
-            <a:normAutofit/>
+            <a:normAutofit fontScale="90000"/>
           </a:bodyPr>
           <a:lstStyle/>
           <a:p>
             <a:r>
-              <a:rPr lang="en-US" sz="8000" dirty="0">
+              <a:rPr lang="en-US" sz="8000" b="1" dirty="0" smtClean="0">
                 <a:solidFill>
                   <a:schemeClr val="accent2"/>
                 </a:solidFill>
               </a:rPr>
-              <a:t>Entities</a:t>
-            </a:r>
-            <a:endParaRPr lang="en-US" sz="8000" dirty="0"/>
+              <a:t>Entities &amp; Queries</a:t>
+            </a:r>
+            <a:endParaRPr lang="en-US" sz="8000" b="1" dirty="0"/>
           </a:p>
         </p:txBody>
       </p:sp>

--- a/Patterns & Best Practices For Moving From RDBMS to Azure Storage.pptx
+++ b/Patterns & Best Practices For Moving From RDBMS to Azure Storage.pptx
@@ -5,7 +5,7 @@
     <p:sldMasterId id="2147484464" r:id="rId1"/>
   </p:sldMasterIdLst>
   <p:notesMasterIdLst>
-    <p:notesMasterId r:id="rId48"/>
+    <p:notesMasterId r:id="rId49"/>
   </p:notesMasterIdLst>
   <p:sldIdLst>
     <p:sldId id="256" r:id="rId2"/>
@@ -25,35 +25,36 @@
     <p:sldId id="294" r:id="rId16"/>
     <p:sldId id="265" r:id="rId17"/>
     <p:sldId id="270" r:id="rId18"/>
-    <p:sldId id="268" r:id="rId19"/>
-    <p:sldId id="296" r:id="rId20"/>
-    <p:sldId id="297" r:id="rId21"/>
-    <p:sldId id="269" r:id="rId22"/>
-    <p:sldId id="272" r:id="rId23"/>
-    <p:sldId id="274" r:id="rId24"/>
-    <p:sldId id="275" r:id="rId25"/>
-    <p:sldId id="276" r:id="rId26"/>
-    <p:sldId id="300" r:id="rId27"/>
-    <p:sldId id="298" r:id="rId28"/>
-    <p:sldId id="299" r:id="rId29"/>
-    <p:sldId id="277" r:id="rId30"/>
-    <p:sldId id="278" r:id="rId31"/>
-    <p:sldId id="279" r:id="rId32"/>
-    <p:sldId id="280" r:id="rId33"/>
-    <p:sldId id="281" r:id="rId34"/>
-    <p:sldId id="282" r:id="rId35"/>
-    <p:sldId id="301" r:id="rId36"/>
-    <p:sldId id="303" r:id="rId37"/>
-    <p:sldId id="283" r:id="rId38"/>
-    <p:sldId id="284" r:id="rId39"/>
-    <p:sldId id="285" r:id="rId40"/>
-    <p:sldId id="304" r:id="rId41"/>
-    <p:sldId id="305" r:id="rId42"/>
-    <p:sldId id="306" r:id="rId43"/>
-    <p:sldId id="308" r:id="rId44"/>
-    <p:sldId id="309" r:id="rId45"/>
-    <p:sldId id="310" r:id="rId46"/>
-    <p:sldId id="307" r:id="rId47"/>
+    <p:sldId id="296" r:id="rId19"/>
+    <p:sldId id="297" r:id="rId20"/>
+    <p:sldId id="268" r:id="rId21"/>
+    <p:sldId id="311" r:id="rId22"/>
+    <p:sldId id="269" r:id="rId23"/>
+    <p:sldId id="272" r:id="rId24"/>
+    <p:sldId id="274" r:id="rId25"/>
+    <p:sldId id="275" r:id="rId26"/>
+    <p:sldId id="276" r:id="rId27"/>
+    <p:sldId id="300" r:id="rId28"/>
+    <p:sldId id="298" r:id="rId29"/>
+    <p:sldId id="299" r:id="rId30"/>
+    <p:sldId id="277" r:id="rId31"/>
+    <p:sldId id="278" r:id="rId32"/>
+    <p:sldId id="279" r:id="rId33"/>
+    <p:sldId id="280" r:id="rId34"/>
+    <p:sldId id="281" r:id="rId35"/>
+    <p:sldId id="282" r:id="rId36"/>
+    <p:sldId id="301" r:id="rId37"/>
+    <p:sldId id="303" r:id="rId38"/>
+    <p:sldId id="283" r:id="rId39"/>
+    <p:sldId id="284" r:id="rId40"/>
+    <p:sldId id="285" r:id="rId41"/>
+    <p:sldId id="304" r:id="rId42"/>
+    <p:sldId id="305" r:id="rId43"/>
+    <p:sldId id="306" r:id="rId44"/>
+    <p:sldId id="308" r:id="rId45"/>
+    <p:sldId id="309" r:id="rId46"/>
+    <p:sldId id="310" r:id="rId47"/>
+    <p:sldId id="307" r:id="rId48"/>
   </p:sldIdLst>
   <p:sldSz cx="12192000" cy="6858000"/>
   <p:notesSz cx="6858000" cy="9144000"/>
@@ -985,78 +986,6 @@
           <a:bodyPr/>
           <a:lstStyle/>
           <a:p>
-            <a:pPr marL="0" indent="0">
-              <a:buNone/>
-            </a:pPr>
-            <a:r>
-              <a:rPr lang="en-US" dirty="0" smtClean="0"/>
-              <a:t>Choose a Partition Key</a:t>
-            </a:r>
-          </a:p>
-          <a:p>
-            <a:pPr marL="274320" lvl="1" indent="0">
-              <a:buNone/>
-            </a:pPr>
-            <a:r>
-              <a:rPr lang="en-US" dirty="0" smtClean="0"/>
-              <a:t>Games or Player</a:t>
-            </a:r>
-          </a:p>
-          <a:p>
-            <a:pPr marL="0" indent="0">
-              <a:buNone/>
-            </a:pPr>
-            <a:r>
-              <a:rPr lang="en-US" dirty="0" smtClean="0"/>
-              <a:t>What Transactions do we want</a:t>
-            </a:r>
-          </a:p>
-          <a:p>
-            <a:pPr marL="274320" lvl="1" indent="0">
-              <a:buNone/>
-            </a:pPr>
-            <a:r>
-              <a:rPr lang="en-US" dirty="0" smtClean="0"/>
-              <a:t>On game end, update player totals &amp; ensure game data is written</a:t>
-            </a:r>
-          </a:p>
-          <a:p>
-            <a:pPr marL="0" indent="0">
-              <a:buNone/>
-            </a:pPr>
-            <a:r>
-              <a:rPr lang="en-US" dirty="0" smtClean="0"/>
-              <a:t>Queries </a:t>
-            </a:r>
-          </a:p>
-          <a:p>
-            <a:pPr marL="274320" lvl="1" indent="0">
-              <a:buNone/>
-            </a:pPr>
-            <a:r>
-              <a:rPr lang="en-US" dirty="0" smtClean="0"/>
-              <a:t>Show Player Statistics</a:t>
-            </a:r>
-          </a:p>
-          <a:p>
-            <a:pPr marL="274320" lvl="1" indent="0">
-              <a:buNone/>
-            </a:pPr>
-            <a:r>
-              <a:rPr lang="en-US" dirty="0" smtClean="0"/>
-              <a:t>Show me all the games I’ve played</a:t>
-            </a:r>
-          </a:p>
-          <a:p>
-            <a:pPr marL="274320" lvl="1" indent="0">
-              <a:buNone/>
-            </a:pPr>
-            <a:r>
-              <a:rPr lang="en-US" dirty="0" smtClean="0"/>
-              <a:t>Show me statistics for a single game.   </a:t>
-            </a:r>
-          </a:p>
-          <a:p>
             <a:endParaRPr lang="en-US" dirty="0"/>
           </a:p>
         </p:txBody>
@@ -1087,7 +1016,7 @@
     </p:spTree>
     <p:extLst>
       <p:ext uri="{BB962C8B-B14F-4D97-AF65-F5344CB8AC3E}">
-        <p14:creationId xmlns:p14="http://schemas.microsoft.com/office/powerpoint/2010/main" val="1541318812"/>
+        <p14:creationId xmlns:p14="http://schemas.microsoft.com/office/powerpoint/2010/main" val="4089224488"/>
       </p:ext>
     </p:extLst>
   </p:cSld>
@@ -1146,7 +1075,16 @@
             </a:pPr>
             <a:r>
               <a:rPr lang="en-US" dirty="0" smtClean="0"/>
-              <a:t> // Retrieve the storage account from the connection string.</a:t>
+              <a:t>Choose a Partition Key</a:t>
+            </a:r>
+          </a:p>
+          <a:p>
+            <a:pPr marL="274320" lvl="1" indent="0">
+              <a:buNone/>
+            </a:pPr>
+            <a:r>
+              <a:rPr lang="en-US" dirty="0" smtClean="0"/>
+              <a:t>Games or Player</a:t>
             </a:r>
           </a:p>
           <a:p>
@@ -1155,103 +1093,52 @@
             </a:pPr>
             <a:r>
               <a:rPr lang="en-US" dirty="0" smtClean="0"/>
-              <a:t> </a:t>
-            </a:r>
-            <a:r>
-              <a:rPr lang="en-US" dirty="0" err="1" smtClean="0"/>
-              <a:t>StorageAccount</a:t>
-            </a:r>
+              <a:t>What Transactions do we want</a:t>
+            </a:r>
+          </a:p>
+          <a:p>
+            <a:pPr marL="274320" lvl="1" indent="0">
+              <a:buNone/>
+            </a:pPr>
             <a:r>
               <a:rPr lang="en-US" dirty="0" smtClean="0"/>
-              <a:t> = </a:t>
-            </a:r>
-            <a:r>
-              <a:rPr lang="en-US" dirty="0" err="1" smtClean="0"/>
-              <a:t>CloudStorageAccount.Parse</a:t>
-            </a:r>
-            <a:r>
-              <a:rPr lang="en-US" dirty="0" smtClean="0"/>
-              <a:t>(</a:t>
-            </a:r>
-            <a:r>
-              <a:rPr lang="en-US" dirty="0" err="1" smtClean="0"/>
-              <a:t>StorageAccountString</a:t>
-            </a:r>
-            <a:r>
-              <a:rPr lang="en-US" dirty="0" smtClean="0"/>
-              <a:t>);</a:t>
+              <a:t>On game end, update player totals &amp; ensure game data is written</a:t>
             </a:r>
           </a:p>
           <a:p>
             <a:pPr marL="0" indent="0">
               <a:buNone/>
             </a:pPr>
-            <a:endParaRPr lang="en-US" dirty="0" smtClean="0"/>
-          </a:p>
-          <a:p>
-            <a:pPr marL="0" indent="0">
+            <a:r>
+              <a:rPr lang="en-US" dirty="0" smtClean="0"/>
+              <a:t>Queries </a:t>
+            </a:r>
+          </a:p>
+          <a:p>
+            <a:pPr marL="274320" lvl="1" indent="0">
               <a:buNone/>
             </a:pPr>
             <a:r>
               <a:rPr lang="en-US" dirty="0" smtClean="0"/>
-              <a:t>// Create the table client.</a:t>
-            </a:r>
-          </a:p>
-          <a:p>
-            <a:pPr marL="0" indent="0">
+              <a:t>Show Player Statistics</a:t>
+            </a:r>
+          </a:p>
+          <a:p>
+            <a:pPr marL="274320" lvl="1" indent="0">
               <a:buNone/>
             </a:pPr>
             <a:r>
-              <a:rPr lang="en-US" dirty="0" err="1" smtClean="0"/>
-              <a:t>TableClient</a:t>
-            </a:r>
-            <a:r>
               <a:rPr lang="en-US" dirty="0" smtClean="0"/>
-              <a:t> = </a:t>
-            </a:r>
-            <a:r>
-              <a:rPr lang="en-US" dirty="0" err="1" smtClean="0"/>
-              <a:t>StorageAccount.CreateCloudTableClient</a:t>
-            </a:r>
-            <a:r>
-              <a:rPr lang="en-US" dirty="0" smtClean="0"/>
-              <a:t>();</a:t>
-            </a:r>
-          </a:p>
-          <a:p>
-            <a:pPr marL="0" indent="0">
+              <a:t>Show me all the games I’ve played</a:t>
+            </a:r>
+          </a:p>
+          <a:p>
+            <a:pPr marL="274320" lvl="1" indent="0">
               <a:buNone/>
             </a:pPr>
-            <a:endParaRPr lang="en-US" dirty="0" smtClean="0"/>
-          </a:p>
-          <a:p>
-            <a:pPr marL="0" indent="0">
-              <a:buNone/>
-            </a:pPr>
             <a:r>
               <a:rPr lang="en-US" dirty="0" smtClean="0"/>
-              <a:t>// Create the table if it doesn't exist.</a:t>
-            </a:r>
-          </a:p>
-          <a:p>
-            <a:pPr marL="0" indent="0">
-              <a:buNone/>
-            </a:pPr>
-            <a:r>
-              <a:rPr lang="en-US" dirty="0" err="1" smtClean="0"/>
-              <a:t>PlayersTable</a:t>
-            </a:r>
-            <a:r>
-              <a:rPr lang="en-US" dirty="0" smtClean="0"/>
-              <a:t> = </a:t>
-            </a:r>
-            <a:r>
-              <a:rPr lang="en-US" dirty="0" err="1" smtClean="0"/>
-              <a:t>TableClient.GetTableReference</a:t>
-            </a:r>
-            <a:r>
-              <a:rPr lang="en-US" dirty="0" smtClean="0"/>
-              <a:t>("Players");</a:t>
+              <a:t>Show me statistics for a single game.   </a:t>
             </a:r>
           </a:p>
           <a:p>
@@ -1285,7 +1172,7 @@
     </p:spTree>
     <p:extLst>
       <p:ext uri="{BB962C8B-B14F-4D97-AF65-F5344CB8AC3E}">
-        <p14:creationId xmlns:p14="http://schemas.microsoft.com/office/powerpoint/2010/main" val="382588798"/>
+        <p14:creationId xmlns:p14="http://schemas.microsoft.com/office/powerpoint/2010/main" val="1541318812"/>
       </p:ext>
     </p:extLst>
   </p:cSld>
@@ -1339,6 +1226,120 @@
           <a:bodyPr/>
           <a:lstStyle/>
           <a:p>
+            <a:pPr marL="0" indent="0">
+              <a:buNone/>
+            </a:pPr>
+            <a:r>
+              <a:rPr lang="en-US" dirty="0" smtClean="0"/>
+              <a:t> // Retrieve the storage account from the connection string.</a:t>
+            </a:r>
+          </a:p>
+          <a:p>
+            <a:pPr marL="0" indent="0">
+              <a:buNone/>
+            </a:pPr>
+            <a:r>
+              <a:rPr lang="en-US" dirty="0" smtClean="0"/>
+              <a:t> </a:t>
+            </a:r>
+            <a:r>
+              <a:rPr lang="en-US" dirty="0" err="1" smtClean="0"/>
+              <a:t>StorageAccount</a:t>
+            </a:r>
+            <a:r>
+              <a:rPr lang="en-US" dirty="0" smtClean="0"/>
+              <a:t> = </a:t>
+            </a:r>
+            <a:r>
+              <a:rPr lang="en-US" dirty="0" err="1" smtClean="0"/>
+              <a:t>CloudStorageAccount.Parse</a:t>
+            </a:r>
+            <a:r>
+              <a:rPr lang="en-US" dirty="0" smtClean="0"/>
+              <a:t>(</a:t>
+            </a:r>
+            <a:r>
+              <a:rPr lang="en-US" dirty="0" err="1" smtClean="0"/>
+              <a:t>StorageAccountString</a:t>
+            </a:r>
+            <a:r>
+              <a:rPr lang="en-US" dirty="0" smtClean="0"/>
+              <a:t>);</a:t>
+            </a:r>
+          </a:p>
+          <a:p>
+            <a:pPr marL="0" indent="0">
+              <a:buNone/>
+            </a:pPr>
+            <a:endParaRPr lang="en-US" dirty="0" smtClean="0"/>
+          </a:p>
+          <a:p>
+            <a:pPr marL="0" indent="0">
+              <a:buNone/>
+            </a:pPr>
+            <a:r>
+              <a:rPr lang="en-US" dirty="0" smtClean="0"/>
+              <a:t>// Create the table client.</a:t>
+            </a:r>
+          </a:p>
+          <a:p>
+            <a:pPr marL="0" indent="0">
+              <a:buNone/>
+            </a:pPr>
+            <a:r>
+              <a:rPr lang="en-US" dirty="0" err="1" smtClean="0"/>
+              <a:t>TableClient</a:t>
+            </a:r>
+            <a:r>
+              <a:rPr lang="en-US" dirty="0" smtClean="0"/>
+              <a:t> = </a:t>
+            </a:r>
+            <a:r>
+              <a:rPr lang="en-US" dirty="0" err="1" smtClean="0"/>
+              <a:t>StorageAccount.CreateCloudTableClient</a:t>
+            </a:r>
+            <a:r>
+              <a:rPr lang="en-US" dirty="0" smtClean="0"/>
+              <a:t>();</a:t>
+            </a:r>
+          </a:p>
+          <a:p>
+            <a:pPr marL="0" indent="0">
+              <a:buNone/>
+            </a:pPr>
+            <a:endParaRPr lang="en-US" dirty="0" smtClean="0"/>
+          </a:p>
+          <a:p>
+            <a:pPr marL="0" indent="0">
+              <a:buNone/>
+            </a:pPr>
+            <a:r>
+              <a:rPr lang="en-US" dirty="0" smtClean="0"/>
+              <a:t>// Create the table if it doesn't exist.</a:t>
+            </a:r>
+          </a:p>
+          <a:p>
+            <a:pPr marL="0" indent="0">
+              <a:buNone/>
+            </a:pPr>
+            <a:r>
+              <a:rPr lang="en-US" dirty="0" err="1" smtClean="0"/>
+              <a:t>PlayersTable</a:t>
+            </a:r>
+            <a:r>
+              <a:rPr lang="en-US" dirty="0" smtClean="0"/>
+              <a:t> = </a:t>
+            </a:r>
+            <a:r>
+              <a:rPr lang="en-US" dirty="0" err="1" smtClean="0"/>
+              <a:t>TableClient.GetTableReference</a:t>
+            </a:r>
+            <a:r>
+              <a:rPr lang="en-US" dirty="0" smtClean="0"/>
+              <a:t>("Players");</a:t>
+            </a:r>
+          </a:p>
+          <a:p>
             <a:endParaRPr lang="en-US" dirty="0"/>
           </a:p>
         </p:txBody>
@@ -1369,7 +1370,7 @@
     </p:spTree>
     <p:extLst>
       <p:ext uri="{BB962C8B-B14F-4D97-AF65-F5344CB8AC3E}">
-        <p14:creationId xmlns:p14="http://schemas.microsoft.com/office/powerpoint/2010/main" val="3736521219"/>
+        <p14:creationId xmlns:p14="http://schemas.microsoft.com/office/powerpoint/2010/main" val="382588798"/>
       </p:ext>
     </p:extLst>
   </p:cSld>
@@ -1453,7 +1454,7 @@
     </p:spTree>
     <p:extLst>
       <p:ext uri="{BB962C8B-B14F-4D97-AF65-F5344CB8AC3E}">
-        <p14:creationId xmlns:p14="http://schemas.microsoft.com/office/powerpoint/2010/main" val="1922265135"/>
+        <p14:creationId xmlns:p14="http://schemas.microsoft.com/office/powerpoint/2010/main" val="3736521219"/>
       </p:ext>
     </p:extLst>
   </p:cSld>
@@ -1507,64 +1508,6 @@
           <a:bodyPr/>
           <a:lstStyle/>
           <a:p>
-            <a:r>
-              <a:rPr lang="en-US" dirty="0" smtClean="0"/>
-              <a:t>Code Break</a:t>
-            </a:r>
-          </a:p>
-          <a:p>
-            <a:r>
-              <a:rPr lang="en-US" dirty="0" smtClean="0"/>
-              <a:t>Databases CRUD (Create, Read, Update, Delete)</a:t>
-            </a:r>
-          </a:p>
-          <a:p>
-            <a:r>
-              <a:rPr lang="en-US" dirty="0" smtClean="0"/>
-              <a:t>Immutable Data No: Update &amp; Delete</a:t>
-            </a:r>
-          </a:p>
-          <a:p>
-            <a:endParaRPr lang="en-US" dirty="0" smtClean="0"/>
-          </a:p>
-          <a:p>
-            <a:r>
-              <a:rPr lang="en-US" dirty="0" smtClean="0"/>
-              <a:t>Why?</a:t>
-            </a:r>
-          </a:p>
-          <a:p>
-            <a:pPr lvl="1"/>
-            <a:r>
-              <a:rPr lang="en-US" dirty="0" smtClean="0"/>
-              <a:t>Code has bugs</a:t>
-            </a:r>
-          </a:p>
-          <a:p>
-            <a:pPr lvl="1"/>
-            <a:r>
-              <a:rPr lang="en-US" dirty="0" smtClean="0"/>
-              <a:t>People make mistakes</a:t>
-            </a:r>
-          </a:p>
-          <a:p>
-            <a:pPr lvl="1"/>
-            <a:r>
-              <a:rPr lang="en-US" dirty="0" smtClean="0"/>
-              <a:t>Having an Immutable Data Source means can always replay events </a:t>
-            </a:r>
-          </a:p>
-          <a:p>
-            <a:pPr lvl="1"/>
-            <a:r>
-              <a:rPr lang="en-US" dirty="0" smtClean="0"/>
-              <a:t>Also gives you audit logging. (How did we get to the state we are in)</a:t>
-            </a:r>
-          </a:p>
-          <a:p>
-            <a:endParaRPr lang="en-US" dirty="0" smtClean="0"/>
-          </a:p>
-          <a:p>
             <a:endParaRPr lang="en-US" dirty="0"/>
           </a:p>
         </p:txBody>
@@ -1595,7 +1538,7 @@
     </p:spTree>
     <p:extLst>
       <p:ext uri="{BB962C8B-B14F-4D97-AF65-F5344CB8AC3E}">
-        <p14:creationId xmlns:p14="http://schemas.microsoft.com/office/powerpoint/2010/main" val="3793258968"/>
+        <p14:creationId xmlns:p14="http://schemas.microsoft.com/office/powerpoint/2010/main" val="1922265135"/>
       </p:ext>
     </p:extLst>
   </p:cSld>
@@ -1651,13 +1594,19 @@
           <a:p>
             <a:r>
               <a:rPr lang="en-US" dirty="0" smtClean="0"/>
-              <a:t>Purely Immutable data stores aren’t practical </a:t>
+              <a:t>Code Break</a:t>
             </a:r>
           </a:p>
           <a:p>
             <a:r>
               <a:rPr lang="en-US" dirty="0" smtClean="0"/>
-              <a:t>Immutable Data Rows &amp; View Rows</a:t>
+              <a:t>Databases CRUD (Create, Read, Update, Delete)</a:t>
+            </a:r>
+          </a:p>
+          <a:p>
+            <a:r>
+              <a:rPr lang="en-US" dirty="0" smtClean="0"/>
+              <a:t>Immutable Data No: Update &amp; Delete</a:t>
             </a:r>
           </a:p>
           <a:p>
@@ -1666,22 +1615,39 @@
           <a:p>
             <a:r>
               <a:rPr lang="en-US" dirty="0" smtClean="0"/>
-              <a:t>View Rows</a:t>
+              <a:t>Why?</a:t>
             </a:r>
           </a:p>
           <a:p>
             <a:pPr lvl="1"/>
             <a:r>
               <a:rPr lang="en-US" dirty="0" smtClean="0"/>
-              <a:t>Can be updated &amp; deleted</a:t>
+              <a:t>Code has bugs</a:t>
             </a:r>
           </a:p>
           <a:p>
             <a:pPr lvl="1"/>
             <a:r>
               <a:rPr lang="en-US" dirty="0" smtClean="0"/>
-              <a:t>Can always be reconstructed from the Immutable data rows</a:t>
-            </a:r>
+              <a:t>People make mistakes</a:t>
+            </a:r>
+          </a:p>
+          <a:p>
+            <a:pPr lvl="1"/>
+            <a:r>
+              <a:rPr lang="en-US" dirty="0" smtClean="0"/>
+              <a:t>Having an Immutable Data Source means can always replay events </a:t>
+            </a:r>
+          </a:p>
+          <a:p>
+            <a:pPr lvl="1"/>
+            <a:r>
+              <a:rPr lang="en-US" dirty="0" smtClean="0"/>
+              <a:t>Also gives you audit logging. (How did we get to the state we are in)</a:t>
+            </a:r>
+          </a:p>
+          <a:p>
+            <a:endParaRPr lang="en-US" dirty="0" smtClean="0"/>
           </a:p>
           <a:p>
             <a:endParaRPr lang="en-US" dirty="0"/>
@@ -1705,7 +1671,7 @@
           <a:p>
             <a:fld id="{8549D1D3-D56C-4795-97E3-2197DA1CD096}" type="slidenum">
               <a:rPr lang="en-US" smtClean="0"/>
-              <a:t>29</a:t>
+              <a:t>26</a:t>
             </a:fld>
             <a:endParaRPr lang="en-US"/>
           </a:p>
@@ -1714,7 +1680,7 @@
     </p:spTree>
     <p:extLst>
       <p:ext uri="{BB962C8B-B14F-4D97-AF65-F5344CB8AC3E}">
-        <p14:creationId xmlns:p14="http://schemas.microsoft.com/office/powerpoint/2010/main" val="184768938"/>
+        <p14:creationId xmlns:p14="http://schemas.microsoft.com/office/powerpoint/2010/main" val="3793258968"/>
       </p:ext>
     </p:extLst>
   </p:cSld>
@@ -1768,6 +1734,41 @@
           <a:bodyPr/>
           <a:lstStyle/>
           <a:p>
+            <a:r>
+              <a:rPr lang="en-US" dirty="0" smtClean="0"/>
+              <a:t>Purely Immutable data stores aren’t practical </a:t>
+            </a:r>
+          </a:p>
+          <a:p>
+            <a:r>
+              <a:rPr lang="en-US" dirty="0" smtClean="0"/>
+              <a:t>Immutable Data Rows &amp; View Rows</a:t>
+            </a:r>
+          </a:p>
+          <a:p>
+            <a:endParaRPr lang="en-US" dirty="0" smtClean="0"/>
+          </a:p>
+          <a:p>
+            <a:r>
+              <a:rPr lang="en-US" dirty="0" smtClean="0"/>
+              <a:t>View Rows</a:t>
+            </a:r>
+          </a:p>
+          <a:p>
+            <a:pPr lvl="1"/>
+            <a:r>
+              <a:rPr lang="en-US" dirty="0" smtClean="0"/>
+              <a:t>Can be updated &amp; deleted</a:t>
+            </a:r>
+          </a:p>
+          <a:p>
+            <a:pPr lvl="1"/>
+            <a:r>
+              <a:rPr lang="en-US" dirty="0" smtClean="0"/>
+              <a:t>Can always be reconstructed from the Immutable data rows</a:t>
+            </a:r>
+          </a:p>
+          <a:p>
             <a:endParaRPr lang="en-US" dirty="0"/>
           </a:p>
         </p:txBody>
@@ -1798,7 +1799,7 @@
     </p:spTree>
     <p:extLst>
       <p:ext uri="{BB962C8B-B14F-4D97-AF65-F5344CB8AC3E}">
-        <p14:creationId xmlns:p14="http://schemas.microsoft.com/office/powerpoint/2010/main" val="2158395772"/>
+        <p14:creationId xmlns:p14="http://schemas.microsoft.com/office/powerpoint/2010/main" val="184768938"/>
       </p:ext>
     </p:extLst>
   </p:cSld>
@@ -1974,7 +1975,7 @@
     </p:spTree>
     <p:extLst>
       <p:ext uri="{BB962C8B-B14F-4D97-AF65-F5344CB8AC3E}">
-        <p14:creationId xmlns:p14="http://schemas.microsoft.com/office/powerpoint/2010/main" val="2170290404"/>
+        <p14:creationId xmlns:p14="http://schemas.microsoft.com/office/powerpoint/2010/main" val="2158395772"/>
       </p:ext>
     </p:extLst>
   </p:cSld>
@@ -2028,14 +2029,6 @@
           <a:bodyPr/>
           <a:lstStyle/>
           <a:p>
-            <a:r>
-              <a:rPr lang="en-US" dirty="0" smtClean="0"/>
-              <a:t>What about</a:t>
-            </a:r>
-            <a:r>
-              <a:rPr lang="en-US" baseline="0" dirty="0" smtClean="0"/>
-              <a:t> multiplayer games.  I need to ensure all the stats write for all the players.  But I can only get transactions in one Partition. </a:t>
-            </a:r>
             <a:endParaRPr lang="en-US" dirty="0"/>
           </a:p>
         </p:txBody>
@@ -2057,7 +2050,7 @@
           <a:p>
             <a:fld id="{8549D1D3-D56C-4795-97E3-2197DA1CD096}" type="slidenum">
               <a:rPr lang="en-US" smtClean="0"/>
-              <a:t>33</a:t>
+              <a:t>32</a:t>
             </a:fld>
             <a:endParaRPr lang="en-US"/>
           </a:p>
@@ -2066,7 +2059,7 @@
     </p:spTree>
     <p:extLst>
       <p:ext uri="{BB962C8B-B14F-4D97-AF65-F5344CB8AC3E}">
-        <p14:creationId xmlns:p14="http://schemas.microsoft.com/office/powerpoint/2010/main" val="2925268385"/>
+        <p14:creationId xmlns:p14="http://schemas.microsoft.com/office/powerpoint/2010/main" val="2170290404"/>
       </p:ext>
     </p:extLst>
   </p:cSld>
@@ -2120,6 +2113,14 @@
           <a:bodyPr/>
           <a:lstStyle/>
           <a:p>
+            <a:r>
+              <a:rPr lang="en-US" dirty="0" smtClean="0"/>
+              <a:t>What about</a:t>
+            </a:r>
+            <a:r>
+              <a:rPr lang="en-US" baseline="0" dirty="0" smtClean="0"/>
+              <a:t> multiplayer games.  I need to ensure all the stats write for all the players.  But I can only get transactions in one Partition. </a:t>
+            </a:r>
             <a:endParaRPr lang="en-US" dirty="0"/>
           </a:p>
         </p:txBody>
@@ -2150,7 +2151,7 @@
     </p:spTree>
     <p:extLst>
       <p:ext uri="{BB962C8B-B14F-4D97-AF65-F5344CB8AC3E}">
-        <p14:creationId xmlns:p14="http://schemas.microsoft.com/office/powerpoint/2010/main" val="3758749871"/>
+        <p14:creationId xmlns:p14="http://schemas.microsoft.com/office/powerpoint/2010/main" val="2925268385"/>
       </p:ext>
     </p:extLst>
   </p:cSld>
@@ -2204,106 +2205,6 @@
           <a:bodyPr/>
           <a:lstStyle/>
           <a:p>
-            <a:r>
-              <a:rPr lang="en-US" sz="1200" kern="1200" dirty="0" smtClean="0">
-                <a:solidFill>
-                  <a:schemeClr val="tx1"/>
-                </a:solidFill>
-                <a:latin typeface="+mn-lt"/>
-                <a:ea typeface="+mn-ea"/>
-                <a:cs typeface="+mn-cs"/>
-              </a:rPr>
-              <a:t>“GPS reference-source vulnerabilities include antenna and receiver failures, local radio interference, correlated failures (e.g., design faults such as incorrect </a:t>
-            </a:r>
-            <a:r>
-              <a:rPr lang="en-US" sz="1200" kern="1200" dirty="0" err="1" smtClean="0">
-                <a:solidFill>
-                  <a:schemeClr val="tx1"/>
-                </a:solidFill>
-                <a:latin typeface="+mn-lt"/>
-                <a:ea typeface="+mn-ea"/>
-                <a:cs typeface="+mn-cs"/>
-              </a:rPr>
-              <a:t>leapsecond</a:t>
-            </a:r>
-            <a:r>
-              <a:rPr lang="en-US" sz="1200" kern="1200" dirty="0" smtClean="0">
-                <a:solidFill>
-                  <a:schemeClr val="tx1"/>
-                </a:solidFill>
-                <a:latin typeface="+mn-lt"/>
-                <a:ea typeface="+mn-ea"/>
-                <a:cs typeface="+mn-cs"/>
-              </a:rPr>
-              <a:t> handling and spooﬁng), and GPS system outages.  </a:t>
-            </a:r>
-          </a:p>
-          <a:p>
-            <a:endParaRPr lang="en-US" sz="1200" kern="1200" dirty="0" smtClean="0">
-              <a:solidFill>
-                <a:schemeClr val="tx1"/>
-              </a:solidFill>
-              <a:latin typeface="+mn-lt"/>
-              <a:ea typeface="+mn-ea"/>
-              <a:cs typeface="+mn-cs"/>
-            </a:endParaRPr>
-          </a:p>
-          <a:p>
-            <a:r>
-              <a:rPr lang="en-US" sz="1200" kern="1200" dirty="0" smtClean="0">
-                <a:solidFill>
-                  <a:schemeClr val="tx1"/>
-                </a:solidFill>
-                <a:latin typeface="+mn-lt"/>
-                <a:ea typeface="+mn-ea"/>
-                <a:cs typeface="+mn-cs"/>
-              </a:rPr>
-              <a:t>Atomic clocks can fail in ways uncorrelated to GPS and each other, and over long periods of time can drift significantly due to frequency error.”“</a:t>
-            </a:r>
-            <a:r>
-              <a:rPr lang="en-US" sz="1200" kern="1200" dirty="0" err="1" smtClean="0">
-                <a:solidFill>
-                  <a:schemeClr val="tx1"/>
-                </a:solidFill>
-                <a:latin typeface="+mn-lt"/>
-                <a:ea typeface="+mn-ea"/>
-                <a:cs typeface="+mn-cs"/>
-              </a:rPr>
-              <a:t>TrueTime</a:t>
-            </a:r>
-            <a:r>
-              <a:rPr lang="en-US" sz="1200" kern="1200" dirty="0" smtClean="0">
-                <a:solidFill>
-                  <a:schemeClr val="tx1"/>
-                </a:solidFill>
-                <a:latin typeface="+mn-lt"/>
-                <a:ea typeface="+mn-ea"/>
-                <a:cs typeface="+mn-cs"/>
-              </a:rPr>
-              <a:t> is implemented by a set of time master machines per datacenter and a </a:t>
-            </a:r>
-            <a:r>
-              <a:rPr lang="en-US" sz="1200" kern="1200" dirty="0" err="1" smtClean="0">
-                <a:solidFill>
-                  <a:schemeClr val="tx1"/>
-                </a:solidFill>
-                <a:latin typeface="+mn-lt"/>
-                <a:ea typeface="+mn-ea"/>
-                <a:cs typeface="+mn-cs"/>
-              </a:rPr>
-              <a:t>timeslave</a:t>
-            </a:r>
-            <a:r>
-              <a:rPr lang="en-US" sz="1200" kern="1200" dirty="0" smtClean="0">
-                <a:solidFill>
-                  <a:schemeClr val="tx1"/>
-                </a:solidFill>
-                <a:latin typeface="+mn-lt"/>
-                <a:ea typeface="+mn-ea"/>
-                <a:cs typeface="+mn-cs"/>
-              </a:rPr>
-              <a:t> daemon per machine. The majority of masters have GPS receivers with dedicated antennas;”</a:t>
-            </a:r>
             <a:endParaRPr lang="en-US" dirty="0"/>
           </a:p>
         </p:txBody>
@@ -2334,7 +2235,7 @@
     </p:spTree>
     <p:extLst>
       <p:ext uri="{BB962C8B-B14F-4D97-AF65-F5344CB8AC3E}">
-        <p14:creationId xmlns:p14="http://schemas.microsoft.com/office/powerpoint/2010/main" val="2182073583"/>
+        <p14:creationId xmlns:p14="http://schemas.microsoft.com/office/powerpoint/2010/main" val="3758749871"/>
       </p:ext>
     </p:extLst>
   </p:cSld>
@@ -2518,7 +2419,7 @@
     </p:spTree>
     <p:extLst>
       <p:ext uri="{BB962C8B-B14F-4D97-AF65-F5344CB8AC3E}">
-        <p14:creationId xmlns:p14="http://schemas.microsoft.com/office/powerpoint/2010/main" val="1615780689"/>
+        <p14:creationId xmlns:p14="http://schemas.microsoft.com/office/powerpoint/2010/main" val="2182073583"/>
       </p:ext>
     </p:extLst>
   </p:cSld>
@@ -2573,23 +2474,105 @@
           <a:lstStyle/>
           <a:p>
             <a:r>
-              <a:rPr lang="en-US" dirty="0" smtClean="0"/>
-              <a:t>Transaction Model for Long Lived Activities or Distributed Transactions.</a:t>
-            </a:r>
-          </a:p>
-          <a:p>
-            <a:r>
-              <a:rPr lang="en-US" dirty="0" smtClean="0"/>
-              <a:t>Good For Long-Lived Transactions or Distributed Transactions where ACID and 2 phase commit can’t be used.</a:t>
-            </a:r>
-          </a:p>
-          <a:p>
-            <a:r>
-              <a:rPr lang="en-US" dirty="0" smtClean="0"/>
-              <a:t>No Centralized Coordination, No Centralized State</a:t>
-            </a:r>
-          </a:p>
-          <a:p>
+              <a:rPr lang="en-US" sz="1200" kern="1200" dirty="0" smtClean="0">
+                <a:solidFill>
+                  <a:schemeClr val="tx1"/>
+                </a:solidFill>
+                <a:latin typeface="+mn-lt"/>
+                <a:ea typeface="+mn-ea"/>
+                <a:cs typeface="+mn-cs"/>
+              </a:rPr>
+              <a:t>“GPS reference-source vulnerabilities include antenna and receiver failures, local radio interference, correlated failures (e.g., design faults such as incorrect </a:t>
+            </a:r>
+            <a:r>
+              <a:rPr lang="en-US" sz="1200" kern="1200" dirty="0" err="1" smtClean="0">
+                <a:solidFill>
+                  <a:schemeClr val="tx1"/>
+                </a:solidFill>
+                <a:latin typeface="+mn-lt"/>
+                <a:ea typeface="+mn-ea"/>
+                <a:cs typeface="+mn-cs"/>
+              </a:rPr>
+              <a:t>leapsecond</a:t>
+            </a:r>
+            <a:r>
+              <a:rPr lang="en-US" sz="1200" kern="1200" dirty="0" smtClean="0">
+                <a:solidFill>
+                  <a:schemeClr val="tx1"/>
+                </a:solidFill>
+                <a:latin typeface="+mn-lt"/>
+                <a:ea typeface="+mn-ea"/>
+                <a:cs typeface="+mn-cs"/>
+              </a:rPr>
+              <a:t> handling and spooﬁng), and GPS system outages.  </a:t>
+            </a:r>
+          </a:p>
+          <a:p>
+            <a:endParaRPr lang="en-US" sz="1200" kern="1200" dirty="0" smtClean="0">
+              <a:solidFill>
+                <a:schemeClr val="tx1"/>
+              </a:solidFill>
+              <a:latin typeface="+mn-lt"/>
+              <a:ea typeface="+mn-ea"/>
+              <a:cs typeface="+mn-cs"/>
+            </a:endParaRPr>
+          </a:p>
+          <a:p>
+            <a:r>
+              <a:rPr lang="en-US" sz="1200" kern="1200" dirty="0" smtClean="0">
+                <a:solidFill>
+                  <a:schemeClr val="tx1"/>
+                </a:solidFill>
+                <a:latin typeface="+mn-lt"/>
+                <a:ea typeface="+mn-ea"/>
+                <a:cs typeface="+mn-cs"/>
+              </a:rPr>
+              <a:t>Atomic clocks can fail in ways uncorrelated to GPS and each other, and over long periods of time can drift significantly due to frequency error.”“</a:t>
+            </a:r>
+            <a:r>
+              <a:rPr lang="en-US" sz="1200" kern="1200" dirty="0" err="1" smtClean="0">
+                <a:solidFill>
+                  <a:schemeClr val="tx1"/>
+                </a:solidFill>
+                <a:latin typeface="+mn-lt"/>
+                <a:ea typeface="+mn-ea"/>
+                <a:cs typeface="+mn-cs"/>
+              </a:rPr>
+              <a:t>TrueTime</a:t>
+            </a:r>
+            <a:r>
+              <a:rPr lang="en-US" sz="1200" kern="1200" dirty="0" smtClean="0">
+                <a:solidFill>
+                  <a:schemeClr val="tx1"/>
+                </a:solidFill>
+                <a:latin typeface="+mn-lt"/>
+                <a:ea typeface="+mn-ea"/>
+                <a:cs typeface="+mn-cs"/>
+              </a:rPr>
+              <a:t> is implemented by a set of time master machines per datacenter and a </a:t>
+            </a:r>
+            <a:r>
+              <a:rPr lang="en-US" sz="1200" kern="1200" dirty="0" err="1" smtClean="0">
+                <a:solidFill>
+                  <a:schemeClr val="tx1"/>
+                </a:solidFill>
+                <a:latin typeface="+mn-lt"/>
+                <a:ea typeface="+mn-ea"/>
+                <a:cs typeface="+mn-cs"/>
+              </a:rPr>
+              <a:t>timeslave</a:t>
+            </a:r>
+            <a:r>
+              <a:rPr lang="en-US" sz="1200" kern="1200" dirty="0" smtClean="0">
+                <a:solidFill>
+                  <a:schemeClr val="tx1"/>
+                </a:solidFill>
+                <a:latin typeface="+mn-lt"/>
+                <a:ea typeface="+mn-ea"/>
+                <a:cs typeface="+mn-cs"/>
+              </a:rPr>
+              <a:t> daemon per machine. The majority of masters have GPS receivers with dedicated antennas;”</a:t>
+            </a:r>
             <a:endParaRPr lang="en-US" dirty="0"/>
           </a:p>
         </p:txBody>
@@ -2620,7 +2603,7 @@
     </p:spTree>
     <p:extLst>
       <p:ext uri="{BB962C8B-B14F-4D97-AF65-F5344CB8AC3E}">
-        <p14:creationId xmlns:p14="http://schemas.microsoft.com/office/powerpoint/2010/main" val="1466854504"/>
+        <p14:creationId xmlns:p14="http://schemas.microsoft.com/office/powerpoint/2010/main" val="1615780689"/>
       </p:ext>
     </p:extLst>
   </p:cSld>
@@ -2676,25 +2659,19 @@
           <a:p>
             <a:r>
               <a:rPr lang="en-US" dirty="0" smtClean="0"/>
-              <a:t>Work is split into component Transactions</a:t>
+              <a:t>Transaction Model for Long Lived Activities or Distributed Transactions.</a:t>
             </a:r>
           </a:p>
           <a:p>
             <a:r>
               <a:rPr lang="en-US" dirty="0" smtClean="0"/>
-              <a:t>Each component transaction has a compensating transaction</a:t>
+              <a:t>Good For Long-Lived Transactions or Distributed Transactions where ACID and 2 phase commit can’t be used.</a:t>
             </a:r>
           </a:p>
           <a:p>
             <a:r>
               <a:rPr lang="en-US" dirty="0" smtClean="0"/>
-              <a:t>On failure compensation transaction is executed</a:t>
-            </a:r>
-          </a:p>
-          <a:p>
-            <a:r>
-              <a:rPr lang="en-US" dirty="0" smtClean="0"/>
-              <a:t>Compensation Transaction does not necessarily restore DB to previous state, but from a semantic point of view it has been rolled back</a:t>
+              <a:t>No Centralized Coordination, No Centralized State</a:t>
             </a:r>
           </a:p>
           <a:p>
@@ -2728,7 +2705,7 @@
     </p:spTree>
     <p:extLst>
       <p:ext uri="{BB962C8B-B14F-4D97-AF65-F5344CB8AC3E}">
-        <p14:creationId xmlns:p14="http://schemas.microsoft.com/office/powerpoint/2010/main" val="1021649722"/>
+        <p14:creationId xmlns:p14="http://schemas.microsoft.com/office/powerpoint/2010/main" val="1466854504"/>
       </p:ext>
     </p:extLst>
   </p:cSld>
@@ -2784,31 +2761,25 @@
           <a:p>
             <a:r>
               <a:rPr lang="en-US" dirty="0" smtClean="0"/>
-              <a:t>Player Partitions can be distributed across multiple nodes.</a:t>
+              <a:t>Work is split into component Transactions</a:t>
             </a:r>
           </a:p>
           <a:p>
             <a:r>
               <a:rPr lang="en-US" dirty="0" smtClean="0"/>
-              <a:t>We can guarantee Transaction behavior for saving a single players stats</a:t>
+              <a:t>Each component transaction has a compensating transaction</a:t>
             </a:r>
           </a:p>
           <a:p>
             <a:r>
               <a:rPr lang="en-US" dirty="0" smtClean="0"/>
-              <a:t>Never want to count stats twice.</a:t>
+              <a:t>On failure compensation transaction is executed</a:t>
             </a:r>
           </a:p>
           <a:p>
             <a:r>
               <a:rPr lang="en-US" dirty="0" smtClean="0"/>
-              <a:t>If one Player fails to save replay stats across whole system, until everyone returns success.</a:t>
-            </a:r>
-          </a:p>
-          <a:p>
-            <a:r>
-              <a:rPr lang="en-US" dirty="0" smtClean="0"/>
-              <a:t>Because our writes are Idempotent we can do this.</a:t>
+              <a:t>Compensation Transaction does not necessarily restore DB to previous state, but from a semantic point of view it has been rolled back</a:t>
             </a:r>
           </a:p>
           <a:p>
@@ -2842,7 +2813,7 @@
     </p:spTree>
     <p:extLst>
       <p:ext uri="{BB962C8B-B14F-4D97-AF65-F5344CB8AC3E}">
-        <p14:creationId xmlns:p14="http://schemas.microsoft.com/office/powerpoint/2010/main" val="71525474"/>
+        <p14:creationId xmlns:p14="http://schemas.microsoft.com/office/powerpoint/2010/main" val="1021649722"/>
       </p:ext>
     </p:extLst>
   </p:cSld>
@@ -2898,20 +2869,34 @@
           <a:p>
             <a:r>
               <a:rPr lang="en-US" dirty="0" smtClean="0"/>
-              <a:t>If</a:t>
-            </a:r>
-            <a:r>
-              <a:rPr lang="en-US" baseline="0" dirty="0" smtClean="0"/>
-              <a:t> one or more players fail to write their stats </a:t>
-            </a:r>
-            <a:r>
-              <a:rPr lang="en-US" baseline="0" dirty="0" err="1" smtClean="0"/>
-              <a:t>bc</a:t>
-            </a:r>
-            <a:r>
-              <a:rPr lang="en-US" baseline="0" dirty="0" smtClean="0"/>
-              <a:t> storage goes down etc.. Then we have an inconsistent state.  Player 1, 2 &amp; 4 have the stats data but player 3 does not</a:t>
-            </a:r>
+              <a:t>Player Partitions can be distributed across multiple nodes.</a:t>
+            </a:r>
+          </a:p>
+          <a:p>
+            <a:r>
+              <a:rPr lang="en-US" dirty="0" smtClean="0"/>
+              <a:t>We can guarantee Transaction behavior for saving a single players stats</a:t>
+            </a:r>
+          </a:p>
+          <a:p>
+            <a:r>
+              <a:rPr lang="en-US" dirty="0" smtClean="0"/>
+              <a:t>Never want to count stats twice.</a:t>
+            </a:r>
+          </a:p>
+          <a:p>
+            <a:r>
+              <a:rPr lang="en-US" dirty="0" smtClean="0"/>
+              <a:t>If one Player fails to save replay stats across whole system, until everyone returns success.</a:t>
+            </a:r>
+          </a:p>
+          <a:p>
+            <a:r>
+              <a:rPr lang="en-US" dirty="0" smtClean="0"/>
+              <a:t>Because our writes are Idempotent we can do this.</a:t>
+            </a:r>
+          </a:p>
+          <a:p>
             <a:endParaRPr lang="en-US" dirty="0"/>
           </a:p>
         </p:txBody>
@@ -2942,7 +2927,7 @@
     </p:spTree>
     <p:extLst>
       <p:ext uri="{BB962C8B-B14F-4D97-AF65-F5344CB8AC3E}">
-        <p14:creationId xmlns:p14="http://schemas.microsoft.com/office/powerpoint/2010/main" val="4059073168"/>
+        <p14:creationId xmlns:p14="http://schemas.microsoft.com/office/powerpoint/2010/main" val="71525474"/>
       </p:ext>
     </p:extLst>
   </p:cSld>
@@ -2998,20 +2983,19 @@
           <a:p>
             <a:r>
               <a:rPr lang="en-US" dirty="0" smtClean="0"/>
-              <a:t>Notify the other players that</a:t>
+              <a:t>If</a:t>
             </a:r>
             <a:r>
               <a:rPr lang="en-US" baseline="0" dirty="0" smtClean="0"/>
-              <a:t> you failed to write.  They should take a compensating transaction to fix this.</a:t>
-            </a:r>
-          </a:p>
-          <a:p>
-            <a:endParaRPr lang="en-US" baseline="0" dirty="0" smtClean="0"/>
-          </a:p>
-          <a:p>
+              <a:t> one or more players fail to write their stats </a:t>
+            </a:r>
+            <a:r>
+              <a:rPr lang="en-US" baseline="0" dirty="0" err="1" smtClean="0"/>
+              <a:t>bc</a:t>
+            </a:r>
             <a:r>
               <a:rPr lang="en-US" baseline="0" dirty="0" smtClean="0"/>
-              <a:t>In Simple Stats our compensating transaction could be to do nothing.  If we can re-try the processing of the Game Stats</a:t>
+              <a:t> storage goes down etc.. Then we have an inconsistent state.  Player 1, 2 &amp; 4 have the stats data but player 3 does not</a:t>
             </a:r>
             <a:endParaRPr lang="en-US" dirty="0"/>
           </a:p>
@@ -3043,7 +3027,7 @@
     </p:spTree>
     <p:extLst>
       <p:ext uri="{BB962C8B-B14F-4D97-AF65-F5344CB8AC3E}">
-        <p14:creationId xmlns:p14="http://schemas.microsoft.com/office/powerpoint/2010/main" val="4092589818"/>
+        <p14:creationId xmlns:p14="http://schemas.microsoft.com/office/powerpoint/2010/main" val="4059073168"/>
       </p:ext>
     </p:extLst>
   </p:cSld>
@@ -3210,11 +3194,20 @@
           <a:p>
             <a:r>
               <a:rPr lang="en-US" dirty="0" smtClean="0"/>
-              <a:t>Because we have Idempotent writes we can just replay the data.  3</a:t>
+              <a:t>Notify the other players that</a:t>
             </a:r>
             <a:r>
               <a:rPr lang="en-US" baseline="0" dirty="0" smtClean="0"/>
-              <a:t> of the writes will fail, but they will fail with an exception that tells us that this data has already been stored.  Player Three will succeed to write, and therefore the world is now in a consistent state.</a:t>
+              <a:t> you failed to write.  They should take a compensating transaction to fix this.</a:t>
+            </a:r>
+          </a:p>
+          <a:p>
+            <a:endParaRPr lang="en-US" baseline="0" dirty="0" smtClean="0"/>
+          </a:p>
+          <a:p>
+            <a:r>
+              <a:rPr lang="en-US" baseline="0" dirty="0" smtClean="0"/>
+              <a:t>In Simple Stats our compensating transaction could be to do nothing.  If we can re-try the processing of the Game Stats</a:t>
             </a:r>
             <a:endParaRPr lang="en-US" dirty="0"/>
           </a:p>
@@ -3246,7 +3239,7 @@
     </p:spTree>
     <p:extLst>
       <p:ext uri="{BB962C8B-B14F-4D97-AF65-F5344CB8AC3E}">
-        <p14:creationId xmlns:p14="http://schemas.microsoft.com/office/powerpoint/2010/main" val="3632322859"/>
+        <p14:creationId xmlns:p14="http://schemas.microsoft.com/office/powerpoint/2010/main" val="4092589818"/>
       </p:ext>
     </p:extLst>
   </p:cSld>
@@ -3300,6 +3293,14 @@
           <a:bodyPr/>
           <a:lstStyle/>
           <a:p>
+            <a:r>
+              <a:rPr lang="en-US" dirty="0" smtClean="0"/>
+              <a:t>Because we have Idempotent writes we can just replay the data.  3</a:t>
+            </a:r>
+            <a:r>
+              <a:rPr lang="en-US" baseline="0" dirty="0" smtClean="0"/>
+              <a:t> of the writes will fail, but they will fail with an exception that tells us that this data has already been stored.  Player Three will succeed to write, and therefore the world is now in a consistent state.</a:t>
+            </a:r>
             <a:endParaRPr lang="en-US" dirty="0"/>
           </a:p>
         </p:txBody>
@@ -3330,7 +3331,7 @@
     </p:spTree>
     <p:extLst>
       <p:ext uri="{BB962C8B-B14F-4D97-AF65-F5344CB8AC3E}">
-        <p14:creationId xmlns:p14="http://schemas.microsoft.com/office/powerpoint/2010/main" val="3126672769"/>
+        <p14:creationId xmlns:p14="http://schemas.microsoft.com/office/powerpoint/2010/main" val="3632322859"/>
       </p:ext>
     </p:extLst>
   </p:cSld>
@@ -3414,7 +3415,7 @@
     </p:spTree>
     <p:extLst>
       <p:ext uri="{BB962C8B-B14F-4D97-AF65-F5344CB8AC3E}">
-        <p14:creationId xmlns:p14="http://schemas.microsoft.com/office/powerpoint/2010/main" val="2979829689"/>
+        <p14:creationId xmlns:p14="http://schemas.microsoft.com/office/powerpoint/2010/main" val="3126672769"/>
       </p:ext>
     </p:extLst>
   </p:cSld>
@@ -3498,7 +3499,7 @@
     </p:spTree>
     <p:extLst>
       <p:ext uri="{BB962C8B-B14F-4D97-AF65-F5344CB8AC3E}">
-        <p14:creationId xmlns:p14="http://schemas.microsoft.com/office/powerpoint/2010/main" val="2303008779"/>
+        <p14:creationId xmlns:p14="http://schemas.microsoft.com/office/powerpoint/2010/main" val="2979829689"/>
       </p:ext>
     </p:extLst>
   </p:cSld>
@@ -3574,6 +3575,90 @@
             <a:fld id="{8549D1D3-D56C-4795-97E3-2197DA1CD096}" type="slidenum">
               <a:rPr lang="en-US" smtClean="0"/>
               <a:t>46</a:t>
+            </a:fld>
+            <a:endParaRPr lang="en-US"/>
+          </a:p>
+        </p:txBody>
+      </p:sp>
+    </p:spTree>
+    <p:extLst>
+      <p:ext uri="{BB962C8B-B14F-4D97-AF65-F5344CB8AC3E}">
+        <p14:creationId xmlns:p14="http://schemas.microsoft.com/office/powerpoint/2010/main" val="2303008779"/>
+      </p:ext>
+    </p:extLst>
+  </p:cSld>
+  <p:clrMapOvr>
+    <a:masterClrMapping/>
+  </p:clrMapOvr>
+</p:notes>
+</file>
+
+<file path=ppt/notesSlides/notesSlide35.xml><?xml version="1.0" encoding="utf-8"?>
+<p:notes xmlns:a="http://schemas.openxmlformats.org/drawingml/2006/main" xmlns:r="http://schemas.openxmlformats.org/officeDocument/2006/relationships" xmlns:p="http://schemas.openxmlformats.org/presentationml/2006/main">
+  <p:cSld>
+    <p:spTree>
+      <p:nvGrpSpPr>
+        <p:cNvPr id="1" name=""/>
+        <p:cNvGrpSpPr/>
+        <p:nvPr/>
+      </p:nvGrpSpPr>
+      <p:grpSpPr>
+        <a:xfrm>
+          <a:off x="0" y="0"/>
+          <a:ext cx="0" cy="0"/>
+          <a:chOff x="0" y="0"/>
+          <a:chExt cx="0" cy="0"/>
+        </a:xfrm>
+      </p:grpSpPr>
+      <p:sp>
+        <p:nvSpPr>
+          <p:cNvPr id="2" name="Slide Image Placeholder 1"/>
+          <p:cNvSpPr>
+            <a:spLocks noGrp="1" noRot="1" noChangeAspect="1"/>
+          </p:cNvSpPr>
+          <p:nvPr>
+            <p:ph type="sldImg"/>
+          </p:nvPr>
+        </p:nvSpPr>
+        <p:spPr/>
+      </p:sp>
+      <p:sp>
+        <p:nvSpPr>
+          <p:cNvPr id="3" name="Notes Placeholder 2"/>
+          <p:cNvSpPr>
+            <a:spLocks noGrp="1"/>
+          </p:cNvSpPr>
+          <p:nvPr>
+            <p:ph type="body" idx="1"/>
+          </p:nvPr>
+        </p:nvSpPr>
+        <p:spPr/>
+        <p:txBody>
+          <a:bodyPr/>
+          <a:lstStyle/>
+          <a:p>
+            <a:endParaRPr lang="en-US" dirty="0"/>
+          </a:p>
+        </p:txBody>
+      </p:sp>
+      <p:sp>
+        <p:nvSpPr>
+          <p:cNvPr id="4" name="Slide Number Placeholder 3"/>
+          <p:cNvSpPr>
+            <a:spLocks noGrp="1"/>
+          </p:cNvSpPr>
+          <p:nvPr>
+            <p:ph type="sldNum" sz="quarter" idx="10"/>
+          </p:nvPr>
+        </p:nvSpPr>
+        <p:spPr/>
+        <p:txBody>
+          <a:bodyPr/>
+          <a:lstStyle/>
+          <a:p>
+            <a:fld id="{8549D1D3-D56C-4795-97E3-2197DA1CD096}" type="slidenum">
+              <a:rPr lang="en-US" smtClean="0"/>
+              <a:t>47</a:t>
             </a:fld>
             <a:endParaRPr lang="en-US"/>
           </a:p>
@@ -9702,7 +9787,7 @@
                 </a:solidFill>
                 <a:latin typeface="Cooper Black" panose="0208090404030B020404" pitchFamily="18" charset="0"/>
               </a:rPr>
-              <a:t>QUERIES</a:t>
+              <a:t>CONSISTENCY</a:t>
             </a:r>
             <a:endParaRPr lang="en-US" sz="7200" dirty="0" smtClean="0">
               <a:solidFill>
@@ -9857,48 +9942,6 @@
           <a:chExt cx="0" cy="0"/>
         </a:xfrm>
       </p:grpSpPr>
-      <p:sp>
-        <p:nvSpPr>
-          <p:cNvPr id="2" name="Title 1"/>
-          <p:cNvSpPr>
-            <a:spLocks noGrp="1"/>
-          </p:cNvSpPr>
-          <p:nvPr>
-            <p:ph type="title"/>
-          </p:nvPr>
-        </p:nvSpPr>
-        <p:spPr>
-          <a:xfrm>
-            <a:off x="256309" y="154111"/>
-            <a:ext cx="10515600" cy="1037608"/>
-          </a:xfrm>
-        </p:spPr>
-        <p:txBody>
-          <a:bodyPr>
-            <a:normAutofit fontScale="90000"/>
-          </a:bodyPr>
-          <a:lstStyle/>
-          <a:p>
-            <a:r>
-              <a:rPr lang="en-US" sz="6600" b="1" dirty="0" smtClean="0">
-                <a:solidFill>
-                  <a:schemeClr val="accent1">
-                    <a:lumMod val="75000"/>
-                  </a:schemeClr>
-                </a:solidFill>
-              </a:rPr>
-              <a:t>Simple Stats - Stats Data </a:t>
-            </a:r>
-            <a:endParaRPr lang="en-US" sz="6600" b="1" dirty="0">
-              <a:solidFill>
-                <a:schemeClr val="accent1">
-                  <a:lumMod val="75000"/>
-                </a:schemeClr>
-              </a:solidFill>
-            </a:endParaRPr>
-          </a:p>
-        </p:txBody>
-      </p:sp>
       <p:pic>
         <p:nvPicPr>
           <p:cNvPr id="6" name="Picture 5"/>
@@ -9915,7 +9958,7 @@
         </p:blipFill>
         <p:spPr>
           <a:xfrm>
-            <a:off x="181358" y="2206695"/>
+            <a:off x="3164401" y="0"/>
             <a:ext cx="7282851" cy="3055887"/>
           </a:xfrm>
           <a:prstGeom prst="rect">
@@ -9939,7 +9982,7 @@
         </p:blipFill>
         <p:spPr>
           <a:xfrm>
-            <a:off x="7803563" y="1817467"/>
+            <a:off x="3059177" y="2933717"/>
             <a:ext cx="4388437" cy="3834342"/>
           </a:xfrm>
           <a:prstGeom prst="rect">
@@ -9947,6 +9990,234 @@
           </a:prstGeom>
         </p:spPr>
       </p:pic>
+      <p:sp>
+        <p:nvSpPr>
+          <p:cNvPr id="5" name="TextBox 4"/>
+          <p:cNvSpPr txBox="1"/>
+          <p:nvPr/>
+        </p:nvSpPr>
+        <p:spPr>
+          <a:xfrm>
+            <a:off x="322288" y="1655503"/>
+            <a:ext cx="2510852" cy="3046988"/>
+          </a:xfrm>
+          <a:prstGeom prst="rect">
+            <a:avLst/>
+          </a:prstGeom>
+          <a:noFill/>
+        </p:spPr>
+        <p:txBody>
+          <a:bodyPr wrap="square" rtlCol="0">
+            <a:spAutoFit/>
+          </a:bodyPr>
+          <a:lstStyle/>
+          <a:p>
+            <a:r>
+              <a:rPr lang="en-US" sz="4800" b="1" dirty="0" smtClean="0">
+                <a:solidFill>
+                  <a:schemeClr val="accent1">
+                    <a:lumMod val="75000"/>
+                  </a:schemeClr>
+                </a:solidFill>
+              </a:rPr>
+              <a:t>Simple</a:t>
+            </a:r>
+          </a:p>
+          <a:p>
+            <a:r>
+              <a:rPr lang="en-US" sz="4800" b="1" dirty="0" smtClean="0">
+                <a:solidFill>
+                  <a:schemeClr val="accent1">
+                    <a:lumMod val="75000"/>
+                  </a:schemeClr>
+                </a:solidFill>
+              </a:rPr>
+              <a:t>Stats:</a:t>
+            </a:r>
+          </a:p>
+          <a:p>
+            <a:r>
+              <a:rPr lang="en-US" sz="4800" b="1" dirty="0" smtClean="0">
+                <a:solidFill>
+                  <a:schemeClr val="accent1">
+                    <a:lumMod val="75000"/>
+                  </a:schemeClr>
+                </a:solidFill>
+              </a:rPr>
+              <a:t>Stats</a:t>
+            </a:r>
+          </a:p>
+          <a:p>
+            <a:r>
+              <a:rPr lang="en-US" sz="4800" b="1" dirty="0" smtClean="0">
+                <a:solidFill>
+                  <a:schemeClr val="accent1">
+                    <a:lumMod val="75000"/>
+                  </a:schemeClr>
+                </a:solidFill>
+              </a:rPr>
+              <a:t>Data</a:t>
+            </a:r>
+            <a:endParaRPr lang="en-US" sz="4800" b="1" dirty="0">
+              <a:solidFill>
+                <a:schemeClr val="accent1">
+                  <a:lumMod val="75000"/>
+                </a:schemeClr>
+              </a:solidFill>
+            </a:endParaRPr>
+          </a:p>
+        </p:txBody>
+      </p:sp>
+      <p:grpSp>
+        <p:nvGrpSpPr>
+          <p:cNvPr id="8" name="Group 7"/>
+          <p:cNvGrpSpPr/>
+          <p:nvPr/>
+        </p:nvGrpSpPr>
+        <p:grpSpPr>
+          <a:xfrm>
+            <a:off x="10400753" y="-755593"/>
+            <a:ext cx="869352" cy="7613593"/>
+            <a:chOff x="10400753" y="-755593"/>
+            <a:chExt cx="869352" cy="7613593"/>
+          </a:xfrm>
+        </p:grpSpPr>
+        <p:pic>
+          <p:nvPicPr>
+            <p:cNvPr id="9" name="Picture 8"/>
+            <p:cNvPicPr>
+              <a:picLocks noChangeAspect="1"/>
+            </p:cNvPicPr>
+            <p:nvPr/>
+          </p:nvPicPr>
+          <p:blipFill>
+            <a:blip r:embed="rId4"/>
+            <a:stretch>
+              <a:fillRect/>
+            </a:stretch>
+          </p:blipFill>
+          <p:spPr>
+            <a:xfrm>
+              <a:off x="10400754" y="5346814"/>
+              <a:ext cx="869351" cy="1511186"/>
+            </a:xfrm>
+            <a:prstGeom prst="rect">
+              <a:avLst/>
+            </a:prstGeom>
+          </p:spPr>
+        </p:pic>
+        <p:grpSp>
+          <p:nvGrpSpPr>
+            <p:cNvPr id="10" name="Group 9"/>
+            <p:cNvGrpSpPr/>
+            <p:nvPr/>
+          </p:nvGrpSpPr>
+          <p:grpSpPr>
+            <a:xfrm>
+              <a:off x="10400753" y="-755593"/>
+              <a:ext cx="869352" cy="6102407"/>
+              <a:chOff x="10400753" y="-755593"/>
+              <a:chExt cx="869352" cy="6102407"/>
+            </a:xfrm>
+          </p:grpSpPr>
+          <p:pic>
+            <p:nvPicPr>
+              <p:cNvPr id="11" name="Picture 10"/>
+              <p:cNvPicPr>
+                <a:picLocks noChangeAspect="1"/>
+              </p:cNvPicPr>
+              <p:nvPr/>
+            </p:nvPicPr>
+            <p:blipFill>
+              <a:blip r:embed="rId4"/>
+              <a:stretch>
+                <a:fillRect/>
+              </a:stretch>
+            </p:blipFill>
+            <p:spPr>
+              <a:xfrm>
+                <a:off x="10400754" y="3835628"/>
+                <a:ext cx="869351" cy="1511186"/>
+              </a:xfrm>
+              <a:prstGeom prst="rect">
+                <a:avLst/>
+              </a:prstGeom>
+            </p:spPr>
+          </p:pic>
+          <p:pic>
+            <p:nvPicPr>
+              <p:cNvPr id="12" name="Picture 11"/>
+              <p:cNvPicPr>
+                <a:picLocks noChangeAspect="1"/>
+              </p:cNvPicPr>
+              <p:nvPr/>
+            </p:nvPicPr>
+            <p:blipFill>
+              <a:blip r:embed="rId4"/>
+              <a:stretch>
+                <a:fillRect/>
+              </a:stretch>
+            </p:blipFill>
+            <p:spPr>
+              <a:xfrm>
+                <a:off x="10400753" y="2324442"/>
+                <a:ext cx="869351" cy="1511186"/>
+              </a:xfrm>
+              <a:prstGeom prst="rect">
+                <a:avLst/>
+              </a:prstGeom>
+            </p:spPr>
+          </p:pic>
+          <p:pic>
+            <p:nvPicPr>
+              <p:cNvPr id="13" name="Picture 12"/>
+              <p:cNvPicPr>
+                <a:picLocks noChangeAspect="1"/>
+              </p:cNvPicPr>
+              <p:nvPr/>
+            </p:nvPicPr>
+            <p:blipFill>
+              <a:blip r:embed="rId4"/>
+              <a:stretch>
+                <a:fillRect/>
+              </a:stretch>
+            </p:blipFill>
+            <p:spPr>
+              <a:xfrm>
+                <a:off x="10400753" y="792769"/>
+                <a:ext cx="869351" cy="1511186"/>
+              </a:xfrm>
+              <a:prstGeom prst="rect">
+                <a:avLst/>
+              </a:prstGeom>
+            </p:spPr>
+          </p:pic>
+          <p:pic>
+            <p:nvPicPr>
+              <p:cNvPr id="14" name="Picture 13"/>
+              <p:cNvPicPr>
+                <a:picLocks noChangeAspect="1"/>
+              </p:cNvPicPr>
+              <p:nvPr/>
+            </p:nvPicPr>
+            <p:blipFill>
+              <a:blip r:embed="rId4"/>
+              <a:stretch>
+                <a:fillRect/>
+              </a:stretch>
+            </p:blipFill>
+            <p:spPr>
+              <a:xfrm>
+                <a:off x="10400753" y="-755593"/>
+                <a:ext cx="869351" cy="1511186"/>
+              </a:xfrm>
+              <a:prstGeom prst="rect">
+                <a:avLst/>
+              </a:prstGeom>
+            </p:spPr>
+          </p:pic>
+        </p:grpSp>
+      </p:grpSp>
     </p:spTree>
     <p:extLst>
       <p:ext uri="{BB962C8B-B14F-4D97-AF65-F5344CB8AC3E}">
@@ -9984,37 +10255,244 @@
           <a:chExt cx="0" cy="0"/>
         </a:xfrm>
       </p:grpSpPr>
+      <p:grpSp>
+        <p:nvGrpSpPr>
+          <p:cNvPr id="5" name="Group 4"/>
+          <p:cNvGrpSpPr/>
+          <p:nvPr/>
+        </p:nvGrpSpPr>
+        <p:grpSpPr>
+          <a:xfrm>
+            <a:off x="10460714" y="-755593"/>
+            <a:ext cx="869352" cy="7613593"/>
+            <a:chOff x="10400753" y="-755593"/>
+            <a:chExt cx="869352" cy="7613593"/>
+          </a:xfrm>
+        </p:grpSpPr>
+        <p:pic>
+          <p:nvPicPr>
+            <p:cNvPr id="6" name="Picture 5"/>
+            <p:cNvPicPr>
+              <a:picLocks noChangeAspect="1"/>
+            </p:cNvPicPr>
+            <p:nvPr/>
+          </p:nvPicPr>
+          <p:blipFill>
+            <a:blip r:embed="rId2"/>
+            <a:stretch>
+              <a:fillRect/>
+            </a:stretch>
+          </p:blipFill>
+          <p:spPr>
+            <a:xfrm>
+              <a:off x="10400754" y="5346814"/>
+              <a:ext cx="869351" cy="1511186"/>
+            </a:xfrm>
+            <a:prstGeom prst="rect">
+              <a:avLst/>
+            </a:prstGeom>
+          </p:spPr>
+        </p:pic>
+        <p:grpSp>
+          <p:nvGrpSpPr>
+            <p:cNvPr id="7" name="Group 6"/>
+            <p:cNvGrpSpPr/>
+            <p:nvPr/>
+          </p:nvGrpSpPr>
+          <p:grpSpPr>
+            <a:xfrm>
+              <a:off x="10400753" y="-755593"/>
+              <a:ext cx="869352" cy="6102407"/>
+              <a:chOff x="10400753" y="-755593"/>
+              <a:chExt cx="869352" cy="6102407"/>
+            </a:xfrm>
+          </p:grpSpPr>
+          <p:pic>
+            <p:nvPicPr>
+              <p:cNvPr id="8" name="Picture 7"/>
+              <p:cNvPicPr>
+                <a:picLocks noChangeAspect="1"/>
+              </p:cNvPicPr>
+              <p:nvPr/>
+            </p:nvPicPr>
+            <p:blipFill>
+              <a:blip r:embed="rId2"/>
+              <a:stretch>
+                <a:fillRect/>
+              </a:stretch>
+            </p:blipFill>
+            <p:spPr>
+              <a:xfrm>
+                <a:off x="10400754" y="3835628"/>
+                <a:ext cx="869351" cy="1511186"/>
+              </a:xfrm>
+              <a:prstGeom prst="rect">
+                <a:avLst/>
+              </a:prstGeom>
+            </p:spPr>
+          </p:pic>
+          <p:pic>
+            <p:nvPicPr>
+              <p:cNvPr id="9" name="Picture 8"/>
+              <p:cNvPicPr>
+                <a:picLocks noChangeAspect="1"/>
+              </p:cNvPicPr>
+              <p:nvPr/>
+            </p:nvPicPr>
+            <p:blipFill>
+              <a:blip r:embed="rId2"/>
+              <a:stretch>
+                <a:fillRect/>
+              </a:stretch>
+            </p:blipFill>
+            <p:spPr>
+              <a:xfrm>
+                <a:off x="10400753" y="2324442"/>
+                <a:ext cx="869351" cy="1511186"/>
+              </a:xfrm>
+              <a:prstGeom prst="rect">
+                <a:avLst/>
+              </a:prstGeom>
+            </p:spPr>
+          </p:pic>
+          <p:pic>
+            <p:nvPicPr>
+              <p:cNvPr id="10" name="Picture 9"/>
+              <p:cNvPicPr>
+                <a:picLocks noChangeAspect="1"/>
+              </p:cNvPicPr>
+              <p:nvPr/>
+            </p:nvPicPr>
+            <p:blipFill>
+              <a:blip r:embed="rId2"/>
+              <a:stretch>
+                <a:fillRect/>
+              </a:stretch>
+            </p:blipFill>
+            <p:spPr>
+              <a:xfrm>
+                <a:off x="10400753" y="792769"/>
+                <a:ext cx="869351" cy="1511186"/>
+              </a:xfrm>
+              <a:prstGeom prst="rect">
+                <a:avLst/>
+              </a:prstGeom>
+            </p:spPr>
+          </p:pic>
+          <p:pic>
+            <p:nvPicPr>
+              <p:cNvPr id="11" name="Picture 10"/>
+              <p:cNvPicPr>
+                <a:picLocks noChangeAspect="1"/>
+              </p:cNvPicPr>
+              <p:nvPr/>
+            </p:nvPicPr>
+            <p:blipFill>
+              <a:blip r:embed="rId2"/>
+              <a:stretch>
+                <a:fillRect/>
+              </a:stretch>
+            </p:blipFill>
+            <p:spPr>
+              <a:xfrm>
+                <a:off x="10400753" y="-755593"/>
+                <a:ext cx="869351" cy="1511186"/>
+              </a:xfrm>
+              <a:prstGeom prst="rect">
+                <a:avLst/>
+              </a:prstGeom>
+            </p:spPr>
+          </p:pic>
+        </p:grpSp>
+      </p:grpSp>
       <p:sp>
         <p:nvSpPr>
-          <p:cNvPr id="2" name="Title 1"/>
-          <p:cNvSpPr>
-            <a:spLocks noGrp="1"/>
+          <p:cNvPr id="12" name="Title 1"/>
+          <p:cNvSpPr txBox="1">
+            <a:spLocks/>
           </p:cNvSpPr>
-          <p:nvPr>
-            <p:ph type="title"/>
-          </p:nvPr>
+          <p:nvPr/>
         </p:nvSpPr>
         <p:spPr>
           <a:xfrm>
-            <a:off x="85254" y="130436"/>
-            <a:ext cx="9692640" cy="1325562"/>
+            <a:off x="200266" y="1548362"/>
+            <a:ext cx="3130136" cy="2785151"/>
           </a:xfrm>
+          <a:prstGeom prst="rect">
+            <a:avLst/>
+          </a:prstGeom>
         </p:spPr>
         <p:txBody>
-          <a:bodyPr>
-            <a:normAutofit/>
+          <a:bodyPr vert="horz" lIns="91440" tIns="45720" rIns="91440" bIns="45720" rtlCol="0" anchor="b">
+            <a:normAutofit fontScale="97500"/>
           </a:bodyPr>
-          <a:lstStyle/>
-          <a:p>
-            <a:r>
-              <a:rPr lang="en-US" sz="6600" b="1" dirty="0" smtClean="0">
+          <a:lstStyle>
+            <a:lvl1pPr algn="l" defTabSz="914400" rtl="0" eaLnBrk="1" latinLnBrk="0" hangingPunct="1">
+              <a:lnSpc>
+                <a:spcPct val="90000"/>
+              </a:lnSpc>
+              <a:spcBef>
+                <a:spcPct val="0"/>
+              </a:spcBef>
+              <a:buNone/>
+              <a:defRPr sz="4400" kern="1200" spc="-50" baseline="0">
+                <a:solidFill>
+                  <a:schemeClr val="tx1"/>
+                </a:solidFill>
+                <a:latin typeface="+mj-lt"/>
+                <a:ea typeface="+mj-ea"/>
+                <a:cs typeface="+mj-cs"/>
+              </a:defRPr>
+            </a:lvl1pPr>
+          </a:lstStyle>
+          <a:p>
+            <a:r>
+              <a:rPr lang="en-US" sz="6600" b="1" smtClean="0">
                 <a:solidFill>
                   <a:schemeClr val="accent1">
                     <a:lumMod val="75000"/>
                   </a:schemeClr>
                 </a:solidFill>
               </a:rPr>
-              <a:t>Simple Stats: SQL</a:t>
+              <a:t>Simple </a:t>
+            </a:r>
+            <a:br>
+              <a:rPr lang="en-US" sz="6600" b="1" smtClean="0">
+                <a:solidFill>
+                  <a:schemeClr val="accent1">
+                    <a:lumMod val="75000"/>
+                  </a:schemeClr>
+                </a:solidFill>
+              </a:rPr>
+            </a:br>
+            <a:r>
+              <a:rPr lang="en-US" sz="6600" b="1" smtClean="0">
+                <a:solidFill>
+                  <a:schemeClr val="accent1">
+                    <a:lumMod val="75000"/>
+                  </a:schemeClr>
+                </a:solidFill>
+              </a:rPr>
+              <a:t>Stats: </a:t>
+            </a:r>
+            <a:br>
+              <a:rPr lang="en-US" sz="6600" b="1" smtClean="0">
+                <a:solidFill>
+                  <a:schemeClr val="accent1">
+                    <a:lumMod val="75000"/>
+                  </a:schemeClr>
+                </a:solidFill>
+              </a:rPr>
+            </a:br>
+            <a:r>
+              <a:rPr lang="en-US" sz="6600" b="1" smtClean="0">
+                <a:solidFill>
+                  <a:schemeClr val="accent1">
+                    <a:lumMod val="75000"/>
+                  </a:schemeClr>
+                </a:solidFill>
+              </a:rPr>
+              <a:t>SQL</a:t>
             </a:r>
             <a:endParaRPr lang="en-US" sz="6600" b="1" dirty="0">
               <a:solidFill>
@@ -10028,22 +10506,22 @@
       </p:sp>
       <p:pic>
         <p:nvPicPr>
-          <p:cNvPr id="7" name="Picture 6"/>
+          <p:cNvPr id="16" name="Picture 15"/>
           <p:cNvPicPr>
             <a:picLocks noChangeAspect="1"/>
           </p:cNvPicPr>
           <p:nvPr/>
         </p:nvPicPr>
         <p:blipFill>
-          <a:blip r:embed="rId2"/>
+          <a:blip r:embed="rId3"/>
           <a:stretch>
             <a:fillRect/>
           </a:stretch>
         </p:blipFill>
         <p:spPr>
           <a:xfrm>
-            <a:off x="1729100" y="2032260"/>
-            <a:ext cx="7324725" cy="2838450"/>
+            <a:off x="3330402" y="958907"/>
+            <a:ext cx="6915150" cy="5143500"/>
           </a:xfrm>
           <a:prstGeom prst="rect">
             <a:avLst/>
@@ -10053,7 +10531,7 @@
     </p:spTree>
     <p:extLst>
       <p:ext uri="{BB962C8B-B14F-4D97-AF65-F5344CB8AC3E}">
-        <p14:creationId xmlns:p14="http://schemas.microsoft.com/office/powerpoint/2010/main" val="726395745"/>
+        <p14:creationId xmlns:p14="http://schemas.microsoft.com/office/powerpoint/2010/main" val="352040518"/>
       </p:ext>
     </p:extLst>
   </p:cSld>
@@ -10087,30 +10565,199 @@
           <a:chExt cx="0" cy="0"/>
         </a:xfrm>
       </p:grpSpPr>
+      <p:grpSp>
+        <p:nvGrpSpPr>
+          <p:cNvPr id="5" name="Group 4"/>
+          <p:cNvGrpSpPr/>
+          <p:nvPr/>
+        </p:nvGrpSpPr>
+        <p:grpSpPr>
+          <a:xfrm>
+            <a:off x="10400753" y="-755593"/>
+            <a:ext cx="869352" cy="7613593"/>
+            <a:chOff x="10400753" y="-755593"/>
+            <a:chExt cx="869352" cy="7613593"/>
+          </a:xfrm>
+        </p:grpSpPr>
+        <p:pic>
+          <p:nvPicPr>
+            <p:cNvPr id="6" name="Picture 5"/>
+            <p:cNvPicPr>
+              <a:picLocks noChangeAspect="1"/>
+            </p:cNvPicPr>
+            <p:nvPr/>
+          </p:nvPicPr>
+          <p:blipFill>
+            <a:blip r:embed="rId2"/>
+            <a:stretch>
+              <a:fillRect/>
+            </a:stretch>
+          </p:blipFill>
+          <p:spPr>
+            <a:xfrm>
+              <a:off x="10400754" y="5346814"/>
+              <a:ext cx="869351" cy="1511186"/>
+            </a:xfrm>
+            <a:prstGeom prst="rect">
+              <a:avLst/>
+            </a:prstGeom>
+          </p:spPr>
+        </p:pic>
+        <p:grpSp>
+          <p:nvGrpSpPr>
+            <p:cNvPr id="7" name="Group 6"/>
+            <p:cNvGrpSpPr/>
+            <p:nvPr/>
+          </p:nvGrpSpPr>
+          <p:grpSpPr>
+            <a:xfrm>
+              <a:off x="10400753" y="-755593"/>
+              <a:ext cx="869352" cy="6102407"/>
+              <a:chOff x="10400753" y="-755593"/>
+              <a:chExt cx="869352" cy="6102407"/>
+            </a:xfrm>
+          </p:grpSpPr>
+          <p:pic>
+            <p:nvPicPr>
+              <p:cNvPr id="8" name="Picture 7"/>
+              <p:cNvPicPr>
+                <a:picLocks noChangeAspect="1"/>
+              </p:cNvPicPr>
+              <p:nvPr/>
+            </p:nvPicPr>
+            <p:blipFill>
+              <a:blip r:embed="rId2"/>
+              <a:stretch>
+                <a:fillRect/>
+              </a:stretch>
+            </p:blipFill>
+            <p:spPr>
+              <a:xfrm>
+                <a:off x="10400754" y="3835628"/>
+                <a:ext cx="869351" cy="1511186"/>
+              </a:xfrm>
+              <a:prstGeom prst="rect">
+                <a:avLst/>
+              </a:prstGeom>
+            </p:spPr>
+          </p:pic>
+          <p:pic>
+            <p:nvPicPr>
+              <p:cNvPr id="9" name="Picture 8"/>
+              <p:cNvPicPr>
+                <a:picLocks noChangeAspect="1"/>
+              </p:cNvPicPr>
+              <p:nvPr/>
+            </p:nvPicPr>
+            <p:blipFill>
+              <a:blip r:embed="rId2"/>
+              <a:stretch>
+                <a:fillRect/>
+              </a:stretch>
+            </p:blipFill>
+            <p:spPr>
+              <a:xfrm>
+                <a:off x="10400753" y="2324442"/>
+                <a:ext cx="869351" cy="1511186"/>
+              </a:xfrm>
+              <a:prstGeom prst="rect">
+                <a:avLst/>
+              </a:prstGeom>
+            </p:spPr>
+          </p:pic>
+          <p:pic>
+            <p:nvPicPr>
+              <p:cNvPr id="10" name="Picture 9"/>
+              <p:cNvPicPr>
+                <a:picLocks noChangeAspect="1"/>
+              </p:cNvPicPr>
+              <p:nvPr/>
+            </p:nvPicPr>
+            <p:blipFill>
+              <a:blip r:embed="rId2"/>
+              <a:stretch>
+                <a:fillRect/>
+              </a:stretch>
+            </p:blipFill>
+            <p:spPr>
+              <a:xfrm>
+                <a:off x="10400753" y="792769"/>
+                <a:ext cx="869351" cy="1511186"/>
+              </a:xfrm>
+              <a:prstGeom prst="rect">
+                <a:avLst/>
+              </a:prstGeom>
+            </p:spPr>
+          </p:pic>
+          <p:pic>
+            <p:nvPicPr>
+              <p:cNvPr id="11" name="Picture 10"/>
+              <p:cNvPicPr>
+                <a:picLocks noChangeAspect="1"/>
+              </p:cNvPicPr>
+              <p:nvPr/>
+            </p:nvPicPr>
+            <p:blipFill>
+              <a:blip r:embed="rId2"/>
+              <a:stretch>
+                <a:fillRect/>
+              </a:stretch>
+            </p:blipFill>
+            <p:spPr>
+              <a:xfrm>
+                <a:off x="10400753" y="-755593"/>
+                <a:ext cx="869351" cy="1511186"/>
+              </a:xfrm>
+              <a:prstGeom prst="rect">
+                <a:avLst/>
+              </a:prstGeom>
+            </p:spPr>
+          </p:pic>
+        </p:grpSp>
+      </p:grpSp>
       <p:sp>
         <p:nvSpPr>
-          <p:cNvPr id="2" name="Title 1"/>
-          <p:cNvSpPr>
-            <a:spLocks noGrp="1"/>
+          <p:cNvPr id="12" name="Title 1"/>
+          <p:cNvSpPr txBox="1">
+            <a:spLocks/>
           </p:cNvSpPr>
-          <p:nvPr>
-            <p:ph type="title"/>
-          </p:nvPr>
+          <p:nvPr/>
         </p:nvSpPr>
         <p:spPr>
           <a:xfrm>
-            <a:off x="92639" y="0"/>
-            <a:ext cx="9692640" cy="1325562"/>
+            <a:off x="207761" y="221733"/>
+            <a:ext cx="9071150" cy="1134877"/>
           </a:xfrm>
+          <a:prstGeom prst="rect">
+            <a:avLst/>
+          </a:prstGeom>
         </p:spPr>
         <p:txBody>
-          <a:bodyPr>
-            <a:normAutofit/>
+          <a:bodyPr vert="horz" lIns="91440" tIns="45720" rIns="91440" bIns="45720" rtlCol="0" anchor="b">
+            <a:normAutofit fontScale="97500"/>
           </a:bodyPr>
-          <a:lstStyle/>
-          <a:p>
-            <a:r>
-              <a:rPr lang="en-US" sz="6600" b="1" dirty="0">
+          <a:lstStyle>
+            <a:lvl1pPr algn="l" defTabSz="914400" rtl="0" eaLnBrk="1" latinLnBrk="0" hangingPunct="1">
+              <a:lnSpc>
+                <a:spcPct val="90000"/>
+              </a:lnSpc>
+              <a:spcBef>
+                <a:spcPct val="0"/>
+              </a:spcBef>
+              <a:buNone/>
+              <a:defRPr sz="4400" kern="1200" spc="-50" baseline="0">
+                <a:solidFill>
+                  <a:schemeClr val="tx1"/>
+                </a:solidFill>
+                <a:latin typeface="+mj-lt"/>
+                <a:ea typeface="+mj-ea"/>
+                <a:cs typeface="+mj-cs"/>
+              </a:defRPr>
+            </a:lvl1pPr>
+          </a:lstStyle>
+          <a:p>
+            <a:r>
+              <a:rPr lang="en-US" sz="6600" b="1" dirty="0" smtClean="0">
                 <a:solidFill>
                   <a:schemeClr val="accent1">
                     <a:lumMod val="75000"/>
@@ -10119,27 +10766,34 @@
               </a:rPr>
               <a:t>Simple Stats: SQL</a:t>
             </a:r>
+            <a:endParaRPr lang="en-US" sz="6600" b="1" dirty="0">
+              <a:solidFill>
+                <a:schemeClr val="accent1">
+                  <a:lumMod val="75000"/>
+                </a:schemeClr>
+              </a:solidFill>
+            </a:endParaRPr>
           </a:p>
         </p:txBody>
       </p:sp>
       <p:pic>
         <p:nvPicPr>
-          <p:cNvPr id="4" name="Picture 3"/>
+          <p:cNvPr id="13" name="Picture 12"/>
           <p:cNvPicPr>
             <a:picLocks noChangeAspect="1"/>
           </p:cNvPicPr>
           <p:nvPr/>
         </p:nvPicPr>
         <p:blipFill>
-          <a:blip r:embed="rId2"/>
+          <a:blip r:embed="rId3"/>
           <a:stretch>
             <a:fillRect/>
           </a:stretch>
         </p:blipFill>
         <p:spPr>
           <a:xfrm>
-            <a:off x="1195778" y="2006573"/>
-            <a:ext cx="9410700" cy="4029075"/>
+            <a:off x="1048257" y="2178107"/>
+            <a:ext cx="8791575" cy="3924300"/>
           </a:xfrm>
           <a:prstGeom prst="rect">
             <a:avLst/>
@@ -10149,7 +10803,7 @@
     </p:spTree>
     <p:extLst>
       <p:ext uri="{BB962C8B-B14F-4D97-AF65-F5344CB8AC3E}">
-        <p14:creationId xmlns:p14="http://schemas.microsoft.com/office/powerpoint/2010/main" val="352040518"/>
+        <p14:creationId xmlns:p14="http://schemas.microsoft.com/office/powerpoint/2010/main" val="1286846090"/>
       </p:ext>
     </p:extLst>
   </p:cSld>
@@ -11665,8 +12319,8 @@
         </p:nvSpPr>
         <p:spPr>
           <a:xfrm>
-            <a:off x="100134" y="58462"/>
-            <a:ext cx="9692640" cy="1325562"/>
+            <a:off x="125315" y="203144"/>
+            <a:ext cx="8943734" cy="1104897"/>
           </a:xfrm>
         </p:spPr>
         <p:txBody>
@@ -11683,7 +12337,37 @@
                   </a:schemeClr>
                 </a:solidFill>
               </a:rPr>
-              <a:t>Simple Stats: SQL</a:t>
+              <a:t>Simple </a:t>
+            </a:r>
+            <a:r>
+              <a:rPr lang="en-US" sz="6600" b="1" dirty="0" smtClean="0">
+                <a:solidFill>
+                  <a:schemeClr val="accent1">
+                    <a:lumMod val="75000"/>
+                  </a:schemeClr>
+                </a:solidFill>
+              </a:rPr>
+              <a:t>Stats</a:t>
+            </a:r>
+            <a:r>
+              <a:rPr lang="en-US" sz="6600" b="1" dirty="0" smtClean="0">
+                <a:solidFill>
+                  <a:schemeClr val="accent1">
+                    <a:lumMod val="75000"/>
+                  </a:schemeClr>
+                </a:solidFill>
+              </a:rPr>
+              <a:t>: </a:t>
+            </a:r>
+            <a:r>
+              <a:rPr lang="en-US" sz="6600" b="1" dirty="0" smtClean="0">
+                <a:solidFill>
+                  <a:schemeClr val="accent1">
+                    <a:lumMod val="75000"/>
+                  </a:schemeClr>
+                </a:solidFill>
+              </a:rPr>
+              <a:t>SQL</a:t>
             </a:r>
             <a:endParaRPr lang="en-US" sz="6600" b="1" dirty="0">
               <a:solidFill>
@@ -11695,24 +12379,174 @@
           </a:p>
         </p:txBody>
       </p:sp>
+      <p:grpSp>
+        <p:nvGrpSpPr>
+          <p:cNvPr id="4" name="Group 3"/>
+          <p:cNvGrpSpPr/>
+          <p:nvPr/>
+        </p:nvGrpSpPr>
+        <p:grpSpPr>
+          <a:xfrm>
+            <a:off x="10400753" y="-755593"/>
+            <a:ext cx="869352" cy="7613593"/>
+            <a:chOff x="10400753" y="-755593"/>
+            <a:chExt cx="869352" cy="7613593"/>
+          </a:xfrm>
+        </p:grpSpPr>
+        <p:pic>
+          <p:nvPicPr>
+            <p:cNvPr id="5" name="Picture 4"/>
+            <p:cNvPicPr>
+              <a:picLocks noChangeAspect="1"/>
+            </p:cNvPicPr>
+            <p:nvPr/>
+          </p:nvPicPr>
+          <p:blipFill>
+            <a:blip r:embed="rId2"/>
+            <a:stretch>
+              <a:fillRect/>
+            </a:stretch>
+          </p:blipFill>
+          <p:spPr>
+            <a:xfrm>
+              <a:off x="10400754" y="5346814"/>
+              <a:ext cx="869351" cy="1511186"/>
+            </a:xfrm>
+            <a:prstGeom prst="rect">
+              <a:avLst/>
+            </a:prstGeom>
+          </p:spPr>
+        </p:pic>
+        <p:grpSp>
+          <p:nvGrpSpPr>
+            <p:cNvPr id="6" name="Group 5"/>
+            <p:cNvGrpSpPr/>
+            <p:nvPr/>
+          </p:nvGrpSpPr>
+          <p:grpSpPr>
+            <a:xfrm>
+              <a:off x="10400753" y="-755593"/>
+              <a:ext cx="869352" cy="6102407"/>
+              <a:chOff x="10400753" y="-755593"/>
+              <a:chExt cx="869352" cy="6102407"/>
+            </a:xfrm>
+          </p:grpSpPr>
+          <p:pic>
+            <p:nvPicPr>
+              <p:cNvPr id="8" name="Picture 7"/>
+              <p:cNvPicPr>
+                <a:picLocks noChangeAspect="1"/>
+              </p:cNvPicPr>
+              <p:nvPr/>
+            </p:nvPicPr>
+            <p:blipFill>
+              <a:blip r:embed="rId2"/>
+              <a:stretch>
+                <a:fillRect/>
+              </a:stretch>
+            </p:blipFill>
+            <p:spPr>
+              <a:xfrm>
+                <a:off x="10400754" y="3835628"/>
+                <a:ext cx="869351" cy="1511186"/>
+              </a:xfrm>
+              <a:prstGeom prst="rect">
+                <a:avLst/>
+              </a:prstGeom>
+            </p:spPr>
+          </p:pic>
+          <p:pic>
+            <p:nvPicPr>
+              <p:cNvPr id="9" name="Picture 8"/>
+              <p:cNvPicPr>
+                <a:picLocks noChangeAspect="1"/>
+              </p:cNvPicPr>
+              <p:nvPr/>
+            </p:nvPicPr>
+            <p:blipFill>
+              <a:blip r:embed="rId2"/>
+              <a:stretch>
+                <a:fillRect/>
+              </a:stretch>
+            </p:blipFill>
+            <p:spPr>
+              <a:xfrm>
+                <a:off x="10400753" y="2324442"/>
+                <a:ext cx="869351" cy="1511186"/>
+              </a:xfrm>
+              <a:prstGeom prst="rect">
+                <a:avLst/>
+              </a:prstGeom>
+            </p:spPr>
+          </p:pic>
+          <p:pic>
+            <p:nvPicPr>
+              <p:cNvPr id="10" name="Picture 9"/>
+              <p:cNvPicPr>
+                <a:picLocks noChangeAspect="1"/>
+              </p:cNvPicPr>
+              <p:nvPr/>
+            </p:nvPicPr>
+            <p:blipFill>
+              <a:blip r:embed="rId2"/>
+              <a:stretch>
+                <a:fillRect/>
+              </a:stretch>
+            </p:blipFill>
+            <p:spPr>
+              <a:xfrm>
+                <a:off x="10400753" y="792769"/>
+                <a:ext cx="869351" cy="1511186"/>
+              </a:xfrm>
+              <a:prstGeom prst="rect">
+                <a:avLst/>
+              </a:prstGeom>
+            </p:spPr>
+          </p:pic>
+          <p:pic>
+            <p:nvPicPr>
+              <p:cNvPr id="11" name="Picture 10"/>
+              <p:cNvPicPr>
+                <a:picLocks noChangeAspect="1"/>
+              </p:cNvPicPr>
+              <p:nvPr/>
+            </p:nvPicPr>
+            <p:blipFill>
+              <a:blip r:embed="rId2"/>
+              <a:stretch>
+                <a:fillRect/>
+              </a:stretch>
+            </p:blipFill>
+            <p:spPr>
+              <a:xfrm>
+                <a:off x="10400753" y="-755593"/>
+                <a:ext cx="869351" cy="1511186"/>
+              </a:xfrm>
+              <a:prstGeom prst="rect">
+                <a:avLst/>
+              </a:prstGeom>
+            </p:spPr>
+          </p:pic>
+        </p:grpSp>
+      </p:grpSp>
       <p:pic>
         <p:nvPicPr>
-          <p:cNvPr id="4" name="Picture 3"/>
+          <p:cNvPr id="3" name="Picture 2"/>
           <p:cNvPicPr>
             <a:picLocks noChangeAspect="1"/>
           </p:cNvPicPr>
           <p:nvPr/>
         </p:nvPicPr>
         <p:blipFill>
-          <a:blip r:embed="rId2"/>
+          <a:blip r:embed="rId3"/>
           <a:stretch>
             <a:fillRect/>
           </a:stretch>
         </p:blipFill>
         <p:spPr>
           <a:xfrm>
-            <a:off x="1238796" y="1756503"/>
-            <a:ext cx="9534525" cy="4019550"/>
+            <a:off x="616235" y="1755889"/>
+            <a:ext cx="8905875" cy="3590925"/>
           </a:xfrm>
           <a:prstGeom prst="rect">
             <a:avLst/>
@@ -11722,7 +12556,7 @@
     </p:spTree>
     <p:extLst>
       <p:ext uri="{BB962C8B-B14F-4D97-AF65-F5344CB8AC3E}">
-        <p14:creationId xmlns:p14="http://schemas.microsoft.com/office/powerpoint/2010/main" val="1286846090"/>
+        <p14:creationId xmlns:p14="http://schemas.microsoft.com/office/powerpoint/2010/main" val="726395745"/>
       </p:ext>
     </p:extLst>
   </p:cSld>
@@ -11740,6 +12574,278 @@
 </file>
 
 <file path=ppt/slides/slide21.xml><?xml version="1.0" encoding="utf-8"?>
+<p:sld xmlns:a="http://schemas.openxmlformats.org/drawingml/2006/main" xmlns:r="http://schemas.openxmlformats.org/officeDocument/2006/relationships" xmlns:p="http://schemas.openxmlformats.org/presentationml/2006/main">
+  <p:cSld>
+    <p:spTree>
+      <p:nvGrpSpPr>
+        <p:cNvPr id="1" name=""/>
+        <p:cNvGrpSpPr/>
+        <p:nvPr/>
+      </p:nvGrpSpPr>
+      <p:grpSpPr>
+        <a:xfrm>
+          <a:off x="0" y="0"/>
+          <a:ext cx="0" cy="0"/>
+          <a:chOff x="0" y="0"/>
+          <a:chExt cx="0" cy="0"/>
+        </a:xfrm>
+      </p:grpSpPr>
+      <p:pic>
+        <p:nvPicPr>
+          <p:cNvPr id="13" name="Picture 12"/>
+          <p:cNvPicPr>
+            <a:picLocks noChangeAspect="1"/>
+          </p:cNvPicPr>
+          <p:nvPr/>
+        </p:nvPicPr>
+        <p:blipFill>
+          <a:blip r:embed="rId3"/>
+          <a:stretch>
+            <a:fillRect/>
+          </a:stretch>
+        </p:blipFill>
+        <p:spPr>
+          <a:xfrm>
+            <a:off x="59961" y="1216055"/>
+            <a:ext cx="10463134" cy="5641945"/>
+          </a:xfrm>
+          <a:prstGeom prst="rect">
+            <a:avLst/>
+          </a:prstGeom>
+        </p:spPr>
+      </p:pic>
+      <p:grpSp>
+        <p:nvGrpSpPr>
+          <p:cNvPr id="5" name="Group 4"/>
+          <p:cNvGrpSpPr/>
+          <p:nvPr/>
+        </p:nvGrpSpPr>
+        <p:grpSpPr>
+          <a:xfrm>
+            <a:off x="10400753" y="-755593"/>
+            <a:ext cx="869352" cy="7613593"/>
+            <a:chOff x="10400753" y="-755593"/>
+            <a:chExt cx="869352" cy="7613593"/>
+          </a:xfrm>
+        </p:grpSpPr>
+        <p:pic>
+          <p:nvPicPr>
+            <p:cNvPr id="6" name="Picture 5"/>
+            <p:cNvPicPr>
+              <a:picLocks noChangeAspect="1"/>
+            </p:cNvPicPr>
+            <p:nvPr/>
+          </p:nvPicPr>
+          <p:blipFill>
+            <a:blip r:embed="rId4"/>
+            <a:stretch>
+              <a:fillRect/>
+            </a:stretch>
+          </p:blipFill>
+          <p:spPr>
+            <a:xfrm>
+              <a:off x="10400754" y="5346814"/>
+              <a:ext cx="869351" cy="1511186"/>
+            </a:xfrm>
+            <a:prstGeom prst="rect">
+              <a:avLst/>
+            </a:prstGeom>
+          </p:spPr>
+        </p:pic>
+        <p:grpSp>
+          <p:nvGrpSpPr>
+            <p:cNvPr id="7" name="Group 6"/>
+            <p:cNvGrpSpPr/>
+            <p:nvPr/>
+          </p:nvGrpSpPr>
+          <p:grpSpPr>
+            <a:xfrm>
+              <a:off x="10400753" y="-755593"/>
+              <a:ext cx="869352" cy="6102407"/>
+              <a:chOff x="10400753" y="-755593"/>
+              <a:chExt cx="869352" cy="6102407"/>
+            </a:xfrm>
+          </p:grpSpPr>
+          <p:pic>
+            <p:nvPicPr>
+              <p:cNvPr id="8" name="Picture 7"/>
+              <p:cNvPicPr>
+                <a:picLocks noChangeAspect="1"/>
+              </p:cNvPicPr>
+              <p:nvPr/>
+            </p:nvPicPr>
+            <p:blipFill>
+              <a:blip r:embed="rId4"/>
+              <a:stretch>
+                <a:fillRect/>
+              </a:stretch>
+            </p:blipFill>
+            <p:spPr>
+              <a:xfrm>
+                <a:off x="10400754" y="3835628"/>
+                <a:ext cx="869351" cy="1511186"/>
+              </a:xfrm>
+              <a:prstGeom prst="rect">
+                <a:avLst/>
+              </a:prstGeom>
+            </p:spPr>
+          </p:pic>
+          <p:pic>
+            <p:nvPicPr>
+              <p:cNvPr id="9" name="Picture 8"/>
+              <p:cNvPicPr>
+                <a:picLocks noChangeAspect="1"/>
+              </p:cNvPicPr>
+              <p:nvPr/>
+            </p:nvPicPr>
+            <p:blipFill>
+              <a:blip r:embed="rId4"/>
+              <a:stretch>
+                <a:fillRect/>
+              </a:stretch>
+            </p:blipFill>
+            <p:spPr>
+              <a:xfrm>
+                <a:off x="10400753" y="2324442"/>
+                <a:ext cx="869351" cy="1511186"/>
+              </a:xfrm>
+              <a:prstGeom prst="rect">
+                <a:avLst/>
+              </a:prstGeom>
+            </p:spPr>
+          </p:pic>
+          <p:pic>
+            <p:nvPicPr>
+              <p:cNvPr id="10" name="Picture 9"/>
+              <p:cNvPicPr>
+                <a:picLocks noChangeAspect="1"/>
+              </p:cNvPicPr>
+              <p:nvPr/>
+            </p:nvPicPr>
+            <p:blipFill>
+              <a:blip r:embed="rId4"/>
+              <a:stretch>
+                <a:fillRect/>
+              </a:stretch>
+            </p:blipFill>
+            <p:spPr>
+              <a:xfrm>
+                <a:off x="10400753" y="792769"/>
+                <a:ext cx="869351" cy="1511186"/>
+              </a:xfrm>
+              <a:prstGeom prst="rect">
+                <a:avLst/>
+              </a:prstGeom>
+            </p:spPr>
+          </p:pic>
+          <p:pic>
+            <p:nvPicPr>
+              <p:cNvPr id="11" name="Picture 10"/>
+              <p:cNvPicPr>
+                <a:picLocks noChangeAspect="1"/>
+              </p:cNvPicPr>
+              <p:nvPr/>
+            </p:nvPicPr>
+            <p:blipFill>
+              <a:blip r:embed="rId4"/>
+              <a:stretch>
+                <a:fillRect/>
+              </a:stretch>
+            </p:blipFill>
+            <p:spPr>
+              <a:xfrm>
+                <a:off x="10400753" y="-755593"/>
+                <a:ext cx="869351" cy="1511186"/>
+              </a:xfrm>
+              <a:prstGeom prst="rect">
+                <a:avLst/>
+              </a:prstGeom>
+            </p:spPr>
+          </p:pic>
+        </p:grpSp>
+      </p:grpSp>
+      <p:sp>
+        <p:nvSpPr>
+          <p:cNvPr id="12" name="Title 1"/>
+          <p:cNvSpPr txBox="1">
+            <a:spLocks/>
+          </p:cNvSpPr>
+          <p:nvPr/>
+        </p:nvSpPr>
+        <p:spPr>
+          <a:xfrm>
+            <a:off x="140305" y="-1569096"/>
+            <a:ext cx="8621445" cy="2785151"/>
+          </a:xfrm>
+          <a:prstGeom prst="rect">
+            <a:avLst/>
+          </a:prstGeom>
+        </p:spPr>
+        <p:txBody>
+          <a:bodyPr vert="horz" lIns="91440" tIns="45720" rIns="91440" bIns="45720" rtlCol="0" anchor="b">
+            <a:normAutofit fontScale="97500"/>
+          </a:bodyPr>
+          <a:lstStyle>
+            <a:lvl1pPr algn="l" defTabSz="914400" rtl="0" eaLnBrk="1" latinLnBrk="0" hangingPunct="1">
+              <a:lnSpc>
+                <a:spcPct val="90000"/>
+              </a:lnSpc>
+              <a:spcBef>
+                <a:spcPct val="0"/>
+              </a:spcBef>
+              <a:buNone/>
+              <a:defRPr sz="4400" kern="1200" spc="-50" baseline="0">
+                <a:solidFill>
+                  <a:schemeClr val="tx1"/>
+                </a:solidFill>
+                <a:latin typeface="+mj-lt"/>
+                <a:ea typeface="+mj-ea"/>
+                <a:cs typeface="+mj-cs"/>
+              </a:defRPr>
+            </a:lvl1pPr>
+          </a:lstStyle>
+          <a:p>
+            <a:r>
+              <a:rPr lang="en-US" sz="6600" b="1" dirty="0" smtClean="0">
+                <a:solidFill>
+                  <a:schemeClr val="accent1">
+                    <a:lumMod val="75000"/>
+                  </a:schemeClr>
+                </a:solidFill>
+              </a:rPr>
+              <a:t>Simple Stats: SQL</a:t>
+            </a:r>
+            <a:endParaRPr lang="en-US" sz="6600" b="1" dirty="0">
+              <a:solidFill>
+                <a:schemeClr val="accent1">
+                  <a:lumMod val="75000"/>
+                </a:schemeClr>
+              </a:solidFill>
+            </a:endParaRPr>
+          </a:p>
+        </p:txBody>
+      </p:sp>
+    </p:spTree>
+    <p:extLst>
+      <p:ext uri="{BB962C8B-B14F-4D97-AF65-F5344CB8AC3E}">
+        <p14:creationId xmlns:p14="http://schemas.microsoft.com/office/powerpoint/2010/main" val="64927301"/>
+      </p:ext>
+    </p:extLst>
+  </p:cSld>
+  <p:clrMapOvr>
+    <a:masterClrMapping/>
+  </p:clrMapOvr>
+  <p:timing>
+    <p:tnLst>
+      <p:par>
+        <p:cTn id="1" dur="indefinite" restart="never" nodeType="tmRoot"/>
+      </p:par>
+    </p:tnLst>
+  </p:timing>
+</p:sld>
+</file>
+
+<file path=ppt/slides/slide22.xml><?xml version="1.0" encoding="utf-8"?>
 <p:sld xmlns:a="http://schemas.openxmlformats.org/drawingml/2006/main" xmlns:r="http://schemas.openxmlformats.org/officeDocument/2006/relationships" xmlns:p="http://schemas.openxmlformats.org/presentationml/2006/main">
   <p:cSld>
     <p:spTree>
@@ -12213,7 +13319,7 @@
 </p:sld>
 </file>
 
-<file path=ppt/slides/slide22.xml><?xml version="1.0" encoding="utf-8"?>
+<file path=ppt/slides/slide23.xml><?xml version="1.0" encoding="utf-8"?>
 <p:sld xmlns:a="http://schemas.openxmlformats.org/drawingml/2006/main" xmlns:r="http://schemas.openxmlformats.org/officeDocument/2006/relationships" xmlns:p="http://schemas.openxmlformats.org/presentationml/2006/main">
   <p:cSld>
     <p:spTree>
@@ -12466,7 +13572,7 @@
 </p:sld>
 </file>
 
-<file path=ppt/slides/slide23.xml><?xml version="1.0" encoding="utf-8"?>
+<file path=ppt/slides/slide24.xml><?xml version="1.0" encoding="utf-8"?>
 <p:sld xmlns:a="http://schemas.openxmlformats.org/drawingml/2006/main" xmlns:r="http://schemas.openxmlformats.org/officeDocument/2006/relationships" xmlns:p="http://schemas.openxmlformats.org/presentationml/2006/main">
   <p:cSld>
     <p:spTree>
@@ -12743,7 +13849,7 @@
 </p:sld>
 </file>
 
-<file path=ppt/slides/slide24.xml><?xml version="1.0" encoding="utf-8"?>
+<file path=ppt/slides/slide25.xml><?xml version="1.0" encoding="utf-8"?>
 <p:sld xmlns:a="http://schemas.openxmlformats.org/drawingml/2006/main" xmlns:r="http://schemas.openxmlformats.org/officeDocument/2006/relationships" xmlns:p="http://schemas.openxmlformats.org/presentationml/2006/main">
   <p:cSld>
     <p:spTree>
@@ -13006,7 +14112,7 @@
 </p:sld>
 </file>
 
-<file path=ppt/slides/slide25.xml><?xml version="1.0" encoding="utf-8"?>
+<file path=ppt/slides/slide26.xml><?xml version="1.0" encoding="utf-8"?>
 <p:sld xmlns:a="http://schemas.openxmlformats.org/drawingml/2006/main" xmlns:r="http://schemas.openxmlformats.org/officeDocument/2006/relationships" xmlns:p="http://schemas.openxmlformats.org/presentationml/2006/main">
   <p:cSld>
     <p:spTree>
@@ -13184,7 +14290,7 @@
 </p:sld>
 </file>
 
-<file path=ppt/slides/slide26.xml><?xml version="1.0" encoding="utf-8"?>
+<file path=ppt/slides/slide27.xml><?xml version="1.0" encoding="utf-8"?>
 <p:sld xmlns:a="http://schemas.openxmlformats.org/drawingml/2006/main" xmlns:r="http://schemas.openxmlformats.org/officeDocument/2006/relationships" xmlns:p="http://schemas.openxmlformats.org/presentationml/2006/main">
   <p:cSld>
     <p:spTree>
@@ -13435,7 +14541,7 @@
 </p:sld>
 </file>
 
-<file path=ppt/slides/slide27.xml><?xml version="1.0" encoding="utf-8"?>
+<file path=ppt/slides/slide28.xml><?xml version="1.0" encoding="utf-8"?>
 <p:sld xmlns:a="http://schemas.openxmlformats.org/drawingml/2006/main" xmlns:r="http://schemas.openxmlformats.org/officeDocument/2006/relationships" xmlns:p="http://schemas.openxmlformats.org/presentationml/2006/main">
   <p:cSld>
     <p:spTree>
@@ -13667,7 +14773,7 @@
 </p:sld>
 </file>
 
-<file path=ppt/slides/slide28.xml><?xml version="1.0" encoding="utf-8"?>
+<file path=ppt/slides/slide29.xml><?xml version="1.0" encoding="utf-8"?>
 <p:sld xmlns:a="http://schemas.openxmlformats.org/drawingml/2006/main" xmlns:r="http://schemas.openxmlformats.org/officeDocument/2006/relationships" xmlns:p="http://schemas.openxmlformats.org/presentationml/2006/main">
   <p:cSld>
     <p:spTree>
@@ -14120,215 +15226,6 @@
     <p:extLst>
       <p:ext uri="{BB962C8B-B14F-4D97-AF65-F5344CB8AC3E}">
         <p14:creationId xmlns:p14="http://schemas.microsoft.com/office/powerpoint/2010/main" val="3776771476"/>
-      </p:ext>
-    </p:extLst>
-  </p:cSld>
-  <p:clrMapOvr>
-    <a:masterClrMapping/>
-  </p:clrMapOvr>
-  <p:timing>
-    <p:tnLst>
-      <p:par>
-        <p:cTn id="1" dur="indefinite" restart="never" nodeType="tmRoot"/>
-      </p:par>
-    </p:tnLst>
-  </p:timing>
-</p:sld>
-</file>
-
-<file path=ppt/slides/slide29.xml><?xml version="1.0" encoding="utf-8"?>
-<p:sld xmlns:a="http://schemas.openxmlformats.org/drawingml/2006/main" xmlns:r="http://schemas.openxmlformats.org/officeDocument/2006/relationships" xmlns:p="http://schemas.openxmlformats.org/presentationml/2006/main">
-  <p:cSld>
-    <p:spTree>
-      <p:nvGrpSpPr>
-        <p:cNvPr id="1" name=""/>
-        <p:cNvGrpSpPr/>
-        <p:nvPr/>
-      </p:nvGrpSpPr>
-      <p:grpSpPr>
-        <a:xfrm>
-          <a:off x="0" y="0"/>
-          <a:ext cx="0" cy="0"/>
-          <a:chOff x="0" y="0"/>
-          <a:chExt cx="0" cy="0"/>
-        </a:xfrm>
-      </p:grpSpPr>
-      <p:sp>
-        <p:nvSpPr>
-          <p:cNvPr id="6" name="Rectangle 5"/>
-          <p:cNvSpPr/>
-          <p:nvPr/>
-        </p:nvSpPr>
-        <p:spPr>
-          <a:xfrm>
-            <a:off x="0" y="0"/>
-            <a:ext cx="11302253" cy="6858000"/>
-          </a:xfrm>
-          <a:prstGeom prst="rect">
-            <a:avLst/>
-          </a:prstGeom>
-          <a:solidFill>
-            <a:schemeClr val="accent2"/>
-          </a:solidFill>
-        </p:spPr>
-        <p:style>
-          <a:lnRef idx="2">
-            <a:schemeClr val="accent1">
-              <a:shade val="50000"/>
-            </a:schemeClr>
-          </a:lnRef>
-          <a:fillRef idx="1">
-            <a:schemeClr val="accent1"/>
-          </a:fillRef>
-          <a:effectRef idx="0">
-            <a:schemeClr val="accent1"/>
-          </a:effectRef>
-          <a:fontRef idx="minor">
-            <a:schemeClr val="lt1"/>
-          </a:fontRef>
-        </p:style>
-        <p:txBody>
-          <a:bodyPr rtlCol="0" anchor="ctr"/>
-          <a:lstStyle/>
-          <a:p>
-            <a:pPr algn="ctr"/>
-            <a:endParaRPr lang="en-US"/>
-          </a:p>
-        </p:txBody>
-      </p:sp>
-      <p:sp>
-        <p:nvSpPr>
-          <p:cNvPr id="2" name="Title 1"/>
-          <p:cNvSpPr>
-            <a:spLocks noGrp="1"/>
-          </p:cNvSpPr>
-          <p:nvPr>
-            <p:ph type="title"/>
-          </p:nvPr>
-        </p:nvSpPr>
-        <p:spPr>
-          <a:xfrm>
-            <a:off x="62658" y="58462"/>
-            <a:ext cx="11075033" cy="1325562"/>
-          </a:xfrm>
-        </p:spPr>
-        <p:txBody>
-          <a:bodyPr>
-            <a:normAutofit/>
-          </a:bodyPr>
-          <a:lstStyle/>
-          <a:p>
-            <a:r>
-              <a:rPr lang="en-US" sz="5200" b="1" dirty="0" smtClean="0">
-                <a:solidFill>
-                  <a:schemeClr val="bg1"/>
-                </a:solidFill>
-              </a:rPr>
-              <a:t>Immutability in the Real World</a:t>
-            </a:r>
-            <a:endParaRPr lang="en-US" sz="5200" b="1" dirty="0"/>
-          </a:p>
-        </p:txBody>
-      </p:sp>
-      <p:sp>
-        <p:nvSpPr>
-          <p:cNvPr id="4" name="Content Placeholder 3"/>
-          <p:cNvSpPr>
-            <a:spLocks noGrp="1"/>
-          </p:cNvSpPr>
-          <p:nvPr>
-            <p:ph idx="1"/>
-          </p:nvPr>
-        </p:nvSpPr>
-        <p:spPr>
-          <a:xfrm>
-            <a:off x="2512200" y="2097339"/>
-            <a:ext cx="6175948" cy="4047345"/>
-          </a:xfrm>
-        </p:spPr>
-        <p:txBody>
-          <a:bodyPr/>
-          <a:lstStyle/>
-          <a:p>
-            <a:pPr marL="0" indent="0" algn="ctr">
-              <a:buNone/>
-            </a:pPr>
-            <a:r>
-              <a:rPr lang="en-US" sz="3200" dirty="0">
-                <a:solidFill>
-                  <a:schemeClr val="accent1">
-                    <a:lumMod val="50000"/>
-                  </a:schemeClr>
-                </a:solidFill>
-                <a:latin typeface="Cooper Black" panose="0208090404030B020404" pitchFamily="18" charset="0"/>
-              </a:rPr>
-              <a:t>“Event” </a:t>
-            </a:r>
-            <a:r>
-              <a:rPr lang="en-US" sz="3200" dirty="0" smtClean="0">
-                <a:solidFill>
-                  <a:schemeClr val="accent1">
-                    <a:lumMod val="50000"/>
-                  </a:schemeClr>
-                </a:solidFill>
-                <a:latin typeface="Cooper Black" panose="0208090404030B020404" pitchFamily="18" charset="0"/>
-              </a:rPr>
-              <a:t>Entities: </a:t>
-            </a:r>
-            <a:r>
-              <a:rPr lang="en-US" sz="3200" dirty="0" smtClean="0">
-                <a:solidFill>
-                  <a:schemeClr val="tx2">
-                    <a:lumMod val="75000"/>
-                  </a:schemeClr>
-                </a:solidFill>
-                <a:latin typeface="Cooper Black" panose="0208090404030B020404" pitchFamily="18" charset="0"/>
-              </a:rPr>
-              <a:t>Source of Truth is </a:t>
-            </a:r>
-            <a:r>
-              <a:rPr lang="en-US" sz="3200" dirty="0" smtClean="0">
-                <a:solidFill>
-                  <a:schemeClr val="accent5"/>
-                </a:solidFill>
-                <a:latin typeface="Cooper Black" panose="0208090404030B020404" pitchFamily="18" charset="0"/>
-              </a:rPr>
-              <a:t>Immutable</a:t>
-            </a:r>
-          </a:p>
-          <a:p>
-            <a:pPr marL="0" indent="0" algn="ctr">
-              <a:buNone/>
-            </a:pPr>
-            <a:endParaRPr lang="en-US" sz="3200" dirty="0" smtClean="0">
-              <a:solidFill>
-                <a:schemeClr val="accent5"/>
-              </a:solidFill>
-              <a:latin typeface="Cooper Black" panose="0208090404030B020404" pitchFamily="18" charset="0"/>
-            </a:endParaRPr>
-          </a:p>
-          <a:p>
-            <a:pPr marL="0" indent="0" algn="ctr">
-              <a:buNone/>
-            </a:pPr>
-            <a:r>
-              <a:rPr lang="en-US" sz="3200" dirty="0" smtClean="0">
-                <a:solidFill>
-                  <a:schemeClr val="tx2">
-                    <a:lumMod val="75000"/>
-                  </a:schemeClr>
-                </a:solidFill>
-                <a:latin typeface="Cooper Black" panose="0208090404030B020404" pitchFamily="18" charset="0"/>
-              </a:rPr>
-              <a:t>Aggregate “View” Entities: use all of CRUD.  </a:t>
-            </a:r>
-          </a:p>
-        </p:txBody>
-      </p:sp>
-    </p:spTree>
-    <p:extLst>
-      <p:ext uri="{BB962C8B-B14F-4D97-AF65-F5344CB8AC3E}">
-        <p14:creationId xmlns:p14="http://schemas.microsoft.com/office/powerpoint/2010/main" val="2930620304"/>
       </p:ext>
     </p:extLst>
   </p:cSld>
@@ -14503,6 +15400,215 @@
       </p:grpSpPr>
       <p:sp>
         <p:nvSpPr>
+          <p:cNvPr id="6" name="Rectangle 5"/>
+          <p:cNvSpPr/>
+          <p:nvPr/>
+        </p:nvSpPr>
+        <p:spPr>
+          <a:xfrm>
+            <a:off x="0" y="0"/>
+            <a:ext cx="11302253" cy="6858000"/>
+          </a:xfrm>
+          <a:prstGeom prst="rect">
+            <a:avLst/>
+          </a:prstGeom>
+          <a:solidFill>
+            <a:schemeClr val="accent2"/>
+          </a:solidFill>
+        </p:spPr>
+        <p:style>
+          <a:lnRef idx="2">
+            <a:schemeClr val="accent1">
+              <a:shade val="50000"/>
+            </a:schemeClr>
+          </a:lnRef>
+          <a:fillRef idx="1">
+            <a:schemeClr val="accent1"/>
+          </a:fillRef>
+          <a:effectRef idx="0">
+            <a:schemeClr val="accent1"/>
+          </a:effectRef>
+          <a:fontRef idx="minor">
+            <a:schemeClr val="lt1"/>
+          </a:fontRef>
+        </p:style>
+        <p:txBody>
+          <a:bodyPr rtlCol="0" anchor="ctr"/>
+          <a:lstStyle/>
+          <a:p>
+            <a:pPr algn="ctr"/>
+            <a:endParaRPr lang="en-US"/>
+          </a:p>
+        </p:txBody>
+      </p:sp>
+      <p:sp>
+        <p:nvSpPr>
+          <p:cNvPr id="2" name="Title 1"/>
+          <p:cNvSpPr>
+            <a:spLocks noGrp="1"/>
+          </p:cNvSpPr>
+          <p:nvPr>
+            <p:ph type="title"/>
+          </p:nvPr>
+        </p:nvSpPr>
+        <p:spPr>
+          <a:xfrm>
+            <a:off x="62658" y="58462"/>
+            <a:ext cx="11075033" cy="1325562"/>
+          </a:xfrm>
+        </p:spPr>
+        <p:txBody>
+          <a:bodyPr>
+            <a:normAutofit/>
+          </a:bodyPr>
+          <a:lstStyle/>
+          <a:p>
+            <a:r>
+              <a:rPr lang="en-US" sz="5200" b="1" dirty="0" smtClean="0">
+                <a:solidFill>
+                  <a:schemeClr val="bg1"/>
+                </a:solidFill>
+              </a:rPr>
+              <a:t>Immutability in the Real World</a:t>
+            </a:r>
+            <a:endParaRPr lang="en-US" sz="5200" b="1" dirty="0"/>
+          </a:p>
+        </p:txBody>
+      </p:sp>
+      <p:sp>
+        <p:nvSpPr>
+          <p:cNvPr id="4" name="Content Placeholder 3"/>
+          <p:cNvSpPr>
+            <a:spLocks noGrp="1"/>
+          </p:cNvSpPr>
+          <p:nvPr>
+            <p:ph idx="1"/>
+          </p:nvPr>
+        </p:nvSpPr>
+        <p:spPr>
+          <a:xfrm>
+            <a:off x="2512200" y="2097339"/>
+            <a:ext cx="6175948" cy="4047345"/>
+          </a:xfrm>
+        </p:spPr>
+        <p:txBody>
+          <a:bodyPr/>
+          <a:lstStyle/>
+          <a:p>
+            <a:pPr marL="0" indent="0" algn="ctr">
+              <a:buNone/>
+            </a:pPr>
+            <a:r>
+              <a:rPr lang="en-US" sz="3200" dirty="0">
+                <a:solidFill>
+                  <a:schemeClr val="accent1">
+                    <a:lumMod val="50000"/>
+                  </a:schemeClr>
+                </a:solidFill>
+                <a:latin typeface="Cooper Black" panose="0208090404030B020404" pitchFamily="18" charset="0"/>
+              </a:rPr>
+              <a:t>“Event” </a:t>
+            </a:r>
+            <a:r>
+              <a:rPr lang="en-US" sz="3200" dirty="0" smtClean="0">
+                <a:solidFill>
+                  <a:schemeClr val="accent1">
+                    <a:lumMod val="50000"/>
+                  </a:schemeClr>
+                </a:solidFill>
+                <a:latin typeface="Cooper Black" panose="0208090404030B020404" pitchFamily="18" charset="0"/>
+              </a:rPr>
+              <a:t>Entities: </a:t>
+            </a:r>
+            <a:r>
+              <a:rPr lang="en-US" sz="3200" dirty="0" smtClean="0">
+                <a:solidFill>
+                  <a:schemeClr val="tx2">
+                    <a:lumMod val="75000"/>
+                  </a:schemeClr>
+                </a:solidFill>
+                <a:latin typeface="Cooper Black" panose="0208090404030B020404" pitchFamily="18" charset="0"/>
+              </a:rPr>
+              <a:t>Source of Truth is </a:t>
+            </a:r>
+            <a:r>
+              <a:rPr lang="en-US" sz="3200" dirty="0" smtClean="0">
+                <a:solidFill>
+                  <a:schemeClr val="accent5"/>
+                </a:solidFill>
+                <a:latin typeface="Cooper Black" panose="0208090404030B020404" pitchFamily="18" charset="0"/>
+              </a:rPr>
+              <a:t>Immutable</a:t>
+            </a:r>
+          </a:p>
+          <a:p>
+            <a:pPr marL="0" indent="0" algn="ctr">
+              <a:buNone/>
+            </a:pPr>
+            <a:endParaRPr lang="en-US" sz="3200" dirty="0" smtClean="0">
+              <a:solidFill>
+                <a:schemeClr val="accent5"/>
+              </a:solidFill>
+              <a:latin typeface="Cooper Black" panose="0208090404030B020404" pitchFamily="18" charset="0"/>
+            </a:endParaRPr>
+          </a:p>
+          <a:p>
+            <a:pPr marL="0" indent="0" algn="ctr">
+              <a:buNone/>
+            </a:pPr>
+            <a:r>
+              <a:rPr lang="en-US" sz="3200" dirty="0" smtClean="0">
+                <a:solidFill>
+                  <a:schemeClr val="tx2">
+                    <a:lumMod val="75000"/>
+                  </a:schemeClr>
+                </a:solidFill>
+                <a:latin typeface="Cooper Black" panose="0208090404030B020404" pitchFamily="18" charset="0"/>
+              </a:rPr>
+              <a:t>Aggregate “View” Entities: use all of CRUD.  </a:t>
+            </a:r>
+          </a:p>
+        </p:txBody>
+      </p:sp>
+    </p:spTree>
+    <p:extLst>
+      <p:ext uri="{BB962C8B-B14F-4D97-AF65-F5344CB8AC3E}">
+        <p14:creationId xmlns:p14="http://schemas.microsoft.com/office/powerpoint/2010/main" val="2930620304"/>
+      </p:ext>
+    </p:extLst>
+  </p:cSld>
+  <p:clrMapOvr>
+    <a:masterClrMapping/>
+  </p:clrMapOvr>
+  <p:timing>
+    <p:tnLst>
+      <p:par>
+        <p:cTn id="1" dur="indefinite" restart="never" nodeType="tmRoot"/>
+      </p:par>
+    </p:tnLst>
+  </p:timing>
+</p:sld>
+</file>
+
+<file path=ppt/slides/slide31.xml><?xml version="1.0" encoding="utf-8"?>
+<p:sld xmlns:a="http://schemas.openxmlformats.org/drawingml/2006/main" xmlns:r="http://schemas.openxmlformats.org/officeDocument/2006/relationships" xmlns:p="http://schemas.openxmlformats.org/presentationml/2006/main">
+  <p:cSld>
+    <p:spTree>
+      <p:nvGrpSpPr>
+        <p:cNvPr id="1" name=""/>
+        <p:cNvGrpSpPr/>
+        <p:nvPr/>
+      </p:nvGrpSpPr>
+      <p:grpSpPr>
+        <a:xfrm>
+          <a:off x="0" y="0"/>
+          <a:ext cx="0" cy="0"/>
+          <a:chOff x="0" y="0"/>
+          <a:chExt cx="0" cy="0"/>
+        </a:xfrm>
+      </p:grpSpPr>
+      <p:sp>
+        <p:nvSpPr>
           <p:cNvPr id="4" name="Rectangle 3"/>
           <p:cNvSpPr/>
           <p:nvPr/>
@@ -14662,7 +15768,7 @@
 </p:sld>
 </file>
 
-<file path=ppt/slides/slide31.xml><?xml version="1.0" encoding="utf-8"?>
+<file path=ppt/slides/slide32.xml><?xml version="1.0" encoding="utf-8"?>
 <p:sld xmlns:a="http://schemas.openxmlformats.org/drawingml/2006/main" xmlns:r="http://schemas.openxmlformats.org/officeDocument/2006/relationships" xmlns:p="http://schemas.openxmlformats.org/presentationml/2006/main">
   <p:cSld>
     <p:spTree>
@@ -14913,7 +16019,7 @@
 </p:sld>
 </file>
 
-<file path=ppt/slides/slide32.xml><?xml version="1.0" encoding="utf-8"?>
+<file path=ppt/slides/slide33.xml><?xml version="1.0" encoding="utf-8"?>
 <p:sld xmlns:a="http://schemas.openxmlformats.org/drawingml/2006/main" xmlns:r="http://schemas.openxmlformats.org/officeDocument/2006/relationships" xmlns:p="http://schemas.openxmlformats.org/presentationml/2006/main">
   <p:cSld>
     <p:spTree>
@@ -15006,7 +16112,7 @@
 </p:sld>
 </file>
 
-<file path=ppt/slides/slide33.xml><?xml version="1.0" encoding="utf-8"?>
+<file path=ppt/slides/slide34.xml><?xml version="1.0" encoding="utf-8"?>
 <p:sld xmlns:a="http://schemas.openxmlformats.org/drawingml/2006/main" xmlns:r="http://schemas.openxmlformats.org/officeDocument/2006/relationships" xmlns:p="http://schemas.openxmlformats.org/presentationml/2006/main">
   <p:cSld>
     <p:spTree>
@@ -15151,7 +16257,7 @@
 </p:sld>
 </file>
 
-<file path=ppt/slides/slide34.xml><?xml version="1.0" encoding="utf-8"?>
+<file path=ppt/slides/slide35.xml><?xml version="1.0" encoding="utf-8"?>
 <p:sld xmlns:a="http://schemas.openxmlformats.org/drawingml/2006/main" xmlns:r="http://schemas.openxmlformats.org/officeDocument/2006/relationships" xmlns:p="http://schemas.openxmlformats.org/presentationml/2006/main">
   <p:cSld>
     <p:spTree>
@@ -15410,7 +16516,7 @@
 </p:sld>
 </file>
 
-<file path=ppt/slides/slide35.xml><?xml version="1.0" encoding="utf-8"?>
+<file path=ppt/slides/slide36.xml><?xml version="1.0" encoding="utf-8"?>
 <p:sld xmlns:a="http://schemas.openxmlformats.org/drawingml/2006/main" xmlns:r="http://schemas.openxmlformats.org/officeDocument/2006/relationships" xmlns:p="http://schemas.openxmlformats.org/presentationml/2006/main">
   <p:cSld>
     <p:spTree>
@@ -15961,10 +17067,17 @@
   <p:clrMapOvr>
     <a:masterClrMapping/>
   </p:clrMapOvr>
+  <p:timing>
+    <p:tnLst>
+      <p:par>
+        <p:cTn id="1" dur="indefinite" restart="never" nodeType="tmRoot"/>
+      </p:par>
+    </p:tnLst>
+  </p:timing>
 </p:sld>
 </file>
 
-<file path=ppt/slides/slide36.xml><?xml version="1.0" encoding="utf-8"?>
+<file path=ppt/slides/slide37.xml><?xml version="1.0" encoding="utf-8"?>
 <p:sld xmlns:a="http://schemas.openxmlformats.org/drawingml/2006/main" xmlns:r="http://schemas.openxmlformats.org/officeDocument/2006/relationships" xmlns:p="http://schemas.openxmlformats.org/presentationml/2006/main">
   <p:cSld>
     <p:spTree>
@@ -16432,203 +17545,6 @@
   <p:clrMapOvr>
     <a:masterClrMapping/>
   </p:clrMapOvr>
-</p:sld>
-</file>
-
-<file path=ppt/slides/slide37.xml><?xml version="1.0" encoding="utf-8"?>
-<p:sld xmlns:a="http://schemas.openxmlformats.org/drawingml/2006/main" xmlns:r="http://schemas.openxmlformats.org/officeDocument/2006/relationships" xmlns:p="http://schemas.openxmlformats.org/presentationml/2006/main">
-  <p:cSld>
-    <p:spTree>
-      <p:nvGrpSpPr>
-        <p:cNvPr id="1" name=""/>
-        <p:cNvGrpSpPr/>
-        <p:nvPr/>
-      </p:nvGrpSpPr>
-      <p:grpSpPr>
-        <a:xfrm>
-          <a:off x="0" y="0"/>
-          <a:ext cx="0" cy="0"/>
-          <a:chOff x="0" y="0"/>
-          <a:chExt cx="0" cy="0"/>
-        </a:xfrm>
-      </p:grpSpPr>
-      <p:sp>
-        <p:nvSpPr>
-          <p:cNvPr id="4" name="Rectangle 3"/>
-          <p:cNvSpPr/>
-          <p:nvPr/>
-        </p:nvSpPr>
-        <p:spPr>
-          <a:xfrm>
-            <a:off x="0" y="0"/>
-            <a:ext cx="11302253" cy="6858000"/>
-          </a:xfrm>
-          <a:prstGeom prst="rect">
-            <a:avLst/>
-          </a:prstGeom>
-          <a:solidFill>
-            <a:schemeClr val="tx1">
-              <a:lumMod val="75000"/>
-              <a:lumOff val="25000"/>
-            </a:schemeClr>
-          </a:solidFill>
-        </p:spPr>
-        <p:style>
-          <a:lnRef idx="2">
-            <a:schemeClr val="accent1">
-              <a:shade val="50000"/>
-            </a:schemeClr>
-          </a:lnRef>
-          <a:fillRef idx="1">
-            <a:schemeClr val="accent1"/>
-          </a:fillRef>
-          <a:effectRef idx="0">
-            <a:schemeClr val="accent1"/>
-          </a:effectRef>
-          <a:fontRef idx="minor">
-            <a:schemeClr val="lt1"/>
-          </a:fontRef>
-        </p:style>
-        <p:txBody>
-          <a:bodyPr rtlCol="0" anchor="ctr"/>
-          <a:lstStyle/>
-          <a:p>
-            <a:pPr algn="ctr"/>
-            <a:endParaRPr lang="en-US"/>
-          </a:p>
-        </p:txBody>
-      </p:sp>
-      <p:sp>
-        <p:nvSpPr>
-          <p:cNvPr id="2" name="Title 1"/>
-          <p:cNvSpPr>
-            <a:spLocks noGrp="1"/>
-          </p:cNvSpPr>
-          <p:nvPr>
-            <p:ph type="title"/>
-          </p:nvPr>
-        </p:nvSpPr>
-        <p:spPr>
-          <a:xfrm>
-            <a:off x="164592" y="268324"/>
-            <a:ext cx="9692640" cy="1325562"/>
-          </a:xfrm>
-        </p:spPr>
-        <p:txBody>
-          <a:bodyPr>
-            <a:normAutofit/>
-          </a:bodyPr>
-          <a:lstStyle/>
-          <a:p>
-            <a:r>
-              <a:rPr lang="en-US" sz="8000" b="1" dirty="0" smtClean="0">
-                <a:solidFill>
-                  <a:schemeClr val="bg1"/>
-                </a:solidFill>
-              </a:rPr>
-              <a:t>Saga Pattern</a:t>
-            </a:r>
-            <a:endParaRPr lang="en-US" sz="8000" b="1" dirty="0">
-              <a:solidFill>
-                <a:schemeClr val="bg1"/>
-              </a:solidFill>
-            </a:endParaRPr>
-          </a:p>
-        </p:txBody>
-      </p:sp>
-      <p:sp>
-        <p:nvSpPr>
-          <p:cNvPr id="3" name="Content Placeholder 2"/>
-          <p:cNvSpPr>
-            <a:spLocks noGrp="1"/>
-          </p:cNvSpPr>
-          <p:nvPr>
-            <p:ph idx="1"/>
-          </p:nvPr>
-        </p:nvSpPr>
-        <p:spPr>
-          <a:xfrm>
-            <a:off x="479685" y="2050274"/>
-            <a:ext cx="10553075" cy="4351337"/>
-          </a:xfrm>
-        </p:spPr>
-        <p:txBody>
-          <a:bodyPr/>
-          <a:lstStyle/>
-          <a:p>
-            <a:pPr marL="0" indent="0">
-              <a:buNone/>
-            </a:pPr>
-            <a:endParaRPr lang="en-US" dirty="0"/>
-          </a:p>
-          <a:p>
-            <a:pPr marL="0" indent="0" algn="ctr">
-              <a:buNone/>
-            </a:pPr>
-            <a:r>
-              <a:rPr lang="en-US" sz="4800" dirty="0" smtClean="0">
-                <a:solidFill>
-                  <a:schemeClr val="accent2">
-                    <a:lumMod val="20000"/>
-                    <a:lumOff val="80000"/>
-                  </a:schemeClr>
-                </a:solidFill>
-                <a:latin typeface="Cooper Black" panose="0208090404030B020404" pitchFamily="18" charset="0"/>
-              </a:rPr>
-              <a:t>Transaction Model for </a:t>
-            </a:r>
-            <a:r>
-              <a:rPr lang="en-US" sz="6000" dirty="0" smtClean="0">
-                <a:solidFill>
-                  <a:schemeClr val="accent2"/>
-                </a:solidFill>
-                <a:latin typeface="Cooper Black" panose="0208090404030B020404" pitchFamily="18" charset="0"/>
-              </a:rPr>
-              <a:t>Distributed Transactions</a:t>
-            </a:r>
-            <a:r>
-              <a:rPr lang="en-US" sz="6000" dirty="0">
-                <a:solidFill>
-                  <a:schemeClr val="accent2"/>
-                </a:solidFill>
-                <a:latin typeface="Cooper Black" panose="0208090404030B020404" pitchFamily="18" charset="0"/>
-              </a:rPr>
-              <a:t> </a:t>
-            </a:r>
-            <a:r>
-              <a:rPr lang="en-US" sz="4800" dirty="0" smtClean="0">
-                <a:solidFill>
-                  <a:schemeClr val="accent2">
-                    <a:lumMod val="20000"/>
-                    <a:lumOff val="80000"/>
-                  </a:schemeClr>
-                </a:solidFill>
-                <a:latin typeface="Cooper Black" panose="0208090404030B020404" pitchFamily="18" charset="0"/>
-              </a:rPr>
-              <a:t>or Long Lived Activities</a:t>
-            </a:r>
-            <a:endParaRPr lang="en-US" sz="4800" dirty="0" smtClean="0">
-              <a:solidFill>
-                <a:schemeClr val="accent2">
-                  <a:lumMod val="20000"/>
-                  <a:lumOff val="80000"/>
-                </a:schemeClr>
-              </a:solidFill>
-              <a:latin typeface="Cooper Black" panose="0208090404030B020404" pitchFamily="18" charset="0"/>
-            </a:endParaRPr>
-          </a:p>
-        </p:txBody>
-      </p:sp>
-    </p:spTree>
-    <p:extLst>
-      <p:ext uri="{BB962C8B-B14F-4D97-AF65-F5344CB8AC3E}">
-        <p14:creationId xmlns:p14="http://schemas.microsoft.com/office/powerpoint/2010/main" val="1307511953"/>
-      </p:ext>
-    </p:extLst>
-  </p:cSld>
-  <p:clrMapOvr>
-    <a:masterClrMapping/>
-  </p:clrMapOvr>
   <p:timing>
     <p:tnLst>
       <p:par>
@@ -16698,11 +17614,45 @@
           <a:lstStyle/>
           <a:p>
             <a:pPr algn="ctr"/>
-            <a:r>
-              <a:rPr lang="en-US" dirty="0" smtClean="0"/>
-              <a:t>cc</a:t>
-            </a:r>
-            <a:endParaRPr lang="en-US" dirty="0"/>
+            <a:endParaRPr lang="en-US"/>
+          </a:p>
+        </p:txBody>
+      </p:sp>
+      <p:sp>
+        <p:nvSpPr>
+          <p:cNvPr id="2" name="Title 1"/>
+          <p:cNvSpPr>
+            <a:spLocks noGrp="1"/>
+          </p:cNvSpPr>
+          <p:nvPr>
+            <p:ph type="title"/>
+          </p:nvPr>
+        </p:nvSpPr>
+        <p:spPr>
+          <a:xfrm>
+            <a:off x="164592" y="268324"/>
+            <a:ext cx="9692640" cy="1325562"/>
+          </a:xfrm>
+        </p:spPr>
+        <p:txBody>
+          <a:bodyPr>
+            <a:normAutofit/>
+          </a:bodyPr>
+          <a:lstStyle/>
+          <a:p>
+            <a:r>
+              <a:rPr lang="en-US" sz="8000" b="1" dirty="0" smtClean="0">
+                <a:solidFill>
+                  <a:schemeClr val="bg1"/>
+                </a:solidFill>
+              </a:rPr>
+              <a:t>Saga Pattern</a:t>
+            </a:r>
+            <a:endParaRPr lang="en-US" sz="8000" b="1" dirty="0">
+              <a:solidFill>
+                <a:schemeClr val="bg1"/>
+              </a:solidFill>
+            </a:endParaRPr>
           </a:p>
         </p:txBody>
       </p:sp>
@@ -16718,76 +17668,73 @@
         </p:nvSpPr>
         <p:spPr>
           <a:xfrm>
-            <a:off x="1231892" y="1543987"/>
-            <a:ext cx="8595360" cy="4351337"/>
+            <a:off x="479685" y="2050274"/>
+            <a:ext cx="10553075" cy="4351337"/>
           </a:xfrm>
         </p:spPr>
         <p:txBody>
-          <a:bodyPr>
-            <a:normAutofit/>
-          </a:bodyPr>
+          <a:bodyPr/>
           <a:lstStyle/>
+          <a:p>
+            <a:pPr marL="0" indent="0">
+              <a:buNone/>
+            </a:pPr>
+            <a:endParaRPr lang="en-US" dirty="0"/>
+          </a:p>
           <a:p>
             <a:pPr marL="0" indent="0" algn="ctr">
               <a:buNone/>
             </a:pPr>
             <a:r>
-              <a:rPr lang="en-US" sz="6600" b="1" dirty="0" smtClean="0">
+              <a:rPr lang="en-US" sz="4800" dirty="0" smtClean="0">
                 <a:solidFill>
-                  <a:schemeClr val="bg1"/>
+                  <a:schemeClr val="accent2">
+                    <a:lumMod val="20000"/>
+                    <a:lumOff val="80000"/>
+                  </a:schemeClr>
                 </a:solidFill>
+                <a:latin typeface="Cooper Black" panose="0208090404030B020404" pitchFamily="18" charset="0"/>
               </a:rPr>
-              <a:t>“Saga </a:t>
-            </a:r>
-            <a:r>
-              <a:rPr lang="en-US" sz="6600" b="1" dirty="0">
+              <a:t>Transaction Model for </a:t>
+            </a:r>
+            <a:r>
+              <a:rPr lang="en-US" sz="6000" dirty="0" smtClean="0">
                 <a:solidFill>
-                  <a:schemeClr val="bg1"/>
+                  <a:schemeClr val="accent2"/>
                 </a:solidFill>
+                <a:latin typeface="Cooper Black" panose="0208090404030B020404" pitchFamily="18" charset="0"/>
               </a:rPr>
-              <a:t>is a Failure Management </a:t>
-            </a:r>
-            <a:r>
-              <a:rPr lang="en-US" sz="6600" b="1" dirty="0" smtClean="0">
+              <a:t>Distributed Transactions</a:t>
+            </a:r>
+            <a:r>
+              <a:rPr lang="en-US" sz="6000" dirty="0">
                 <a:solidFill>
-                  <a:schemeClr val="bg1"/>
+                  <a:schemeClr val="accent2"/>
                 </a:solidFill>
+                <a:latin typeface="Cooper Black" panose="0208090404030B020404" pitchFamily="18" charset="0"/>
               </a:rPr>
-              <a:t>Pattern” </a:t>
-            </a:r>
-          </a:p>
-          <a:p>
-            <a:pPr marL="0" indent="0" algn="ctr">
-              <a:buNone/>
-            </a:pPr>
-            <a:r>
-              <a:rPr lang="en-US" sz="3600" dirty="0" smtClean="0">
+              <a:t> </a:t>
+            </a:r>
+            <a:r>
+              <a:rPr lang="en-US" sz="4800" dirty="0" smtClean="0">
                 <a:solidFill>
-                  <a:schemeClr val="bg1"/>
+                  <a:schemeClr val="accent2">
+                    <a:lumMod val="20000"/>
+                    <a:lumOff val="80000"/>
+                  </a:schemeClr>
                 </a:solidFill>
+                <a:latin typeface="Cooper Black" panose="0208090404030B020404" pitchFamily="18" charset="0"/>
               </a:rPr>
-              <a:t>~Clemens </a:t>
-            </a:r>
-            <a:r>
-              <a:rPr lang="en-US" sz="3600" dirty="0">
-                <a:solidFill>
-                  <a:schemeClr val="bg1"/>
-                </a:solidFill>
-              </a:rPr>
-              <a:t>V</a:t>
-            </a:r>
-            <a:r>
-              <a:rPr lang="en-US" sz="3600" dirty="0" smtClean="0">
-                <a:solidFill>
-                  <a:schemeClr val="bg1"/>
-                </a:solidFill>
-              </a:rPr>
-              <a:t>asters</a:t>
-            </a:r>
-            <a:endParaRPr lang="en-US" sz="3600" dirty="0">
+              <a:t>or Long Lived Activities</a:t>
+            </a:r>
+            <a:endParaRPr lang="en-US" sz="4800" dirty="0" smtClean="0">
               <a:solidFill>
-                <a:schemeClr val="bg1"/>
+                <a:schemeClr val="accent2">
+                  <a:lumMod val="20000"/>
+                  <a:lumOff val="80000"/>
+                </a:schemeClr>
               </a:solidFill>
+              <a:latin typeface="Cooper Black" panose="0208090404030B020404" pitchFamily="18" charset="0"/>
             </a:endParaRPr>
           </a:p>
         </p:txBody>
@@ -16795,7 +17742,7 @@
     </p:spTree>
     <p:extLst>
       <p:ext uri="{BB962C8B-B14F-4D97-AF65-F5344CB8AC3E}">
-        <p14:creationId xmlns:p14="http://schemas.microsoft.com/office/powerpoint/2010/main" val="4046273764"/>
+        <p14:creationId xmlns:p14="http://schemas.microsoft.com/office/powerpoint/2010/main" val="1307511953"/>
       </p:ext>
     </p:extLst>
   </p:cSld>
@@ -16831,13 +17778,424 @@
       </p:grpSpPr>
       <p:sp>
         <p:nvSpPr>
+          <p:cNvPr id="4" name="Rectangle 3"/>
+          <p:cNvSpPr/>
+          <p:nvPr/>
+        </p:nvSpPr>
+        <p:spPr>
+          <a:xfrm>
+            <a:off x="0" y="0"/>
+            <a:ext cx="11302253" cy="6858000"/>
+          </a:xfrm>
+          <a:prstGeom prst="rect">
+            <a:avLst/>
+          </a:prstGeom>
+          <a:solidFill>
+            <a:schemeClr val="tx1">
+              <a:lumMod val="75000"/>
+              <a:lumOff val="25000"/>
+            </a:schemeClr>
+          </a:solidFill>
+        </p:spPr>
+        <p:style>
+          <a:lnRef idx="2">
+            <a:schemeClr val="accent1">
+              <a:shade val="50000"/>
+            </a:schemeClr>
+          </a:lnRef>
+          <a:fillRef idx="1">
+            <a:schemeClr val="accent1"/>
+          </a:fillRef>
+          <a:effectRef idx="0">
+            <a:schemeClr val="accent1"/>
+          </a:effectRef>
+          <a:fontRef idx="minor">
+            <a:schemeClr val="lt1"/>
+          </a:fontRef>
+        </p:style>
+        <p:txBody>
+          <a:bodyPr rtlCol="0" anchor="ctr"/>
+          <a:lstStyle/>
+          <a:p>
+            <a:pPr algn="ctr"/>
+            <a:endParaRPr lang="en-US" dirty="0"/>
+          </a:p>
+        </p:txBody>
+      </p:sp>
+      <p:sp>
+        <p:nvSpPr>
+          <p:cNvPr id="3" name="Content Placeholder 2"/>
+          <p:cNvSpPr>
+            <a:spLocks noGrp="1"/>
+          </p:cNvSpPr>
+          <p:nvPr>
+            <p:ph idx="1"/>
+          </p:nvPr>
+        </p:nvSpPr>
+        <p:spPr>
+          <a:xfrm>
+            <a:off x="1584161" y="1253331"/>
+            <a:ext cx="8595360" cy="4351337"/>
+          </a:xfrm>
+        </p:spPr>
+        <p:txBody>
+          <a:bodyPr>
+            <a:normAutofit/>
+          </a:bodyPr>
+          <a:lstStyle/>
+          <a:p>
+            <a:pPr marL="0" indent="0" algn="ctr">
+              <a:buNone/>
+            </a:pPr>
+            <a:r>
+              <a:rPr lang="en-US" sz="6600" b="1" dirty="0" smtClean="0">
+                <a:solidFill>
+                  <a:schemeClr val="bg1"/>
+                </a:solidFill>
+              </a:rPr>
+              <a:t>“Saga </a:t>
+            </a:r>
+            <a:r>
+              <a:rPr lang="en-US" sz="6600" b="1" dirty="0">
+                <a:solidFill>
+                  <a:schemeClr val="bg1"/>
+                </a:solidFill>
+              </a:rPr>
+              <a:t>is a Failure Management </a:t>
+            </a:r>
+            <a:r>
+              <a:rPr lang="en-US" sz="6600" b="1" dirty="0" smtClean="0">
+                <a:solidFill>
+                  <a:schemeClr val="bg1"/>
+                </a:solidFill>
+              </a:rPr>
+              <a:t>Pattern” </a:t>
+            </a:r>
+          </a:p>
+          <a:p>
+            <a:pPr marL="0" indent="0" algn="ctr">
+              <a:buNone/>
+            </a:pPr>
+            <a:r>
+              <a:rPr lang="en-US" sz="3600" dirty="0" smtClean="0">
+                <a:solidFill>
+                  <a:schemeClr val="bg1"/>
+                </a:solidFill>
+              </a:rPr>
+              <a:t>~Clemens </a:t>
+            </a:r>
+            <a:r>
+              <a:rPr lang="en-US" sz="3600" dirty="0">
+                <a:solidFill>
+                  <a:schemeClr val="bg1"/>
+                </a:solidFill>
+              </a:rPr>
+              <a:t>V</a:t>
+            </a:r>
+            <a:r>
+              <a:rPr lang="en-US" sz="3600" dirty="0" smtClean="0">
+                <a:solidFill>
+                  <a:schemeClr val="bg1"/>
+                </a:solidFill>
+              </a:rPr>
+              <a:t>asters</a:t>
+            </a:r>
+            <a:endParaRPr lang="en-US" sz="3600" dirty="0">
+              <a:solidFill>
+                <a:schemeClr val="bg1"/>
+              </a:solidFill>
+            </a:endParaRPr>
+          </a:p>
+        </p:txBody>
+      </p:sp>
+    </p:spTree>
+    <p:extLst>
+      <p:ext uri="{BB962C8B-B14F-4D97-AF65-F5344CB8AC3E}">
+        <p14:creationId xmlns:p14="http://schemas.microsoft.com/office/powerpoint/2010/main" val="4046273764"/>
+      </p:ext>
+    </p:extLst>
+  </p:cSld>
+  <p:clrMapOvr>
+    <a:masterClrMapping/>
+  </p:clrMapOvr>
+  <p:timing>
+    <p:tnLst>
+      <p:par>
+        <p:cTn id="1" dur="indefinite" restart="never" nodeType="tmRoot"/>
+      </p:par>
+    </p:tnLst>
+  </p:timing>
+</p:sld>
+</file>
+
+<file path=ppt/slides/slide4.xml><?xml version="1.0" encoding="utf-8"?>
+<p:sld xmlns:a="http://schemas.openxmlformats.org/drawingml/2006/main" xmlns:r="http://schemas.openxmlformats.org/officeDocument/2006/relationships" xmlns:p="http://schemas.openxmlformats.org/presentationml/2006/main">
+  <p:cSld>
+    <p:spTree>
+      <p:nvGrpSpPr>
+        <p:cNvPr id="1" name=""/>
+        <p:cNvGrpSpPr/>
+        <p:nvPr/>
+      </p:nvGrpSpPr>
+      <p:grpSpPr>
+        <a:xfrm>
+          <a:off x="0" y="0"/>
+          <a:ext cx="0" cy="0"/>
+          <a:chOff x="0" y="0"/>
+          <a:chExt cx="0" cy="0"/>
+        </a:xfrm>
+      </p:grpSpPr>
+      <p:sp>
+        <p:nvSpPr>
+          <p:cNvPr id="4" name="Rectangle 3"/>
+          <p:cNvSpPr/>
+          <p:nvPr/>
+        </p:nvSpPr>
+        <p:spPr>
+          <a:xfrm>
+            <a:off x="0" y="0"/>
+            <a:ext cx="11302253" cy="6858000"/>
+          </a:xfrm>
+          <a:prstGeom prst="rect">
+            <a:avLst/>
+          </a:prstGeom>
+        </p:spPr>
+        <p:style>
+          <a:lnRef idx="2">
+            <a:schemeClr val="accent1">
+              <a:shade val="50000"/>
+            </a:schemeClr>
+          </a:lnRef>
+          <a:fillRef idx="1">
+            <a:schemeClr val="accent1"/>
+          </a:fillRef>
+          <a:effectRef idx="0">
+            <a:schemeClr val="accent1"/>
+          </a:effectRef>
+          <a:fontRef idx="minor">
+            <a:schemeClr val="lt1"/>
+          </a:fontRef>
+        </p:style>
+        <p:txBody>
+          <a:bodyPr rtlCol="0" anchor="ctr"/>
+          <a:lstStyle/>
+          <a:p>
+            <a:pPr algn="ctr"/>
+            <a:endParaRPr lang="en-US"/>
+          </a:p>
+        </p:txBody>
+      </p:sp>
+      <p:sp>
+        <p:nvSpPr>
+          <p:cNvPr id="2" name="Title 1"/>
+          <p:cNvSpPr>
+            <a:spLocks noGrp="1"/>
+          </p:cNvSpPr>
+          <p:nvPr>
+            <p:ph type="title"/>
+          </p:nvPr>
+        </p:nvSpPr>
+        <p:spPr>
+          <a:xfrm>
+            <a:off x="85253" y="83372"/>
+            <a:ext cx="11069081" cy="1325562"/>
+          </a:xfrm>
+        </p:spPr>
+        <p:txBody>
+          <a:bodyPr>
+            <a:normAutofit/>
+          </a:bodyPr>
+          <a:lstStyle/>
+          <a:p>
+            <a:r>
+              <a:rPr lang="en-US" sz="8000" b="1" dirty="0" smtClean="0">
+                <a:solidFill>
+                  <a:schemeClr val="accent2"/>
+                </a:solidFill>
+              </a:rPr>
+              <a:t>Azure Storage</a:t>
+            </a:r>
+            <a:endParaRPr lang="en-US" sz="8000" b="1" dirty="0">
+              <a:solidFill>
+                <a:schemeClr val="accent2"/>
+              </a:solidFill>
+            </a:endParaRPr>
+          </a:p>
+        </p:txBody>
+      </p:sp>
+      <p:sp>
+        <p:nvSpPr>
+          <p:cNvPr id="3" name="Content Placeholder 2"/>
+          <p:cNvSpPr>
+            <a:spLocks noGrp="1"/>
+          </p:cNvSpPr>
+          <p:nvPr>
+            <p:ph idx="1"/>
+          </p:nvPr>
+        </p:nvSpPr>
+        <p:spPr>
+          <a:xfrm>
+            <a:off x="539646" y="2030506"/>
+            <a:ext cx="10359194" cy="3052482"/>
+          </a:xfrm>
+        </p:spPr>
+        <p:txBody>
+          <a:bodyPr>
+            <a:normAutofit fontScale="92500"/>
+          </a:bodyPr>
+          <a:lstStyle/>
+          <a:p>
+            <a:pPr marL="0" indent="0">
+              <a:buNone/>
+            </a:pPr>
+            <a:r>
+              <a:rPr lang="en-US" sz="5400" b="1" dirty="0" smtClean="0">
+                <a:solidFill>
+                  <a:schemeClr val="accent2"/>
+                </a:solidFill>
+              </a:rPr>
+              <a:t>Blob</a:t>
+            </a:r>
+            <a:r>
+              <a:rPr lang="en-US" sz="5400" dirty="0" smtClean="0">
+                <a:solidFill>
+                  <a:schemeClr val="accent2"/>
+                </a:solidFill>
+              </a:rPr>
+              <a:t> - </a:t>
+            </a:r>
+            <a:r>
+              <a:rPr lang="en-US" sz="4700" dirty="0" smtClean="0">
+                <a:solidFill>
+                  <a:schemeClr val="accent2">
+                    <a:lumMod val="20000"/>
+                    <a:lumOff val="80000"/>
+                  </a:schemeClr>
+                </a:solidFill>
+              </a:rPr>
+              <a:t>Unstructured Binary</a:t>
+            </a:r>
+          </a:p>
+          <a:p>
+            <a:pPr marL="0" indent="0">
+              <a:buNone/>
+            </a:pPr>
+            <a:r>
+              <a:rPr lang="en-US" sz="5400" b="1" dirty="0" smtClean="0">
+                <a:solidFill>
+                  <a:schemeClr val="accent2"/>
+                </a:solidFill>
+              </a:rPr>
+              <a:t>Table</a:t>
+            </a:r>
+            <a:r>
+              <a:rPr lang="en-US" sz="5400" dirty="0" smtClean="0">
+                <a:solidFill>
+                  <a:schemeClr val="accent2"/>
+                </a:solidFill>
+              </a:rPr>
+              <a:t> - </a:t>
+            </a:r>
+            <a:r>
+              <a:rPr lang="en-US" sz="4700" dirty="0" smtClean="0">
+                <a:solidFill>
+                  <a:schemeClr val="accent2">
+                    <a:lumMod val="20000"/>
+                    <a:lumOff val="80000"/>
+                  </a:schemeClr>
+                </a:solidFill>
+              </a:rPr>
+              <a:t>Structured Non Relational </a:t>
+            </a:r>
+          </a:p>
+          <a:p>
+            <a:pPr marL="0" indent="0">
+              <a:buNone/>
+            </a:pPr>
+            <a:r>
+              <a:rPr lang="en-US" sz="5400" b="1" dirty="0" smtClean="0">
+                <a:solidFill>
+                  <a:schemeClr val="accent2"/>
+                </a:solidFill>
+              </a:rPr>
+              <a:t>SQL Database </a:t>
+            </a:r>
+            <a:r>
+              <a:rPr lang="en-US" sz="5400" dirty="0" smtClean="0">
+                <a:solidFill>
+                  <a:schemeClr val="accent2"/>
+                </a:solidFill>
+              </a:rPr>
+              <a:t>- </a:t>
+            </a:r>
+            <a:r>
+              <a:rPr lang="en-US" sz="4600" dirty="0" smtClean="0">
+                <a:solidFill>
+                  <a:schemeClr val="accent2">
+                    <a:lumMod val="20000"/>
+                    <a:lumOff val="80000"/>
+                  </a:schemeClr>
+                </a:solidFill>
+              </a:rPr>
+              <a:t>Relational Storage</a:t>
+            </a:r>
+            <a:endParaRPr lang="en-US" sz="4600" dirty="0">
+              <a:solidFill>
+                <a:schemeClr val="accent2">
+                  <a:lumMod val="20000"/>
+                  <a:lumOff val="80000"/>
+                </a:schemeClr>
+              </a:solidFill>
+            </a:endParaRPr>
+          </a:p>
+        </p:txBody>
+      </p:sp>
+    </p:spTree>
+    <p:extLst>
+      <p:ext uri="{BB962C8B-B14F-4D97-AF65-F5344CB8AC3E}">
+        <p14:creationId xmlns:p14="http://schemas.microsoft.com/office/powerpoint/2010/main" val="419668754"/>
+      </p:ext>
+    </p:extLst>
+  </p:cSld>
+  <p:clrMapOvr>
+    <a:masterClrMapping/>
+  </p:clrMapOvr>
+  <p:timing>
+    <p:tnLst>
+      <p:par>
+        <p:cTn id="1" dur="indefinite" restart="never" nodeType="tmRoot"/>
+      </p:par>
+    </p:tnLst>
+  </p:timing>
+</p:sld>
+</file>
+
+<file path=ppt/slides/slide40.xml><?xml version="1.0" encoding="utf-8"?>
+<p:sld xmlns:a="http://schemas.openxmlformats.org/drawingml/2006/main" xmlns:r="http://schemas.openxmlformats.org/officeDocument/2006/relationships" xmlns:p="http://schemas.openxmlformats.org/presentationml/2006/main">
+  <p:cSld>
+    <p:spTree>
+      <p:nvGrpSpPr>
+        <p:cNvPr id="1" name=""/>
+        <p:cNvGrpSpPr/>
+        <p:nvPr/>
+      </p:nvGrpSpPr>
+      <p:grpSpPr>
+        <a:xfrm>
+          <a:off x="0" y="0"/>
+          <a:ext cx="0" cy="0"/>
+          <a:chOff x="0" y="0"/>
+          <a:chExt cx="0" cy="0"/>
+        </a:xfrm>
+      </p:grpSpPr>
+      <p:sp>
+        <p:nvSpPr>
           <p:cNvPr id="6" name="Rectangle 5"/>
           <p:cNvSpPr/>
           <p:nvPr/>
         </p:nvSpPr>
         <p:spPr>
           <a:xfrm>
-            <a:off x="30145" y="0"/>
+            <a:off x="0" y="0"/>
             <a:ext cx="11302253" cy="6858000"/>
           </a:xfrm>
           <a:prstGeom prst="rect">
@@ -19944,249 +21302,7 @@
 </p:sld>
 </file>
 
-<file path=ppt/slides/slide4.xml><?xml version="1.0" encoding="utf-8"?>
-<p:sld xmlns:a="http://schemas.openxmlformats.org/drawingml/2006/main" xmlns:r="http://schemas.openxmlformats.org/officeDocument/2006/relationships" xmlns:p="http://schemas.openxmlformats.org/presentationml/2006/main">
-  <p:cSld>
-    <p:spTree>
-      <p:nvGrpSpPr>
-        <p:cNvPr id="1" name=""/>
-        <p:cNvGrpSpPr/>
-        <p:nvPr/>
-      </p:nvGrpSpPr>
-      <p:grpSpPr>
-        <a:xfrm>
-          <a:off x="0" y="0"/>
-          <a:ext cx="0" cy="0"/>
-          <a:chOff x="0" y="0"/>
-          <a:chExt cx="0" cy="0"/>
-        </a:xfrm>
-      </p:grpSpPr>
-      <p:sp>
-        <p:nvSpPr>
-          <p:cNvPr id="4" name="Rectangle 3"/>
-          <p:cNvSpPr/>
-          <p:nvPr/>
-        </p:nvSpPr>
-        <p:spPr>
-          <a:xfrm>
-            <a:off x="0" y="0"/>
-            <a:ext cx="11302253" cy="6858000"/>
-          </a:xfrm>
-          <a:prstGeom prst="rect">
-            <a:avLst/>
-          </a:prstGeom>
-        </p:spPr>
-        <p:style>
-          <a:lnRef idx="2">
-            <a:schemeClr val="accent1">
-              <a:shade val="50000"/>
-            </a:schemeClr>
-          </a:lnRef>
-          <a:fillRef idx="1">
-            <a:schemeClr val="accent1"/>
-          </a:fillRef>
-          <a:effectRef idx="0">
-            <a:schemeClr val="accent1"/>
-          </a:effectRef>
-          <a:fontRef idx="minor">
-            <a:schemeClr val="lt1"/>
-          </a:fontRef>
-        </p:style>
-        <p:txBody>
-          <a:bodyPr rtlCol="0" anchor="ctr"/>
-          <a:lstStyle/>
-          <a:p>
-            <a:pPr algn="ctr"/>
-            <a:endParaRPr lang="en-US"/>
-          </a:p>
-        </p:txBody>
-      </p:sp>
-      <p:sp>
-        <p:nvSpPr>
-          <p:cNvPr id="2" name="Title 1"/>
-          <p:cNvSpPr>
-            <a:spLocks noGrp="1"/>
-          </p:cNvSpPr>
-          <p:nvPr>
-            <p:ph type="title"/>
-          </p:nvPr>
-        </p:nvSpPr>
-        <p:spPr>
-          <a:xfrm>
-            <a:off x="85253" y="83372"/>
-            <a:ext cx="11069081" cy="1325562"/>
-          </a:xfrm>
-        </p:spPr>
-        <p:txBody>
-          <a:bodyPr>
-            <a:normAutofit/>
-          </a:bodyPr>
-          <a:lstStyle/>
-          <a:p>
-            <a:r>
-              <a:rPr lang="en-US" sz="8000" b="1" dirty="0" smtClean="0">
-                <a:solidFill>
-                  <a:schemeClr val="accent2"/>
-                </a:solidFill>
-              </a:rPr>
-              <a:t>Azure Storage</a:t>
-            </a:r>
-            <a:endParaRPr lang="en-US" sz="8000" b="1" dirty="0">
-              <a:solidFill>
-                <a:schemeClr val="accent2"/>
-              </a:solidFill>
-            </a:endParaRPr>
-          </a:p>
-        </p:txBody>
-      </p:sp>
-      <p:sp>
-        <p:nvSpPr>
-          <p:cNvPr id="3" name="Content Placeholder 2"/>
-          <p:cNvSpPr>
-            <a:spLocks noGrp="1"/>
-          </p:cNvSpPr>
-          <p:nvPr>
-            <p:ph idx="1"/>
-          </p:nvPr>
-        </p:nvSpPr>
-        <p:spPr>
-          <a:xfrm>
-            <a:off x="539646" y="2030506"/>
-            <a:ext cx="10359194" cy="3052482"/>
-          </a:xfrm>
-        </p:spPr>
-        <p:txBody>
-          <a:bodyPr>
-            <a:normAutofit fontScale="92500"/>
-          </a:bodyPr>
-          <a:lstStyle/>
-          <a:p>
-            <a:pPr marL="0" indent="0">
-              <a:buNone/>
-            </a:pPr>
-            <a:r>
-              <a:rPr lang="en-US" sz="5400" b="1" dirty="0" smtClean="0">
-                <a:solidFill>
-                  <a:schemeClr val="accent2"/>
-                </a:solidFill>
-              </a:rPr>
-              <a:t>Blob</a:t>
-            </a:r>
-            <a:r>
-              <a:rPr lang="en-US" sz="5400" dirty="0" smtClean="0">
-                <a:solidFill>
-                  <a:schemeClr val="accent2"/>
-                </a:solidFill>
-              </a:rPr>
-              <a:t> - </a:t>
-            </a:r>
-            <a:r>
-              <a:rPr lang="en-US" sz="4700" dirty="0" smtClean="0">
-                <a:solidFill>
-                  <a:schemeClr val="accent2">
-                    <a:lumMod val="20000"/>
-                    <a:lumOff val="80000"/>
-                  </a:schemeClr>
-                </a:solidFill>
-              </a:rPr>
-              <a:t>Unstructured Binary</a:t>
-            </a:r>
-          </a:p>
-          <a:p>
-            <a:pPr marL="0" indent="0">
-              <a:buNone/>
-            </a:pPr>
-            <a:r>
-              <a:rPr lang="en-US" sz="5400" b="1" dirty="0" smtClean="0">
-                <a:solidFill>
-                  <a:schemeClr val="accent2"/>
-                </a:solidFill>
-              </a:rPr>
-              <a:t>Table</a:t>
-            </a:r>
-            <a:r>
-              <a:rPr lang="en-US" sz="5400" dirty="0" smtClean="0">
-                <a:solidFill>
-                  <a:schemeClr val="accent2"/>
-                </a:solidFill>
-              </a:rPr>
-              <a:t> - </a:t>
-            </a:r>
-            <a:r>
-              <a:rPr lang="en-US" sz="4700" dirty="0" smtClean="0">
-                <a:solidFill>
-                  <a:schemeClr val="accent2">
-                    <a:lumMod val="20000"/>
-                    <a:lumOff val="80000"/>
-                  </a:schemeClr>
-                </a:solidFill>
-              </a:rPr>
-              <a:t>Structured Non Relational </a:t>
-            </a:r>
-          </a:p>
-          <a:p>
-            <a:pPr marL="0" indent="0">
-              <a:buNone/>
-            </a:pPr>
-            <a:r>
-              <a:rPr lang="en-US" sz="5400" b="1" dirty="0" smtClean="0">
-                <a:solidFill>
-                  <a:schemeClr val="accent2"/>
-                </a:solidFill>
-              </a:rPr>
-              <a:t>SQL Database </a:t>
-            </a:r>
-            <a:r>
-              <a:rPr lang="en-US" sz="5400" dirty="0" smtClean="0">
-                <a:solidFill>
-                  <a:schemeClr val="accent2"/>
-                </a:solidFill>
-              </a:rPr>
-              <a:t>- </a:t>
-            </a:r>
-            <a:r>
-              <a:rPr lang="en-US" sz="4600" dirty="0" smtClean="0">
-                <a:solidFill>
-                  <a:schemeClr val="accent2">
-                    <a:lumMod val="20000"/>
-                    <a:lumOff val="80000"/>
-                  </a:schemeClr>
-                </a:solidFill>
-              </a:rPr>
-              <a:t>Relational Storage</a:t>
-            </a:r>
-            <a:endParaRPr lang="en-US" sz="4600" dirty="0">
-              <a:solidFill>
-                <a:schemeClr val="accent2">
-                  <a:lumMod val="20000"/>
-                  <a:lumOff val="80000"/>
-                </a:schemeClr>
-              </a:solidFill>
-            </a:endParaRPr>
-          </a:p>
-        </p:txBody>
-      </p:sp>
-    </p:spTree>
-    <p:extLst>
-      <p:ext uri="{BB962C8B-B14F-4D97-AF65-F5344CB8AC3E}">
-        <p14:creationId xmlns:p14="http://schemas.microsoft.com/office/powerpoint/2010/main" val="419668754"/>
-      </p:ext>
-    </p:extLst>
-  </p:cSld>
-  <p:clrMapOvr>
-    <a:masterClrMapping/>
-  </p:clrMapOvr>
-  <p:timing>
-    <p:tnLst>
-      <p:par>
-        <p:cTn id="1" dur="indefinite" restart="never" nodeType="tmRoot"/>
-      </p:par>
-    </p:tnLst>
-  </p:timing>
-</p:sld>
-</file>
-
-<file path=ppt/slides/slide40.xml><?xml version="1.0" encoding="utf-8"?>
+<file path=ppt/slides/slide41.xml><?xml version="1.0" encoding="utf-8"?>
 <p:sld xmlns:a="http://schemas.openxmlformats.org/drawingml/2006/main" xmlns:r="http://schemas.openxmlformats.org/officeDocument/2006/relationships" xmlns:p="http://schemas.openxmlformats.org/presentationml/2006/main">
   <p:cSld>
     <p:spTree>
@@ -20249,7 +21365,7 @@
         </p:nvSpPr>
         <p:spPr>
           <a:xfrm>
-            <a:off x="30145" y="0"/>
+            <a:off x="0" y="0"/>
             <a:ext cx="11302253" cy="6858000"/>
           </a:xfrm>
           <a:prstGeom prst="rect">
@@ -23709,7 +24825,7 @@
 </p:sld>
 </file>
 
-<file path=ppt/slides/slide41.xml><?xml version="1.0" encoding="utf-8"?>
+<file path=ppt/slides/slide42.xml><?xml version="1.0" encoding="utf-8"?>
 <p:sld xmlns:a="http://schemas.openxmlformats.org/drawingml/2006/main" xmlns:r="http://schemas.openxmlformats.org/officeDocument/2006/relationships" xmlns:p="http://schemas.openxmlformats.org/presentationml/2006/main">
   <p:cSld>
     <p:spTree>
@@ -23772,7 +24888,7 @@
         </p:nvSpPr>
         <p:spPr>
           <a:xfrm>
-            <a:off x="30145" y="0"/>
+            <a:off x="0" y="8733"/>
             <a:ext cx="11302253" cy="6858000"/>
           </a:xfrm>
           <a:prstGeom prst="rect">
@@ -29322,7 +30438,7 @@
 </p:sld>
 </file>
 
-<file path=ppt/slides/slide42.xml><?xml version="1.0" encoding="utf-8"?>
+<file path=ppt/slides/slide43.xml><?xml version="1.0" encoding="utf-8"?>
 <p:sld xmlns:a="http://schemas.openxmlformats.org/drawingml/2006/main" xmlns:r="http://schemas.openxmlformats.org/officeDocument/2006/relationships" xmlns:p="http://schemas.openxmlformats.org/presentationml/2006/main">
   <p:cSld>
     <p:spTree>
@@ -29385,7 +30501,7 @@
         </p:nvSpPr>
         <p:spPr>
           <a:xfrm>
-            <a:off x="30145" y="0"/>
+            <a:off x="0" y="0"/>
             <a:ext cx="11302253" cy="6858000"/>
           </a:xfrm>
           <a:prstGeom prst="rect">
@@ -32977,7 +34093,7 @@
 </p:sld>
 </file>
 
-<file path=ppt/slides/slide43.xml><?xml version="1.0" encoding="utf-8"?>
+<file path=ppt/slides/slide44.xml><?xml version="1.0" encoding="utf-8"?>
 <p:sld xmlns:a="http://schemas.openxmlformats.org/drawingml/2006/main" xmlns:r="http://schemas.openxmlformats.org/officeDocument/2006/relationships" xmlns:p="http://schemas.openxmlformats.org/presentationml/2006/main">
   <p:cSld>
     <p:spTree>
@@ -33178,7 +34294,7 @@
 </p:sld>
 </file>
 
-<file path=ppt/slides/slide44.xml><?xml version="1.0" encoding="utf-8"?>
+<file path=ppt/slides/slide45.xml><?xml version="1.0" encoding="utf-8"?>
 <p:sld xmlns:a="http://schemas.openxmlformats.org/drawingml/2006/main" xmlns:r="http://schemas.openxmlformats.org/officeDocument/2006/relationships" xmlns:p="http://schemas.openxmlformats.org/presentationml/2006/main">
   <p:cSld>
     <p:spTree>
@@ -33631,7 +34747,7 @@
 </p:sld>
 </file>
 
-<file path=ppt/slides/slide45.xml><?xml version="1.0" encoding="utf-8"?>
+<file path=ppt/slides/slide46.xml><?xml version="1.0" encoding="utf-8"?>
 <p:sld xmlns:a="http://schemas.openxmlformats.org/drawingml/2006/main" xmlns:r="http://schemas.openxmlformats.org/officeDocument/2006/relationships" xmlns:p="http://schemas.openxmlformats.org/presentationml/2006/main">
   <p:cSld>
     <p:spTree>
@@ -34073,7 +35189,7 @@
 </p:sld>
 </file>
 
-<file path=ppt/slides/slide46.xml><?xml version="1.0" encoding="utf-8"?>
+<file path=ppt/slides/slide47.xml><?xml version="1.0" encoding="utf-8"?>
 <p:sld xmlns:a="http://schemas.openxmlformats.org/drawingml/2006/main" xmlns:r="http://schemas.openxmlformats.org/officeDocument/2006/relationships" xmlns:p="http://schemas.openxmlformats.org/presentationml/2006/main">
   <p:cSld>
     <p:spTree>
@@ -35811,7 +36927,7 @@
                 </a:solidFill>
                 <a:latin typeface="Cooper Black" panose="0208090404030B020404" pitchFamily="18" charset="0"/>
               </a:rPr>
-              <a:t>ONLY ON</a:t>
+              <a:t>ONLY ONE</a:t>
             </a:r>
           </a:p>
           <a:p>
